--- a/Testing Results & functionality repot/flowchaw charts of the program logic.pptx
+++ b/Testing Results & functionality repot/flowchaw charts of the program logic.pptx
@@ -204,7 +204,7 @@
           <a:p>
             <a:fld id="{C165559C-BC8E-433F-A4E6-A07C9F72099A}" type="datetimeFigureOut">
               <a:rPr lang="fr-FR" smtClean="0"/>
-              <a:t>01/08/2021</a:t>
+              <a:t>02/08/2021</a:t>
             </a:fld>
             <a:endParaRPr lang="fr-FR"/>
           </a:p>
@@ -1275,7 +1275,7 @@
           <a:p>
             <a:fld id="{2A5595A6-4555-4F4D-AAE8-BCA86D99260A}" type="datetimeFigureOut">
               <a:rPr lang="fr-FR" smtClean="0"/>
-              <a:t>01/08/2021</a:t>
+              <a:t>02/08/2021</a:t>
             </a:fld>
             <a:endParaRPr lang="fr-FR"/>
           </a:p>
@@ -1445,7 +1445,7 @@
           <a:p>
             <a:fld id="{2A5595A6-4555-4F4D-AAE8-BCA86D99260A}" type="datetimeFigureOut">
               <a:rPr lang="fr-FR" smtClean="0"/>
-              <a:t>01/08/2021</a:t>
+              <a:t>02/08/2021</a:t>
             </a:fld>
             <a:endParaRPr lang="fr-FR"/>
           </a:p>
@@ -1625,7 +1625,7 @@
           <a:p>
             <a:fld id="{2A5595A6-4555-4F4D-AAE8-BCA86D99260A}" type="datetimeFigureOut">
               <a:rPr lang="fr-FR" smtClean="0"/>
-              <a:t>01/08/2021</a:t>
+              <a:t>02/08/2021</a:t>
             </a:fld>
             <a:endParaRPr lang="fr-FR"/>
           </a:p>
@@ -1795,7 +1795,7 @@
           <a:p>
             <a:fld id="{2A5595A6-4555-4F4D-AAE8-BCA86D99260A}" type="datetimeFigureOut">
               <a:rPr lang="fr-FR" smtClean="0"/>
-              <a:t>01/08/2021</a:t>
+              <a:t>02/08/2021</a:t>
             </a:fld>
             <a:endParaRPr lang="fr-FR"/>
           </a:p>
@@ -2041,7 +2041,7 @@
           <a:p>
             <a:fld id="{2A5595A6-4555-4F4D-AAE8-BCA86D99260A}" type="datetimeFigureOut">
               <a:rPr lang="fr-FR" smtClean="0"/>
-              <a:t>01/08/2021</a:t>
+              <a:t>02/08/2021</a:t>
             </a:fld>
             <a:endParaRPr lang="fr-FR"/>
           </a:p>
@@ -2273,7 +2273,7 @@
           <a:p>
             <a:fld id="{2A5595A6-4555-4F4D-AAE8-BCA86D99260A}" type="datetimeFigureOut">
               <a:rPr lang="fr-FR" smtClean="0"/>
-              <a:t>01/08/2021</a:t>
+              <a:t>02/08/2021</a:t>
             </a:fld>
             <a:endParaRPr lang="fr-FR"/>
           </a:p>
@@ -2640,7 +2640,7 @@
           <a:p>
             <a:fld id="{2A5595A6-4555-4F4D-AAE8-BCA86D99260A}" type="datetimeFigureOut">
               <a:rPr lang="fr-FR" smtClean="0"/>
-              <a:t>01/08/2021</a:t>
+              <a:t>02/08/2021</a:t>
             </a:fld>
             <a:endParaRPr lang="fr-FR"/>
           </a:p>
@@ -2758,7 +2758,7 @@
           <a:p>
             <a:fld id="{2A5595A6-4555-4F4D-AAE8-BCA86D99260A}" type="datetimeFigureOut">
               <a:rPr lang="fr-FR" smtClean="0"/>
-              <a:t>01/08/2021</a:t>
+              <a:t>02/08/2021</a:t>
             </a:fld>
             <a:endParaRPr lang="fr-FR"/>
           </a:p>
@@ -2853,7 +2853,7 @@
           <a:p>
             <a:fld id="{2A5595A6-4555-4F4D-AAE8-BCA86D99260A}" type="datetimeFigureOut">
               <a:rPr lang="fr-FR" smtClean="0"/>
-              <a:t>01/08/2021</a:t>
+              <a:t>02/08/2021</a:t>
             </a:fld>
             <a:endParaRPr lang="fr-FR"/>
           </a:p>
@@ -3130,7 +3130,7 @@
           <a:p>
             <a:fld id="{2A5595A6-4555-4F4D-AAE8-BCA86D99260A}" type="datetimeFigureOut">
               <a:rPr lang="fr-FR" smtClean="0"/>
-              <a:t>01/08/2021</a:t>
+              <a:t>02/08/2021</a:t>
             </a:fld>
             <a:endParaRPr lang="fr-FR"/>
           </a:p>
@@ -3383,7 +3383,7 @@
           <a:p>
             <a:fld id="{2A5595A6-4555-4F4D-AAE8-BCA86D99260A}" type="datetimeFigureOut">
               <a:rPr lang="fr-FR" smtClean="0"/>
-              <a:t>01/08/2021</a:t>
+              <a:t>02/08/2021</a:t>
             </a:fld>
             <a:endParaRPr lang="fr-FR"/>
           </a:p>
@@ -3596,7 +3596,7 @@
           <a:p>
             <a:fld id="{2A5595A6-4555-4F4D-AAE8-BCA86D99260A}" type="datetimeFigureOut">
               <a:rPr lang="fr-FR" smtClean="0"/>
-              <a:t>01/08/2021</a:t>
+              <a:t>02/08/2021</a:t>
             </a:fld>
             <a:endParaRPr lang="fr-FR"/>
           </a:p>
@@ -4311,9 +4311,24 @@
             <a:pPr algn="ctr"/>
             <a:r>
               <a:rPr lang="en-GB" sz="1100" dirty="0" smtClean="0"/>
-              <a:t>Display recipes corresponding to main search input only</a:t>
-            </a:r>
-            <a:endParaRPr lang="fr-FR" sz="1100" dirty="0"/>
+              <a:t>Display recipes corresponding to main search input </a:t>
+            </a:r>
+            <a:r>
+              <a:rPr lang="en-GB" sz="1100" dirty="0" smtClean="0"/>
+              <a:t>only</a:t>
+            </a:r>
+          </a:p>
+          <a:p>
+            <a:pPr algn="ctr"/>
+            <a:r>
+              <a:rPr lang="en-GB" sz="1100" dirty="0"/>
+              <a:t>(display/hide recipe in DOM</a:t>
+            </a:r>
+            <a:r>
+              <a:rPr lang="en-GB" sz="1100" dirty="0" smtClean="0"/>
+              <a:t>)</a:t>
+            </a:r>
+            <a:endParaRPr lang="en-GB" sz="1100" dirty="0"/>
           </a:p>
         </p:txBody>
       </p:sp>
@@ -4612,8 +4627,24 @@
             <a:pPr algn="ctr"/>
             <a:r>
               <a:rPr lang="en-GB" sz="1100" dirty="0" smtClean="0"/>
-              <a:t>Display recipes corresponding to main search &amp; tags</a:t>
-            </a:r>
+              <a:t>Display recipes corresponding to main search &amp; </a:t>
+            </a:r>
+            <a:r>
+              <a:rPr lang="en-GB" sz="1100" dirty="0" smtClean="0"/>
+              <a:t>tags</a:t>
+            </a:r>
+          </a:p>
+          <a:p>
+            <a:pPr algn="ctr"/>
+            <a:r>
+              <a:rPr lang="en-GB" sz="1100" dirty="0"/>
+              <a:t>(display/hide recipe in DOM</a:t>
+            </a:r>
+            <a:r>
+              <a:rPr lang="en-GB" sz="1100" dirty="0" smtClean="0"/>
+              <a:t>)</a:t>
+            </a:r>
+            <a:endParaRPr lang="en-GB" sz="1100" dirty="0"/>
           </a:p>
         </p:txBody>
       </p:sp>
@@ -5091,9 +5122,24 @@
             <a:pPr algn="ctr"/>
             <a:r>
               <a:rPr lang="en-GB" sz="1100" dirty="0" smtClean="0"/>
-              <a:t>Display recipes corresponding  to tag(s) only</a:t>
-            </a:r>
-            <a:endParaRPr lang="fr-FR" sz="1100" dirty="0"/>
+              <a:t>Display recipes corresponding  to tag(s) </a:t>
+            </a:r>
+            <a:r>
+              <a:rPr lang="en-GB" sz="1100" dirty="0" smtClean="0"/>
+              <a:t>only</a:t>
+            </a:r>
+          </a:p>
+          <a:p>
+            <a:pPr algn="ctr"/>
+            <a:r>
+              <a:rPr lang="en-GB" sz="1100" dirty="0"/>
+              <a:t>(display/hide recipe in DOM</a:t>
+            </a:r>
+            <a:r>
+              <a:rPr lang="en-GB" sz="1100" dirty="0" smtClean="0"/>
+              <a:t>)</a:t>
+            </a:r>
+            <a:endParaRPr lang="en-GB" sz="1100" dirty="0"/>
           </a:p>
         </p:txBody>
       </p:sp>
@@ -6198,9 +6244,24 @@
             <a:pPr algn="ctr"/>
             <a:r>
               <a:rPr lang="en-GB" sz="1100" dirty="0" smtClean="0"/>
-              <a:t>Display recipes corresponding to main search input only</a:t>
-            </a:r>
-            <a:endParaRPr lang="fr-FR" sz="1100" dirty="0"/>
+              <a:t>Display recipes corresponding to main search input </a:t>
+            </a:r>
+            <a:r>
+              <a:rPr lang="en-GB" sz="1100" dirty="0" smtClean="0"/>
+              <a:t>only</a:t>
+            </a:r>
+          </a:p>
+          <a:p>
+            <a:pPr algn="ctr"/>
+            <a:r>
+              <a:rPr lang="en-GB" sz="1100" dirty="0"/>
+              <a:t>(display/hide recipe in DOM</a:t>
+            </a:r>
+            <a:r>
+              <a:rPr lang="en-GB" sz="1100" dirty="0" smtClean="0"/>
+              <a:t>)</a:t>
+            </a:r>
+            <a:endParaRPr lang="en-GB" sz="1100" dirty="0"/>
           </a:p>
         </p:txBody>
       </p:sp>
@@ -6499,8 +6560,24 @@
             <a:pPr algn="ctr"/>
             <a:r>
               <a:rPr lang="en-GB" sz="1100" dirty="0" smtClean="0"/>
-              <a:t>Display recipes corresponding to main search &amp; tags</a:t>
-            </a:r>
+              <a:t>Display recipes corresponding to main search &amp; </a:t>
+            </a:r>
+            <a:r>
+              <a:rPr lang="en-GB" sz="1100" dirty="0" smtClean="0"/>
+              <a:t>tags</a:t>
+            </a:r>
+          </a:p>
+          <a:p>
+            <a:pPr algn="ctr"/>
+            <a:r>
+              <a:rPr lang="en-GB" sz="1100" dirty="0"/>
+              <a:t>(display/hide recipe in DOM</a:t>
+            </a:r>
+            <a:r>
+              <a:rPr lang="en-GB" sz="1100" dirty="0" smtClean="0"/>
+              <a:t>)</a:t>
+            </a:r>
+            <a:endParaRPr lang="en-GB" sz="1100" dirty="0"/>
           </a:p>
         </p:txBody>
       </p:sp>
@@ -6988,7 +7065,7 @@
         </p:nvSpPr>
         <p:spPr>
           <a:xfrm>
-            <a:off x="128970" y="5483189"/>
+            <a:off x="128970" y="5480753"/>
             <a:ext cx="2114480" cy="781291"/>
           </a:xfrm>
           <a:prstGeom prst="roundRect">
@@ -7018,9 +7095,24 @@
             <a:pPr algn="ctr"/>
             <a:r>
               <a:rPr lang="en-GB" sz="1100" dirty="0" smtClean="0"/>
-              <a:t>Display recipes corresponding  to tag(s) only</a:t>
-            </a:r>
-            <a:endParaRPr lang="fr-FR" sz="1100" dirty="0"/>
+              <a:t>Display recipes corresponding  to tag(s) </a:t>
+            </a:r>
+            <a:r>
+              <a:rPr lang="en-GB" sz="1100" dirty="0" smtClean="0"/>
+              <a:t>only</a:t>
+            </a:r>
+          </a:p>
+          <a:p>
+            <a:pPr algn="ctr"/>
+            <a:r>
+              <a:rPr lang="en-GB" sz="1100" dirty="0"/>
+              <a:t>(display/hide recipe in DOM</a:t>
+            </a:r>
+            <a:r>
+              <a:rPr lang="en-GB" sz="1100" dirty="0" smtClean="0"/>
+              <a:t>)</a:t>
+            </a:r>
+            <a:endParaRPr lang="en-GB" sz="1100" dirty="0"/>
           </a:p>
         </p:txBody>
       </p:sp>
@@ -7036,7 +7128,7 @@
         <p:spPr>
           <a:xfrm>
             <a:off x="1186210" y="4724722"/>
-            <a:ext cx="0" cy="758467"/>
+            <a:ext cx="0" cy="756031"/>
           </a:xfrm>
           <a:prstGeom prst="straightConnector1">
             <a:avLst/>
@@ -7787,8 +7879,24 @@
             <a:pPr algn="ctr"/>
             <a:r>
               <a:rPr lang="en-GB" sz="1200" dirty="0" smtClean="0"/>
-              <a:t>DISPLAY RECIPES</a:t>
-            </a:r>
+              <a:t>DISPLAY </a:t>
+            </a:r>
+            <a:r>
+              <a:rPr lang="en-GB" sz="1200" dirty="0" smtClean="0"/>
+              <a:t>RECIPES</a:t>
+            </a:r>
+          </a:p>
+          <a:p>
+            <a:pPr algn="ctr"/>
+            <a:r>
+              <a:rPr lang="en-GB" sz="1200" dirty="0"/>
+              <a:t>(display/hide recipe in DOM</a:t>
+            </a:r>
+            <a:r>
+              <a:rPr lang="en-GB" sz="1200" dirty="0" smtClean="0"/>
+              <a:t>)</a:t>
+            </a:r>
+            <a:endParaRPr lang="en-GB" sz="1200" dirty="0"/>
           </a:p>
         </p:txBody>
       </p:sp>
@@ -8068,9 +8176,24 @@
             <a:pPr algn="ctr"/>
             <a:r>
               <a:rPr lang="en-GB" sz="1200" dirty="0" smtClean="0"/>
-              <a:t>DISPLAY RECIPES</a:t>
-            </a:r>
-            <a:endParaRPr lang="fr-FR" sz="1200" dirty="0"/>
+              <a:t>DISPLAY </a:t>
+            </a:r>
+            <a:r>
+              <a:rPr lang="en-GB" sz="1200" dirty="0" smtClean="0"/>
+              <a:t>RECIPES</a:t>
+            </a:r>
+          </a:p>
+          <a:p>
+            <a:pPr algn="ctr"/>
+            <a:r>
+              <a:rPr lang="en-GB" sz="1200" dirty="0"/>
+              <a:t>(display/hide recipe in DOM</a:t>
+            </a:r>
+            <a:r>
+              <a:rPr lang="en-GB" sz="1200" dirty="0" smtClean="0"/>
+              <a:t>)</a:t>
+            </a:r>
+            <a:endParaRPr lang="en-GB" sz="1200" dirty="0"/>
           </a:p>
         </p:txBody>
       </p:sp>
@@ -8909,9 +9032,24 @@
             <a:pPr algn="ctr"/>
             <a:r>
               <a:rPr lang="en-GB" sz="1100" dirty="0" smtClean="0"/>
-              <a:t>Display recipes corresponding to main search input only</a:t>
-            </a:r>
-            <a:endParaRPr lang="fr-FR" sz="1100" dirty="0"/>
+              <a:t>Display recipes corresponding to main search input </a:t>
+            </a:r>
+            <a:r>
+              <a:rPr lang="en-GB" sz="1100" dirty="0" smtClean="0"/>
+              <a:t>only</a:t>
+            </a:r>
+          </a:p>
+          <a:p>
+            <a:pPr algn="ctr"/>
+            <a:r>
+              <a:rPr lang="en-GB" sz="1100" dirty="0"/>
+              <a:t>(display/hide recipe in DOM</a:t>
+            </a:r>
+            <a:r>
+              <a:rPr lang="en-GB" sz="1100" dirty="0" smtClean="0"/>
+              <a:t>)</a:t>
+            </a:r>
+            <a:endParaRPr lang="en-GB" sz="1100" dirty="0"/>
           </a:p>
         </p:txBody>
       </p:sp>
@@ -9210,8 +9348,20 @@
             <a:pPr algn="ctr"/>
             <a:r>
               <a:rPr lang="en-GB" sz="1100" dirty="0" smtClean="0"/>
-              <a:t>Display recipes corresponding to main search &amp; tags</a:t>
-            </a:r>
+              <a:t>Display recipes corresponding to main search &amp; </a:t>
+            </a:r>
+            <a:r>
+              <a:rPr lang="en-GB" sz="1100" dirty="0" smtClean="0"/>
+              <a:t>tags</a:t>
+            </a:r>
+          </a:p>
+          <a:p>
+            <a:pPr algn="ctr"/>
+            <a:r>
+              <a:rPr lang="en-GB" sz="1100" dirty="0" smtClean="0"/>
+              <a:t>(display/hide recipe in DOM)</a:t>
+            </a:r>
+            <a:endParaRPr lang="en-GB" sz="1100" dirty="0" smtClean="0"/>
           </a:p>
         </p:txBody>
       </p:sp>
@@ -9729,9 +9879,24 @@
             <a:pPr algn="ctr"/>
             <a:r>
               <a:rPr lang="en-GB" sz="1100" dirty="0" smtClean="0"/>
-              <a:t>Display recipes corresponding  to tag(s) only</a:t>
-            </a:r>
-            <a:endParaRPr lang="fr-FR" sz="1100" dirty="0"/>
+              <a:t>Display recipes corresponding  to tag(s) </a:t>
+            </a:r>
+            <a:r>
+              <a:rPr lang="en-GB" sz="1100" dirty="0" smtClean="0"/>
+              <a:t>only</a:t>
+            </a:r>
+          </a:p>
+          <a:p>
+            <a:pPr algn="ctr"/>
+            <a:r>
+              <a:rPr lang="en-GB" sz="1100" dirty="0"/>
+              <a:t>(display/hide recipe in DOM</a:t>
+            </a:r>
+            <a:r>
+              <a:rPr lang="en-GB" sz="1100" dirty="0" smtClean="0"/>
+              <a:t>)</a:t>
+            </a:r>
+            <a:endParaRPr lang="en-GB" sz="1100" dirty="0"/>
           </a:p>
         </p:txBody>
       </p:sp>
@@ -9959,7 +10124,11 @@
             <a:pPr algn="ctr"/>
             <a:r>
               <a:rPr lang="en-GB" sz="1100" dirty="0" smtClean="0"/>
-              <a:t>Result in Array: RecipeArray</a:t>
+              <a:t>Result in Array: </a:t>
+            </a:r>
+            <a:r>
+              <a:rPr lang="en-GB" sz="1100" dirty="0" err="1" smtClean="0"/>
+              <a:t>RecipeArray</a:t>
             </a:r>
             <a:endParaRPr lang="fr-FR" sz="1100" dirty="0"/>
           </a:p>
@@ -11244,9 +11413,17 @@
             <a:pPr algn="ctr"/>
             <a:r>
               <a:rPr lang="fr-FR" sz="1000" dirty="0" smtClean="0"/>
-              <a:t>Afficher les recettes correspondant à la recherche principale et aux tags</a:t>
-            </a:r>
-            <a:endParaRPr lang="fr-FR" sz="1000" dirty="0"/>
+              <a:t>Afficher les recettes correspondant à la recherche principale et </a:t>
+            </a:r>
+            <a:r>
+              <a:rPr lang="fr-FR" sz="1000" smtClean="0"/>
+              <a:t>aux </a:t>
+            </a:r>
+            <a:r>
+              <a:rPr lang="fr-FR" sz="1000" smtClean="0"/>
+              <a:t>tags</a:t>
+            </a:r>
+            <a:endParaRPr lang="fr-FR" sz="1000" dirty="0" smtClean="0"/>
           </a:p>
         </p:txBody>
       </p:sp>
@@ -11726,9 +11903,12 @@
             <a:pPr algn="ctr"/>
             <a:r>
               <a:rPr lang="fr-FR" sz="1000" dirty="0" smtClean="0"/>
-              <a:t>Afficher les recettes correspondant au(x) tag(s) uniquement</a:t>
-            </a:r>
-            <a:endParaRPr lang="fr-FR" sz="1000" dirty="0"/>
+              <a:t>Afficher les recettes correspondant au(x) tag(s) </a:t>
+            </a:r>
+            <a:r>
+              <a:rPr lang="fr-FR" sz="1000" dirty="0" smtClean="0"/>
+              <a:t>uniquement</a:t>
+            </a:r>
           </a:p>
         </p:txBody>
       </p:sp>

--- a/Testing Results & functionality repot/flowchaw charts of the program logic.pptx
+++ b/Testing Results & functionality repot/flowchaw charts of the program logic.pptx
@@ -204,7 +204,7 @@
           <a:p>
             <a:fld id="{C165559C-BC8E-433F-A4E6-A07C9F72099A}" type="datetimeFigureOut">
               <a:rPr lang="fr-FR" smtClean="0"/>
-              <a:t>02/08/2021</a:t>
+              <a:t>03/08/2021</a:t>
             </a:fld>
             <a:endParaRPr lang="fr-FR"/>
           </a:p>
@@ -1275,7 +1275,7 @@
           <a:p>
             <a:fld id="{2A5595A6-4555-4F4D-AAE8-BCA86D99260A}" type="datetimeFigureOut">
               <a:rPr lang="fr-FR" smtClean="0"/>
-              <a:t>02/08/2021</a:t>
+              <a:t>03/08/2021</a:t>
             </a:fld>
             <a:endParaRPr lang="fr-FR"/>
           </a:p>
@@ -1445,7 +1445,7 @@
           <a:p>
             <a:fld id="{2A5595A6-4555-4F4D-AAE8-BCA86D99260A}" type="datetimeFigureOut">
               <a:rPr lang="fr-FR" smtClean="0"/>
-              <a:t>02/08/2021</a:t>
+              <a:t>03/08/2021</a:t>
             </a:fld>
             <a:endParaRPr lang="fr-FR"/>
           </a:p>
@@ -1625,7 +1625,7 @@
           <a:p>
             <a:fld id="{2A5595A6-4555-4F4D-AAE8-BCA86D99260A}" type="datetimeFigureOut">
               <a:rPr lang="fr-FR" smtClean="0"/>
-              <a:t>02/08/2021</a:t>
+              <a:t>03/08/2021</a:t>
             </a:fld>
             <a:endParaRPr lang="fr-FR"/>
           </a:p>
@@ -1795,7 +1795,7 @@
           <a:p>
             <a:fld id="{2A5595A6-4555-4F4D-AAE8-BCA86D99260A}" type="datetimeFigureOut">
               <a:rPr lang="fr-FR" smtClean="0"/>
-              <a:t>02/08/2021</a:t>
+              <a:t>03/08/2021</a:t>
             </a:fld>
             <a:endParaRPr lang="fr-FR"/>
           </a:p>
@@ -2041,7 +2041,7 @@
           <a:p>
             <a:fld id="{2A5595A6-4555-4F4D-AAE8-BCA86D99260A}" type="datetimeFigureOut">
               <a:rPr lang="fr-FR" smtClean="0"/>
-              <a:t>02/08/2021</a:t>
+              <a:t>03/08/2021</a:t>
             </a:fld>
             <a:endParaRPr lang="fr-FR"/>
           </a:p>
@@ -2273,7 +2273,7 @@
           <a:p>
             <a:fld id="{2A5595A6-4555-4F4D-AAE8-BCA86D99260A}" type="datetimeFigureOut">
               <a:rPr lang="fr-FR" smtClean="0"/>
-              <a:t>02/08/2021</a:t>
+              <a:t>03/08/2021</a:t>
             </a:fld>
             <a:endParaRPr lang="fr-FR"/>
           </a:p>
@@ -2640,7 +2640,7 @@
           <a:p>
             <a:fld id="{2A5595A6-4555-4F4D-AAE8-BCA86D99260A}" type="datetimeFigureOut">
               <a:rPr lang="fr-FR" smtClean="0"/>
-              <a:t>02/08/2021</a:t>
+              <a:t>03/08/2021</a:t>
             </a:fld>
             <a:endParaRPr lang="fr-FR"/>
           </a:p>
@@ -2758,7 +2758,7 @@
           <a:p>
             <a:fld id="{2A5595A6-4555-4F4D-AAE8-BCA86D99260A}" type="datetimeFigureOut">
               <a:rPr lang="fr-FR" smtClean="0"/>
-              <a:t>02/08/2021</a:t>
+              <a:t>03/08/2021</a:t>
             </a:fld>
             <a:endParaRPr lang="fr-FR"/>
           </a:p>
@@ -2853,7 +2853,7 @@
           <a:p>
             <a:fld id="{2A5595A6-4555-4F4D-AAE8-BCA86D99260A}" type="datetimeFigureOut">
               <a:rPr lang="fr-FR" smtClean="0"/>
-              <a:t>02/08/2021</a:t>
+              <a:t>03/08/2021</a:t>
             </a:fld>
             <a:endParaRPr lang="fr-FR"/>
           </a:p>
@@ -3130,7 +3130,7 @@
           <a:p>
             <a:fld id="{2A5595A6-4555-4F4D-AAE8-BCA86D99260A}" type="datetimeFigureOut">
               <a:rPr lang="fr-FR" smtClean="0"/>
-              <a:t>02/08/2021</a:t>
+              <a:t>03/08/2021</a:t>
             </a:fld>
             <a:endParaRPr lang="fr-FR"/>
           </a:p>
@@ -3383,7 +3383,7 @@
           <a:p>
             <a:fld id="{2A5595A6-4555-4F4D-AAE8-BCA86D99260A}" type="datetimeFigureOut">
               <a:rPr lang="fr-FR" smtClean="0"/>
-              <a:t>02/08/2021</a:t>
+              <a:t>03/08/2021</a:t>
             </a:fld>
             <a:endParaRPr lang="fr-FR"/>
           </a:p>
@@ -3596,7 +3596,7 @@
           <a:p>
             <a:fld id="{2A5595A6-4555-4F4D-AAE8-BCA86D99260A}" type="datetimeFigureOut">
               <a:rPr lang="fr-FR" smtClean="0"/>
-              <a:t>02/08/2021</a:t>
+              <a:t>03/08/2021</a:t>
             </a:fld>
             <a:endParaRPr lang="fr-FR"/>
           </a:p>
@@ -4016,7 +4016,7 @@
             <a:avLst/>
           </a:prstGeom>
           <a:solidFill>
-            <a:srgbClr val="FF0000"/>
+            <a:schemeClr val="tx1"/>
           </a:solidFill>
         </p:spPr>
         <p:style>
@@ -4042,7 +4042,7 @@
             <a:pPr algn="ctr"/>
             <a:r>
               <a:rPr lang="en-GB" sz="1100" dirty="0" smtClean="0"/>
-              <a:t>User Primary search Input</a:t>
+              <a:t>User enters a word</a:t>
             </a:r>
             <a:endParaRPr lang="fr-FR" sz="1100" dirty="0"/>
           </a:p>
@@ -4056,14 +4056,14 @@
         </p:nvSpPr>
         <p:spPr>
           <a:xfrm>
-            <a:off x="5205353" y="708303"/>
-            <a:ext cx="1809697" cy="1187918"/>
+            <a:off x="5205353" y="690942"/>
+            <a:ext cx="1800000" cy="1260000"/>
           </a:xfrm>
           <a:prstGeom prst="diamond">
             <a:avLst/>
           </a:prstGeom>
           <a:solidFill>
-            <a:srgbClr val="FF0000"/>
+            <a:schemeClr val="tx1"/>
           </a:solidFill>
         </p:spPr>
         <p:style>
@@ -4088,10 +4088,10 @@
           <a:p>
             <a:pPr algn="ctr"/>
             <a:r>
-              <a:rPr lang="en-GB" sz="1100" dirty="0" smtClean="0"/>
-              <a:t>Is the user input in the Names or Descriptions</a:t>
-            </a:r>
-            <a:endParaRPr lang="fr-FR" sz="1100" dirty="0"/>
+              <a:rPr lang="en-GB" sz="1050" dirty="0" smtClean="0"/>
+              <a:t>For each recipe, is the word in the title or the description</a:t>
+            </a:r>
+            <a:endParaRPr lang="fr-FR" sz="1050" dirty="0"/>
           </a:p>
         </p:txBody>
       </p:sp>
@@ -4103,14 +4103,14 @@
         </p:nvSpPr>
         <p:spPr>
           <a:xfrm>
-            <a:off x="7524371" y="4139113"/>
-            <a:ext cx="2120127" cy="1168942"/>
+            <a:off x="7510220" y="3679724"/>
+            <a:ext cx="2160000" cy="1800000"/>
           </a:xfrm>
           <a:prstGeom prst="diamond">
             <a:avLst/>
           </a:prstGeom>
           <a:solidFill>
-            <a:srgbClr val="FF0000"/>
+            <a:schemeClr val="tx1"/>
           </a:solidFill>
         </p:spPr>
         <p:style>
@@ -4135,15 +4135,30 @@
           <a:p>
             <a:pPr algn="ctr"/>
             <a:r>
+              <a:rPr lang="en-GB" sz="1100" u="sng" dirty="0" smtClean="0"/>
+              <a:t>Tag(s)</a:t>
+            </a:r>
+          </a:p>
+          <a:p>
+            <a:pPr algn="ctr"/>
+            <a:r>
               <a:rPr lang="en-GB" sz="1100" dirty="0" smtClean="0"/>
-              <a:t>Ingredient(s), Appliance(s) or Utensil(s) chosen already</a:t>
+              <a:t>Has the user chosen</a:t>
             </a:r>
           </a:p>
           <a:p>
             <a:pPr algn="ctr"/>
             <a:r>
               <a:rPr lang="en-GB" sz="1100" dirty="0" smtClean="0"/>
-              <a:t>tag(s)</a:t>
+              <a:t>Ingredient(s</a:t>
+            </a:r>
+            <a:r>
+              <a:rPr lang="en-GB" sz="1100" dirty="0"/>
+              <a:t>), Appliance(s) or Utensil(s</a:t>
+            </a:r>
+            <a:r>
+              <a:rPr lang="en-GB" sz="1100" dirty="0" smtClean="0"/>
+              <a:t>) already</a:t>
             </a:r>
             <a:endParaRPr lang="fr-FR" sz="1100" dirty="0"/>
           </a:p>
@@ -4157,7 +4172,7 @@
         </p:nvSpPr>
         <p:spPr>
           <a:xfrm>
-            <a:off x="5165861" y="4267537"/>
+            <a:off x="5165861" y="4128649"/>
             <a:ext cx="1836000" cy="902151"/>
           </a:xfrm>
           <a:prstGeom prst="roundRect">
@@ -4210,16 +4225,16 @@
           <p:nvPr/>
         </p:nvCxnSpPr>
         <p:spPr>
-          <a:xfrm>
-            <a:off x="6110201" y="531632"/>
-            <a:ext cx="1" cy="176671"/>
+          <a:xfrm flipH="1">
+            <a:off x="6105353" y="531632"/>
+            <a:ext cx="4848" cy="159310"/>
           </a:xfrm>
           <a:prstGeom prst="straightConnector1">
             <a:avLst/>
           </a:prstGeom>
           <a:ln>
             <a:solidFill>
-              <a:srgbClr val="FF0000"/>
+              <a:schemeClr val="tx1"/>
             </a:solidFill>
             <a:tailEnd type="triangle"/>
           </a:ln>
@@ -4247,7 +4262,7 @@
         </p:nvSpPr>
         <p:spPr>
           <a:xfrm>
-            <a:off x="7122910" y="4354026"/>
+            <a:off x="7114069" y="4585747"/>
             <a:ext cx="422476" cy="276999"/>
           </a:xfrm>
           <a:prstGeom prst="rect">
@@ -4285,7 +4300,7 @@
             <a:avLst/>
           </a:prstGeom>
           <a:solidFill>
-            <a:srgbClr val="FF0000"/>
+            <a:schemeClr val="tx1"/>
           </a:solidFill>
         </p:spPr>
         <p:style>
@@ -4311,18 +4326,30 @@
             <a:pPr algn="ctr"/>
             <a:r>
               <a:rPr lang="en-GB" sz="1100" dirty="0" smtClean="0"/>
-              <a:t>Display recipes corresponding to main search input </a:t>
-            </a:r>
+              <a:t>Display recipes corresponding to </a:t>
+            </a:r>
+            <a:r>
+              <a:rPr lang="en-GB" sz="1100" dirty="0"/>
+              <a:t>user input word only</a:t>
+            </a:r>
+          </a:p>
+          <a:p>
+            <a:pPr algn="ctr"/>
             <a:r>
               <a:rPr lang="en-GB" sz="1100" dirty="0" smtClean="0"/>
-              <a:t>only</a:t>
-            </a:r>
-          </a:p>
-          <a:p>
-            <a:pPr algn="ctr"/>
+              <a:t>(</a:t>
+            </a:r>
             <a:r>
               <a:rPr lang="en-GB" sz="1100" dirty="0"/>
-              <a:t>(display/hide recipe in DOM</a:t>
+              <a:t>display/hide </a:t>
+            </a:r>
+            <a:r>
+              <a:rPr lang="en-GB" sz="1100" dirty="0" smtClean="0"/>
+              <a:t>recipes </a:t>
+            </a:r>
+            <a:r>
+              <a:rPr lang="en-GB" sz="1100" dirty="0"/>
+              <a:t>in DOM</a:t>
             </a:r>
             <a:r>
               <a:rPr lang="en-GB" sz="1100" dirty="0" smtClean="0"/>
@@ -4342,16 +4369,16 @@
           <p:nvPr/>
         </p:nvCxnSpPr>
         <p:spPr>
-          <a:xfrm>
-            <a:off x="8584435" y="5308055"/>
-            <a:ext cx="2822" cy="491976"/>
+          <a:xfrm flipH="1">
+            <a:off x="8587257" y="5479724"/>
+            <a:ext cx="2963" cy="320307"/>
           </a:xfrm>
           <a:prstGeom prst="straightConnector1">
             <a:avLst/>
           </a:prstGeom>
           <a:ln>
             <a:solidFill>
-              <a:srgbClr val="FF0000"/>
+              <a:schemeClr val="tx1"/>
             </a:solidFill>
             <a:tailEnd type="triangle"/>
           </a:ln>
@@ -4379,7 +4406,7 @@
         </p:nvSpPr>
         <p:spPr>
           <a:xfrm>
-            <a:off x="2089333" y="4354026"/>
+            <a:off x="2106395" y="4597190"/>
             <a:ext cx="422476" cy="276999"/>
           </a:xfrm>
           <a:prstGeom prst="rect">
@@ -4410,7 +4437,7 @@
         </p:nvSpPr>
         <p:spPr>
           <a:xfrm>
-            <a:off x="4782878" y="2684676"/>
+            <a:off x="4782875" y="2847811"/>
             <a:ext cx="422476" cy="276999"/>
           </a:xfrm>
           <a:prstGeom prst="rect">
@@ -4441,7 +4468,7 @@
         </p:nvSpPr>
         <p:spPr>
           <a:xfrm>
-            <a:off x="6091635" y="3969361"/>
+            <a:off x="4812559" y="4585747"/>
             <a:ext cx="422476" cy="276999"/>
           </a:xfrm>
           <a:prstGeom prst="rect">
@@ -4511,45 +4538,6 @@
           </a:p>
         </p:txBody>
       </p:sp>
-      <p:cxnSp>
-        <p:nvCxnSpPr>
-          <p:cNvPr id="63" name="Connecteur en angle 62"/>
-          <p:cNvCxnSpPr>
-            <a:stCxn id="38" idx="1"/>
-            <a:endCxn id="70" idx="0"/>
-          </p:cNvCxnSpPr>
-          <p:nvPr/>
-        </p:nvCxnSpPr>
-        <p:spPr>
-          <a:xfrm rot="10800000" flipV="1">
-            <a:off x="3588936" y="2680861"/>
-            <a:ext cx="1616417" cy="1458252"/>
-          </a:xfrm>
-          <a:prstGeom prst="bentConnector2">
-            <a:avLst/>
-          </a:prstGeom>
-          <a:ln>
-            <a:solidFill>
-              <a:schemeClr val="accent1"/>
-            </a:solidFill>
-            <a:tailEnd type="triangle"/>
-          </a:ln>
-        </p:spPr>
-        <p:style>
-          <a:lnRef idx="1">
-            <a:schemeClr val="accent1"/>
-          </a:lnRef>
-          <a:fillRef idx="0">
-            <a:schemeClr val="accent1"/>
-          </a:fillRef>
-          <a:effectRef idx="0">
-            <a:schemeClr val="accent1"/>
-          </a:effectRef>
-          <a:fontRef idx="minor">
-            <a:schemeClr val="tx1"/>
-          </a:fontRef>
-        </p:style>
-      </p:cxnSp>
       <p:sp>
         <p:nvSpPr>
           <p:cNvPr id="68" name="ZoneTexte 67"/>
@@ -4558,7 +4546,7 @@
         </p:nvSpPr>
         <p:spPr>
           <a:xfrm>
-            <a:off x="8590220" y="5333888"/>
+            <a:off x="8584434" y="5443461"/>
             <a:ext cx="422476" cy="276999"/>
           </a:xfrm>
           <a:prstGeom prst="rect">
@@ -4574,18 +4562,10 @@
           <a:p>
             <a:pPr algn="ctr"/>
             <a:r>
-              <a:rPr lang="en-GB" sz="1200" dirty="0" smtClean="0">
-                <a:solidFill>
-                  <a:srgbClr val="FF0000"/>
-                </a:solidFill>
-              </a:rPr>
+              <a:rPr lang="en-GB" sz="1200" dirty="0" smtClean="0"/>
               <a:t>NO</a:t>
             </a:r>
-            <a:endParaRPr lang="fr-FR" sz="1200" dirty="0">
-              <a:solidFill>
-                <a:srgbClr val="FF0000"/>
-              </a:solidFill>
-            </a:endParaRPr>
+            <a:endParaRPr lang="fr-FR" sz="1200" dirty="0"/>
           </a:p>
         </p:txBody>
       </p:sp>
@@ -4627,18 +4607,22 @@
             <a:pPr algn="ctr"/>
             <a:r>
               <a:rPr lang="en-GB" sz="1100" dirty="0" smtClean="0"/>
-              <a:t>Display recipes corresponding to main search &amp; </a:t>
+              <a:t>Display recipes corresponding to user word &amp; tags</a:t>
+            </a:r>
+          </a:p>
+          <a:p>
+            <a:pPr algn="ctr"/>
+            <a:r>
+              <a:rPr lang="en-GB" sz="1100" dirty="0"/>
+              <a:t>(display/hide </a:t>
             </a:r>
             <a:r>
               <a:rPr lang="en-GB" sz="1100" dirty="0" smtClean="0"/>
-              <a:t>tags</a:t>
-            </a:r>
-          </a:p>
-          <a:p>
-            <a:pPr algn="ctr"/>
+              <a:t>recipes </a:t>
+            </a:r>
             <a:r>
               <a:rPr lang="en-GB" sz="1100" dirty="0"/>
-              <a:t>(display/hide recipe in DOM</a:t>
+              <a:t>in DOM</a:t>
             </a:r>
             <a:r>
               <a:rPr lang="en-GB" sz="1100" dirty="0" smtClean="0"/>
@@ -4656,8 +4640,8 @@
         </p:nvSpPr>
         <p:spPr>
           <a:xfrm>
-            <a:off x="2528871" y="4139113"/>
-            <a:ext cx="2120127" cy="1168942"/>
+            <a:off x="2506110" y="3679724"/>
+            <a:ext cx="2160000" cy="1800000"/>
           </a:xfrm>
           <a:prstGeom prst="diamond">
             <a:avLst/>
@@ -4688,17 +4672,32 @@
           <a:p>
             <a:pPr algn="ctr"/>
             <a:r>
+              <a:rPr lang="en-GB" sz="1100" u="sng" dirty="0" smtClean="0"/>
+              <a:t>Tag(s)</a:t>
+            </a:r>
+          </a:p>
+          <a:p>
+            <a:pPr algn="ctr"/>
+            <a:r>
               <a:rPr lang="en-GB" sz="1100" dirty="0" smtClean="0"/>
-              <a:t>Ingredient(s), Appliance(s) or Utensil(s) chosen already</a:t>
-            </a:r>
-          </a:p>
-          <a:p>
-            <a:pPr algn="ctr"/>
+              <a:t>Has </a:t>
+            </a:r>
+            <a:r>
+              <a:rPr lang="en-GB" sz="1100" dirty="0"/>
+              <a:t>the user chosen</a:t>
+            </a:r>
+          </a:p>
+          <a:p>
+            <a:pPr algn="ctr"/>
+            <a:r>
+              <a:rPr lang="en-GB" sz="1100" dirty="0"/>
+              <a:t>Ingredient(s), Appliance(s) or Utensil(s) </a:t>
+            </a:r>
             <a:r>
               <a:rPr lang="en-GB" sz="1100" dirty="0" smtClean="0"/>
-              <a:t>tag(s)</a:t>
-            </a:r>
-            <a:endParaRPr lang="fr-FR" sz="1100" dirty="0"/>
+              <a:t>already</a:t>
+            </a:r>
+            <a:endParaRPr lang="fr-FR" sz="1000" dirty="0"/>
           </a:p>
         </p:txBody>
       </p:sp>
@@ -4712,9 +4711,9 @@
           <p:nvPr/>
         </p:nvCxnSpPr>
         <p:spPr>
-          <a:xfrm flipH="1">
-            <a:off x="3586111" y="5308055"/>
-            <a:ext cx="2824" cy="491976"/>
+          <a:xfrm>
+            <a:off x="3586110" y="5479724"/>
+            <a:ext cx="1" cy="320307"/>
           </a:xfrm>
           <a:prstGeom prst="straightConnector1">
             <a:avLst/>
@@ -4749,7 +4748,7 @@
         </p:nvSpPr>
         <p:spPr>
           <a:xfrm>
-            <a:off x="3590605" y="5329382"/>
+            <a:off x="3586111" y="5505567"/>
             <a:ext cx="422476" cy="276999"/>
           </a:xfrm>
           <a:prstGeom prst="rect">
@@ -4782,9 +4781,9 @@
           <p:nvPr/>
         </p:nvCxnSpPr>
         <p:spPr>
-          <a:xfrm flipH="1" flipV="1">
-            <a:off x="7001861" y="4718613"/>
-            <a:ext cx="522510" cy="4971"/>
+          <a:xfrm flipH="1">
+            <a:off x="7001861" y="4579724"/>
+            <a:ext cx="508359" cy="1"/>
           </a:xfrm>
           <a:prstGeom prst="straightConnector1">
             <a:avLst/>
@@ -4819,8 +4818,8 @@
         </p:nvCxnSpPr>
         <p:spPr>
           <a:xfrm>
-            <a:off x="6083861" y="5169688"/>
-            <a:ext cx="2824" cy="630342"/>
+            <a:off x="6083861" y="5030800"/>
+            <a:ext cx="2824" cy="769230"/>
           </a:xfrm>
           <a:prstGeom prst="straightConnector1">
             <a:avLst/>
@@ -4868,18 +4867,10 @@
           <a:p>
             <a:pPr algn="ctr"/>
             <a:r>
-              <a:rPr lang="en-GB" sz="1200" dirty="0" smtClean="0">
-                <a:solidFill>
-                  <a:srgbClr val="FF0000"/>
-                </a:solidFill>
-              </a:rPr>
+              <a:rPr lang="en-GB" sz="1200" dirty="0" smtClean="0"/>
               <a:t>YES</a:t>
             </a:r>
-            <a:endParaRPr lang="fr-FR" sz="1200" dirty="0">
-              <a:solidFill>
-                <a:srgbClr val="FF0000"/>
-              </a:solidFill>
-            </a:endParaRPr>
+            <a:endParaRPr lang="fr-FR" sz="1200" dirty="0"/>
           </a:p>
         </p:txBody>
       </p:sp>
@@ -4891,7 +4882,7 @@
         </p:nvSpPr>
         <p:spPr>
           <a:xfrm>
-            <a:off x="6078476" y="5262281"/>
+            <a:off x="6078476" y="5123393"/>
             <a:ext cx="422476" cy="276999"/>
           </a:xfrm>
           <a:prstGeom prst="rect">
@@ -4916,96 +4907,13 @@
       </p:sp>
       <p:sp>
         <p:nvSpPr>
-          <p:cNvPr id="109" name="Rectangle à coins arrondis 108"/>
-          <p:cNvSpPr/>
-          <p:nvPr/>
-        </p:nvSpPr>
-        <p:spPr>
-          <a:xfrm>
-            <a:off x="5028033" y="3457232"/>
-            <a:ext cx="2114480" cy="490149"/>
-          </a:xfrm>
-          <a:prstGeom prst="roundRect">
-            <a:avLst/>
-          </a:prstGeom>
-          <a:solidFill>
-            <a:schemeClr val="accent1"/>
-          </a:solidFill>
-        </p:spPr>
-        <p:style>
-          <a:lnRef idx="2">
-            <a:schemeClr val="accent1">
-              <a:shade val="50000"/>
-            </a:schemeClr>
-          </a:lnRef>
-          <a:fillRef idx="1">
-            <a:schemeClr val="accent1"/>
-          </a:fillRef>
-          <a:effectRef idx="0">
-            <a:schemeClr val="accent1"/>
-          </a:effectRef>
-          <a:fontRef idx="minor">
-            <a:schemeClr val="lt1"/>
-          </a:fontRef>
-        </p:style>
-        <p:txBody>
-          <a:bodyPr rtlCol="0" anchor="ctr"/>
-          <a:lstStyle/>
-          <a:p>
-            <a:pPr algn="ctr"/>
-            <a:r>
-              <a:rPr lang="en-GB" sz="1100" dirty="0" smtClean="0"/>
-              <a:t>Display no recipes error message</a:t>
-            </a:r>
-            <a:endParaRPr lang="fr-FR" sz="1100" dirty="0"/>
-          </a:p>
-        </p:txBody>
-      </p:sp>
-      <p:cxnSp>
-        <p:nvCxnSpPr>
-          <p:cNvPr id="117" name="Connecteur droit avec flèche 116"/>
-          <p:cNvCxnSpPr>
-            <a:stCxn id="6" idx="0"/>
-            <a:endCxn id="109" idx="2"/>
-          </p:cNvCxnSpPr>
-          <p:nvPr/>
-        </p:nvCxnSpPr>
-        <p:spPr>
-          <a:xfrm flipV="1">
-            <a:off x="6083861" y="3947381"/>
-            <a:ext cx="1412" cy="320156"/>
-          </a:xfrm>
-          <a:prstGeom prst="straightConnector1">
-            <a:avLst/>
-          </a:prstGeom>
-          <a:ln>
-            <a:tailEnd type="triangle"/>
-          </a:ln>
-        </p:spPr>
-        <p:style>
-          <a:lnRef idx="1">
-            <a:schemeClr val="accent1"/>
-          </a:lnRef>
-          <a:fillRef idx="0">
-            <a:schemeClr val="accent1"/>
-          </a:fillRef>
-          <a:effectRef idx="0">
-            <a:schemeClr val="accent1"/>
-          </a:effectRef>
-          <a:fontRef idx="minor">
-            <a:schemeClr val="tx1"/>
-          </a:fontRef>
-        </p:style>
-      </p:cxnSp>
-      <p:sp>
-        <p:nvSpPr>
           <p:cNvPr id="119" name="Rectangle à coins arrondis 118"/>
           <p:cNvSpPr/>
           <p:nvPr/>
         </p:nvSpPr>
         <p:spPr>
           <a:xfrm>
-            <a:off x="228224" y="4267537"/>
+            <a:off x="232210" y="4128648"/>
             <a:ext cx="1836000" cy="902151"/>
           </a:xfrm>
           <a:prstGeom prst="roundRect">
@@ -5058,9 +4966,9 @@
           <p:nvPr/>
         </p:nvCxnSpPr>
         <p:spPr>
-          <a:xfrm flipH="1" flipV="1">
-            <a:off x="2064224" y="4718613"/>
-            <a:ext cx="464647" cy="4971"/>
+          <a:xfrm flipH="1">
+            <a:off x="2068210" y="4579724"/>
+            <a:ext cx="437900" cy="0"/>
           </a:xfrm>
           <a:prstGeom prst="straightConnector1">
             <a:avLst/>
@@ -5122,18 +5030,22 @@
             <a:pPr algn="ctr"/>
             <a:r>
               <a:rPr lang="en-GB" sz="1100" dirty="0" smtClean="0"/>
-              <a:t>Display recipes corresponding  to tag(s) </a:t>
+              <a:t>Display recipes corresponding  to tag(s) only</a:t>
+            </a:r>
+          </a:p>
+          <a:p>
+            <a:pPr algn="ctr"/>
+            <a:r>
+              <a:rPr lang="en-GB" sz="1100" dirty="0"/>
+              <a:t>(display/hide </a:t>
             </a:r>
             <a:r>
               <a:rPr lang="en-GB" sz="1100" dirty="0" smtClean="0"/>
-              <a:t>only</a:t>
-            </a:r>
-          </a:p>
-          <a:p>
-            <a:pPr algn="ctr"/>
+              <a:t>recipes </a:t>
+            </a:r>
             <a:r>
               <a:rPr lang="en-GB" sz="1100" dirty="0"/>
-              <a:t>(display/hide recipe in DOM</a:t>
+              <a:t>in DOM</a:t>
             </a:r>
             <a:r>
               <a:rPr lang="en-GB" sz="1100" dirty="0" smtClean="0"/>
@@ -5153,9 +5065,9 @@
           <p:nvPr/>
         </p:nvCxnSpPr>
         <p:spPr>
-          <a:xfrm>
-            <a:off x="1146224" y="5169688"/>
-            <a:ext cx="0" cy="630342"/>
+          <a:xfrm flipH="1">
+            <a:off x="1146224" y="5030799"/>
+            <a:ext cx="3986" cy="769231"/>
           </a:xfrm>
           <a:prstGeom prst="straightConnector1">
             <a:avLst/>
@@ -5323,15 +5235,20 @@
         </p:nvSpPr>
         <p:spPr>
           <a:xfrm>
-            <a:off x="5205352" y="2083563"/>
-            <a:ext cx="1809698" cy="1194596"/>
+            <a:off x="5205353" y="2208831"/>
+            <a:ext cx="1800000" cy="1260000"/>
           </a:xfrm>
           <a:prstGeom prst="diamond">
             <a:avLst/>
           </a:prstGeom>
           <a:solidFill>
-            <a:srgbClr val="FF0000"/>
+            <a:schemeClr val="tx1"/>
           </a:solidFill>
+          <a:ln>
+            <a:solidFill>
+              <a:schemeClr val="tx1"/>
+            </a:solidFill>
+          </a:ln>
         </p:spPr>
         <p:style>
           <a:lnRef idx="2">
@@ -5355,9 +5272,10 @@
           <a:p>
             <a:pPr algn="ctr"/>
             <a:r>
-              <a:rPr lang="en-GB" sz="1100" dirty="0" smtClean="0"/>
-              <a:t>Is the user input in the Ingredients</a:t>
-            </a:r>
+              <a:rPr lang="en-GB" sz="1100" dirty="0"/>
+              <a:t>For each recipe, is the word in the Ingredients</a:t>
+            </a:r>
+            <a:endParaRPr lang="en-GB" sz="1100" dirty="0" smtClean="0"/>
           </a:p>
         </p:txBody>
       </p:sp>
@@ -5371,16 +5289,16 @@
           <p:nvPr/>
         </p:nvCxnSpPr>
         <p:spPr>
-          <a:xfrm flipH="1">
-            <a:off x="6110201" y="1896221"/>
-            <a:ext cx="1" cy="187342"/>
+          <a:xfrm>
+            <a:off x="6105353" y="1950942"/>
+            <a:ext cx="0" cy="257889"/>
           </a:xfrm>
           <a:prstGeom prst="straightConnector1">
             <a:avLst/>
           </a:prstGeom>
           <a:ln>
             <a:solidFill>
-              <a:srgbClr val="FF0000"/>
+              <a:schemeClr val="tx1"/>
             </a:solidFill>
             <a:tailEnd type="triangle"/>
           </a:ln>
@@ -5424,18 +5342,10 @@
           <a:p>
             <a:pPr algn="ctr"/>
             <a:r>
-              <a:rPr lang="en-GB" sz="1200" dirty="0" smtClean="0">
-                <a:solidFill>
-                  <a:srgbClr val="FF0000"/>
-                </a:solidFill>
-              </a:rPr>
+              <a:rPr lang="en-GB" sz="1200" dirty="0" smtClean="0"/>
               <a:t>NO</a:t>
             </a:r>
-            <a:endParaRPr lang="fr-FR" sz="1200" dirty="0">
-              <a:solidFill>
-                <a:srgbClr val="FF0000"/>
-              </a:solidFill>
-            </a:endParaRPr>
+            <a:endParaRPr lang="fr-FR" sz="1200" dirty="0"/>
           </a:p>
         </p:txBody>
       </p:sp>
@@ -5449,16 +5359,16 @@
           <p:nvPr/>
         </p:nvCxnSpPr>
         <p:spPr>
-          <a:xfrm flipV="1">
-            <a:off x="7015050" y="2677612"/>
-            <a:ext cx="688704" cy="3249"/>
+          <a:xfrm>
+            <a:off x="7005353" y="2838831"/>
+            <a:ext cx="689941" cy="7823"/>
           </a:xfrm>
           <a:prstGeom prst="straightConnector1">
             <a:avLst/>
           </a:prstGeom>
           <a:ln>
             <a:solidFill>
-              <a:srgbClr val="FF0000"/>
+              <a:schemeClr val="tx1"/>
             </a:solidFill>
             <a:tailEnd type="triangle"/>
           </a:ln>
@@ -5486,7 +5396,7 @@
         </p:nvSpPr>
         <p:spPr>
           <a:xfrm>
-            <a:off x="7001861" y="2680861"/>
+            <a:off x="7001861" y="2842525"/>
             <a:ext cx="412377" cy="276999"/>
           </a:xfrm>
           <a:prstGeom prst="rect">
@@ -5502,18 +5412,10 @@
           <a:p>
             <a:pPr algn="ctr"/>
             <a:r>
-              <a:rPr lang="en-GB" sz="1200" dirty="0" smtClean="0">
-                <a:solidFill>
-                  <a:srgbClr val="FF0000"/>
-                </a:solidFill>
-              </a:rPr>
+              <a:rPr lang="en-GB" sz="1200" dirty="0" smtClean="0"/>
               <a:t>YES</a:t>
             </a:r>
-            <a:endParaRPr lang="fr-FR" sz="1200" dirty="0">
-              <a:solidFill>
-                <a:srgbClr val="FF0000"/>
-              </a:solidFill>
-            </a:endParaRPr>
+            <a:endParaRPr lang="fr-FR" sz="1200" dirty="0"/>
           </a:p>
         </p:txBody>
       </p:sp>
@@ -5525,7 +5427,7 @@
         </p:nvSpPr>
         <p:spPr>
           <a:xfrm>
-            <a:off x="228223" y="4749324"/>
+            <a:off x="232209" y="4610435"/>
             <a:ext cx="1836000" cy="504000"/>
           </a:xfrm>
           <a:prstGeom prst="roundRect">
@@ -5576,7 +5478,7 @@
         </p:nvSpPr>
         <p:spPr>
           <a:xfrm>
-            <a:off x="5164842" y="4750253"/>
+            <a:off x="5164842" y="4611365"/>
             <a:ext cx="1836001" cy="504000"/>
           </a:xfrm>
           <a:prstGeom prst="roundRect">
@@ -5631,8 +5533,8 @@
         </p:nvSpPr>
         <p:spPr>
           <a:xfrm>
-            <a:off x="228223" y="246638"/>
-            <a:ext cx="2897467" cy="1200329"/>
+            <a:off x="88985" y="246638"/>
+            <a:ext cx="3036706" cy="1200329"/>
           </a:xfrm>
           <a:prstGeom prst="rect">
             <a:avLst/>
@@ -5647,32 +5549,29 @@
           <a:p>
             <a:r>
               <a:rPr lang="en-GB" dirty="0" smtClean="0"/>
-              <a:t>Primary Search:</a:t>
-            </a:r>
-          </a:p>
-          <a:p>
-            <a:r>
-              <a:rPr lang="en-GB" dirty="0" smtClean="0">
-                <a:solidFill>
-                  <a:srgbClr val="FF0000"/>
-                </a:solidFill>
-              </a:rPr>
-              <a:t>Algorithm 1</a:t>
-            </a:r>
+              <a:t>Primary Search: Algorithm 1:</a:t>
+            </a:r>
+          </a:p>
+          <a:p>
             <a:r>
               <a:rPr lang="en-GB" dirty="0" smtClean="0"/>
-              <a:t>:</a:t>
-            </a:r>
-          </a:p>
-          <a:p>
+              <a:t>Implementation using </a:t>
+            </a:r>
+            <a:r>
+              <a:rPr lang="en-GB" dirty="0"/>
+              <a:t>either </a:t>
+            </a:r>
             <a:r>
               <a:rPr lang="en-GB" dirty="0" smtClean="0"/>
-              <a:t>Implementation using either </a:t>
-            </a:r>
-            <a:r>
-              <a:rPr lang="en-GB" dirty="0" err="1" smtClean="0"/>
               <a:t>ForEach</a:t>
             </a:r>
+            <a:r>
+              <a:rPr lang="en-GB" sz="1200" dirty="0" smtClean="0"/>
+              <a:t>(higher order function)</a:t>
+            </a:r>
+            <a:endParaRPr lang="en-GB" sz="1200" dirty="0"/>
+          </a:p>
+          <a:p>
             <a:r>
               <a:rPr lang="en-GB" dirty="0" smtClean="0"/>
               <a:t> or classic For Loop.</a:t>
@@ -5689,14 +5588,14 @@
         </p:nvSpPr>
         <p:spPr>
           <a:xfrm>
-            <a:off x="7703754" y="2231519"/>
+            <a:off x="7695294" y="2400561"/>
             <a:ext cx="1778280" cy="892186"/>
           </a:xfrm>
           <a:prstGeom prst="roundRect">
             <a:avLst/>
           </a:prstGeom>
           <a:solidFill>
-            <a:srgbClr val="FF0000"/>
+            <a:schemeClr val="tx1"/>
           </a:solidFill>
         </p:spPr>
         <p:style>
@@ -5722,7 +5621,7 @@
             <a:pPr algn="ctr"/>
             <a:r>
               <a:rPr lang="en-GB" sz="1100" dirty="0" smtClean="0"/>
-              <a:t>Push corresponding recipes to</a:t>
+              <a:t>Push the corresponding recipe into the</a:t>
             </a:r>
             <a:r>
               <a:rPr lang="fr-FR" sz="1100" dirty="0" smtClean="0"/>
@@ -5754,15 +5653,15 @@
         </p:nvCxnSpPr>
         <p:spPr>
           <a:xfrm>
-            <a:off x="7015050" y="1302262"/>
-            <a:ext cx="1577844" cy="929257"/>
+            <a:off x="7005353" y="1320942"/>
+            <a:ext cx="1579081" cy="1079619"/>
           </a:xfrm>
           <a:prstGeom prst="bentConnector2">
             <a:avLst/>
           </a:prstGeom>
           <a:ln>
             <a:solidFill>
-              <a:srgbClr val="FF0000"/>
+              <a:schemeClr val="tx1"/>
             </a:solidFill>
             <a:tailEnd type="triangle"/>
           </a:ln>
@@ -5792,16 +5691,16 @@
           <p:nvPr/>
         </p:nvCxnSpPr>
         <p:spPr>
-          <a:xfrm flipH="1">
-            <a:off x="8584435" y="3123705"/>
-            <a:ext cx="8459" cy="1015408"/>
+          <a:xfrm>
+            <a:off x="8584434" y="3292747"/>
+            <a:ext cx="5786" cy="386977"/>
           </a:xfrm>
           <a:prstGeom prst="straightConnector1">
             <a:avLst/>
           </a:prstGeom>
           <a:ln>
             <a:solidFill>
-              <a:srgbClr val="FF0000"/>
+              <a:schemeClr val="tx1"/>
             </a:solidFill>
             <a:tailEnd type="triangle"/>
           </a:ln>
@@ -5829,8 +5728,8 @@
         </p:nvSpPr>
         <p:spPr>
           <a:xfrm>
-            <a:off x="228223" y="1712606"/>
-            <a:ext cx="2974703" cy="707886"/>
+            <a:off x="94635" y="1386735"/>
+            <a:ext cx="2254889" cy="1631216"/>
           </a:xfrm>
           <a:prstGeom prst="rect">
             <a:avLst/>
@@ -5850,7 +5749,47 @@
             </a:r>
             <a:r>
               <a:rPr lang="en-GB" sz="1000" dirty="0"/>
-              <a:t>To increase the chances of a successful search all the user input data &amp; recipe data is "cleaned" before the search. </a:t>
+              <a:t>To increase the </a:t>
+            </a:r>
+            <a:r>
+              <a:rPr lang="en-GB" sz="1000" dirty="0" smtClean="0"/>
+              <a:t>possibility </a:t>
+            </a:r>
+            <a:r>
+              <a:rPr lang="en-GB" sz="1000" dirty="0"/>
+              <a:t>of a successful </a:t>
+            </a:r>
+            <a:r>
+              <a:rPr lang="en-GB" sz="1000" dirty="0" smtClean="0"/>
+              <a:t>search, the </a:t>
+            </a:r>
+            <a:r>
+              <a:rPr lang="en-GB" sz="1000" dirty="0"/>
+              <a:t>user input </a:t>
+            </a:r>
+            <a:r>
+              <a:rPr lang="en-GB" sz="1000" dirty="0" smtClean="0"/>
+              <a:t>word(s) </a:t>
+            </a:r>
+            <a:r>
+              <a:rPr lang="en-GB" sz="1000" dirty="0"/>
+              <a:t>&amp; </a:t>
+            </a:r>
+            <a:r>
+              <a:rPr lang="en-GB" sz="1000" dirty="0" smtClean="0"/>
+              <a:t>the recipes </a:t>
+            </a:r>
+            <a:r>
+              <a:rPr lang="en-GB" sz="1000" dirty="0"/>
+              <a:t>data </a:t>
+            </a:r>
+            <a:r>
+              <a:rPr lang="en-GB" sz="1000" dirty="0" smtClean="0"/>
+              <a:t>is </a:t>
+            </a:r>
+            <a:r>
+              <a:rPr lang="en-GB" sz="1000" dirty="0"/>
+              <a:t>"cleaned" before the search. </a:t>
             </a:r>
             <a:r>
               <a:rPr lang="en-GB" sz="1000" dirty="0" smtClean="0"/>
@@ -5858,15 +5797,92 @@
             </a:r>
             <a:r>
               <a:rPr lang="en-GB" sz="1000" dirty="0"/>
-              <a:t>the text has all accents removed &amp; changed to lower case letters).</a:t>
-            </a:r>
+              <a:t>the text has all accents removed &amp; changed to lower case letters</a:t>
+            </a:r>
+            <a:r>
+              <a:rPr lang="en-GB" sz="1000" dirty="0" smtClean="0"/>
+              <a:t>).</a:t>
+            </a:r>
+          </a:p>
+          <a:p>
+            <a:pPr algn="just"/>
+            <a:endParaRPr lang="en-GB" sz="1000" dirty="0"/>
+          </a:p>
+          <a:p>
+            <a:pPr algn="just"/>
+            <a:r>
+              <a:rPr lang="en-GB" sz="1000" dirty="0"/>
+              <a:t>T</a:t>
+            </a:r>
+            <a:r>
+              <a:rPr lang="en-GB" sz="1000" dirty="0" smtClean="0"/>
+              <a:t>he </a:t>
+            </a:r>
+            <a:r>
+              <a:rPr lang="en-GB" sz="1000" dirty="0"/>
+              <a:t>boxes marked in black represent the primary search algorithm...</a:t>
+            </a:r>
+          </a:p>
+          <a:p>
+            <a:pPr algn="just"/>
             <a:endParaRPr lang="fr-FR" sz="1000" dirty="0"/>
+          </a:p>
+        </p:txBody>
+      </p:sp>
+      <p:sp>
+        <p:nvSpPr>
+          <p:cNvPr id="96" name="Rectangle à coins arrondis 95"/>
+          <p:cNvSpPr/>
+          <p:nvPr/>
+        </p:nvSpPr>
+        <p:spPr>
+          <a:xfrm>
+            <a:off x="2696971" y="2392738"/>
+            <a:ext cx="1778280" cy="892186"/>
+          </a:xfrm>
+          <a:prstGeom prst="roundRect">
+            <a:avLst/>
+          </a:prstGeom>
+          <a:solidFill>
+            <a:schemeClr val="accent1"/>
+          </a:solidFill>
+        </p:spPr>
+        <p:style>
+          <a:lnRef idx="2">
+            <a:schemeClr val="accent1">
+              <a:shade val="50000"/>
+            </a:schemeClr>
+          </a:lnRef>
+          <a:fillRef idx="1">
+            <a:schemeClr val="accent1"/>
+          </a:fillRef>
+          <a:effectRef idx="0">
+            <a:schemeClr val="accent1"/>
+          </a:effectRef>
+          <a:fontRef idx="minor">
+            <a:schemeClr val="lt1"/>
+          </a:fontRef>
+        </p:style>
+        <p:txBody>
+          <a:bodyPr rtlCol="0" anchor="ctr"/>
+          <a:lstStyle/>
+          <a:p>
+            <a:pPr algn="ctr"/>
+            <a:r>
+              <a:rPr lang="en-GB" sz="1050" dirty="0" smtClean="0"/>
+              <a:t>If No </a:t>
+            </a:r>
+            <a:r>
+              <a:rPr lang="en-GB" sz="1050" dirty="0"/>
+              <a:t>recipes match the input word</a:t>
+            </a:r>
+            <a:endParaRPr lang="fr-FR" sz="1050" dirty="0"/>
           </a:p>
         </p:txBody>
       </p:sp>
       <p:pic>
         <p:nvPicPr>
-          <p:cNvPr id="7" name="Image 6"/>
+          <p:cNvPr id="98" name="Image 97"/>
           <p:cNvPicPr>
             <a:picLocks noChangeAspect="1"/>
           </p:cNvPicPr>
@@ -5886,7 +5902,7 @@
         </p:blipFill>
         <p:spPr>
           <a:xfrm>
-            <a:off x="9506697" y="106160"/>
+            <a:off x="9931394" y="88750"/>
             <a:ext cx="2125307" cy="737513"/>
           </a:xfrm>
           <a:prstGeom prst="rect">
@@ -5894,6 +5910,116 @@
           </a:prstGeom>
         </p:spPr>
       </p:pic>
+      <p:cxnSp>
+        <p:nvCxnSpPr>
+          <p:cNvPr id="10" name="Connecteur droit avec flèche 9"/>
+          <p:cNvCxnSpPr>
+            <a:stCxn id="38" idx="1"/>
+            <a:endCxn id="96" idx="3"/>
+          </p:cNvCxnSpPr>
+          <p:nvPr/>
+        </p:nvCxnSpPr>
+        <p:spPr>
+          <a:xfrm flipH="1">
+            <a:off x="4475251" y="2838831"/>
+            <a:ext cx="730102" cy="0"/>
+          </a:xfrm>
+          <a:prstGeom prst="straightConnector1">
+            <a:avLst/>
+          </a:prstGeom>
+          <a:ln>
+            <a:tailEnd type="triangle"/>
+          </a:ln>
+        </p:spPr>
+        <p:style>
+          <a:lnRef idx="1">
+            <a:schemeClr val="accent1"/>
+          </a:lnRef>
+          <a:fillRef idx="0">
+            <a:schemeClr val="accent1"/>
+          </a:fillRef>
+          <a:effectRef idx="0">
+            <a:schemeClr val="accent1"/>
+          </a:effectRef>
+          <a:fontRef idx="minor">
+            <a:schemeClr val="tx1"/>
+          </a:fontRef>
+        </p:style>
+      </p:cxnSp>
+      <p:cxnSp>
+        <p:nvCxnSpPr>
+          <p:cNvPr id="12" name="Connecteur droit avec flèche 11"/>
+          <p:cNvCxnSpPr>
+            <a:stCxn id="96" idx="2"/>
+            <a:endCxn id="70" idx="0"/>
+          </p:cNvCxnSpPr>
+          <p:nvPr/>
+        </p:nvCxnSpPr>
+        <p:spPr>
+          <a:xfrm flipH="1">
+            <a:off x="3586110" y="3284924"/>
+            <a:ext cx="1" cy="394800"/>
+          </a:xfrm>
+          <a:prstGeom prst="straightConnector1">
+            <a:avLst/>
+          </a:prstGeom>
+          <a:ln>
+            <a:tailEnd type="triangle"/>
+          </a:ln>
+        </p:spPr>
+        <p:style>
+          <a:lnRef idx="1">
+            <a:schemeClr val="accent1"/>
+          </a:lnRef>
+          <a:fillRef idx="0">
+            <a:schemeClr val="accent1"/>
+          </a:fillRef>
+          <a:effectRef idx="0">
+            <a:schemeClr val="accent1"/>
+          </a:effectRef>
+          <a:fontRef idx="minor">
+            <a:schemeClr val="tx1"/>
+          </a:fontRef>
+        </p:style>
+      </p:cxnSp>
+      <p:cxnSp>
+        <p:nvCxnSpPr>
+          <p:cNvPr id="14" name="Connecteur en angle 13"/>
+          <p:cNvCxnSpPr>
+            <a:stCxn id="6" idx="1"/>
+            <a:endCxn id="61" idx="3"/>
+          </p:cNvCxnSpPr>
+          <p:nvPr/>
+        </p:nvCxnSpPr>
+        <p:spPr>
+          <a:xfrm rot="10800000" flipV="1">
+            <a:off x="4643351" y="4579725"/>
+            <a:ext cx="522510" cy="1546622"/>
+          </a:xfrm>
+          <a:prstGeom prst="bentConnector3">
+            <a:avLst>
+              <a:gd name="adj1" fmla="val 50000"/>
+            </a:avLst>
+          </a:prstGeom>
+          <a:ln>
+            <a:tailEnd type="triangle"/>
+          </a:ln>
+        </p:spPr>
+        <p:style>
+          <a:lnRef idx="1">
+            <a:schemeClr val="accent1"/>
+          </a:lnRef>
+          <a:fillRef idx="0">
+            <a:schemeClr val="accent1"/>
+          </a:fillRef>
+          <a:effectRef idx="0">
+            <a:schemeClr val="accent1"/>
+          </a:effectRef>
+          <a:fontRef idx="minor">
+            <a:schemeClr val="tx1"/>
+          </a:fontRef>
+        </p:style>
+      </p:cxnSp>
     </p:spTree>
     <p:extLst>
       <p:ext uri="{BB962C8B-B14F-4D97-AF65-F5344CB8AC3E}">
@@ -5946,7 +6072,7 @@
             <a:avLst/>
           </a:prstGeom>
           <a:solidFill>
-            <a:srgbClr val="FF0000"/>
+            <a:schemeClr val="tx1"/>
           </a:solidFill>
         </p:spPr>
         <p:style>
@@ -5971,8 +6097,8 @@
           <a:p>
             <a:pPr algn="ctr"/>
             <a:r>
-              <a:rPr lang="en-GB" sz="1100" dirty="0" smtClean="0"/>
-              <a:t>User Primary search Input</a:t>
+              <a:rPr lang="en-GB" sz="1100" dirty="0"/>
+              <a:t>User enters a word</a:t>
             </a:r>
             <a:endParaRPr lang="fr-FR" sz="1100" dirty="0"/>
           </a:p>
@@ -5986,14 +6112,14 @@
         </p:nvSpPr>
         <p:spPr>
           <a:xfrm>
-            <a:off x="5071798" y="913706"/>
-            <a:ext cx="2120127" cy="1399386"/>
+            <a:off x="5071797" y="1127836"/>
+            <a:ext cx="2124000" cy="1512000"/>
           </a:xfrm>
           <a:prstGeom prst="diamond">
             <a:avLst/>
           </a:prstGeom>
           <a:solidFill>
-            <a:srgbClr val="FF0000"/>
+            <a:schemeClr val="tx1"/>
           </a:solidFill>
         </p:spPr>
         <p:style>
@@ -6018,8 +6144,12 @@
           <a:p>
             <a:pPr algn="ctr"/>
             <a:r>
+              <a:rPr lang="en-GB" sz="1100" dirty="0"/>
+              <a:t>For each recipe, is the word in the </a:t>
+            </a:r>
+            <a:r>
               <a:rPr lang="en-GB" sz="1100" dirty="0" smtClean="0"/>
-              <a:t>Is the user input in the Names, the Descriptions or Ingredients</a:t>
+              <a:t> Title, Description or Ingredients</a:t>
             </a:r>
           </a:p>
         </p:txBody>
@@ -6032,14 +6162,14 @@
         </p:nvSpPr>
         <p:spPr>
           <a:xfrm>
-            <a:off x="7564356" y="3485029"/>
-            <a:ext cx="2120127" cy="1399386"/>
+            <a:off x="7541980" y="3284722"/>
+            <a:ext cx="2160000" cy="1800000"/>
           </a:xfrm>
           <a:prstGeom prst="diamond">
             <a:avLst/>
           </a:prstGeom>
           <a:solidFill>
-            <a:srgbClr val="FF0000"/>
+            <a:schemeClr val="tx1"/>
           </a:solidFill>
         </p:spPr>
         <p:style>
@@ -6064,17 +6194,23 @@
           <a:p>
             <a:pPr algn="ctr"/>
             <a:r>
-              <a:rPr lang="en-GB" sz="1100" dirty="0" smtClean="0"/>
-              <a:t>Ingredient(s), Appliance(s) or Utensil(s) chosen already?</a:t>
-            </a:r>
-          </a:p>
-          <a:p>
-            <a:pPr algn="ctr"/>
-            <a:r>
-              <a:rPr lang="en-GB" sz="1100" dirty="0" smtClean="0"/>
-              <a:t>tag(s)</a:t>
-            </a:r>
-            <a:endParaRPr lang="fr-FR" sz="1100" dirty="0"/>
+              <a:rPr lang="en-GB" sz="1100" u="sng" dirty="0"/>
+              <a:t>Tag(s)</a:t>
+            </a:r>
+          </a:p>
+          <a:p>
+            <a:pPr algn="ctr"/>
+            <a:r>
+              <a:rPr lang="en-GB" sz="1100" dirty="0"/>
+              <a:t>Has the user chosen</a:t>
+            </a:r>
+          </a:p>
+          <a:p>
+            <a:pPr algn="ctr"/>
+            <a:r>
+              <a:rPr lang="en-GB" sz="1100" dirty="0"/>
+              <a:t>Ingredient(s), Appliance(s) or Utensil(s) already</a:t>
+            </a:r>
           </a:p>
         </p:txBody>
       </p:sp>
@@ -6145,14 +6281,14 @@
         <p:spPr>
           <a:xfrm>
             <a:off x="6128687" y="713385"/>
-            <a:ext cx="3175" cy="200321"/>
+            <a:ext cx="5110" cy="414451"/>
           </a:xfrm>
           <a:prstGeom prst="straightConnector1">
             <a:avLst/>
           </a:prstGeom>
           <a:ln>
             <a:solidFill>
-              <a:srgbClr val="FF0000"/>
+              <a:schemeClr val="tx1"/>
             </a:solidFill>
             <a:tailEnd type="triangle"/>
           </a:ln>
@@ -6218,7 +6354,7 @@
             <a:avLst/>
           </a:prstGeom>
           <a:solidFill>
-            <a:srgbClr val="FF0000"/>
+            <a:schemeClr val="tx1"/>
           </a:solidFill>
         </p:spPr>
         <p:style>
@@ -6244,18 +6380,22 @@
             <a:pPr algn="ctr"/>
             <a:r>
               <a:rPr lang="en-GB" sz="1100" dirty="0" smtClean="0"/>
-              <a:t>Display recipes corresponding to main search input </a:t>
+              <a:t>Display recipes corresponding to user input word only</a:t>
+            </a:r>
+          </a:p>
+          <a:p>
+            <a:pPr algn="ctr"/>
+            <a:r>
+              <a:rPr lang="en-GB" sz="1100" dirty="0"/>
+              <a:t>(display/hide </a:t>
             </a:r>
             <a:r>
               <a:rPr lang="en-GB" sz="1100" dirty="0" smtClean="0"/>
-              <a:t>only</a:t>
-            </a:r>
-          </a:p>
-          <a:p>
-            <a:pPr algn="ctr"/>
+              <a:t>recipes </a:t>
+            </a:r>
             <a:r>
               <a:rPr lang="en-GB" sz="1100" dirty="0"/>
-              <a:t>(display/hide recipe in DOM</a:t>
+              <a:t>in DOM</a:t>
             </a:r>
             <a:r>
               <a:rPr lang="en-GB" sz="1100" dirty="0" smtClean="0"/>
@@ -6276,15 +6416,15 @@
         </p:nvCxnSpPr>
         <p:spPr>
           <a:xfrm>
-            <a:off x="8624420" y="4884415"/>
-            <a:ext cx="2823" cy="598775"/>
+            <a:off x="8621980" y="5084722"/>
+            <a:ext cx="5263" cy="398468"/>
           </a:xfrm>
           <a:prstGeom prst="straightConnector1">
             <a:avLst/>
           </a:prstGeom>
           <a:ln>
             <a:solidFill>
-              <a:srgbClr val="FF0000"/>
+              <a:schemeClr val="tx1"/>
             </a:solidFill>
             <a:tailEnd type="triangle"/>
           </a:ln>
@@ -6343,7 +6483,7 @@
         </p:nvSpPr>
         <p:spPr>
           <a:xfrm>
-            <a:off x="4648998" y="1639499"/>
+            <a:off x="4632871" y="1619471"/>
             <a:ext cx="422476" cy="276999"/>
           </a:xfrm>
           <a:prstGeom prst="rect">
@@ -6374,7 +6514,7 @@
         </p:nvSpPr>
         <p:spPr>
           <a:xfrm>
-            <a:off x="6131862" y="3367723"/>
+            <a:off x="4843896" y="3925078"/>
             <a:ext cx="422476" cy="276999"/>
           </a:xfrm>
           <a:prstGeom prst="rect">
@@ -6444,45 +6584,6 @@
           </a:p>
         </p:txBody>
       </p:sp>
-      <p:cxnSp>
-        <p:nvCxnSpPr>
-          <p:cNvPr id="63" name="Connecteur en angle 62"/>
-          <p:cNvCxnSpPr>
-            <a:stCxn id="4" idx="1"/>
-            <a:endCxn id="70" idx="0"/>
-          </p:cNvCxnSpPr>
-          <p:nvPr/>
-        </p:nvCxnSpPr>
-        <p:spPr>
-          <a:xfrm rot="10800000" flipV="1">
-            <a:off x="3623274" y="1613399"/>
-            <a:ext cx="1448524" cy="1871630"/>
-          </a:xfrm>
-          <a:prstGeom prst="bentConnector2">
-            <a:avLst/>
-          </a:prstGeom>
-          <a:ln>
-            <a:solidFill>
-              <a:schemeClr val="accent1"/>
-            </a:solidFill>
-            <a:tailEnd type="triangle"/>
-          </a:ln>
-        </p:spPr>
-        <p:style>
-          <a:lnRef idx="1">
-            <a:schemeClr val="accent1"/>
-          </a:lnRef>
-          <a:fillRef idx="0">
-            <a:schemeClr val="accent1"/>
-          </a:fillRef>
-          <a:effectRef idx="0">
-            <a:schemeClr val="accent1"/>
-          </a:effectRef>
-          <a:fontRef idx="minor">
-            <a:schemeClr val="tx1"/>
-          </a:fontRef>
-        </p:style>
-      </p:cxnSp>
       <p:sp>
         <p:nvSpPr>
           <p:cNvPr id="68" name="ZoneTexte 67"/>
@@ -6491,7 +6592,7 @@
         </p:nvSpPr>
         <p:spPr>
           <a:xfrm>
-            <a:off x="8630206" y="4888921"/>
+            <a:off x="8621980" y="4997167"/>
             <a:ext cx="422476" cy="276999"/>
           </a:xfrm>
           <a:prstGeom prst="rect">
@@ -6507,18 +6608,10 @@
           <a:p>
             <a:pPr algn="ctr"/>
             <a:r>
-              <a:rPr lang="en-GB" sz="1200" dirty="0" smtClean="0">
-                <a:solidFill>
-                  <a:srgbClr val="FF0000"/>
-                </a:solidFill>
-              </a:rPr>
+              <a:rPr lang="en-GB" sz="1200" dirty="0" smtClean="0"/>
               <a:t>NO</a:t>
             </a:r>
-            <a:endParaRPr lang="fr-FR" sz="1200" dirty="0">
-              <a:solidFill>
-                <a:srgbClr val="FF0000"/>
-              </a:solidFill>
-            </a:endParaRPr>
+            <a:endParaRPr lang="fr-FR" sz="1200" dirty="0"/>
           </a:p>
         </p:txBody>
       </p:sp>
@@ -6560,18 +6653,22 @@
             <a:pPr algn="ctr"/>
             <a:r>
               <a:rPr lang="en-GB" sz="1100" dirty="0" smtClean="0"/>
-              <a:t>Display recipes corresponding to main search &amp; </a:t>
+              <a:t>Display recipes corresponding to user word &amp; tags</a:t>
+            </a:r>
+          </a:p>
+          <a:p>
+            <a:pPr algn="ctr"/>
+            <a:r>
+              <a:rPr lang="en-GB" sz="1100" dirty="0"/>
+              <a:t>(display/hide </a:t>
             </a:r>
             <a:r>
               <a:rPr lang="en-GB" sz="1100" dirty="0" smtClean="0"/>
-              <a:t>tags</a:t>
-            </a:r>
-          </a:p>
-          <a:p>
-            <a:pPr algn="ctr"/>
+              <a:t>recipes </a:t>
+            </a:r>
             <a:r>
               <a:rPr lang="en-GB" sz="1100" dirty="0"/>
-              <a:t>(display/hide recipe in DOM</a:t>
+              <a:t>in DOM</a:t>
             </a:r>
             <a:r>
               <a:rPr lang="en-GB" sz="1100" dirty="0" smtClean="0"/>
@@ -6589,8 +6686,8 @@
         </p:nvSpPr>
         <p:spPr>
           <a:xfrm>
-            <a:off x="2563210" y="3485029"/>
-            <a:ext cx="2120127" cy="1399386"/>
+            <a:off x="2551795" y="3284722"/>
+            <a:ext cx="2160000" cy="1800000"/>
           </a:xfrm>
           <a:prstGeom prst="diamond">
             <a:avLst/>
@@ -6621,17 +6718,23 @@
           <a:p>
             <a:pPr algn="ctr"/>
             <a:r>
-              <a:rPr lang="en-GB" sz="1100" dirty="0" smtClean="0"/>
-              <a:t>Ingredient(s), Appliance(s) or Utensil(s) chosen already?</a:t>
-            </a:r>
-          </a:p>
-          <a:p>
-            <a:pPr algn="ctr"/>
-            <a:r>
-              <a:rPr lang="en-GB" sz="1100" dirty="0" smtClean="0"/>
-              <a:t>tag(s)</a:t>
-            </a:r>
-            <a:endParaRPr lang="fr-FR" sz="1100" dirty="0"/>
+              <a:rPr lang="en-GB" sz="1100" u="sng" dirty="0"/>
+              <a:t>Tag(s)</a:t>
+            </a:r>
+          </a:p>
+          <a:p>
+            <a:pPr algn="ctr"/>
+            <a:r>
+              <a:rPr lang="en-GB" sz="1100" dirty="0"/>
+              <a:t>Has the user chosen</a:t>
+            </a:r>
+          </a:p>
+          <a:p>
+            <a:pPr algn="ctr"/>
+            <a:r>
+              <a:rPr lang="en-GB" sz="1100" dirty="0"/>
+              <a:t>Ingredient(s), Appliance(s) or Utensil(s) already</a:t>
+            </a:r>
           </a:p>
         </p:txBody>
       </p:sp>
@@ -6645,9 +6748,9 @@
           <p:nvPr/>
         </p:nvCxnSpPr>
         <p:spPr>
-          <a:xfrm>
-            <a:off x="3623274" y="4884415"/>
-            <a:ext cx="2823" cy="598775"/>
+          <a:xfrm flipH="1">
+            <a:off x="3626097" y="5084722"/>
+            <a:ext cx="5698" cy="398468"/>
           </a:xfrm>
           <a:prstGeom prst="straightConnector1">
             <a:avLst/>
@@ -6682,7 +6785,7 @@
         </p:nvSpPr>
         <p:spPr>
           <a:xfrm>
-            <a:off x="3630591" y="4884415"/>
+            <a:off x="3626097" y="5030831"/>
             <a:ext cx="422476" cy="276999"/>
           </a:xfrm>
           <a:prstGeom prst="rect">
@@ -6705,45 +6808,6 @@
           </a:p>
         </p:txBody>
       </p:sp>
-      <p:cxnSp>
-        <p:nvCxnSpPr>
-          <p:cNvPr id="87" name="Connecteur en angle 86"/>
-          <p:cNvCxnSpPr>
-            <a:stCxn id="4" idx="3"/>
-            <a:endCxn id="5" idx="0"/>
-          </p:cNvCxnSpPr>
-          <p:nvPr/>
-        </p:nvCxnSpPr>
-        <p:spPr>
-          <a:xfrm>
-            <a:off x="7191925" y="1613399"/>
-            <a:ext cx="1432495" cy="1871630"/>
-          </a:xfrm>
-          <a:prstGeom prst="bentConnector2">
-            <a:avLst/>
-          </a:prstGeom>
-          <a:ln>
-            <a:solidFill>
-              <a:srgbClr val="FF0000"/>
-            </a:solidFill>
-            <a:tailEnd type="triangle"/>
-          </a:ln>
-        </p:spPr>
-        <p:style>
-          <a:lnRef idx="1">
-            <a:schemeClr val="accent1"/>
-          </a:lnRef>
-          <a:fillRef idx="0">
-            <a:schemeClr val="accent1"/>
-          </a:fillRef>
-          <a:effectRef idx="0">
-            <a:schemeClr val="accent1"/>
-          </a:effectRef>
-          <a:fontRef idx="minor">
-            <a:schemeClr val="tx1"/>
-          </a:fontRef>
-        </p:style>
-      </p:cxnSp>
       <p:cxnSp>
         <p:nvCxnSpPr>
           <p:cNvPr id="97" name="Connecteur droit avec flèche 96"/>
@@ -6756,7 +6820,7 @@
         <p:spPr>
           <a:xfrm flipH="1">
             <a:off x="7041847" y="4184722"/>
-            <a:ext cx="522509" cy="0"/>
+            <a:ext cx="500133" cy="0"/>
           </a:xfrm>
           <a:prstGeom prst="straightConnector1">
             <a:avLst/>
@@ -6824,8 +6888,8 @@
         </p:nvSpPr>
         <p:spPr>
           <a:xfrm>
-            <a:off x="7189354" y="1640147"/>
-            <a:ext cx="422476" cy="276999"/>
+            <a:off x="7124741" y="1619471"/>
+            <a:ext cx="543525" cy="276999"/>
           </a:xfrm>
           <a:prstGeom prst="rect">
             <a:avLst/>
@@ -6840,18 +6904,10 @@
           <a:p>
             <a:pPr algn="ctr"/>
             <a:r>
-              <a:rPr lang="en-GB" sz="1200" dirty="0" smtClean="0">
-                <a:solidFill>
-                  <a:srgbClr val="FF0000"/>
-                </a:solidFill>
-              </a:rPr>
+              <a:rPr lang="en-GB" sz="1200" dirty="0" smtClean="0"/>
               <a:t>YES</a:t>
             </a:r>
-            <a:endParaRPr lang="fr-FR" sz="1200" dirty="0">
-              <a:solidFill>
-                <a:srgbClr val="FF0000"/>
-              </a:solidFill>
-            </a:endParaRPr>
+            <a:endParaRPr lang="fr-FR" sz="1200" dirty="0"/>
           </a:p>
         </p:txBody>
       </p:sp>
@@ -6886,86 +6942,6 @@
           </a:p>
         </p:txBody>
       </p:sp>
-      <p:sp>
-        <p:nvSpPr>
-          <p:cNvPr id="109" name="Rectangle à coins arrondis 108"/>
-          <p:cNvSpPr/>
-          <p:nvPr/>
-        </p:nvSpPr>
-        <p:spPr>
-          <a:xfrm>
-            <a:off x="5068019" y="2583092"/>
-            <a:ext cx="2114480" cy="781291"/>
-          </a:xfrm>
-          <a:prstGeom prst="roundRect">
-            <a:avLst/>
-          </a:prstGeom>
-        </p:spPr>
-        <p:style>
-          <a:lnRef idx="2">
-            <a:schemeClr val="accent1">
-              <a:shade val="50000"/>
-            </a:schemeClr>
-          </a:lnRef>
-          <a:fillRef idx="1">
-            <a:schemeClr val="accent1"/>
-          </a:fillRef>
-          <a:effectRef idx="0">
-            <a:schemeClr val="accent1"/>
-          </a:effectRef>
-          <a:fontRef idx="minor">
-            <a:schemeClr val="lt1"/>
-          </a:fontRef>
-        </p:style>
-        <p:txBody>
-          <a:bodyPr rtlCol="0" anchor="ctr"/>
-          <a:lstStyle/>
-          <a:p>
-            <a:pPr algn="ctr"/>
-            <a:r>
-              <a:rPr lang="en-GB" sz="1100" dirty="0" smtClean="0"/>
-              <a:t>Display no recipes error message</a:t>
-            </a:r>
-            <a:endParaRPr lang="fr-FR" sz="1100" dirty="0"/>
-          </a:p>
-        </p:txBody>
-      </p:sp>
-      <p:cxnSp>
-        <p:nvCxnSpPr>
-          <p:cNvPr id="117" name="Connecteur droit avec flèche 116"/>
-          <p:cNvCxnSpPr>
-            <a:stCxn id="6" idx="0"/>
-            <a:endCxn id="109" idx="2"/>
-          </p:cNvCxnSpPr>
-          <p:nvPr/>
-        </p:nvCxnSpPr>
-        <p:spPr>
-          <a:xfrm flipV="1">
-            <a:off x="6123847" y="3364383"/>
-            <a:ext cx="1412" cy="280339"/>
-          </a:xfrm>
-          <a:prstGeom prst="straightConnector1">
-            <a:avLst/>
-          </a:prstGeom>
-          <a:ln>
-            <a:tailEnd type="triangle"/>
-          </a:ln>
-        </p:spPr>
-        <p:style>
-          <a:lnRef idx="1">
-            <a:schemeClr val="accent1"/>
-          </a:lnRef>
-          <a:fillRef idx="0">
-            <a:schemeClr val="accent1"/>
-          </a:fillRef>
-          <a:effectRef idx="0">
-            <a:schemeClr val="accent1"/>
-          </a:effectRef>
-          <a:fontRef idx="minor">
-            <a:schemeClr val="tx1"/>
-          </a:fontRef>
-        </p:style>
-      </p:cxnSp>
       <p:sp>
         <p:nvSpPr>
           <p:cNvPr id="119" name="Rectangle à coins arrondis 118"/>
@@ -7033,7 +7009,7 @@
         <p:spPr>
           <a:xfrm flipH="1">
             <a:off x="2104210" y="4184722"/>
-            <a:ext cx="459000" cy="0"/>
+            <a:ext cx="447585" cy="0"/>
           </a:xfrm>
           <a:prstGeom prst="straightConnector1">
             <a:avLst/>
@@ -7095,18 +7071,22 @@
             <a:pPr algn="ctr"/>
             <a:r>
               <a:rPr lang="en-GB" sz="1100" dirty="0" smtClean="0"/>
-              <a:t>Display recipes corresponding  to tag(s) </a:t>
+              <a:t>Display recipes corresponding  to tag(s) only</a:t>
+            </a:r>
+          </a:p>
+          <a:p>
+            <a:pPr algn="ctr"/>
+            <a:r>
+              <a:rPr lang="en-GB" sz="1100" dirty="0"/>
+              <a:t>(display/hide </a:t>
             </a:r>
             <a:r>
               <a:rPr lang="en-GB" sz="1100" dirty="0" smtClean="0"/>
-              <a:t>only</a:t>
-            </a:r>
-          </a:p>
-          <a:p>
-            <a:pPr algn="ctr"/>
+              <a:t>recipes </a:t>
+            </a:r>
             <a:r>
               <a:rPr lang="en-GB" sz="1100" dirty="0"/>
-              <a:t>(display/hide recipe in DOM</a:t>
+              <a:t>in DOM</a:t>
             </a:r>
             <a:r>
               <a:rPr lang="en-GB" sz="1100" dirty="0" smtClean="0"/>
@@ -7402,8 +7382,8 @@
         </p:nvSpPr>
         <p:spPr>
           <a:xfrm>
-            <a:off x="268209" y="251720"/>
-            <a:ext cx="2897467" cy="1200329"/>
+            <a:off x="128971" y="251720"/>
+            <a:ext cx="3036706" cy="923330"/>
           </a:xfrm>
           <a:prstGeom prst="rect">
             <a:avLst/>
@@ -7418,17 +7398,7 @@
           <a:p>
             <a:r>
               <a:rPr lang="en-GB" dirty="0" smtClean="0"/>
-              <a:t>Primary Search:</a:t>
-            </a:r>
-          </a:p>
-          <a:p>
-            <a:r>
-              <a:rPr lang="en-GB" dirty="0" smtClean="0">
-                <a:solidFill>
-                  <a:srgbClr val="FF0000"/>
-                </a:solidFill>
-              </a:rPr>
-              <a:t>Algorithm 2:</a:t>
+              <a:t>Primary Search: Algorithm 2:</a:t>
             </a:r>
           </a:p>
           <a:p>
@@ -7448,14 +7418,14 @@
         </p:nvSpPr>
         <p:spPr>
           <a:xfrm>
-            <a:off x="7752070" y="1169825"/>
+            <a:off x="7725885" y="1450377"/>
             <a:ext cx="1778280" cy="892186"/>
           </a:xfrm>
           <a:prstGeom prst="roundRect">
             <a:avLst/>
           </a:prstGeom>
           <a:solidFill>
-            <a:srgbClr val="FF0000"/>
+            <a:schemeClr val="tx1"/>
           </a:solidFill>
         </p:spPr>
         <p:style>
@@ -7481,7 +7451,7 @@
             <a:pPr algn="ctr"/>
             <a:r>
               <a:rPr lang="en-GB" sz="1100" dirty="0" smtClean="0"/>
-              <a:t>Push corresponding recipes to</a:t>
+              <a:t>Push corresponding recipe into</a:t>
             </a:r>
             <a:r>
               <a:rPr lang="fr-FR" sz="1100" dirty="0" smtClean="0"/>
@@ -7510,8 +7480,8 @@
         </p:nvSpPr>
         <p:spPr>
           <a:xfrm>
-            <a:off x="228223" y="1712606"/>
-            <a:ext cx="2974703" cy="707886"/>
+            <a:off x="128971" y="1307663"/>
+            <a:ext cx="1875470" cy="1938992"/>
           </a:xfrm>
           <a:prstGeom prst="rect">
             <a:avLst/>
@@ -7531,23 +7501,92 @@
             </a:r>
             <a:r>
               <a:rPr lang="en-GB" sz="1000" dirty="0"/>
-              <a:t>To increase the chances of a successful search all the user input data &amp; recipe data is "cleaned" before the search. </a:t>
+              <a:t>To increase the possibility of a successful search, the user input word(s) &amp; the recipes data is "cleaned" before the search. (i.e., the text has all accents removed &amp; changed to lower case letters</a:t>
             </a:r>
             <a:r>
               <a:rPr lang="en-GB" sz="1000" dirty="0" smtClean="0"/>
-              <a:t>(i.e., </a:t>
-            </a:r>
+              <a:t>).</a:t>
+            </a:r>
+          </a:p>
+          <a:p>
+            <a:pPr algn="just"/>
+            <a:endParaRPr lang="en-GB" sz="1000" dirty="0"/>
+          </a:p>
+          <a:p>
+            <a:pPr algn="just"/>
             <a:r>
               <a:rPr lang="en-GB" sz="1000" dirty="0"/>
-              <a:t>the text has all accents removed &amp; changed to lower case letters).</a:t>
-            </a:r>
+              <a:t>T</a:t>
+            </a:r>
+            <a:r>
+              <a:rPr lang="en-GB" sz="1000" dirty="0" smtClean="0"/>
+              <a:t>he </a:t>
+            </a:r>
+            <a:r>
+              <a:rPr lang="en-GB" sz="1000" dirty="0"/>
+              <a:t>boxes marked in black represent the primary search algorithm...</a:t>
+            </a:r>
+          </a:p>
+          <a:p>
+            <a:pPr algn="just"/>
             <a:endParaRPr lang="fr-FR" sz="1000" dirty="0"/>
+          </a:p>
+        </p:txBody>
+      </p:sp>
+      <p:sp>
+        <p:nvSpPr>
+          <p:cNvPr id="52" name="Rectangle à coins arrondis 51"/>
+          <p:cNvSpPr/>
+          <p:nvPr/>
+        </p:nvSpPr>
+        <p:spPr>
+          <a:xfrm>
+            <a:off x="2747730" y="1433016"/>
+            <a:ext cx="1778280" cy="892186"/>
+          </a:xfrm>
+          <a:prstGeom prst="roundRect">
+            <a:avLst/>
+          </a:prstGeom>
+          <a:solidFill>
+            <a:schemeClr val="accent1"/>
+          </a:solidFill>
+        </p:spPr>
+        <p:style>
+          <a:lnRef idx="2">
+            <a:schemeClr val="accent1">
+              <a:shade val="50000"/>
+            </a:schemeClr>
+          </a:lnRef>
+          <a:fillRef idx="1">
+            <a:schemeClr val="accent1"/>
+          </a:fillRef>
+          <a:effectRef idx="0">
+            <a:schemeClr val="accent1"/>
+          </a:effectRef>
+          <a:fontRef idx="minor">
+            <a:schemeClr val="lt1"/>
+          </a:fontRef>
+        </p:style>
+        <p:txBody>
+          <a:bodyPr rtlCol="0" anchor="ctr"/>
+          <a:lstStyle/>
+          <a:p>
+            <a:pPr algn="ctr"/>
+            <a:r>
+              <a:rPr lang="en-GB" sz="1050" dirty="0" smtClean="0"/>
+              <a:t>If No </a:t>
+            </a:r>
+            <a:r>
+              <a:rPr lang="en-GB" sz="1050" dirty="0"/>
+              <a:t>recipes match the input word</a:t>
+            </a:r>
+            <a:endParaRPr lang="fr-FR" sz="1050" dirty="0"/>
           </a:p>
         </p:txBody>
       </p:sp>
       <p:pic>
         <p:nvPicPr>
-          <p:cNvPr id="42" name="Image 41"/>
+          <p:cNvPr id="53" name="Image 52"/>
           <p:cNvPicPr>
             <a:picLocks noChangeAspect="1"/>
           </p:cNvPicPr>
@@ -7567,7 +7606,7 @@
         </p:blipFill>
         <p:spPr>
           <a:xfrm>
-            <a:off x="9506697" y="106160"/>
+            <a:off x="9931394" y="88750"/>
             <a:ext cx="2125307" cy="737513"/>
           </a:xfrm>
           <a:prstGeom prst="rect">
@@ -7575,6 +7614,192 @@
           </a:prstGeom>
         </p:spPr>
       </p:pic>
+      <p:cxnSp>
+        <p:nvCxnSpPr>
+          <p:cNvPr id="9" name="Connecteur en angle 8"/>
+          <p:cNvCxnSpPr>
+            <a:stCxn id="6" idx="1"/>
+            <a:endCxn id="61" idx="3"/>
+          </p:cNvCxnSpPr>
+          <p:nvPr/>
+        </p:nvCxnSpPr>
+        <p:spPr>
+          <a:xfrm rot="10800000" flipV="1">
+            <a:off x="4683337" y="4184722"/>
+            <a:ext cx="522510" cy="1689114"/>
+          </a:xfrm>
+          <a:prstGeom prst="bentConnector3">
+            <a:avLst/>
+          </a:prstGeom>
+          <a:ln>
+            <a:tailEnd type="triangle"/>
+          </a:ln>
+        </p:spPr>
+        <p:style>
+          <a:lnRef idx="1">
+            <a:schemeClr val="accent1"/>
+          </a:lnRef>
+          <a:fillRef idx="0">
+            <a:schemeClr val="accent1"/>
+          </a:fillRef>
+          <a:effectRef idx="0">
+            <a:schemeClr val="accent1"/>
+          </a:effectRef>
+          <a:fontRef idx="minor">
+            <a:schemeClr val="tx1"/>
+          </a:fontRef>
+        </p:style>
+      </p:cxnSp>
+      <p:cxnSp>
+        <p:nvCxnSpPr>
+          <p:cNvPr id="11" name="Connecteur droit avec flèche 10"/>
+          <p:cNvCxnSpPr>
+            <a:stCxn id="4" idx="1"/>
+            <a:endCxn id="52" idx="3"/>
+          </p:cNvCxnSpPr>
+          <p:nvPr/>
+        </p:nvCxnSpPr>
+        <p:spPr>
+          <a:xfrm flipH="1" flipV="1">
+            <a:off x="4526010" y="1879109"/>
+            <a:ext cx="545787" cy="4727"/>
+          </a:xfrm>
+          <a:prstGeom prst="straightConnector1">
+            <a:avLst/>
+          </a:prstGeom>
+          <a:ln>
+            <a:tailEnd type="triangle"/>
+          </a:ln>
+        </p:spPr>
+        <p:style>
+          <a:lnRef idx="1">
+            <a:schemeClr val="accent1"/>
+          </a:lnRef>
+          <a:fillRef idx="0">
+            <a:schemeClr val="accent1"/>
+          </a:fillRef>
+          <a:effectRef idx="0">
+            <a:schemeClr val="accent1"/>
+          </a:effectRef>
+          <a:fontRef idx="minor">
+            <a:schemeClr val="tx1"/>
+          </a:fontRef>
+        </p:style>
+      </p:cxnSp>
+      <p:cxnSp>
+        <p:nvCxnSpPr>
+          <p:cNvPr id="13" name="Connecteur droit avec flèche 12"/>
+          <p:cNvCxnSpPr>
+            <a:stCxn id="52" idx="2"/>
+            <a:endCxn id="70" idx="0"/>
+          </p:cNvCxnSpPr>
+          <p:nvPr/>
+        </p:nvCxnSpPr>
+        <p:spPr>
+          <a:xfrm flipH="1">
+            <a:off x="3631795" y="2325202"/>
+            <a:ext cx="5075" cy="959520"/>
+          </a:xfrm>
+          <a:prstGeom prst="straightConnector1">
+            <a:avLst/>
+          </a:prstGeom>
+          <a:ln>
+            <a:tailEnd type="triangle"/>
+          </a:ln>
+        </p:spPr>
+        <p:style>
+          <a:lnRef idx="1">
+            <a:schemeClr val="accent1"/>
+          </a:lnRef>
+          <a:fillRef idx="0">
+            <a:schemeClr val="accent1"/>
+          </a:fillRef>
+          <a:effectRef idx="0">
+            <a:schemeClr val="accent1"/>
+          </a:effectRef>
+          <a:fontRef idx="minor">
+            <a:schemeClr val="tx1"/>
+          </a:fontRef>
+        </p:style>
+      </p:cxnSp>
+      <p:cxnSp>
+        <p:nvCxnSpPr>
+          <p:cNvPr id="15" name="Connecteur droit avec flèche 14"/>
+          <p:cNvCxnSpPr>
+            <a:stCxn id="4" idx="3"/>
+            <a:endCxn id="141" idx="1"/>
+          </p:cNvCxnSpPr>
+          <p:nvPr/>
+        </p:nvCxnSpPr>
+        <p:spPr>
+          <a:xfrm>
+            <a:off x="7195797" y="1883836"/>
+            <a:ext cx="530088" cy="12634"/>
+          </a:xfrm>
+          <a:prstGeom prst="straightConnector1">
+            <a:avLst/>
+          </a:prstGeom>
+          <a:ln>
+            <a:solidFill>
+              <a:schemeClr val="tx1"/>
+            </a:solidFill>
+            <a:tailEnd type="triangle"/>
+          </a:ln>
+        </p:spPr>
+        <p:style>
+          <a:lnRef idx="1">
+            <a:schemeClr val="accent1"/>
+          </a:lnRef>
+          <a:fillRef idx="0">
+            <a:schemeClr val="accent1"/>
+          </a:fillRef>
+          <a:effectRef idx="0">
+            <a:schemeClr val="accent1"/>
+          </a:effectRef>
+          <a:fontRef idx="minor">
+            <a:schemeClr val="tx1"/>
+          </a:fontRef>
+        </p:style>
+      </p:cxnSp>
+      <p:cxnSp>
+        <p:nvCxnSpPr>
+          <p:cNvPr id="17" name="Connecteur droit avec flèche 16"/>
+          <p:cNvCxnSpPr>
+            <a:stCxn id="141" idx="2"/>
+            <a:endCxn id="5" idx="0"/>
+          </p:cNvCxnSpPr>
+          <p:nvPr/>
+        </p:nvCxnSpPr>
+        <p:spPr>
+          <a:xfrm>
+            <a:off x="8615025" y="2342563"/>
+            <a:ext cx="6955" cy="942159"/>
+          </a:xfrm>
+          <a:prstGeom prst="straightConnector1">
+            <a:avLst/>
+          </a:prstGeom>
+          <a:ln>
+            <a:solidFill>
+              <a:schemeClr val="tx1"/>
+            </a:solidFill>
+            <a:tailEnd type="triangle"/>
+          </a:ln>
+        </p:spPr>
+        <p:style>
+          <a:lnRef idx="1">
+            <a:schemeClr val="accent1"/>
+          </a:lnRef>
+          <a:fillRef idx="0">
+            <a:schemeClr val="accent1"/>
+          </a:fillRef>
+          <a:effectRef idx="0">
+            <a:schemeClr val="accent1"/>
+          </a:effectRef>
+          <a:fontRef idx="minor">
+            <a:schemeClr val="tx1"/>
+          </a:fontRef>
+        </p:style>
+      </p:cxnSp>
     </p:spTree>
     <p:extLst>
       <p:ext uri="{BB962C8B-B14F-4D97-AF65-F5344CB8AC3E}">
@@ -7879,18 +8104,22 @@
             <a:pPr algn="ctr"/>
             <a:r>
               <a:rPr lang="en-GB" sz="1200" dirty="0" smtClean="0"/>
-              <a:t>DISPLAY </a:t>
+              <a:t>DISPLAY RECIPES</a:t>
+            </a:r>
+          </a:p>
+          <a:p>
+            <a:pPr algn="ctr"/>
+            <a:r>
+              <a:rPr lang="en-GB" sz="1200" dirty="0"/>
+              <a:t>(display/hide </a:t>
             </a:r>
             <a:r>
               <a:rPr lang="en-GB" sz="1200" dirty="0" smtClean="0"/>
-              <a:t>RECIPES</a:t>
-            </a:r>
-          </a:p>
-          <a:p>
-            <a:pPr algn="ctr"/>
+              <a:t>recipes </a:t>
+            </a:r>
             <a:r>
               <a:rPr lang="en-GB" sz="1200" dirty="0"/>
-              <a:t>(display/hide recipe in DOM</a:t>
+              <a:t>in DOM</a:t>
             </a:r>
             <a:r>
               <a:rPr lang="en-GB" sz="1200" dirty="0" smtClean="0"/>
@@ -8176,18 +8405,22 @@
             <a:pPr algn="ctr"/>
             <a:r>
               <a:rPr lang="en-GB" sz="1200" dirty="0" smtClean="0"/>
-              <a:t>DISPLAY </a:t>
+              <a:t>DISPLAY RECIPES</a:t>
+            </a:r>
+          </a:p>
+          <a:p>
+            <a:pPr algn="ctr"/>
+            <a:r>
+              <a:rPr lang="en-GB" sz="1200" dirty="0"/>
+              <a:t>(display/hide </a:t>
             </a:r>
             <a:r>
               <a:rPr lang="en-GB" sz="1200" dirty="0" smtClean="0"/>
-              <a:t>RECIPES</a:t>
-            </a:r>
-          </a:p>
-          <a:p>
-            <a:pPr algn="ctr"/>
+              <a:t>recipes </a:t>
+            </a:r>
             <a:r>
               <a:rPr lang="en-GB" sz="1200" dirty="0"/>
-              <a:t>(display/hide recipe in DOM</a:t>
+              <a:t>in DOM</a:t>
             </a:r>
             <a:r>
               <a:rPr lang="en-GB" sz="1200" dirty="0" smtClean="0"/>
@@ -8654,7 +8887,7 @@
       </p:cxnSp>
       <p:pic>
         <p:nvPicPr>
-          <p:cNvPr id="26" name="Image 25"/>
+          <p:cNvPr id="27" name="Image 26"/>
           <p:cNvPicPr>
             <a:picLocks noChangeAspect="1"/>
           </p:cNvPicPr>
@@ -8674,7 +8907,7 @@
         </p:blipFill>
         <p:spPr>
           <a:xfrm>
-            <a:off x="9506697" y="106160"/>
+            <a:off x="9931394" y="88750"/>
             <a:ext cx="2125307" cy="737513"/>
           </a:xfrm>
           <a:prstGeom prst="rect">
@@ -8734,7 +8967,7 @@
             <a:avLst/>
           </a:prstGeom>
           <a:solidFill>
-            <a:srgbClr val="FF0000"/>
+            <a:schemeClr val="tx1"/>
           </a:solidFill>
         </p:spPr>
         <p:style>
@@ -8759,8 +8992,8 @@
           <a:p>
             <a:pPr algn="ctr"/>
             <a:r>
-              <a:rPr lang="en-GB" sz="1100" dirty="0" smtClean="0"/>
-              <a:t>User Primary search Input</a:t>
+              <a:rPr lang="en-GB" sz="1100" dirty="0"/>
+              <a:t>User enters a word</a:t>
             </a:r>
             <a:endParaRPr lang="fr-FR" sz="1100" dirty="0"/>
           </a:p>
@@ -8774,14 +9007,14 @@
         </p:nvSpPr>
         <p:spPr>
           <a:xfrm>
-            <a:off x="5071798" y="913706"/>
-            <a:ext cx="2120127" cy="1399386"/>
+            <a:off x="5071797" y="913706"/>
+            <a:ext cx="2124000" cy="1440000"/>
           </a:xfrm>
           <a:prstGeom prst="diamond">
             <a:avLst/>
           </a:prstGeom>
           <a:solidFill>
-            <a:srgbClr val="FF0000"/>
+            <a:schemeClr val="tx1"/>
           </a:solidFill>
         </p:spPr>
         <p:style>
@@ -8806,8 +9039,8 @@
           <a:p>
             <a:pPr algn="ctr"/>
             <a:r>
-              <a:rPr lang="en-GB" sz="1100" dirty="0" smtClean="0"/>
-              <a:t>Is the user input in the Names, the Descriptions or Ingredients</a:t>
+              <a:rPr lang="en-GB" sz="1100" dirty="0"/>
+              <a:t>For each recipe, is the word in the  Title, Description or Ingredients</a:t>
             </a:r>
           </a:p>
         </p:txBody>
@@ -8820,14 +9053,14 @@
         </p:nvSpPr>
         <p:spPr>
           <a:xfrm>
-            <a:off x="7564356" y="3485029"/>
-            <a:ext cx="2120127" cy="1399386"/>
+            <a:off x="7564356" y="3464722"/>
+            <a:ext cx="2120127" cy="1440000"/>
           </a:xfrm>
           <a:prstGeom prst="diamond">
             <a:avLst/>
           </a:prstGeom>
           <a:solidFill>
-            <a:srgbClr val="FF0000"/>
+            <a:schemeClr val="tx1"/>
           </a:solidFill>
         </p:spPr>
         <p:style>
@@ -8852,17 +9085,23 @@
           <a:p>
             <a:pPr algn="ctr"/>
             <a:r>
-              <a:rPr lang="en-GB" sz="1100" dirty="0" smtClean="0"/>
-              <a:t>Ingredient(s), Appliance(s) or Utensil(s) chosen already?</a:t>
-            </a:r>
-          </a:p>
-          <a:p>
-            <a:pPr algn="ctr"/>
-            <a:r>
-              <a:rPr lang="en-GB" sz="1100" dirty="0" smtClean="0"/>
-              <a:t>tag(s)</a:t>
-            </a:r>
-            <a:endParaRPr lang="fr-FR" sz="1100" dirty="0"/>
+              <a:rPr lang="en-GB" sz="1100" u="sng" dirty="0"/>
+              <a:t>Tag(s)</a:t>
+            </a:r>
+          </a:p>
+          <a:p>
+            <a:pPr algn="ctr"/>
+            <a:r>
+              <a:rPr lang="en-GB" sz="1100" dirty="0"/>
+              <a:t>Has the user chosen</a:t>
+            </a:r>
+          </a:p>
+          <a:p>
+            <a:pPr algn="ctr"/>
+            <a:r>
+              <a:rPr lang="en-GB" sz="1100" dirty="0"/>
+              <a:t>Ingredient(s), Appliance(s) or Utensil(s) already</a:t>
+            </a:r>
           </a:p>
         </p:txBody>
       </p:sp>
@@ -8933,7 +9172,7 @@
         <p:spPr>
           <a:xfrm>
             <a:off x="6128687" y="713385"/>
-            <a:ext cx="3175" cy="200321"/>
+            <a:ext cx="5110" cy="200321"/>
           </a:xfrm>
           <a:prstGeom prst="straightConnector1">
             <a:avLst/>
@@ -9006,7 +9245,7 @@
             <a:avLst/>
           </a:prstGeom>
           <a:solidFill>
-            <a:srgbClr val="FF0000"/>
+            <a:schemeClr val="tx1"/>
           </a:solidFill>
         </p:spPr>
         <p:style>
@@ -9032,18 +9271,22 @@
             <a:pPr algn="ctr"/>
             <a:r>
               <a:rPr lang="en-GB" sz="1100" dirty="0" smtClean="0"/>
-              <a:t>Display recipes corresponding to main search input </a:t>
-            </a:r>
+              <a:t>Display recipes corresponding to </a:t>
+            </a:r>
+            <a:r>
+              <a:rPr lang="en-GB" sz="1100" dirty="0"/>
+              <a:t>user input word only</a:t>
+            </a:r>
+          </a:p>
+          <a:p>
+            <a:pPr algn="ctr"/>
             <a:r>
               <a:rPr lang="en-GB" sz="1100" dirty="0" smtClean="0"/>
-              <a:t>only</a:t>
-            </a:r>
-          </a:p>
-          <a:p>
-            <a:pPr algn="ctr"/>
+              <a:t>(</a:t>
+            </a:r>
             <a:r>
               <a:rPr lang="en-GB" sz="1100" dirty="0"/>
-              <a:t>(display/hide recipe in DOM</a:t>
+              <a:t>display/hide recipe in DOM</a:t>
             </a:r>
             <a:r>
               <a:rPr lang="en-GB" sz="1100" dirty="0" smtClean="0"/>
@@ -9064,15 +9307,15 @@
         </p:nvCxnSpPr>
         <p:spPr>
           <a:xfrm>
-            <a:off x="8624420" y="4884415"/>
-            <a:ext cx="2823" cy="598775"/>
+            <a:off x="8624420" y="4904722"/>
+            <a:ext cx="2823" cy="578468"/>
           </a:xfrm>
           <a:prstGeom prst="straightConnector1">
             <a:avLst/>
           </a:prstGeom>
           <a:ln>
             <a:solidFill>
-              <a:srgbClr val="FF0000"/>
+              <a:schemeClr val="tx1"/>
             </a:solidFill>
             <a:tailEnd type="triangle"/>
           </a:ln>
@@ -9162,7 +9405,7 @@
         </p:nvSpPr>
         <p:spPr>
           <a:xfrm>
-            <a:off x="6131862" y="3367723"/>
+            <a:off x="4852547" y="3909059"/>
             <a:ext cx="422476" cy="276999"/>
           </a:xfrm>
           <a:prstGeom prst="rect">
@@ -9232,45 +9475,6 @@
           </a:p>
         </p:txBody>
       </p:sp>
-      <p:cxnSp>
-        <p:nvCxnSpPr>
-          <p:cNvPr id="63" name="Connecteur en angle 62"/>
-          <p:cNvCxnSpPr>
-            <a:stCxn id="4" idx="1"/>
-            <a:endCxn id="70" idx="0"/>
-          </p:cNvCxnSpPr>
-          <p:nvPr/>
-        </p:nvCxnSpPr>
-        <p:spPr>
-          <a:xfrm rot="10800000" flipV="1">
-            <a:off x="3623274" y="1613399"/>
-            <a:ext cx="1448524" cy="1871630"/>
-          </a:xfrm>
-          <a:prstGeom prst="bentConnector2">
-            <a:avLst/>
-          </a:prstGeom>
-          <a:ln>
-            <a:solidFill>
-              <a:schemeClr val="accent1"/>
-            </a:solidFill>
-            <a:tailEnd type="triangle"/>
-          </a:ln>
-        </p:spPr>
-        <p:style>
-          <a:lnRef idx="1">
-            <a:schemeClr val="accent1"/>
-          </a:lnRef>
-          <a:fillRef idx="0">
-            <a:schemeClr val="accent1"/>
-          </a:fillRef>
-          <a:effectRef idx="0">
-            <a:schemeClr val="accent1"/>
-          </a:effectRef>
-          <a:fontRef idx="minor">
-            <a:schemeClr val="tx1"/>
-          </a:fontRef>
-        </p:style>
-      </p:cxnSp>
       <p:sp>
         <p:nvSpPr>
           <p:cNvPr id="68" name="ZoneTexte 67"/>
@@ -9295,18 +9499,10 @@
           <a:p>
             <a:pPr algn="ctr"/>
             <a:r>
-              <a:rPr lang="en-GB" sz="1200" dirty="0" smtClean="0">
-                <a:solidFill>
-                  <a:srgbClr val="FF0000"/>
-                </a:solidFill>
-              </a:rPr>
+              <a:rPr lang="en-GB" sz="1200" dirty="0" smtClean="0"/>
               <a:t>NO</a:t>
             </a:r>
-            <a:endParaRPr lang="fr-FR" sz="1200" dirty="0">
-              <a:solidFill>
-                <a:srgbClr val="FF0000"/>
-              </a:solidFill>
-            </a:endParaRPr>
+            <a:endParaRPr lang="fr-FR" sz="1200" dirty="0"/>
           </a:p>
         </p:txBody>
       </p:sp>
@@ -9348,20 +9544,15 @@
             <a:pPr algn="ctr"/>
             <a:r>
               <a:rPr lang="en-GB" sz="1100" dirty="0" smtClean="0"/>
-              <a:t>Display recipes corresponding to main search &amp; </a:t>
-            </a:r>
+              <a:t>Display recipes corresponding to user word &amp; tags</a:t>
+            </a:r>
+          </a:p>
+          <a:p>
+            <a:pPr algn="ctr"/>
             <a:r>
               <a:rPr lang="en-GB" sz="1100" dirty="0" smtClean="0"/>
-              <a:t>tags</a:t>
-            </a:r>
-          </a:p>
-          <a:p>
-            <a:pPr algn="ctr"/>
-            <a:r>
-              <a:rPr lang="en-GB" sz="1100" dirty="0" smtClean="0"/>
-              <a:t>(display/hide recipe in DOM)</a:t>
-            </a:r>
-            <a:endParaRPr lang="en-GB" sz="1100" dirty="0" smtClean="0"/>
+              <a:t>(display/hide recipes in DOM)</a:t>
+            </a:r>
           </a:p>
         </p:txBody>
       </p:sp>
@@ -9373,8 +9564,8 @@
         </p:nvSpPr>
         <p:spPr>
           <a:xfrm>
-            <a:off x="2563210" y="3485029"/>
-            <a:ext cx="2120127" cy="1399386"/>
+            <a:off x="2565093" y="3464722"/>
+            <a:ext cx="2120127" cy="1440000"/>
           </a:xfrm>
           <a:prstGeom prst="diamond">
             <a:avLst/>
@@ -9405,17 +9596,23 @@
           <a:p>
             <a:pPr algn="ctr"/>
             <a:r>
-              <a:rPr lang="en-GB" sz="1100" dirty="0" smtClean="0"/>
-              <a:t>Ingredient(s), Appliance(s) or Utensil(s) chosen already?</a:t>
-            </a:r>
-          </a:p>
-          <a:p>
-            <a:pPr algn="ctr"/>
-            <a:r>
-              <a:rPr lang="en-GB" sz="1100" dirty="0" smtClean="0"/>
-              <a:t>tag(s)</a:t>
-            </a:r>
-            <a:endParaRPr lang="fr-FR" sz="1100" dirty="0"/>
+              <a:rPr lang="en-GB" sz="1100" u="sng" dirty="0"/>
+              <a:t>Tag(s)</a:t>
+            </a:r>
+          </a:p>
+          <a:p>
+            <a:pPr algn="ctr"/>
+            <a:r>
+              <a:rPr lang="en-GB" sz="1100" dirty="0"/>
+              <a:t>Has the user chosen</a:t>
+            </a:r>
+          </a:p>
+          <a:p>
+            <a:pPr algn="ctr"/>
+            <a:r>
+              <a:rPr lang="en-GB" sz="1100" dirty="0"/>
+              <a:t>Ingredient(s), Appliance(s) or Utensil(s) already</a:t>
+            </a:r>
           </a:p>
         </p:txBody>
       </p:sp>
@@ -9430,8 +9627,8 @@
         </p:nvCxnSpPr>
         <p:spPr>
           <a:xfrm>
-            <a:off x="3623274" y="4884415"/>
-            <a:ext cx="2823" cy="598775"/>
+            <a:off x="3625157" y="4904722"/>
+            <a:ext cx="940" cy="578468"/>
           </a:xfrm>
           <a:prstGeom prst="straightConnector1">
             <a:avLst/>
@@ -9500,15 +9697,15 @@
         </p:nvCxnSpPr>
         <p:spPr>
           <a:xfrm>
-            <a:off x="7191925" y="1613399"/>
-            <a:ext cx="1432495" cy="1871630"/>
+            <a:off x="7195797" y="1633706"/>
+            <a:ext cx="1428623" cy="1831016"/>
           </a:xfrm>
           <a:prstGeom prst="bentConnector2">
             <a:avLst/>
           </a:prstGeom>
           <a:ln>
             <a:solidFill>
-              <a:srgbClr val="FF0000"/>
+              <a:schemeClr val="tx1"/>
             </a:solidFill>
             <a:tailEnd type="triangle"/>
           </a:ln>
@@ -9624,18 +9821,10 @@
           <a:p>
             <a:pPr algn="ctr"/>
             <a:r>
-              <a:rPr lang="en-GB" sz="1200" dirty="0" smtClean="0">
-                <a:solidFill>
-                  <a:srgbClr val="FF0000"/>
-                </a:solidFill>
-              </a:rPr>
+              <a:rPr lang="en-GB" sz="1200" dirty="0" smtClean="0"/>
               <a:t>YES</a:t>
             </a:r>
-            <a:endParaRPr lang="fr-FR" sz="1200" dirty="0">
-              <a:solidFill>
-                <a:srgbClr val="FF0000"/>
-              </a:solidFill>
-            </a:endParaRPr>
+            <a:endParaRPr lang="fr-FR" sz="1200" dirty="0"/>
           </a:p>
         </p:txBody>
       </p:sp>
@@ -9670,86 +9859,6 @@
           </a:p>
         </p:txBody>
       </p:sp>
-      <p:sp>
-        <p:nvSpPr>
-          <p:cNvPr id="109" name="Rectangle à coins arrondis 108"/>
-          <p:cNvSpPr/>
-          <p:nvPr/>
-        </p:nvSpPr>
-        <p:spPr>
-          <a:xfrm>
-            <a:off x="5068019" y="2583092"/>
-            <a:ext cx="2114480" cy="781291"/>
-          </a:xfrm>
-          <a:prstGeom prst="roundRect">
-            <a:avLst/>
-          </a:prstGeom>
-        </p:spPr>
-        <p:style>
-          <a:lnRef idx="2">
-            <a:schemeClr val="accent1">
-              <a:shade val="50000"/>
-            </a:schemeClr>
-          </a:lnRef>
-          <a:fillRef idx="1">
-            <a:schemeClr val="accent1"/>
-          </a:fillRef>
-          <a:effectRef idx="0">
-            <a:schemeClr val="accent1"/>
-          </a:effectRef>
-          <a:fontRef idx="minor">
-            <a:schemeClr val="lt1"/>
-          </a:fontRef>
-        </p:style>
-        <p:txBody>
-          <a:bodyPr rtlCol="0" anchor="ctr"/>
-          <a:lstStyle/>
-          <a:p>
-            <a:pPr algn="ctr"/>
-            <a:r>
-              <a:rPr lang="en-GB" sz="1100" dirty="0" smtClean="0"/>
-              <a:t>Display no recipes error message</a:t>
-            </a:r>
-            <a:endParaRPr lang="fr-FR" sz="1100" dirty="0"/>
-          </a:p>
-        </p:txBody>
-      </p:sp>
-      <p:cxnSp>
-        <p:nvCxnSpPr>
-          <p:cNvPr id="117" name="Connecteur droit avec flèche 116"/>
-          <p:cNvCxnSpPr>
-            <a:stCxn id="6" idx="0"/>
-            <a:endCxn id="109" idx="2"/>
-          </p:cNvCxnSpPr>
-          <p:nvPr/>
-        </p:nvCxnSpPr>
-        <p:spPr>
-          <a:xfrm flipV="1">
-            <a:off x="6123847" y="3364383"/>
-            <a:ext cx="1412" cy="280339"/>
-          </a:xfrm>
-          <a:prstGeom prst="straightConnector1">
-            <a:avLst/>
-          </a:prstGeom>
-          <a:ln>
-            <a:tailEnd type="triangle"/>
-          </a:ln>
-        </p:spPr>
-        <p:style>
-          <a:lnRef idx="1">
-            <a:schemeClr val="accent1"/>
-          </a:lnRef>
-          <a:fillRef idx="0">
-            <a:schemeClr val="accent1"/>
-          </a:fillRef>
-          <a:effectRef idx="0">
-            <a:schemeClr val="accent1"/>
-          </a:effectRef>
-          <a:fontRef idx="minor">
-            <a:schemeClr val="tx1"/>
-          </a:fontRef>
-        </p:style>
-      </p:cxnSp>
       <p:sp>
         <p:nvSpPr>
           <p:cNvPr id="119" name="Rectangle à coins arrondis 118"/>
@@ -9817,7 +9926,7 @@
         <p:spPr>
           <a:xfrm flipH="1">
             <a:off x="2104210" y="4184722"/>
-            <a:ext cx="459000" cy="0"/>
+            <a:ext cx="460883" cy="0"/>
           </a:xfrm>
           <a:prstGeom prst="straightConnector1">
             <a:avLst/>
@@ -9879,18 +9988,22 @@
             <a:pPr algn="ctr"/>
             <a:r>
               <a:rPr lang="en-GB" sz="1100" dirty="0" smtClean="0"/>
-              <a:t>Display recipes corresponding  to tag(s) </a:t>
+              <a:t>Display recipes corresponding  to tag(s) only</a:t>
+            </a:r>
+          </a:p>
+          <a:p>
+            <a:pPr algn="ctr"/>
+            <a:r>
+              <a:rPr lang="en-GB" sz="1100" dirty="0"/>
+              <a:t>(display/hide </a:t>
             </a:r>
             <a:r>
               <a:rPr lang="en-GB" sz="1100" dirty="0" smtClean="0"/>
-              <a:t>only</a:t>
-            </a:r>
-          </a:p>
-          <a:p>
-            <a:pPr algn="ctr"/>
+              <a:t>recipes </a:t>
+            </a:r>
             <a:r>
               <a:rPr lang="en-GB" sz="1100" dirty="0"/>
-              <a:t>(display/hide recipe in DOM</a:t>
+              <a:t>in DOM</a:t>
             </a:r>
             <a:r>
               <a:rPr lang="en-GB" sz="1100" dirty="0" smtClean="0"/>
@@ -10197,7 +10310,7 @@
             <a:avLst/>
           </a:prstGeom>
           <a:solidFill>
-            <a:srgbClr val="FF0000"/>
+            <a:schemeClr val="tx1"/>
           </a:solidFill>
         </p:spPr>
         <p:style>
@@ -10223,7 +10336,7 @@
             <a:pPr algn="ctr"/>
             <a:r>
               <a:rPr lang="en-GB" sz="1100" dirty="0" smtClean="0"/>
-              <a:t>Push corresponding recipes to</a:t>
+              <a:t>Push corresponding recipe into</a:t>
             </a:r>
             <a:r>
               <a:rPr lang="fr-FR" sz="1100" dirty="0" smtClean="0"/>
@@ -10252,8 +10365,8 @@
         </p:nvSpPr>
         <p:spPr>
           <a:xfrm>
-            <a:off x="9081998" y="2313092"/>
-            <a:ext cx="2974703" cy="707886"/>
+            <a:off x="9931393" y="1644192"/>
+            <a:ext cx="2125307" cy="1631216"/>
           </a:xfrm>
           <a:prstGeom prst="rect">
             <a:avLst/>
@@ -10273,16 +10386,30 @@
             </a:r>
             <a:r>
               <a:rPr lang="en-GB" sz="1000" dirty="0"/>
-              <a:t>To increase the chances of a successful search all the user input data &amp; recipe data is "cleaned" before the search. </a:t>
+              <a:t>To increase the possibility of a successful search, the user input word(s) &amp; the recipes data is "cleaned" before the search. (i.e., the text has all accents removed &amp; changed to lower case letters</a:t>
             </a:r>
             <a:r>
               <a:rPr lang="en-GB" sz="1000" dirty="0" smtClean="0"/>
-              <a:t>(i.e., </a:t>
+              <a:t>).</a:t>
+            </a:r>
+          </a:p>
+          <a:p>
+            <a:pPr algn="just"/>
+            <a:endParaRPr lang="en-GB" sz="1000" dirty="0"/>
+          </a:p>
+          <a:p>
+            <a:pPr algn="just"/>
+            <a:r>
+              <a:rPr lang="en-GB" sz="1000" dirty="0" smtClean="0"/>
+              <a:t>The </a:t>
             </a:r>
             <a:r>
               <a:rPr lang="en-GB" sz="1000" dirty="0"/>
-              <a:t>the text has all accents removed &amp; changed to lower case letters).</a:t>
-            </a:r>
+              <a:t>boxes marked in black represent the primary search algorithm...</a:t>
+            </a:r>
+          </a:p>
+          <a:p>
+            <a:pPr algn="just"/>
             <a:endParaRPr lang="fr-FR" sz="1000" dirty="0"/>
           </a:p>
         </p:txBody>
@@ -10309,7 +10436,7 @@
         </p:blipFill>
         <p:spPr>
           <a:xfrm>
-            <a:off x="9506697" y="106160"/>
+            <a:off x="9931394" y="88750"/>
             <a:ext cx="2125307" cy="737513"/>
           </a:xfrm>
           <a:prstGeom prst="rect">
@@ -10462,7 +10589,7 @@
             <a:pPr algn="ctr"/>
             <a:r>
               <a:rPr lang="en-GB" sz="1200" dirty="0" smtClean="0"/>
-              <a:t>User adds/deletes Tag</a:t>
+              <a:t>User adds/deletes a Tag</a:t>
             </a:r>
           </a:p>
           <a:p>
@@ -10619,18 +10746,17 @@
           <p:cNvPr id="51" name="Connecteur en angle 50"/>
           <p:cNvCxnSpPr>
             <a:stCxn id="40" idx="3"/>
+            <a:endCxn id="6" idx="0"/>
           </p:cNvCxnSpPr>
           <p:nvPr/>
         </p:nvCxnSpPr>
         <p:spPr>
           <a:xfrm>
             <a:off x="2249097" y="2566687"/>
-            <a:ext cx="2956750" cy="1618035"/>
-          </a:xfrm>
-          <a:prstGeom prst="bentConnector3">
-            <a:avLst>
-              <a:gd name="adj1" fmla="val 86906"/>
-            </a:avLst>
+            <a:ext cx="3874750" cy="1078035"/>
+          </a:xfrm>
+          <a:prstGeom prst="bentConnector2">
+            <a:avLst/>
           </a:prstGeom>
           <a:ln>
             <a:prstDash val="lgDash"/>
@@ -10660,7 +10786,7 @@
         </p:nvSpPr>
         <p:spPr>
           <a:xfrm>
-            <a:off x="2243450" y="2566910"/>
+            <a:off x="2238408" y="2563789"/>
             <a:ext cx="422476" cy="276999"/>
           </a:xfrm>
           <a:prstGeom prst="rect">
@@ -10691,8 +10817,8 @@
         </p:nvSpPr>
         <p:spPr>
           <a:xfrm>
-            <a:off x="9598674" y="901251"/>
-            <a:ext cx="2527977" cy="646331"/>
+            <a:off x="9931394" y="901251"/>
+            <a:ext cx="2195257" cy="584775"/>
           </a:xfrm>
           <a:prstGeom prst="rect">
             <a:avLst/>
@@ -10715,28 +10841,191 @@
             </a:r>
             <a:r>
               <a:rPr lang="fr-FR" dirty="0" smtClean="0"/>
-              <a:t> model (</a:t>
-            </a:r>
-            <a:r>
-              <a:rPr lang="fr-FR" dirty="0" err="1" smtClean="0"/>
+              <a:t> model </a:t>
+            </a:r>
+            <a:r>
+              <a:rPr lang="fr-FR" sz="1400" dirty="0" smtClean="0"/>
+              <a:t>(</a:t>
+            </a:r>
+            <a:r>
+              <a:rPr lang="fr-FR" sz="1400" dirty="0" err="1" smtClean="0"/>
               <a:t>using</a:t>
             </a:r>
             <a:r>
-              <a:rPr lang="fr-FR" dirty="0" smtClean="0"/>
+              <a:rPr lang="fr-FR" sz="1400" dirty="0" smtClean="0"/>
               <a:t> </a:t>
             </a:r>
             <a:r>
-              <a:rPr lang="fr-FR" dirty="0" err="1" smtClean="0"/>
+              <a:rPr lang="fr-FR" sz="1400" dirty="0" err="1" smtClean="0"/>
               <a:t>algorithm</a:t>
             </a:r>
             <a:r>
-              <a:rPr lang="fr-FR" dirty="0" smtClean="0"/>
+              <a:rPr lang="fr-FR" sz="1400" dirty="0" smtClean="0"/>
               <a:t> 2)</a:t>
             </a:r>
-            <a:endParaRPr lang="fr-FR" dirty="0"/>
-          </a:p>
-        </p:txBody>
-      </p:sp>
+            <a:endParaRPr lang="fr-FR" sz="1400" dirty="0"/>
+          </a:p>
+        </p:txBody>
+      </p:sp>
+      <p:sp>
+        <p:nvSpPr>
+          <p:cNvPr id="56" name="Rectangle à coins arrondis 55"/>
+          <p:cNvSpPr/>
+          <p:nvPr/>
+        </p:nvSpPr>
+        <p:spPr>
+          <a:xfrm>
+            <a:off x="2736156" y="1195738"/>
+            <a:ext cx="1778280" cy="892186"/>
+          </a:xfrm>
+          <a:prstGeom prst="roundRect">
+            <a:avLst/>
+          </a:prstGeom>
+          <a:solidFill>
+            <a:schemeClr val="accent1"/>
+          </a:solidFill>
+        </p:spPr>
+        <p:style>
+          <a:lnRef idx="2">
+            <a:schemeClr val="accent1">
+              <a:shade val="50000"/>
+            </a:schemeClr>
+          </a:lnRef>
+          <a:fillRef idx="1">
+            <a:schemeClr val="accent1"/>
+          </a:fillRef>
+          <a:effectRef idx="0">
+            <a:schemeClr val="accent1"/>
+          </a:effectRef>
+          <a:fontRef idx="minor">
+            <a:schemeClr val="lt1"/>
+          </a:fontRef>
+        </p:style>
+        <p:txBody>
+          <a:bodyPr rtlCol="0" anchor="ctr"/>
+          <a:lstStyle/>
+          <a:p>
+            <a:pPr algn="ctr"/>
+            <a:r>
+              <a:rPr lang="en-GB" sz="1050" dirty="0" smtClean="0"/>
+              <a:t>If No </a:t>
+            </a:r>
+            <a:r>
+              <a:rPr lang="en-GB" sz="1050" dirty="0"/>
+              <a:t>recipes match the input word</a:t>
+            </a:r>
+            <a:endParaRPr lang="fr-FR" sz="1050" dirty="0"/>
+          </a:p>
+        </p:txBody>
+      </p:sp>
+      <p:cxnSp>
+        <p:nvCxnSpPr>
+          <p:cNvPr id="13" name="Connecteur en angle 12"/>
+          <p:cNvCxnSpPr>
+            <a:stCxn id="6" idx="1"/>
+            <a:endCxn id="61" idx="3"/>
+          </p:cNvCxnSpPr>
+          <p:nvPr/>
+        </p:nvCxnSpPr>
+        <p:spPr>
+          <a:xfrm rot="10800000" flipV="1">
+            <a:off x="4683337" y="4184722"/>
+            <a:ext cx="522510" cy="1689114"/>
+          </a:xfrm>
+          <a:prstGeom prst="bentConnector3">
+            <a:avLst/>
+          </a:prstGeom>
+          <a:ln>
+            <a:tailEnd type="triangle"/>
+          </a:ln>
+        </p:spPr>
+        <p:style>
+          <a:lnRef idx="1">
+            <a:schemeClr val="accent1"/>
+          </a:lnRef>
+          <a:fillRef idx="0">
+            <a:schemeClr val="accent1"/>
+          </a:fillRef>
+          <a:effectRef idx="0">
+            <a:schemeClr val="accent1"/>
+          </a:effectRef>
+          <a:fontRef idx="minor">
+            <a:schemeClr val="tx1"/>
+          </a:fontRef>
+        </p:style>
+      </p:cxnSp>
+      <p:cxnSp>
+        <p:nvCxnSpPr>
+          <p:cNvPr id="15" name="Connecteur droit avec flèche 14"/>
+          <p:cNvCxnSpPr>
+            <a:stCxn id="4" idx="1"/>
+            <a:endCxn id="56" idx="3"/>
+          </p:cNvCxnSpPr>
+          <p:nvPr/>
+        </p:nvCxnSpPr>
+        <p:spPr>
+          <a:xfrm flipH="1">
+            <a:off x="4514436" y="1633706"/>
+            <a:ext cx="557361" cy="8125"/>
+          </a:xfrm>
+          <a:prstGeom prst="straightConnector1">
+            <a:avLst/>
+          </a:prstGeom>
+          <a:ln>
+            <a:tailEnd type="triangle"/>
+          </a:ln>
+        </p:spPr>
+        <p:style>
+          <a:lnRef idx="1">
+            <a:schemeClr val="accent1"/>
+          </a:lnRef>
+          <a:fillRef idx="0">
+            <a:schemeClr val="accent1"/>
+          </a:fillRef>
+          <a:effectRef idx="0">
+            <a:schemeClr val="accent1"/>
+          </a:effectRef>
+          <a:fontRef idx="minor">
+            <a:schemeClr val="tx1"/>
+          </a:fontRef>
+        </p:style>
+      </p:cxnSp>
+      <p:cxnSp>
+        <p:nvCxnSpPr>
+          <p:cNvPr id="17" name="Connecteur droit avec flèche 16"/>
+          <p:cNvCxnSpPr>
+            <a:stCxn id="56" idx="2"/>
+            <a:endCxn id="70" idx="0"/>
+          </p:cNvCxnSpPr>
+          <p:nvPr/>
+        </p:nvCxnSpPr>
+        <p:spPr>
+          <a:xfrm flipH="1">
+            <a:off x="3625157" y="2087924"/>
+            <a:ext cx="139" cy="1376798"/>
+          </a:xfrm>
+          <a:prstGeom prst="straightConnector1">
+            <a:avLst/>
+          </a:prstGeom>
+          <a:ln>
+            <a:tailEnd type="triangle"/>
+          </a:ln>
+        </p:spPr>
+        <p:style>
+          <a:lnRef idx="1">
+            <a:schemeClr val="accent1"/>
+          </a:lnRef>
+          <a:fillRef idx="0">
+            <a:schemeClr val="accent1"/>
+          </a:fillRef>
+          <a:effectRef idx="0">
+            <a:schemeClr val="accent1"/>
+          </a:effectRef>
+          <a:fontRef idx="minor">
+            <a:schemeClr val="tx1"/>
+          </a:fontRef>
+        </p:style>
+      </p:cxnSp>
     </p:spTree>
     <p:extLst>
       <p:ext uri="{BB962C8B-B14F-4D97-AF65-F5344CB8AC3E}">
@@ -10782,14 +11071,14 @@
         </p:nvSpPr>
         <p:spPr>
           <a:xfrm>
-            <a:off x="5049533" y="106160"/>
+            <a:off x="5049533" y="94586"/>
             <a:ext cx="2121335" cy="425472"/>
           </a:xfrm>
           <a:prstGeom prst="roundRect">
             <a:avLst/>
           </a:prstGeom>
           <a:solidFill>
-            <a:srgbClr val="FF0000"/>
+            <a:schemeClr val="tx1"/>
           </a:solidFill>
         </p:spPr>
         <p:style>
@@ -10814,24 +11103,16 @@
           <a:p>
             <a:pPr algn="ctr"/>
             <a:r>
-              <a:rPr lang="en-GB" sz="1000" dirty="0"/>
-              <a:t>Utilisateur </a:t>
-            </a:r>
-            <a:r>
-              <a:rPr lang="en-GB" sz="1000" dirty="0" err="1"/>
-              <a:t>Recherche</a:t>
-            </a:r>
-            <a:r>
-              <a:rPr lang="en-GB" sz="1000" dirty="0"/>
-              <a:t> </a:t>
-            </a:r>
-            <a:r>
-              <a:rPr lang="en-GB" sz="1000" dirty="0" err="1"/>
-              <a:t>primaire</a:t>
-            </a:r>
-            <a:r>
-              <a:rPr lang="en-GB" sz="1000" dirty="0"/>
-              <a:t> Entrée</a:t>
+              <a:rPr lang="en-GB" sz="1100" dirty="0"/>
+              <a:t>L'utilisateur </a:t>
+            </a:r>
+            <a:r>
+              <a:rPr lang="en-GB" sz="1100" dirty="0" err="1"/>
+              <a:t>saisit</a:t>
+            </a:r>
+            <a:r>
+              <a:rPr lang="en-GB" sz="1100" dirty="0"/>
+              <a:t> un mot</a:t>
             </a:r>
           </a:p>
         </p:txBody>
@@ -10844,14 +11125,14 @@
         </p:nvSpPr>
         <p:spPr>
           <a:xfrm>
-            <a:off x="5205353" y="708303"/>
-            <a:ext cx="1809697" cy="1187918"/>
+            <a:off x="5205353" y="696729"/>
+            <a:ext cx="1809697" cy="1368000"/>
           </a:xfrm>
           <a:prstGeom prst="diamond">
             <a:avLst/>
           </a:prstGeom>
           <a:solidFill>
-            <a:srgbClr val="FF0000"/>
+            <a:schemeClr val="tx1"/>
           </a:solidFill>
         </p:spPr>
         <p:style>
@@ -10876,8 +11157,8 @@
           <a:p>
             <a:pPr algn="ctr"/>
             <a:r>
-              <a:rPr lang="fr-FR" sz="900" dirty="0"/>
-              <a:t>Est-ce que l'entrée de l'utilisateur dans les Noms ou les Descriptions</a:t>
+              <a:rPr lang="fr-FR" sz="1000" dirty="0"/>
+              <a:t>Pour chaque recette, le mot figure-t-il dans le titre ou la description ?</a:t>
             </a:r>
           </a:p>
         </p:txBody>
@@ -10890,14 +11171,14 @@
         </p:nvSpPr>
         <p:spPr>
           <a:xfrm>
-            <a:off x="7524371" y="4139113"/>
-            <a:ext cx="2120127" cy="1168942"/>
+            <a:off x="7527193" y="3941969"/>
+            <a:ext cx="2120127" cy="1404000"/>
           </a:xfrm>
           <a:prstGeom prst="diamond">
             <a:avLst/>
           </a:prstGeom>
           <a:solidFill>
-            <a:srgbClr val="FF0000"/>
+            <a:schemeClr val="tx1"/>
           </a:solidFill>
         </p:spPr>
         <p:style>
@@ -10923,19 +11204,33 @@
             <a:pPr algn="ctr"/>
             <a:r>
               <a:rPr lang="fr-FR" sz="1000" dirty="0"/>
-              <a:t>Ingrédient(s), appareil(s) ou ustensile(s) déjà </a:t>
+              <a:t>Tags(s)</a:t>
+            </a:r>
+          </a:p>
+          <a:p>
+            <a:pPr algn="ctr"/>
+            <a:r>
+              <a:rPr lang="fr-FR" sz="1000" dirty="0"/>
+              <a:t>L'utilisateur </a:t>
+            </a:r>
+            <a:r>
+              <a:rPr lang="fr-FR" sz="1000" dirty="0" err="1"/>
+              <a:t>a-t-il</a:t>
+            </a:r>
+            <a:r>
+              <a:rPr lang="fr-FR" sz="1000" dirty="0"/>
+              <a:t> déjà choisi</a:t>
+            </a:r>
+          </a:p>
+          <a:p>
+            <a:pPr algn="ctr"/>
+            <a:r>
+              <a:rPr lang="fr-FR" sz="1000" dirty="0"/>
+              <a:t>Ingrédient(s), Appareil(s) ou Ustensile(s</a:t>
             </a:r>
             <a:r>
               <a:rPr lang="fr-FR" sz="1000" dirty="0" smtClean="0"/>
-              <a:t>choisis ?</a:t>
-            </a:r>
-            <a:endParaRPr lang="fr-FR" sz="1000" dirty="0"/>
-          </a:p>
-          <a:p>
-            <a:pPr algn="ctr"/>
-            <a:r>
-              <a:rPr lang="fr-FR" sz="1000" dirty="0" smtClean="0"/>
-              <a:t>« tag(s) »</a:t>
+              <a:t>) ?</a:t>
             </a:r>
             <a:endParaRPr lang="fr-FR" sz="1000" dirty="0"/>
           </a:p>
@@ -10949,7 +11244,7 @@
         </p:nvSpPr>
         <p:spPr>
           <a:xfrm>
-            <a:off x="5165861" y="4267537"/>
+            <a:off x="5165861" y="4186517"/>
             <a:ext cx="1836000" cy="902151"/>
           </a:xfrm>
           <a:prstGeom prst="roundRect">
@@ -11012,7 +11307,7 @@
         </p:nvCxnSpPr>
         <p:spPr>
           <a:xfrm>
-            <a:off x="6110201" y="531632"/>
+            <a:off x="6110201" y="520058"/>
             <a:ext cx="1" cy="176671"/>
           </a:xfrm>
           <a:prstGeom prst="straightConnector1">
@@ -11020,7 +11315,7 @@
           </a:prstGeom>
           <a:ln>
             <a:solidFill>
-              <a:srgbClr val="FF0000"/>
+              <a:schemeClr val="tx1"/>
             </a:solidFill>
             <a:tailEnd type="triangle"/>
           </a:ln>
@@ -11048,7 +11343,7 @@
         </p:nvSpPr>
         <p:spPr>
           <a:xfrm>
-            <a:off x="7122910" y="4354026"/>
+            <a:off x="7122911" y="4364205"/>
             <a:ext cx="422476" cy="276999"/>
           </a:xfrm>
           <a:prstGeom prst="rect">
@@ -11079,14 +11374,14 @@
         </p:nvSpPr>
         <p:spPr>
           <a:xfrm>
-            <a:off x="7530017" y="5800031"/>
+            <a:off x="7530017" y="5603271"/>
             <a:ext cx="2114480" cy="652632"/>
           </a:xfrm>
           <a:prstGeom prst="roundRect">
             <a:avLst/>
           </a:prstGeom>
           <a:solidFill>
-            <a:srgbClr val="FF0000"/>
+            <a:schemeClr val="tx1"/>
           </a:solidFill>
         </p:spPr>
         <p:style>
@@ -11111,10 +11406,17 @@
           <a:p>
             <a:pPr algn="ctr"/>
             <a:r>
+              <a:rPr lang="fr-FR" sz="1000" dirty="0"/>
+              <a:t>Afficher uniquement les recettes correspondant au mot </a:t>
+            </a:r>
+            <a:r>
               <a:rPr lang="fr-FR" sz="1000" dirty="0" smtClean="0"/>
-              <a:t>Afficher uniquement les recettes correspondant à l'entrée de la recherche principale</a:t>
-            </a:r>
-            <a:endParaRPr lang="fr-FR" sz="1000" dirty="0"/>
+              <a:t>saisi  </a:t>
+            </a:r>
+            <a:r>
+              <a:rPr lang="fr-FR" sz="1000" dirty="0"/>
+              <a:t>par l'utilisateur</a:t>
+            </a:r>
           </a:p>
         </p:txBody>
       </p:sp>
@@ -11129,15 +11431,15 @@
         </p:nvCxnSpPr>
         <p:spPr>
           <a:xfrm>
-            <a:off x="8584435" y="5308055"/>
-            <a:ext cx="2822" cy="491976"/>
+            <a:off x="8587257" y="5345969"/>
+            <a:ext cx="0" cy="257302"/>
           </a:xfrm>
           <a:prstGeom prst="straightConnector1">
             <a:avLst/>
           </a:prstGeom>
           <a:ln>
             <a:solidFill>
-              <a:srgbClr val="FF0000"/>
+              <a:schemeClr val="tx1"/>
             </a:solidFill>
             <a:tailEnd type="triangle"/>
           </a:ln>
@@ -11165,7 +11467,7 @@
         </p:nvSpPr>
         <p:spPr>
           <a:xfrm>
-            <a:off x="2089333" y="4354026"/>
+            <a:off x="2106395" y="4354643"/>
             <a:ext cx="422476" cy="276999"/>
           </a:xfrm>
           <a:prstGeom prst="rect">
@@ -11196,7 +11498,7 @@
         </p:nvSpPr>
         <p:spPr>
           <a:xfrm>
-            <a:off x="4683143" y="2684676"/>
+            <a:off x="4759153" y="2575762"/>
             <a:ext cx="522211" cy="276999"/>
           </a:xfrm>
           <a:prstGeom prst="rect">
@@ -11227,7 +11529,7 @@
         </p:nvSpPr>
         <p:spPr>
           <a:xfrm>
-            <a:off x="6091634" y="3979465"/>
+            <a:off x="4712602" y="4364205"/>
             <a:ext cx="517167" cy="276999"/>
           </a:xfrm>
           <a:prstGeom prst="rect">
@@ -11258,7 +11560,7 @@
         </p:nvSpPr>
         <p:spPr>
           <a:xfrm>
-            <a:off x="2528871" y="5800031"/>
+            <a:off x="2528871" y="5603271"/>
             <a:ext cx="2114480" cy="652632"/>
           </a:xfrm>
           <a:prstGeom prst="roundRect">
@@ -11297,45 +11599,6 @@
           </a:p>
         </p:txBody>
       </p:sp>
-      <p:cxnSp>
-        <p:nvCxnSpPr>
-          <p:cNvPr id="63" name="Connecteur en angle 62"/>
-          <p:cNvCxnSpPr>
-            <a:stCxn id="38" idx="1"/>
-            <a:endCxn id="70" idx="0"/>
-          </p:cNvCxnSpPr>
-          <p:nvPr/>
-        </p:nvCxnSpPr>
-        <p:spPr>
-          <a:xfrm rot="10800000" flipV="1">
-            <a:off x="3588936" y="2680861"/>
-            <a:ext cx="1616417" cy="1458252"/>
-          </a:xfrm>
-          <a:prstGeom prst="bentConnector2">
-            <a:avLst/>
-          </a:prstGeom>
-          <a:ln>
-            <a:solidFill>
-              <a:schemeClr val="accent1"/>
-            </a:solidFill>
-            <a:tailEnd type="triangle"/>
-          </a:ln>
-        </p:spPr>
-        <p:style>
-          <a:lnRef idx="1">
-            <a:schemeClr val="accent1"/>
-          </a:lnRef>
-          <a:fillRef idx="0">
-            <a:schemeClr val="accent1"/>
-          </a:fillRef>
-          <a:effectRef idx="0">
-            <a:schemeClr val="accent1"/>
-          </a:effectRef>
-          <a:fontRef idx="minor">
-            <a:schemeClr val="tx1"/>
-          </a:fontRef>
-        </p:style>
-      </p:cxnSp>
       <p:sp>
         <p:nvSpPr>
           <p:cNvPr id="68" name="ZoneTexte 67"/>
@@ -11344,7 +11607,7 @@
         </p:nvSpPr>
         <p:spPr>
           <a:xfrm>
-            <a:off x="8590220" y="5333888"/>
+            <a:off x="8592894" y="5321933"/>
             <a:ext cx="545168" cy="276999"/>
           </a:xfrm>
           <a:prstGeom prst="rect">
@@ -11360,18 +11623,10 @@
           <a:p>
             <a:pPr algn="ctr"/>
             <a:r>
-              <a:rPr lang="en-GB" sz="1200" dirty="0" smtClean="0">
-                <a:solidFill>
-                  <a:srgbClr val="FF0000"/>
-                </a:solidFill>
-              </a:rPr>
+              <a:rPr lang="en-GB" sz="1200" dirty="0" smtClean="0"/>
               <a:t>NON</a:t>
             </a:r>
-            <a:endParaRPr lang="fr-FR" sz="1200" dirty="0">
-              <a:solidFill>
-                <a:srgbClr val="FF0000"/>
-              </a:solidFill>
-            </a:endParaRPr>
+            <a:endParaRPr lang="fr-FR" sz="1200" dirty="0"/>
           </a:p>
         </p:txBody>
       </p:sp>
@@ -11383,7 +11638,7 @@
         </p:nvSpPr>
         <p:spPr>
           <a:xfrm>
-            <a:off x="5029445" y="5800030"/>
+            <a:off x="5029445" y="5603270"/>
             <a:ext cx="2114480" cy="652632"/>
           </a:xfrm>
           <a:prstGeom prst="roundRect">
@@ -11412,18 +11667,13 @@
           <a:p>
             <a:pPr algn="ctr"/>
             <a:r>
+              <a:rPr lang="fr-FR" sz="1000" dirty="0"/>
+              <a:t>Afficher les recettes correspondant au mot de l'utilisateur </a:t>
+            </a:r>
+            <a:r>
               <a:rPr lang="fr-FR" sz="1000" dirty="0" smtClean="0"/>
-              <a:t>Afficher les recettes correspondant à la recherche principale et </a:t>
-            </a:r>
-            <a:r>
-              <a:rPr lang="fr-FR" sz="1000" smtClean="0"/>
-              <a:t>aux </a:t>
-            </a:r>
-            <a:r>
-              <a:rPr lang="fr-FR" sz="1000" smtClean="0"/>
-              <a:t>tags</a:t>
-            </a:r>
-            <a:endParaRPr lang="fr-FR" sz="1000" dirty="0" smtClean="0"/>
+              <a:t>et aux tags</a:t>
+            </a:r>
           </a:p>
         </p:txBody>
       </p:sp>
@@ -11435,8 +11685,8 @@
         </p:nvSpPr>
         <p:spPr>
           <a:xfrm>
-            <a:off x="2528871" y="4139113"/>
-            <a:ext cx="2120127" cy="1168942"/>
+            <a:off x="2535232" y="3926808"/>
+            <a:ext cx="2120127" cy="1440000"/>
           </a:xfrm>
           <a:prstGeom prst="diamond">
             <a:avLst/>
@@ -11467,20 +11717,38 @@
           <a:p>
             <a:pPr algn="ctr"/>
             <a:r>
+              <a:rPr lang="fr-FR" sz="1000" dirty="0" smtClean="0"/>
+              <a:t>Tags(s</a:t>
+            </a:r>
+            <a:r>
               <a:rPr lang="fr-FR" sz="1000" dirty="0"/>
-              <a:t>Ingrédient(s), appareil(s) ou ustensile(s) déjà </a:t>
+              <a:t>)</a:t>
+            </a:r>
+          </a:p>
+          <a:p>
+            <a:pPr algn="ctr"/>
+            <a:r>
+              <a:rPr lang="fr-FR" sz="1000" dirty="0"/>
+              <a:t>L'utilisateur </a:t>
+            </a:r>
+            <a:r>
+              <a:rPr lang="fr-FR" sz="1000" dirty="0" err="1"/>
+              <a:t>a-t-il</a:t>
+            </a:r>
+            <a:r>
+              <a:rPr lang="fr-FR" sz="1000" dirty="0"/>
+              <a:t> déjà choisi</a:t>
+            </a:r>
+          </a:p>
+          <a:p>
+            <a:pPr algn="ctr"/>
+            <a:r>
+              <a:rPr lang="fr-FR" sz="1000" dirty="0"/>
+              <a:t>Ingrédient(s), Appareil(s) ou Ustensile(s</a:t>
             </a:r>
             <a:r>
               <a:rPr lang="fr-FR" sz="1000" dirty="0" smtClean="0"/>
-              <a:t>choisis ?</a:t>
-            </a:r>
-            <a:endParaRPr lang="fr-FR" sz="1000" dirty="0"/>
-          </a:p>
-          <a:p>
-            <a:pPr algn="ctr"/>
-            <a:r>
-              <a:rPr lang="fr-FR" sz="1000" dirty="0" smtClean="0"/>
-              <a:t>« tag(s) »</a:t>
+              <a:t>) ?</a:t>
             </a:r>
             <a:endParaRPr lang="fr-FR" sz="1000" dirty="0"/>
           </a:p>
@@ -11497,8 +11765,8 @@
         </p:nvCxnSpPr>
         <p:spPr>
           <a:xfrm flipH="1">
-            <a:off x="3586111" y="5308055"/>
-            <a:ext cx="2824" cy="491976"/>
+            <a:off x="3586111" y="5366808"/>
+            <a:ext cx="9185" cy="236463"/>
           </a:xfrm>
           <a:prstGeom prst="straightConnector1">
             <a:avLst/>
@@ -11533,7 +11801,7 @@
         </p:nvSpPr>
         <p:spPr>
           <a:xfrm>
-            <a:off x="3590604" y="5329382"/>
+            <a:off x="3580726" y="5322107"/>
             <a:ext cx="496409" cy="276999"/>
           </a:xfrm>
           <a:prstGeom prst="rect">
@@ -11567,8 +11835,8 @@
         </p:nvCxnSpPr>
         <p:spPr>
           <a:xfrm flipH="1" flipV="1">
-            <a:off x="7001861" y="4718613"/>
-            <a:ext cx="522510" cy="4971"/>
+            <a:off x="7001861" y="4637593"/>
+            <a:ext cx="525332" cy="6376"/>
           </a:xfrm>
           <a:prstGeom prst="straightConnector1">
             <a:avLst/>
@@ -11603,8 +11871,8 @@
         </p:nvCxnSpPr>
         <p:spPr>
           <a:xfrm>
-            <a:off x="6083861" y="5169688"/>
-            <a:ext cx="2824" cy="630342"/>
+            <a:off x="6083861" y="5088668"/>
+            <a:ext cx="2824" cy="514602"/>
           </a:xfrm>
           <a:prstGeom prst="straightConnector1">
             <a:avLst/>
@@ -11636,7 +11904,7 @@
         </p:nvSpPr>
         <p:spPr>
           <a:xfrm>
-            <a:off x="7040305" y="1302262"/>
+            <a:off x="6984273" y="1119154"/>
             <a:ext cx="484066" cy="276999"/>
           </a:xfrm>
           <a:prstGeom prst="rect">
@@ -11652,18 +11920,10 @@
           <a:p>
             <a:pPr algn="ctr"/>
             <a:r>
-              <a:rPr lang="en-GB" sz="1200" dirty="0" smtClean="0">
-                <a:solidFill>
-                  <a:srgbClr val="FF0000"/>
-                </a:solidFill>
-              </a:rPr>
+              <a:rPr lang="en-GB" sz="1200" dirty="0" smtClean="0"/>
               <a:t>OUI</a:t>
             </a:r>
-            <a:endParaRPr lang="fr-FR" sz="1200" dirty="0">
-              <a:solidFill>
-                <a:srgbClr val="FF0000"/>
-              </a:solidFill>
-            </a:endParaRPr>
+            <a:endParaRPr lang="fr-FR" sz="1200" dirty="0"/>
           </a:p>
         </p:txBody>
       </p:sp>
@@ -11675,7 +11935,7 @@
         </p:nvSpPr>
         <p:spPr>
           <a:xfrm>
-            <a:off x="6078476" y="5262281"/>
+            <a:off x="6078476" y="5187057"/>
             <a:ext cx="422476" cy="276999"/>
           </a:xfrm>
           <a:prstGeom prst="rect">
@@ -11700,93 +11960,13 @@
       </p:sp>
       <p:sp>
         <p:nvSpPr>
-          <p:cNvPr id="109" name="Rectangle à coins arrondis 108"/>
-          <p:cNvSpPr/>
-          <p:nvPr/>
-        </p:nvSpPr>
-        <p:spPr>
-          <a:xfrm>
-            <a:off x="5028033" y="3462284"/>
-            <a:ext cx="2114480" cy="490149"/>
-          </a:xfrm>
-          <a:prstGeom prst="roundRect">
-            <a:avLst/>
-          </a:prstGeom>
-        </p:spPr>
-        <p:style>
-          <a:lnRef idx="2">
-            <a:schemeClr val="accent1">
-              <a:shade val="50000"/>
-            </a:schemeClr>
-          </a:lnRef>
-          <a:fillRef idx="1">
-            <a:schemeClr val="accent1"/>
-          </a:fillRef>
-          <a:effectRef idx="0">
-            <a:schemeClr val="accent1"/>
-          </a:effectRef>
-          <a:fontRef idx="minor">
-            <a:schemeClr val="lt1"/>
-          </a:fontRef>
-        </p:style>
-        <p:txBody>
-          <a:bodyPr rtlCol="0" anchor="ctr"/>
-          <a:lstStyle/>
-          <a:p>
-            <a:pPr algn="ctr"/>
-            <a:r>
-              <a:rPr lang="fr-FR" sz="1000" dirty="0" smtClean="0"/>
-              <a:t>Afficher le message d'erreur "pas de recettes".</a:t>
-            </a:r>
-            <a:endParaRPr lang="fr-FR" sz="1000" dirty="0"/>
-          </a:p>
-        </p:txBody>
-      </p:sp>
-      <p:cxnSp>
-        <p:nvCxnSpPr>
-          <p:cNvPr id="117" name="Connecteur droit avec flèche 116"/>
-          <p:cNvCxnSpPr>
-            <a:stCxn id="6" idx="0"/>
-            <a:endCxn id="109" idx="2"/>
-          </p:cNvCxnSpPr>
-          <p:nvPr/>
-        </p:nvCxnSpPr>
-        <p:spPr>
-          <a:xfrm flipV="1">
-            <a:off x="6083861" y="3952433"/>
-            <a:ext cx="1412" cy="315104"/>
-          </a:xfrm>
-          <a:prstGeom prst="straightConnector1">
-            <a:avLst/>
-          </a:prstGeom>
-          <a:ln>
-            <a:tailEnd type="triangle"/>
-          </a:ln>
-        </p:spPr>
-        <p:style>
-          <a:lnRef idx="1">
-            <a:schemeClr val="accent1"/>
-          </a:lnRef>
-          <a:fillRef idx="0">
-            <a:schemeClr val="accent1"/>
-          </a:fillRef>
-          <a:effectRef idx="0">
-            <a:schemeClr val="accent1"/>
-          </a:effectRef>
-          <a:fontRef idx="minor">
-            <a:schemeClr val="tx1"/>
-          </a:fontRef>
-        </p:style>
-      </p:cxnSp>
-      <p:sp>
-        <p:nvSpPr>
           <p:cNvPr id="119" name="Rectangle à coins arrondis 118"/>
           <p:cNvSpPr/>
           <p:nvPr/>
         </p:nvSpPr>
         <p:spPr>
           <a:xfrm>
-            <a:off x="228224" y="4267537"/>
+            <a:off x="239723" y="4189897"/>
             <a:ext cx="1836000" cy="902151"/>
           </a:xfrm>
           <a:prstGeom prst="roundRect">
@@ -11840,8 +12020,8 @@
         </p:nvCxnSpPr>
         <p:spPr>
           <a:xfrm flipH="1" flipV="1">
-            <a:off x="2064224" y="4718613"/>
-            <a:ext cx="464647" cy="4971"/>
+            <a:off x="2075723" y="4640973"/>
+            <a:ext cx="459509" cy="5835"/>
           </a:xfrm>
           <a:prstGeom prst="straightConnector1">
             <a:avLst/>
@@ -11873,7 +12053,7 @@
         </p:nvSpPr>
         <p:spPr>
           <a:xfrm>
-            <a:off x="88984" y="5800030"/>
+            <a:off x="88984" y="5603270"/>
             <a:ext cx="2114480" cy="652632"/>
           </a:xfrm>
           <a:prstGeom prst="roundRect">
@@ -11902,12 +12082,8 @@
           <a:p>
             <a:pPr algn="ctr"/>
             <a:r>
-              <a:rPr lang="fr-FR" sz="1000" dirty="0" smtClean="0"/>
-              <a:t>Afficher les recettes correspondant au(x) tag(s) </a:t>
-            </a:r>
-            <a:r>
-              <a:rPr lang="fr-FR" sz="1000" dirty="0" smtClean="0"/>
-              <a:t>uniquement</a:t>
+              <a:rPr lang="fr-FR" sz="1000" dirty="0"/>
+              <a:t>Afficher uniquement les recettes correspondant au(x) tag(s)</a:t>
             </a:r>
           </a:p>
         </p:txBody>
@@ -11922,9 +12098,9 @@
           <p:nvPr/>
         </p:nvCxnSpPr>
         <p:spPr>
-          <a:xfrm>
-            <a:off x="1146224" y="5169688"/>
-            <a:ext cx="0" cy="630342"/>
+          <a:xfrm flipH="1">
+            <a:off x="1146224" y="5092048"/>
+            <a:ext cx="11499" cy="511222"/>
           </a:xfrm>
           <a:prstGeom prst="straightConnector1">
             <a:avLst/>
@@ -11956,7 +12132,7 @@
         </p:nvSpPr>
         <p:spPr>
           <a:xfrm>
-            <a:off x="88984" y="6460173"/>
+            <a:off x="88984" y="6263413"/>
             <a:ext cx="2114480" cy="299314"/>
           </a:xfrm>
           <a:prstGeom prst="roundRect">
@@ -11999,7 +12175,7 @@
         </p:nvSpPr>
         <p:spPr>
           <a:xfrm>
-            <a:off x="5049533" y="6457001"/>
+            <a:off x="5049533" y="6260241"/>
             <a:ext cx="2092980" cy="302485"/>
           </a:xfrm>
           <a:prstGeom prst="roundRect">
@@ -12042,7 +12218,7 @@
         </p:nvSpPr>
         <p:spPr>
           <a:xfrm>
-            <a:off x="7545387" y="6457002"/>
+            <a:off x="7545387" y="6260242"/>
             <a:ext cx="2099110" cy="302484"/>
           </a:xfrm>
           <a:prstGeom prst="roundRect">
@@ -12089,14 +12265,14 @@
         </p:nvSpPr>
         <p:spPr>
           <a:xfrm>
-            <a:off x="5205352" y="2083563"/>
-            <a:ext cx="1809698" cy="1194596"/>
+            <a:off x="5205352" y="2199308"/>
+            <a:ext cx="1809698" cy="1368000"/>
           </a:xfrm>
           <a:prstGeom prst="diamond">
             <a:avLst/>
           </a:prstGeom>
           <a:solidFill>
-            <a:srgbClr val="FF0000"/>
+            <a:schemeClr val="tx1"/>
           </a:solidFill>
         </p:spPr>
         <p:style>
@@ -12121,9 +12297,10 @@
           <a:p>
             <a:pPr algn="ctr"/>
             <a:r>
-              <a:rPr lang="fr-FR" sz="1000" dirty="0"/>
-              <a:t>Est-ce que l'entrée de l'utilisateur dans les ingrédients</a:t>
-            </a:r>
+              <a:rPr lang="fr-FR" sz="1000" dirty="0" smtClean="0"/>
+              <a:t>Pour chaque recette, est-ce que le mot se trouve dans les Ingrédients ?</a:t>
+            </a:r>
+            <a:endParaRPr lang="fr-FR" sz="1000" dirty="0"/>
           </a:p>
         </p:txBody>
       </p:sp>
@@ -12138,15 +12315,15 @@
         </p:nvCxnSpPr>
         <p:spPr>
           <a:xfrm flipH="1">
-            <a:off x="6110201" y="1896221"/>
-            <a:ext cx="1" cy="187342"/>
+            <a:off x="6110201" y="2064729"/>
+            <a:ext cx="1" cy="134579"/>
           </a:xfrm>
           <a:prstGeom prst="straightConnector1">
             <a:avLst/>
           </a:prstGeom>
           <a:ln>
             <a:solidFill>
-              <a:srgbClr val="FF0000"/>
+              <a:schemeClr val="tx1"/>
             </a:solidFill>
             <a:tailEnd type="triangle"/>
           </a:ln>
@@ -12174,7 +12351,7 @@
         </p:nvSpPr>
         <p:spPr>
           <a:xfrm>
-            <a:off x="6118985" y="1853494"/>
+            <a:off x="6111946" y="1958128"/>
             <a:ext cx="499048" cy="276999"/>
           </a:xfrm>
           <a:prstGeom prst="rect">
@@ -12190,18 +12367,10 @@
           <a:p>
             <a:pPr algn="ctr"/>
             <a:r>
-              <a:rPr lang="en-GB" sz="1200" dirty="0" smtClean="0">
-                <a:solidFill>
-                  <a:srgbClr val="FF0000"/>
-                </a:solidFill>
-              </a:rPr>
+              <a:rPr lang="en-GB" sz="1200" dirty="0" smtClean="0"/>
               <a:t>NON</a:t>
             </a:r>
-            <a:endParaRPr lang="fr-FR" sz="1200" dirty="0">
-              <a:solidFill>
-                <a:srgbClr val="FF0000"/>
-              </a:solidFill>
-            </a:endParaRPr>
+            <a:endParaRPr lang="fr-FR" sz="1200" dirty="0"/>
           </a:p>
         </p:txBody>
       </p:sp>
@@ -12215,16 +12384,16 @@
           <p:nvPr/>
         </p:nvCxnSpPr>
         <p:spPr>
-          <a:xfrm flipV="1">
-            <a:off x="7015050" y="2677612"/>
-            <a:ext cx="688704" cy="3249"/>
+          <a:xfrm>
+            <a:off x="7015050" y="2883308"/>
+            <a:ext cx="690752" cy="0"/>
           </a:xfrm>
           <a:prstGeom prst="straightConnector1">
             <a:avLst/>
           </a:prstGeom>
           <a:ln>
             <a:solidFill>
-              <a:srgbClr val="FF0000"/>
+              <a:schemeClr val="tx1"/>
             </a:solidFill>
             <a:tailEnd type="triangle"/>
           </a:ln>
@@ -12252,7 +12421,7 @@
         </p:nvSpPr>
         <p:spPr>
           <a:xfrm>
-            <a:off x="7001861" y="2680861"/>
+            <a:off x="6966668" y="2570092"/>
             <a:ext cx="459845" cy="276999"/>
           </a:xfrm>
           <a:prstGeom prst="rect">
@@ -12268,18 +12437,10 @@
           <a:p>
             <a:pPr algn="ctr"/>
             <a:r>
-              <a:rPr lang="en-GB" sz="1200" dirty="0" smtClean="0">
-                <a:solidFill>
-                  <a:srgbClr val="FF0000"/>
-                </a:solidFill>
-              </a:rPr>
+              <a:rPr lang="en-GB" sz="1200" dirty="0" smtClean="0"/>
               <a:t>OUI</a:t>
             </a:r>
-            <a:endParaRPr lang="fr-FR" sz="1200" dirty="0">
-              <a:solidFill>
-                <a:srgbClr val="FF0000"/>
-              </a:solidFill>
-            </a:endParaRPr>
+            <a:endParaRPr lang="fr-FR" sz="1200" dirty="0"/>
           </a:p>
         </p:txBody>
       </p:sp>
@@ -12291,7 +12452,7 @@
         </p:nvSpPr>
         <p:spPr>
           <a:xfrm>
-            <a:off x="228223" y="4749324"/>
+            <a:off x="239723" y="4669233"/>
             <a:ext cx="1836000" cy="504000"/>
           </a:xfrm>
           <a:prstGeom prst="roundRect">
@@ -12349,7 +12510,7 @@
         </p:nvSpPr>
         <p:spPr>
           <a:xfrm>
-            <a:off x="5164842" y="4750253"/>
+            <a:off x="5164842" y="4669233"/>
             <a:ext cx="1836001" cy="504000"/>
           </a:xfrm>
           <a:prstGeom prst="roundRect">
@@ -12399,8 +12560,8 @@
         </p:nvSpPr>
         <p:spPr>
           <a:xfrm>
-            <a:off x="228223" y="246638"/>
-            <a:ext cx="2897467" cy="1477328"/>
+            <a:off x="88985" y="246638"/>
+            <a:ext cx="3036706" cy="1169551"/>
           </a:xfrm>
           <a:prstGeom prst="rect">
             <a:avLst/>
@@ -12414,47 +12575,57 @@
           <a:lstStyle/>
           <a:p>
             <a:r>
-              <a:rPr lang="fr-FR" dirty="0"/>
-              <a:t>Recherche primaire :</a:t>
-            </a:r>
-          </a:p>
-          <a:p>
-            <a:r>
-              <a:rPr lang="fr-FR" dirty="0">
-                <a:solidFill>
-                  <a:srgbClr val="FF0000"/>
-                </a:solidFill>
-              </a:rPr>
-              <a:t>Algorithme 1 :</a:t>
-            </a:r>
-          </a:p>
-          <a:p>
-            <a:r>
-              <a:rPr lang="fr-FR" dirty="0"/>
+              <a:rPr lang="fr-FR" sz="1400" dirty="0"/>
+              <a:t>Recherche primaire </a:t>
+            </a:r>
+            <a:r>
+              <a:rPr lang="fr-FR" sz="1400" dirty="0" smtClean="0"/>
+              <a:t>: Algorithme </a:t>
+            </a:r>
+            <a:r>
+              <a:rPr lang="fr-FR" sz="1400" dirty="0"/>
+              <a:t>1 :</a:t>
+            </a:r>
+          </a:p>
+          <a:p>
+            <a:r>
+              <a:rPr lang="fr-FR" sz="1400" dirty="0"/>
               <a:t>Implémentation utilisant des boucles </a:t>
             </a:r>
             <a:r>
-              <a:rPr lang="fr-FR" dirty="0" smtClean="0"/>
+              <a:rPr lang="fr-FR" sz="1400" dirty="0" smtClean="0"/>
               <a:t>imbriquées.</a:t>
             </a:r>
           </a:p>
           <a:p>
             <a:r>
-              <a:rPr lang="fr-FR" dirty="0" smtClean="0"/>
-              <a:t>(</a:t>
-            </a:r>
-            <a:r>
-              <a:rPr lang="fr-FR" dirty="0" err="1" smtClean="0"/>
+              <a:rPr lang="fr-FR" sz="1400" dirty="0" smtClean="0"/>
               <a:t>ForEach</a:t>
             </a:r>
             <a:r>
-              <a:rPr lang="fr-FR" dirty="0" smtClean="0"/>
+              <a:rPr lang="fr-FR" sz="1200" dirty="0" smtClean="0"/>
+              <a:t>(fonction </a:t>
+            </a:r>
+            <a:r>
+              <a:rPr lang="fr-FR" sz="1200" dirty="0"/>
+              <a:t>d'ordre supérieur)</a:t>
+            </a:r>
+            <a:endParaRPr lang="fr-FR" sz="1400" dirty="0"/>
+          </a:p>
+          <a:p>
+            <a:r>
+              <a:rPr lang="fr-FR" sz="1400" dirty="0" smtClean="0"/>
               <a:t> </a:t>
             </a:r>
             <a:r>
-              <a:rPr lang="fr-FR" dirty="0"/>
-              <a:t>ou For Loop)</a:t>
-            </a:r>
+              <a:rPr lang="fr-FR" sz="1400" dirty="0"/>
+              <a:t>ou For </a:t>
+            </a:r>
+            <a:r>
+              <a:rPr lang="fr-FR" sz="1400" dirty="0" smtClean="0"/>
+              <a:t>Loop</a:t>
+            </a:r>
+            <a:endParaRPr lang="fr-FR" sz="1400" dirty="0"/>
           </a:p>
         </p:txBody>
       </p:sp>
@@ -12466,14 +12637,14 @@
         </p:nvSpPr>
         <p:spPr>
           <a:xfrm>
-            <a:off x="7703754" y="2231519"/>
+            <a:off x="7705802" y="2437215"/>
             <a:ext cx="1778280" cy="892186"/>
           </a:xfrm>
           <a:prstGeom prst="roundRect">
             <a:avLst/>
           </a:prstGeom>
           <a:solidFill>
-            <a:srgbClr val="FF0000"/>
+            <a:schemeClr val="tx1"/>
           </a:solidFill>
         </p:spPr>
         <p:style>
@@ -12499,23 +12670,19 @@
             <a:pPr algn="ctr"/>
             <a:r>
               <a:rPr lang="fr-FR" sz="1000" dirty="0" smtClean="0"/>
-              <a:t>« Push » </a:t>
+              <a:t>« Push » </a:t>
             </a:r>
             <a:r>
               <a:rPr lang="fr-FR" sz="1000" dirty="0"/>
-              <a:t>les recettes correspondantes vers le tableau </a:t>
+              <a:t>la recette correspondante dans le tableau </a:t>
+            </a:r>
+            <a:r>
+              <a:rPr lang="fr-FR" sz="1000" dirty="0" err="1" smtClean="0"/>
+              <a:t>sortedrecipesLeftArray</a:t>
             </a:r>
             <a:r>
               <a:rPr lang="fr-FR" sz="1000" dirty="0" smtClean="0"/>
-              <a:t>(</a:t>
-            </a:r>
-            <a:r>
-              <a:rPr lang="fr-FR" sz="1000" dirty="0" err="1"/>
-              <a:t>sortedrecipesLeftArray</a:t>
-            </a:r>
-            <a:r>
-              <a:rPr lang="fr-FR" sz="1000" dirty="0" smtClean="0"/>
-              <a:t>)</a:t>
+              <a:t> </a:t>
             </a:r>
             <a:endParaRPr lang="fr-FR" sz="1000" dirty="0"/>
           </a:p>
@@ -12532,15 +12699,15 @@
         </p:nvCxnSpPr>
         <p:spPr>
           <a:xfrm>
-            <a:off x="7015050" y="1302262"/>
-            <a:ext cx="1577844" cy="929257"/>
+            <a:off x="7015050" y="1380729"/>
+            <a:ext cx="1579892" cy="1056486"/>
           </a:xfrm>
           <a:prstGeom prst="bentConnector2">
             <a:avLst/>
           </a:prstGeom>
           <a:ln>
             <a:solidFill>
-              <a:srgbClr val="FF0000"/>
+              <a:schemeClr val="tx1"/>
             </a:solidFill>
             <a:tailEnd type="triangle"/>
           </a:ln>
@@ -12571,15 +12738,15 @@
         </p:nvCxnSpPr>
         <p:spPr>
           <a:xfrm flipH="1">
-            <a:off x="8584435" y="3123705"/>
-            <a:ext cx="8459" cy="1015408"/>
+            <a:off x="8587257" y="3329401"/>
+            <a:ext cx="7685" cy="612568"/>
           </a:xfrm>
           <a:prstGeom prst="straightConnector1">
             <a:avLst/>
           </a:prstGeom>
           <a:ln>
             <a:solidFill>
-              <a:srgbClr val="FF0000"/>
+              <a:schemeClr val="tx1"/>
             </a:solidFill>
             <a:tailEnd type="triangle"/>
           </a:ln>
@@ -12607,8 +12774,8 @@
         </p:nvSpPr>
         <p:spPr>
           <a:xfrm>
-            <a:off x="228223" y="1712606"/>
-            <a:ext cx="2974703" cy="1015663"/>
+            <a:off x="88984" y="1397789"/>
+            <a:ext cx="2379709" cy="1785104"/>
           </a:xfrm>
           <a:prstGeom prst="rect">
             <a:avLst/>
@@ -12624,18 +12791,91 @@
             <a:pPr algn="just"/>
             <a:r>
               <a:rPr lang="fr-FR" sz="1000" b="1" u="sng" dirty="0"/>
-              <a:t>Remarque</a:t>
+              <a:t>Remarque </a:t>
             </a:r>
             <a:r>
               <a:rPr lang="fr-FR" sz="1000" dirty="0"/>
-              <a:t> : Pour augmenter les chances de réussite de la recherche, toutes les données saisies par l'utilisateur et les données de la recette sont "nettoyées" avant la recherche. (c'est-à-dire que tous les accents sont supprimés et que le texte est remplacé par des lettres minuscules).</a:t>
+              <a:t>: Pour augmenter les chances de réussite de la recherche, le ou les mots saisis par l'utilisateur et les données de la recette sont « nettoyés » avant la recherche. (c'est-à-dire que tous les accents sont supprimés et que le texte est passé en minuscule</a:t>
+            </a:r>
+            <a:r>
+              <a:rPr lang="fr-FR" sz="1000" dirty="0" smtClean="0"/>
+              <a:t>).</a:t>
+            </a:r>
+          </a:p>
+          <a:p>
+            <a:pPr algn="just"/>
+            <a:endParaRPr lang="en-GB" sz="1000" dirty="0"/>
+          </a:p>
+          <a:p>
+            <a:pPr algn="just"/>
+            <a:r>
+              <a:rPr lang="fr-FR" sz="1000" dirty="0"/>
+              <a:t>L</a:t>
+            </a:r>
+            <a:r>
+              <a:rPr lang="fr-FR" sz="1000" dirty="0" smtClean="0"/>
+              <a:t>es </a:t>
+            </a:r>
+            <a:r>
+              <a:rPr lang="fr-FR" sz="1000" dirty="0"/>
+              <a:t>cases marquées en noir représentent l'algorithme de recherche primaire..</a:t>
+            </a:r>
+          </a:p>
+          <a:p>
+            <a:pPr algn="just"/>
+            <a:endParaRPr lang="fr-FR" sz="1000" dirty="0"/>
+          </a:p>
+        </p:txBody>
+      </p:sp>
+      <p:sp>
+        <p:nvSpPr>
+          <p:cNvPr id="76" name="Rectangle à coins arrondis 75"/>
+          <p:cNvSpPr/>
+          <p:nvPr/>
+        </p:nvSpPr>
+        <p:spPr>
+          <a:xfrm>
+            <a:off x="2707896" y="2433516"/>
+            <a:ext cx="1778280" cy="892186"/>
+          </a:xfrm>
+          <a:prstGeom prst="roundRect">
+            <a:avLst/>
+          </a:prstGeom>
+          <a:solidFill>
+            <a:schemeClr val="accent1"/>
+          </a:solidFill>
+        </p:spPr>
+        <p:style>
+          <a:lnRef idx="2">
+            <a:schemeClr val="accent1">
+              <a:shade val="50000"/>
+            </a:schemeClr>
+          </a:lnRef>
+          <a:fillRef idx="1">
+            <a:schemeClr val="accent1"/>
+          </a:fillRef>
+          <a:effectRef idx="0">
+            <a:schemeClr val="accent1"/>
+          </a:effectRef>
+          <a:fontRef idx="minor">
+            <a:schemeClr val="lt1"/>
+          </a:fontRef>
+        </p:style>
+        <p:txBody>
+          <a:bodyPr rtlCol="0" anchor="ctr"/>
+          <a:lstStyle/>
+          <a:p>
+            <a:pPr algn="ctr"/>
+            <a:r>
+              <a:rPr lang="fr-FR" sz="1050" dirty="0"/>
+              <a:t>S'il n'y a pas de recettes qui correspondent au mot d'entrée</a:t>
             </a:r>
           </a:p>
         </p:txBody>
       </p:sp>
       <p:pic>
         <p:nvPicPr>
-          <p:cNvPr id="45" name="Image 44"/>
+          <p:cNvPr id="77" name="Image 76"/>
           <p:cNvPicPr>
             <a:picLocks noChangeAspect="1"/>
           </p:cNvPicPr>
@@ -12655,7 +12895,7 @@
         </p:blipFill>
         <p:spPr>
           <a:xfrm>
-            <a:off x="9506697" y="106160"/>
+            <a:off x="9931394" y="88750"/>
             <a:ext cx="2125307" cy="737513"/>
           </a:xfrm>
           <a:prstGeom prst="rect">
@@ -12663,6 +12903,114 @@
           </a:prstGeom>
         </p:spPr>
       </p:pic>
+      <p:cxnSp>
+        <p:nvCxnSpPr>
+          <p:cNvPr id="7" name="Connecteur droit avec flèche 6"/>
+          <p:cNvCxnSpPr>
+            <a:stCxn id="38" idx="1"/>
+            <a:endCxn id="76" idx="3"/>
+          </p:cNvCxnSpPr>
+          <p:nvPr/>
+        </p:nvCxnSpPr>
+        <p:spPr>
+          <a:xfrm flipH="1" flipV="1">
+            <a:off x="4486176" y="2879609"/>
+            <a:ext cx="719176" cy="3699"/>
+          </a:xfrm>
+          <a:prstGeom prst="straightConnector1">
+            <a:avLst/>
+          </a:prstGeom>
+          <a:ln>
+            <a:tailEnd type="triangle"/>
+          </a:ln>
+        </p:spPr>
+        <p:style>
+          <a:lnRef idx="1">
+            <a:schemeClr val="accent1"/>
+          </a:lnRef>
+          <a:fillRef idx="0">
+            <a:schemeClr val="accent1"/>
+          </a:fillRef>
+          <a:effectRef idx="0">
+            <a:schemeClr val="accent1"/>
+          </a:effectRef>
+          <a:fontRef idx="minor">
+            <a:schemeClr val="tx1"/>
+          </a:fontRef>
+        </p:style>
+      </p:cxnSp>
+      <p:cxnSp>
+        <p:nvCxnSpPr>
+          <p:cNvPr id="9" name="Connecteur droit avec flèche 8"/>
+          <p:cNvCxnSpPr>
+            <a:stCxn id="76" idx="2"/>
+            <a:endCxn id="70" idx="0"/>
+          </p:cNvCxnSpPr>
+          <p:nvPr/>
+        </p:nvCxnSpPr>
+        <p:spPr>
+          <a:xfrm flipH="1">
+            <a:off x="3595296" y="3325702"/>
+            <a:ext cx="1740" cy="601106"/>
+          </a:xfrm>
+          <a:prstGeom prst="straightConnector1">
+            <a:avLst/>
+          </a:prstGeom>
+          <a:ln>
+            <a:tailEnd type="triangle"/>
+          </a:ln>
+        </p:spPr>
+        <p:style>
+          <a:lnRef idx="1">
+            <a:schemeClr val="accent1"/>
+          </a:lnRef>
+          <a:fillRef idx="0">
+            <a:schemeClr val="accent1"/>
+          </a:fillRef>
+          <a:effectRef idx="0">
+            <a:schemeClr val="accent1"/>
+          </a:effectRef>
+          <a:fontRef idx="minor">
+            <a:schemeClr val="tx1"/>
+          </a:fontRef>
+        </p:style>
+      </p:cxnSp>
+      <p:cxnSp>
+        <p:nvCxnSpPr>
+          <p:cNvPr id="13" name="Connecteur en angle 12"/>
+          <p:cNvCxnSpPr>
+            <a:stCxn id="6" idx="1"/>
+            <a:endCxn id="61" idx="3"/>
+          </p:cNvCxnSpPr>
+          <p:nvPr/>
+        </p:nvCxnSpPr>
+        <p:spPr>
+          <a:xfrm rot="10800000" flipV="1">
+            <a:off x="4643351" y="4637593"/>
+            <a:ext cx="522510" cy="1291994"/>
+          </a:xfrm>
+          <a:prstGeom prst="bentConnector3">
+            <a:avLst/>
+          </a:prstGeom>
+          <a:ln>
+            <a:tailEnd type="triangle"/>
+          </a:ln>
+        </p:spPr>
+        <p:style>
+          <a:lnRef idx="1">
+            <a:schemeClr val="accent1"/>
+          </a:lnRef>
+          <a:fillRef idx="0">
+            <a:schemeClr val="accent1"/>
+          </a:fillRef>
+          <a:effectRef idx="0">
+            <a:schemeClr val="accent1"/>
+          </a:effectRef>
+          <a:fontRef idx="minor">
+            <a:schemeClr val="tx1"/>
+          </a:fontRef>
+        </p:style>
+      </p:cxnSp>
     </p:spTree>
     <p:extLst>
       <p:ext uri="{BB962C8B-B14F-4D97-AF65-F5344CB8AC3E}">
@@ -12715,7 +13063,7 @@
             <a:avLst/>
           </a:prstGeom>
           <a:solidFill>
-            <a:srgbClr val="FF0000"/>
+            <a:schemeClr val="tx1"/>
           </a:solidFill>
         </p:spPr>
         <p:style>
@@ -12738,46 +13086,18 @@
           <a:bodyPr rtlCol="0" anchor="ctr"/>
           <a:lstStyle/>
           <a:p>
-            <a:pPr lvl="0" algn="ctr"/>
-            <a:r>
-              <a:rPr lang="en-GB" sz="1000" dirty="0">
-                <a:solidFill>
-                  <a:prstClr val="white"/>
-                </a:solidFill>
-              </a:rPr>
-              <a:t>Utilisateur </a:t>
-            </a:r>
-            <a:r>
-              <a:rPr lang="en-GB" sz="1000" dirty="0" err="1">
-                <a:solidFill>
-                  <a:prstClr val="white"/>
-                </a:solidFill>
-              </a:rPr>
-              <a:t>Recherche</a:t>
-            </a:r>
-            <a:r>
-              <a:rPr lang="en-GB" sz="1000" dirty="0">
-                <a:solidFill>
-                  <a:prstClr val="white"/>
-                </a:solidFill>
-              </a:rPr>
-              <a:t> </a:t>
-            </a:r>
-            <a:r>
-              <a:rPr lang="en-GB" sz="1000" dirty="0" err="1">
-                <a:solidFill>
-                  <a:prstClr val="white"/>
-                </a:solidFill>
-              </a:rPr>
-              <a:t>primaire</a:t>
-            </a:r>
-            <a:r>
-              <a:rPr lang="en-GB" sz="1000" dirty="0">
-                <a:solidFill>
-                  <a:prstClr val="white"/>
-                </a:solidFill>
-              </a:rPr>
-              <a:t> Entrée</a:t>
+            <a:pPr algn="ctr"/>
+            <a:r>
+              <a:rPr lang="en-GB" sz="1100" dirty="0"/>
+              <a:t>L'utilisateur </a:t>
+            </a:r>
+            <a:r>
+              <a:rPr lang="en-GB" sz="1100" dirty="0" err="1"/>
+              <a:t>saisit</a:t>
+            </a:r>
+            <a:r>
+              <a:rPr lang="en-GB" sz="1100" dirty="0"/>
+              <a:t> un mot</a:t>
             </a:r>
           </a:p>
         </p:txBody>
@@ -12790,14 +13110,14 @@
         </p:nvSpPr>
         <p:spPr>
           <a:xfrm>
-            <a:off x="5071798" y="913706"/>
-            <a:ext cx="2120127" cy="1399386"/>
+            <a:off x="5071798" y="1284095"/>
+            <a:ext cx="2120127" cy="1548000"/>
           </a:xfrm>
           <a:prstGeom prst="diamond">
             <a:avLst/>
           </a:prstGeom>
           <a:solidFill>
-            <a:srgbClr val="FF0000"/>
+            <a:schemeClr val="tx1"/>
           </a:solidFill>
         </p:spPr>
         <p:style>
@@ -12822,10 +13142,9 @@
           <a:p>
             <a:pPr algn="ctr"/>
             <a:r>
-              <a:rPr lang="fr-FR" sz="1000" dirty="0"/>
-              <a:t>L'entrée de l'utilisateur se fait-elle dans les Noms, Descriptions ou Ingrédients</a:t>
-            </a:r>
-            <a:endParaRPr lang="en-GB" sz="1000" dirty="0"/>
+              <a:rPr lang="fr-FR" sz="1050" dirty="0"/>
+              <a:t>Pour chaque recette, le mot se trouve-t-il dans le titre, la description ou les ingrédients ?</a:t>
+            </a:r>
           </a:p>
         </p:txBody>
       </p:sp>
@@ -12844,7 +13163,7 @@
             <a:avLst/>
           </a:prstGeom>
           <a:solidFill>
-            <a:srgbClr val="FF0000"/>
+            <a:schemeClr val="tx1"/>
           </a:solidFill>
         </p:spPr>
         <p:style>
@@ -12867,25 +13186,32 @@
           <a:bodyPr rtlCol="0" anchor="ctr"/>
           <a:lstStyle/>
           <a:p>
-            <a:pPr lvl="0" algn="ctr"/>
-            <a:r>
-              <a:rPr lang="fr-FR" sz="1000" dirty="0">
-                <a:solidFill>
-                  <a:prstClr val="white"/>
-                </a:solidFill>
-              </a:rPr>
-              <a:t>Ingrédient(s), appareil(s) ou ustensile(s) déjà choisis ?</a:t>
-            </a:r>
-          </a:p>
-          <a:p>
-            <a:pPr lvl="0" algn="ctr"/>
-            <a:r>
-              <a:rPr lang="fr-FR" sz="1000" dirty="0">
-                <a:solidFill>
-                  <a:prstClr val="white"/>
-                </a:solidFill>
-              </a:rPr>
-              <a:t>« tag(s) »</a:t>
+            <a:pPr algn="ctr"/>
+            <a:r>
+              <a:rPr lang="fr-FR" sz="1050" dirty="0"/>
+              <a:t>Tags(s)</a:t>
+            </a:r>
+          </a:p>
+          <a:p>
+            <a:pPr algn="ctr"/>
+            <a:r>
+              <a:rPr lang="fr-FR" sz="1050" dirty="0"/>
+              <a:t>L'utilisateur </a:t>
+            </a:r>
+            <a:r>
+              <a:rPr lang="fr-FR" sz="1050" dirty="0" err="1"/>
+              <a:t>a-t-il</a:t>
+            </a:r>
+            <a:r>
+              <a:rPr lang="fr-FR" sz="1050" dirty="0"/>
+              <a:t> déjà choisi</a:t>
+            </a:r>
+          </a:p>
+          <a:p>
+            <a:pPr algn="ctr"/>
+            <a:r>
+              <a:rPr lang="fr-FR" sz="1050" dirty="0"/>
+              <a:t>Ingrédient(s), Appareil(s) ou Ustensile(s) ?</a:t>
             </a:r>
           </a:p>
         </p:txBody>
@@ -12927,7 +13253,7 @@
           <a:p>
             <a:pPr lvl="0" algn="ctr"/>
             <a:r>
-              <a:rPr lang="fr-FR" sz="1000" dirty="0">
+              <a:rPr lang="fr-FR" sz="1050" dirty="0">
                 <a:solidFill>
                   <a:prstClr val="white"/>
                 </a:solidFill>
@@ -12935,7 +13261,7 @@
               <a:t>Comparez le(s) tag(s) aux recettes RESTANTES</a:t>
             </a:r>
             <a:r>
-              <a:rPr lang="fr-FR" sz="1200" dirty="0" smtClean="0">
+              <a:rPr lang="fr-FR" sz="1050" dirty="0" smtClean="0">
                 <a:solidFill>
                   <a:prstClr val="white"/>
                 </a:solidFill>
@@ -12973,14 +13299,14 @@
         <p:spPr>
           <a:xfrm>
             <a:off x="6128687" y="713385"/>
-            <a:ext cx="3175" cy="200321"/>
+            <a:ext cx="3175" cy="570710"/>
           </a:xfrm>
           <a:prstGeom prst="straightConnector1">
             <a:avLst/>
           </a:prstGeom>
           <a:ln>
             <a:solidFill>
-              <a:srgbClr val="FF0000"/>
+              <a:schemeClr val="tx1"/>
             </a:solidFill>
             <a:tailEnd type="triangle"/>
           </a:ln>
@@ -13046,7 +13372,7 @@
             <a:avLst/>
           </a:prstGeom>
           <a:solidFill>
-            <a:srgbClr val="FF0000"/>
+            <a:schemeClr val="tx1"/>
           </a:solidFill>
         </p:spPr>
         <p:style>
@@ -13069,14 +13395,18 @@
           <a:bodyPr rtlCol="0" anchor="ctr"/>
           <a:lstStyle/>
           <a:p>
-            <a:pPr lvl="0" algn="ctr"/>
-            <a:r>
-              <a:rPr lang="fr-FR" sz="1000" dirty="0">
-                <a:solidFill>
-                  <a:prstClr val="white"/>
-                </a:solidFill>
-              </a:rPr>
-              <a:t>Afficher uniquement les recettes correspondant à l'entrée de la recherche principale</a:t>
+            <a:pPr algn="ctr"/>
+            <a:r>
+              <a:rPr lang="fr-FR" sz="1000" dirty="0"/>
+              <a:t>Afficher uniquement les recettes correspondant au mot </a:t>
+            </a:r>
+            <a:r>
+              <a:rPr lang="fr-FR" sz="1000" dirty="0" smtClean="0"/>
+              <a:t>saisi  </a:t>
+            </a:r>
+            <a:r>
+              <a:rPr lang="fr-FR" sz="1000" dirty="0"/>
+              <a:t>par l'utilisateur</a:t>
             </a:r>
           </a:p>
         </p:txBody>
@@ -13100,7 +13430,7 @@
           </a:prstGeom>
           <a:ln>
             <a:solidFill>
-              <a:srgbClr val="FF0000"/>
+              <a:schemeClr val="tx1"/>
             </a:solidFill>
             <a:tailEnd type="triangle"/>
           </a:ln>
@@ -13159,7 +13489,7 @@
         </p:nvSpPr>
         <p:spPr>
           <a:xfrm>
-            <a:off x="4556844" y="1639499"/>
+            <a:off x="4577297" y="1779746"/>
             <a:ext cx="514630" cy="276999"/>
           </a:xfrm>
           <a:prstGeom prst="rect">
@@ -13190,7 +13520,7 @@
         </p:nvSpPr>
         <p:spPr>
           <a:xfrm>
-            <a:off x="6131862" y="3367723"/>
+            <a:off x="4750466" y="3909943"/>
             <a:ext cx="515906" cy="276999"/>
           </a:xfrm>
           <a:prstGeom prst="rect">
@@ -13253,7 +13583,7 @@
           <a:p>
             <a:pPr lvl="0" algn="ctr"/>
             <a:r>
-              <a:rPr lang="fr-FR" sz="1000" dirty="0">
+              <a:rPr lang="fr-FR" sz="1050" dirty="0">
                 <a:solidFill>
                   <a:prstClr val="white"/>
                 </a:solidFill>
@@ -13263,45 +13593,6 @@
           </a:p>
         </p:txBody>
       </p:sp>
-      <p:cxnSp>
-        <p:nvCxnSpPr>
-          <p:cNvPr id="63" name="Connecteur en angle 62"/>
-          <p:cNvCxnSpPr>
-            <a:stCxn id="4" idx="1"/>
-            <a:endCxn id="70" idx="0"/>
-          </p:cNvCxnSpPr>
-          <p:nvPr/>
-        </p:nvCxnSpPr>
-        <p:spPr>
-          <a:xfrm rot="10800000" flipV="1">
-            <a:off x="3623274" y="1613399"/>
-            <a:ext cx="1448524" cy="1871630"/>
-          </a:xfrm>
-          <a:prstGeom prst="bentConnector2">
-            <a:avLst/>
-          </a:prstGeom>
-          <a:ln>
-            <a:solidFill>
-              <a:schemeClr val="accent1"/>
-            </a:solidFill>
-            <a:tailEnd type="triangle"/>
-          </a:ln>
-        </p:spPr>
-        <p:style>
-          <a:lnRef idx="1">
-            <a:schemeClr val="accent1"/>
-          </a:lnRef>
-          <a:fillRef idx="0">
-            <a:schemeClr val="accent1"/>
-          </a:fillRef>
-          <a:effectRef idx="0">
-            <a:schemeClr val="accent1"/>
-          </a:effectRef>
-          <a:fontRef idx="minor">
-            <a:schemeClr val="tx1"/>
-          </a:fontRef>
-        </p:style>
-      </p:cxnSp>
       <p:sp>
         <p:nvSpPr>
           <p:cNvPr id="68" name="ZoneTexte 67"/>
@@ -13326,18 +13617,10 @@
           <a:p>
             <a:pPr algn="ctr"/>
             <a:r>
-              <a:rPr lang="en-GB" sz="1200" dirty="0" smtClean="0">
-                <a:solidFill>
-                  <a:srgbClr val="FF0000"/>
-                </a:solidFill>
-              </a:rPr>
+              <a:rPr lang="en-GB" sz="1200" dirty="0" smtClean="0"/>
               <a:t>NON</a:t>
             </a:r>
-            <a:endParaRPr lang="fr-FR" sz="1200" dirty="0">
-              <a:solidFill>
-                <a:srgbClr val="FF0000"/>
-              </a:solidFill>
-            </a:endParaRPr>
+            <a:endParaRPr lang="fr-FR" sz="1200" dirty="0"/>
           </a:p>
         </p:txBody>
       </p:sp>
@@ -13378,12 +13661,28 @@
           <a:p>
             <a:pPr lvl="0" algn="ctr"/>
             <a:r>
-              <a:rPr lang="fr-FR" sz="1000" dirty="0">
+              <a:rPr lang="fr-FR" sz="1050" dirty="0">
                 <a:solidFill>
                   <a:prstClr val="white"/>
                 </a:solidFill>
               </a:rPr>
-              <a:t>Afficher les recettes correspondant à la recherche principale et aux tags</a:t>
+              <a:t>Afficher les recettes correspondant au mot de l'utilisateur </a:t>
+            </a:r>
+            <a:r>
+              <a:rPr lang="fr-FR" sz="1050" dirty="0" smtClean="0">
+                <a:solidFill>
+                  <a:prstClr val="white"/>
+                </a:solidFill>
+              </a:rPr>
+              <a:t>et </a:t>
+            </a:r>
+            <a:r>
+              <a:rPr lang="fr-FR" sz="1050" dirty="0">
+                <a:solidFill>
+                  <a:prstClr val="white"/>
+                </a:solidFill>
+              </a:rPr>
+              <a:t>aux tags</a:t>
             </a:r>
           </a:p>
         </p:txBody>
@@ -13426,25 +13725,32 @@
           <a:bodyPr rtlCol="0" anchor="ctr"/>
           <a:lstStyle/>
           <a:p>
-            <a:pPr lvl="0" algn="ctr"/>
-            <a:r>
-              <a:rPr lang="fr-FR" sz="1000" dirty="0">
-                <a:solidFill>
-                  <a:prstClr val="white"/>
-                </a:solidFill>
-              </a:rPr>
-              <a:t>Ingrédient(s), appareil(s) ou ustensile(s) déjà choisis ?</a:t>
-            </a:r>
-          </a:p>
-          <a:p>
-            <a:pPr lvl="0" algn="ctr"/>
-            <a:r>
-              <a:rPr lang="fr-FR" sz="1000" dirty="0">
-                <a:solidFill>
-                  <a:prstClr val="white"/>
-                </a:solidFill>
-              </a:rPr>
-              <a:t>« tag(s) »</a:t>
+            <a:pPr algn="ctr"/>
+            <a:r>
+              <a:rPr lang="fr-FR" sz="1050" dirty="0"/>
+              <a:t>Tags(s)</a:t>
+            </a:r>
+          </a:p>
+          <a:p>
+            <a:pPr algn="ctr"/>
+            <a:r>
+              <a:rPr lang="fr-FR" sz="1050" dirty="0"/>
+              <a:t>L'utilisateur </a:t>
+            </a:r>
+            <a:r>
+              <a:rPr lang="fr-FR" sz="1050" dirty="0" err="1"/>
+              <a:t>a-t-il</a:t>
+            </a:r>
+            <a:r>
+              <a:rPr lang="fr-FR" sz="1050" dirty="0"/>
+              <a:t> déjà choisi</a:t>
+            </a:r>
+          </a:p>
+          <a:p>
+            <a:pPr algn="ctr"/>
+            <a:r>
+              <a:rPr lang="fr-FR" sz="1050" dirty="0"/>
+              <a:t>Ingrédient(s), Appareil(s) ou Ustensile(s) ?</a:t>
             </a:r>
           </a:p>
         </p:txBody>
@@ -13519,45 +13825,6 @@
           </a:p>
         </p:txBody>
       </p:sp>
-      <p:cxnSp>
-        <p:nvCxnSpPr>
-          <p:cNvPr id="87" name="Connecteur en angle 86"/>
-          <p:cNvCxnSpPr>
-            <a:stCxn id="4" idx="3"/>
-            <a:endCxn id="5" idx="0"/>
-          </p:cNvCxnSpPr>
-          <p:nvPr/>
-        </p:nvCxnSpPr>
-        <p:spPr>
-          <a:xfrm>
-            <a:off x="7191925" y="1613399"/>
-            <a:ext cx="1432495" cy="1871630"/>
-          </a:xfrm>
-          <a:prstGeom prst="bentConnector2">
-            <a:avLst/>
-          </a:prstGeom>
-          <a:ln>
-            <a:solidFill>
-              <a:srgbClr val="FF0000"/>
-            </a:solidFill>
-            <a:tailEnd type="triangle"/>
-          </a:ln>
-        </p:spPr>
-        <p:style>
-          <a:lnRef idx="1">
-            <a:schemeClr val="accent1"/>
-          </a:lnRef>
-          <a:fillRef idx="0">
-            <a:schemeClr val="accent1"/>
-          </a:fillRef>
-          <a:effectRef idx="0">
-            <a:schemeClr val="accent1"/>
-          </a:effectRef>
-          <a:fontRef idx="minor">
-            <a:schemeClr val="tx1"/>
-          </a:fontRef>
-        </p:style>
-      </p:cxnSp>
       <p:cxnSp>
         <p:nvCxnSpPr>
           <p:cNvPr id="97" name="Connecteur droit avec flèche 96"/>
@@ -13638,7 +13905,7 @@
         </p:nvSpPr>
         <p:spPr>
           <a:xfrm>
-            <a:off x="7189354" y="1640147"/>
+            <a:off x="7189354" y="1777359"/>
             <a:ext cx="422476" cy="276999"/>
           </a:xfrm>
           <a:prstGeom prst="rect">
@@ -13654,18 +13921,10 @@
           <a:p>
             <a:pPr algn="ctr"/>
             <a:r>
-              <a:rPr lang="en-GB" sz="1200" dirty="0" smtClean="0">
-                <a:solidFill>
-                  <a:srgbClr val="FF0000"/>
-                </a:solidFill>
-              </a:rPr>
+              <a:rPr lang="en-GB" sz="1200" dirty="0" smtClean="0"/>
               <a:t>OUI</a:t>
             </a:r>
-            <a:endParaRPr lang="fr-FR" sz="1200" dirty="0">
-              <a:solidFill>
-                <a:srgbClr val="FF0000"/>
-              </a:solidFill>
-            </a:endParaRPr>
+            <a:endParaRPr lang="fr-FR" sz="1200" dirty="0"/>
           </a:p>
         </p:txBody>
       </p:sp>
@@ -13702,14 +13961,14 @@
       </p:sp>
       <p:sp>
         <p:nvSpPr>
-          <p:cNvPr id="109" name="Rectangle à coins arrondis 108"/>
+          <p:cNvPr id="119" name="Rectangle à coins arrondis 118"/>
           <p:cNvSpPr/>
           <p:nvPr/>
         </p:nvSpPr>
         <p:spPr>
           <a:xfrm>
-            <a:off x="5068019" y="2583092"/>
-            <a:ext cx="2114480" cy="781291"/>
+            <a:off x="268210" y="3644722"/>
+            <a:ext cx="1836000" cy="1080000"/>
           </a:xfrm>
           <a:prstGeom prst="roundRect">
             <a:avLst/>
@@ -13737,90 +13996,7 @@
           <a:p>
             <a:pPr lvl="0" algn="ctr"/>
             <a:r>
-              <a:rPr lang="fr-FR" sz="1000" dirty="0">
-                <a:solidFill>
-                  <a:prstClr val="white"/>
-                </a:solidFill>
-              </a:rPr>
-              <a:t>Afficher le message d'erreur "pas de recettes".</a:t>
-            </a:r>
-          </a:p>
-        </p:txBody>
-      </p:sp>
-      <p:cxnSp>
-        <p:nvCxnSpPr>
-          <p:cNvPr id="117" name="Connecteur droit avec flèche 116"/>
-          <p:cNvCxnSpPr>
-            <a:stCxn id="6" idx="0"/>
-            <a:endCxn id="109" idx="2"/>
-          </p:cNvCxnSpPr>
-          <p:nvPr/>
-        </p:nvCxnSpPr>
-        <p:spPr>
-          <a:xfrm flipV="1">
-            <a:off x="6123847" y="3364383"/>
-            <a:ext cx="1412" cy="280339"/>
-          </a:xfrm>
-          <a:prstGeom prst="straightConnector1">
-            <a:avLst/>
-          </a:prstGeom>
-          <a:ln>
-            <a:tailEnd type="triangle"/>
-          </a:ln>
-        </p:spPr>
-        <p:style>
-          <a:lnRef idx="1">
-            <a:schemeClr val="accent1"/>
-          </a:lnRef>
-          <a:fillRef idx="0">
-            <a:schemeClr val="accent1"/>
-          </a:fillRef>
-          <a:effectRef idx="0">
-            <a:schemeClr val="accent1"/>
-          </a:effectRef>
-          <a:fontRef idx="minor">
-            <a:schemeClr val="tx1"/>
-          </a:fontRef>
-        </p:style>
-      </p:cxnSp>
-      <p:sp>
-        <p:nvSpPr>
-          <p:cNvPr id="119" name="Rectangle à coins arrondis 118"/>
-          <p:cNvSpPr/>
-          <p:nvPr/>
-        </p:nvSpPr>
-        <p:spPr>
-          <a:xfrm>
-            <a:off x="268210" y="3644722"/>
-            <a:ext cx="1836000" cy="1080000"/>
-          </a:xfrm>
-          <a:prstGeom prst="roundRect">
-            <a:avLst/>
-          </a:prstGeom>
-        </p:spPr>
-        <p:style>
-          <a:lnRef idx="2">
-            <a:schemeClr val="accent1">
-              <a:shade val="50000"/>
-            </a:schemeClr>
-          </a:lnRef>
-          <a:fillRef idx="1">
-            <a:schemeClr val="accent1"/>
-          </a:fillRef>
-          <a:effectRef idx="0">
-            <a:schemeClr val="accent1"/>
-          </a:effectRef>
-          <a:fontRef idx="minor">
-            <a:schemeClr val="lt1"/>
-          </a:fontRef>
-        </p:style>
-        <p:txBody>
-          <a:bodyPr rtlCol="0" anchor="ctr"/>
-          <a:lstStyle/>
-          <a:p>
-            <a:pPr lvl="0" algn="ctr"/>
-            <a:r>
-              <a:rPr lang="fr-FR" sz="1000" dirty="0">
+              <a:rPr lang="fr-FR" sz="1050" dirty="0">
                 <a:solidFill>
                   <a:prstClr val="white"/>
                 </a:solidFill>
@@ -13915,12 +14091,12 @@
           <a:p>
             <a:pPr lvl="0" algn="ctr"/>
             <a:r>
-              <a:rPr lang="fr-FR" sz="1000" dirty="0">
+              <a:rPr lang="fr-FR" sz="1050" dirty="0">
                 <a:solidFill>
                   <a:prstClr val="white"/>
                 </a:solidFill>
               </a:rPr>
-              <a:t>Afficher les recettes correspondant au(x) tag(s) uniquement</a:t>
+              <a:t>Afficher uniquement les recettes correspondant au(x) tag(s)</a:t>
             </a:r>
           </a:p>
         </p:txBody>
@@ -14056,7 +14232,7 @@
           <a:p>
             <a:pPr lvl="0" algn="ctr"/>
             <a:r>
-              <a:rPr lang="fr-FR" sz="1000" dirty="0">
+              <a:rPr lang="fr-FR" sz="1050" dirty="0">
                 <a:solidFill>
                   <a:prstClr val="white"/>
                 </a:solidFill>
@@ -14067,7 +14243,7 @@
           <a:p>
             <a:pPr lvl="0" algn="ctr"/>
             <a:r>
-              <a:rPr lang="fr-FR" sz="1000" dirty="0">
+              <a:rPr lang="fr-FR" sz="1050" dirty="0">
                 <a:solidFill>
                   <a:prstClr val="white"/>
                 </a:solidFill>
@@ -14114,7 +14290,7 @@
           <a:p>
             <a:pPr lvl="0" algn="ctr"/>
             <a:r>
-              <a:rPr lang="fr-FR" sz="1000" dirty="0">
+              <a:rPr lang="fr-FR" sz="1050" dirty="0">
                 <a:solidFill>
                   <a:prstClr val="white"/>
                 </a:solidFill>
@@ -14161,7 +14337,7 @@
           <a:p>
             <a:pPr lvl="0" algn="ctr"/>
             <a:r>
-              <a:rPr lang="fr-FR" sz="1000" dirty="0">
+              <a:rPr lang="fr-FR" sz="1050" dirty="0">
                 <a:solidFill>
                   <a:prstClr val="white"/>
                 </a:solidFill>
@@ -14222,8 +14398,8 @@
         </p:nvSpPr>
         <p:spPr>
           <a:xfrm>
-            <a:off x="268209" y="251720"/>
-            <a:ext cx="2897467" cy="1200329"/>
+            <a:off x="128971" y="251720"/>
+            <a:ext cx="3036706" cy="738664"/>
           </a:xfrm>
           <a:prstGeom prst="rect">
             <a:avLst/>
@@ -14237,34 +14413,28 @@
           <a:lstStyle/>
           <a:p>
             <a:r>
-              <a:rPr lang="fr-FR" dirty="0"/>
-              <a:t>Recherche primaire :</a:t>
-            </a:r>
-          </a:p>
-          <a:p>
-            <a:r>
-              <a:rPr lang="fr-FR" dirty="0">
-                <a:solidFill>
-                  <a:srgbClr val="FF0000"/>
-                </a:solidFill>
-              </a:rPr>
-              <a:t>Algorithme 2 </a:t>
-            </a:r>
-            <a:r>
-              <a:rPr lang="fr-FR" dirty="0"/>
-              <a:t>:</a:t>
-            </a:r>
-          </a:p>
-          <a:p>
-            <a:r>
-              <a:rPr lang="fr-FR" dirty="0"/>
+              <a:rPr lang="fr-FR" sz="1400" dirty="0"/>
+              <a:t>Recherche primaire </a:t>
+            </a:r>
+            <a:r>
+              <a:rPr lang="fr-FR" sz="1400" dirty="0" smtClean="0"/>
+              <a:t>: Algorithme </a:t>
+            </a:r>
+            <a:r>
+              <a:rPr lang="fr-FR" sz="1400" dirty="0"/>
+              <a:t>2 :</a:t>
+            </a:r>
+          </a:p>
+          <a:p>
+            <a:r>
+              <a:rPr lang="fr-FR" sz="1400" dirty="0"/>
               <a:t>Implémentation utilisant des fonctions d'ordre </a:t>
             </a:r>
             <a:r>
-              <a:rPr lang="fr-FR" dirty="0" smtClean="0"/>
+              <a:rPr lang="fr-FR" sz="1400" dirty="0" smtClean="0"/>
               <a:t>supérieur.</a:t>
             </a:r>
-            <a:endParaRPr lang="fr-FR" dirty="0"/>
+            <a:endParaRPr lang="fr-FR" sz="1400" dirty="0"/>
           </a:p>
         </p:txBody>
       </p:sp>
@@ -14276,14 +14446,14 @@
         </p:nvSpPr>
         <p:spPr>
           <a:xfrm>
-            <a:off x="7752070" y="1169825"/>
+            <a:off x="7746283" y="1609658"/>
             <a:ext cx="1778280" cy="892186"/>
           </a:xfrm>
           <a:prstGeom prst="roundRect">
             <a:avLst/>
           </a:prstGeom>
           <a:solidFill>
-            <a:srgbClr val="FF0000"/>
+            <a:schemeClr val="tx1"/>
           </a:solidFill>
         </p:spPr>
         <p:style>
@@ -14306,44 +14476,19 @@
           <a:bodyPr rtlCol="0" anchor="ctr"/>
           <a:lstStyle/>
           <a:p>
-            <a:pPr lvl="0" algn="ctr"/>
-            <a:r>
-              <a:rPr lang="fr-FR" sz="1000" dirty="0">
-                <a:solidFill>
-                  <a:prstClr val="white"/>
-                </a:solidFill>
-              </a:rPr>
-              <a:t>« Push » les recettes correspondantes vers le </a:t>
-            </a:r>
-            <a:r>
-              <a:rPr lang="fr-FR" sz="1000" dirty="0" smtClean="0">
-                <a:solidFill>
-                  <a:prstClr val="white"/>
-                </a:solidFill>
-              </a:rPr>
-              <a:t>tableau (</a:t>
-            </a:r>
-            <a:r>
-              <a:rPr lang="fr-FR" sz="1000" dirty="0" err="1">
-                <a:solidFill>
-                  <a:prstClr val="white"/>
-                </a:solidFill>
-              </a:rPr>
+            <a:pPr algn="ctr"/>
+            <a:r>
+              <a:rPr lang="fr-FR" sz="1050" dirty="0"/>
+              <a:t>« Push » la recette correspondante dans le tableau </a:t>
+            </a:r>
+            <a:r>
+              <a:rPr lang="fr-FR" sz="1050" dirty="0" err="1"/>
               <a:t>sortedrecipesLeftArray</a:t>
             </a:r>
             <a:r>
-              <a:rPr lang="fr-FR" sz="1000" dirty="0" smtClean="0">
-                <a:solidFill>
-                  <a:prstClr val="white"/>
-                </a:solidFill>
-              </a:rPr>
-              <a:t>)</a:t>
-            </a:r>
-            <a:endParaRPr lang="fr-FR" sz="1000" dirty="0">
-              <a:solidFill>
-                <a:prstClr val="white"/>
-              </a:solidFill>
-            </a:endParaRPr>
+              <a:rPr lang="fr-FR" sz="1050" dirty="0"/>
+              <a:t> </a:t>
+            </a:r>
           </a:p>
         </p:txBody>
       </p:sp>
@@ -14355,8 +14500,8 @@
         </p:nvSpPr>
         <p:spPr>
           <a:xfrm>
-            <a:off x="228223" y="1712606"/>
-            <a:ext cx="2974703" cy="1015663"/>
+            <a:off x="106297" y="1193870"/>
+            <a:ext cx="2380252" cy="1785104"/>
           </a:xfrm>
           <a:prstGeom prst="rect">
             <a:avLst/>
@@ -14372,15 +14517,300 @@
             <a:pPr algn="just"/>
             <a:r>
               <a:rPr lang="fr-FR" sz="1000" b="1" u="sng" dirty="0"/>
-              <a:t>Remarque</a:t>
+              <a:t>Remarque </a:t>
             </a:r>
             <a:r>
               <a:rPr lang="fr-FR" sz="1000" dirty="0"/>
-              <a:t> : Pour augmenter les chances de réussite de la recherche, toutes les données saisies par l'utilisateur et les données de la recette sont "nettoyées" avant la recherche. (c'est-à-dire que tous les accents sont supprimés et que le texte est remplacé par des lettres minuscules).</a:t>
-            </a:r>
-          </a:p>
-        </p:txBody>
-      </p:sp>
+              <a:t>: Pour augmenter les chances de réussite de la recherche, le ou les mots saisis par l'utilisateur et les données de la recette sont « nettoyés » avant la recherche. (c'est-à-dire que tous les accents sont supprimés et que le texte est passé en minuscule</a:t>
+            </a:r>
+            <a:r>
+              <a:rPr lang="fr-FR" sz="1000" dirty="0" smtClean="0"/>
+              <a:t>).</a:t>
+            </a:r>
+          </a:p>
+          <a:p>
+            <a:pPr algn="just"/>
+            <a:endParaRPr lang="en-GB" sz="1000" dirty="0"/>
+          </a:p>
+          <a:p>
+            <a:pPr algn="just"/>
+            <a:r>
+              <a:rPr lang="fr-FR" sz="1000" dirty="0" smtClean="0"/>
+              <a:t>Les </a:t>
+            </a:r>
+            <a:r>
+              <a:rPr lang="fr-FR" sz="1000" dirty="0"/>
+              <a:t>cases marquées en noir représentent l'algorithme de recherche primaire..</a:t>
+            </a:r>
+          </a:p>
+          <a:p>
+            <a:pPr algn="just"/>
+            <a:endParaRPr lang="fr-FR" sz="1000" dirty="0"/>
+          </a:p>
+        </p:txBody>
+      </p:sp>
+      <p:sp>
+        <p:nvSpPr>
+          <p:cNvPr id="42" name="Rectangle à coins arrondis 41"/>
+          <p:cNvSpPr/>
+          <p:nvPr/>
+        </p:nvSpPr>
+        <p:spPr>
+          <a:xfrm>
+            <a:off x="2728918" y="1612690"/>
+            <a:ext cx="1778280" cy="892186"/>
+          </a:xfrm>
+          <a:prstGeom prst="roundRect">
+            <a:avLst/>
+          </a:prstGeom>
+          <a:solidFill>
+            <a:schemeClr val="accent1"/>
+          </a:solidFill>
+        </p:spPr>
+        <p:style>
+          <a:lnRef idx="2">
+            <a:schemeClr val="accent1">
+              <a:shade val="50000"/>
+            </a:schemeClr>
+          </a:lnRef>
+          <a:fillRef idx="1">
+            <a:schemeClr val="accent1"/>
+          </a:fillRef>
+          <a:effectRef idx="0">
+            <a:schemeClr val="accent1"/>
+          </a:effectRef>
+          <a:fontRef idx="minor">
+            <a:schemeClr val="lt1"/>
+          </a:fontRef>
+        </p:style>
+        <p:txBody>
+          <a:bodyPr rtlCol="0" anchor="ctr"/>
+          <a:lstStyle/>
+          <a:p>
+            <a:pPr algn="ctr"/>
+            <a:r>
+              <a:rPr lang="fr-FR" sz="1050" dirty="0"/>
+              <a:t>S'il n'y a pas de recettes qui correspondent au mot d'entrée</a:t>
+            </a:r>
+          </a:p>
+        </p:txBody>
+      </p:sp>
+      <p:pic>
+        <p:nvPicPr>
+          <p:cNvPr id="44" name="Image 43"/>
+          <p:cNvPicPr>
+            <a:picLocks noChangeAspect="1"/>
+          </p:cNvPicPr>
+          <p:nvPr/>
+        </p:nvPicPr>
+        <p:blipFill>
+          <a:blip r:embed="rId3">
+            <a:extLst>
+              <a:ext uri="{28A0092B-C50C-407E-A947-70E740481C1C}">
+                <a14:useLocalDpi xmlns:a14="http://schemas.microsoft.com/office/drawing/2010/main" val="0"/>
+              </a:ext>
+            </a:extLst>
+          </a:blip>
+          <a:stretch>
+            <a:fillRect/>
+          </a:stretch>
+        </p:blipFill>
+        <p:spPr>
+          <a:xfrm>
+            <a:off x="9931394" y="88750"/>
+            <a:ext cx="2125307" cy="737513"/>
+          </a:xfrm>
+          <a:prstGeom prst="rect">
+            <a:avLst/>
+          </a:prstGeom>
+        </p:spPr>
+      </p:pic>
+      <p:cxnSp>
+        <p:nvCxnSpPr>
+          <p:cNvPr id="9" name="Connecteur droit avec flèche 8"/>
+          <p:cNvCxnSpPr>
+            <a:stCxn id="4" idx="1"/>
+            <a:endCxn id="42" idx="3"/>
+          </p:cNvCxnSpPr>
+          <p:nvPr/>
+        </p:nvCxnSpPr>
+        <p:spPr>
+          <a:xfrm flipH="1">
+            <a:off x="4507198" y="2058095"/>
+            <a:ext cx="564600" cy="688"/>
+          </a:xfrm>
+          <a:prstGeom prst="straightConnector1">
+            <a:avLst/>
+          </a:prstGeom>
+          <a:ln>
+            <a:tailEnd type="triangle"/>
+          </a:ln>
+        </p:spPr>
+        <p:style>
+          <a:lnRef idx="1">
+            <a:schemeClr val="accent1"/>
+          </a:lnRef>
+          <a:fillRef idx="0">
+            <a:schemeClr val="accent1"/>
+          </a:fillRef>
+          <a:effectRef idx="0">
+            <a:schemeClr val="accent1"/>
+          </a:effectRef>
+          <a:fontRef idx="minor">
+            <a:schemeClr val="tx1"/>
+          </a:fontRef>
+        </p:style>
+      </p:cxnSp>
+      <p:cxnSp>
+        <p:nvCxnSpPr>
+          <p:cNvPr id="11" name="Connecteur droit avec flèche 10"/>
+          <p:cNvCxnSpPr>
+            <a:stCxn id="42" idx="2"/>
+            <a:endCxn id="70" idx="0"/>
+          </p:cNvCxnSpPr>
+          <p:nvPr/>
+        </p:nvCxnSpPr>
+        <p:spPr>
+          <a:xfrm>
+            <a:off x="3618058" y="2504876"/>
+            <a:ext cx="5216" cy="980153"/>
+          </a:xfrm>
+          <a:prstGeom prst="straightConnector1">
+            <a:avLst/>
+          </a:prstGeom>
+          <a:ln>
+            <a:tailEnd type="triangle"/>
+          </a:ln>
+        </p:spPr>
+        <p:style>
+          <a:lnRef idx="1">
+            <a:schemeClr val="accent1"/>
+          </a:lnRef>
+          <a:fillRef idx="0">
+            <a:schemeClr val="accent1"/>
+          </a:fillRef>
+          <a:effectRef idx="0">
+            <a:schemeClr val="accent1"/>
+          </a:effectRef>
+          <a:fontRef idx="minor">
+            <a:schemeClr val="tx1"/>
+          </a:fontRef>
+        </p:style>
+      </p:cxnSp>
+      <p:cxnSp>
+        <p:nvCxnSpPr>
+          <p:cNvPr id="13" name="Connecteur droit avec flèche 12"/>
+          <p:cNvCxnSpPr>
+            <a:stCxn id="4" idx="3"/>
+            <a:endCxn id="141" idx="1"/>
+          </p:cNvCxnSpPr>
+          <p:nvPr/>
+        </p:nvCxnSpPr>
+        <p:spPr>
+          <a:xfrm flipV="1">
+            <a:off x="7191925" y="2055751"/>
+            <a:ext cx="554358" cy="2344"/>
+          </a:xfrm>
+          <a:prstGeom prst="straightConnector1">
+            <a:avLst/>
+          </a:prstGeom>
+          <a:ln>
+            <a:solidFill>
+              <a:schemeClr val="tx1"/>
+            </a:solidFill>
+            <a:tailEnd type="triangle"/>
+          </a:ln>
+        </p:spPr>
+        <p:style>
+          <a:lnRef idx="1">
+            <a:schemeClr val="accent1"/>
+          </a:lnRef>
+          <a:fillRef idx="0">
+            <a:schemeClr val="accent1"/>
+          </a:fillRef>
+          <a:effectRef idx="0">
+            <a:schemeClr val="accent1"/>
+          </a:effectRef>
+          <a:fontRef idx="minor">
+            <a:schemeClr val="tx1"/>
+          </a:fontRef>
+        </p:style>
+      </p:cxnSp>
+      <p:cxnSp>
+        <p:nvCxnSpPr>
+          <p:cNvPr id="15" name="Connecteur droit avec flèche 14"/>
+          <p:cNvCxnSpPr>
+            <a:stCxn id="141" idx="2"/>
+            <a:endCxn id="5" idx="0"/>
+          </p:cNvCxnSpPr>
+          <p:nvPr/>
+        </p:nvCxnSpPr>
+        <p:spPr>
+          <a:xfrm flipH="1">
+            <a:off x="8624420" y="2501844"/>
+            <a:ext cx="11003" cy="983185"/>
+          </a:xfrm>
+          <a:prstGeom prst="straightConnector1">
+            <a:avLst/>
+          </a:prstGeom>
+          <a:ln>
+            <a:solidFill>
+              <a:schemeClr val="tx1"/>
+            </a:solidFill>
+            <a:tailEnd type="triangle"/>
+          </a:ln>
+        </p:spPr>
+        <p:style>
+          <a:lnRef idx="1">
+            <a:schemeClr val="accent1"/>
+          </a:lnRef>
+          <a:fillRef idx="0">
+            <a:schemeClr val="accent1"/>
+          </a:fillRef>
+          <a:effectRef idx="0">
+            <a:schemeClr val="accent1"/>
+          </a:effectRef>
+          <a:fontRef idx="minor">
+            <a:schemeClr val="tx1"/>
+          </a:fontRef>
+        </p:style>
+      </p:cxnSp>
+      <p:cxnSp>
+        <p:nvCxnSpPr>
+          <p:cNvPr id="17" name="Connecteur en angle 16"/>
+          <p:cNvCxnSpPr>
+            <a:stCxn id="6" idx="1"/>
+            <a:endCxn id="61" idx="3"/>
+          </p:cNvCxnSpPr>
+          <p:nvPr/>
+        </p:nvCxnSpPr>
+        <p:spPr>
+          <a:xfrm rot="10800000" flipV="1">
+            <a:off x="4683337" y="4184722"/>
+            <a:ext cx="522510" cy="1689114"/>
+          </a:xfrm>
+          <a:prstGeom prst="bentConnector3">
+            <a:avLst/>
+          </a:prstGeom>
+          <a:ln>
+            <a:tailEnd type="triangle"/>
+          </a:ln>
+        </p:spPr>
+        <p:style>
+          <a:lnRef idx="1">
+            <a:schemeClr val="accent1"/>
+          </a:lnRef>
+          <a:fillRef idx="0">
+            <a:schemeClr val="accent1"/>
+          </a:fillRef>
+          <a:effectRef idx="0">
+            <a:schemeClr val="accent1"/>
+          </a:effectRef>
+          <a:fontRef idx="minor">
+            <a:schemeClr val="tx1"/>
+          </a:fontRef>
+        </p:style>
+      </p:cxnSp>
     </p:spTree>
     <p:extLst>
       <p:ext uri="{BB962C8B-B14F-4D97-AF65-F5344CB8AC3E}">
@@ -15464,7 +15894,7 @@
       </p:cxnSp>
       <p:pic>
         <p:nvPicPr>
-          <p:cNvPr id="26" name="Image 25"/>
+          <p:cNvPr id="27" name="Image 26"/>
           <p:cNvPicPr>
             <a:picLocks noChangeAspect="1"/>
           </p:cNvPicPr>
@@ -15484,7 +15914,7 @@
         </p:blipFill>
         <p:spPr>
           <a:xfrm>
-            <a:off x="9506697" y="106160"/>
+            <a:off x="9931394" y="88750"/>
             <a:ext cx="2125307" cy="737513"/>
           </a:xfrm>
           <a:prstGeom prst="rect">
@@ -15537,14 +15967,14 @@
         </p:nvSpPr>
         <p:spPr>
           <a:xfrm>
-            <a:off x="5068019" y="287913"/>
+            <a:off x="5068019" y="188625"/>
             <a:ext cx="2121335" cy="425472"/>
           </a:xfrm>
           <a:prstGeom prst="roundRect">
             <a:avLst/>
           </a:prstGeom>
           <a:solidFill>
-            <a:srgbClr val="FF0000"/>
+            <a:schemeClr val="tx1"/>
           </a:solidFill>
         </p:spPr>
         <p:style>
@@ -15567,46 +15997,18 @@
           <a:bodyPr rtlCol="0" anchor="ctr"/>
           <a:lstStyle/>
           <a:p>
-            <a:pPr lvl="0" algn="ctr"/>
-            <a:r>
-              <a:rPr lang="en-GB" sz="1000" dirty="0">
-                <a:solidFill>
-                  <a:prstClr val="white"/>
-                </a:solidFill>
-              </a:rPr>
-              <a:t>Utilisateur </a:t>
-            </a:r>
-            <a:r>
-              <a:rPr lang="en-GB" sz="1000" dirty="0" err="1">
-                <a:solidFill>
-                  <a:prstClr val="white"/>
-                </a:solidFill>
-              </a:rPr>
-              <a:t>Recherche</a:t>
-            </a:r>
-            <a:r>
-              <a:rPr lang="en-GB" sz="1000" dirty="0">
-                <a:solidFill>
-                  <a:prstClr val="white"/>
-                </a:solidFill>
-              </a:rPr>
-              <a:t> </a:t>
-            </a:r>
-            <a:r>
-              <a:rPr lang="en-GB" sz="1000" dirty="0" err="1">
-                <a:solidFill>
-                  <a:prstClr val="white"/>
-                </a:solidFill>
-              </a:rPr>
-              <a:t>primaire</a:t>
-            </a:r>
-            <a:r>
-              <a:rPr lang="en-GB" sz="1000" dirty="0">
-                <a:solidFill>
-                  <a:prstClr val="white"/>
-                </a:solidFill>
-              </a:rPr>
-              <a:t> Entrée</a:t>
+            <a:pPr algn="ctr"/>
+            <a:r>
+              <a:rPr lang="en-GB" sz="1100" dirty="0"/>
+              <a:t>L'utilisateur </a:t>
+            </a:r>
+            <a:r>
+              <a:rPr lang="en-GB" sz="1100" dirty="0" err="1"/>
+              <a:t>saisit</a:t>
+            </a:r>
+            <a:r>
+              <a:rPr lang="en-GB" sz="1100" dirty="0"/>
+              <a:t> un mot</a:t>
             </a:r>
           </a:p>
         </p:txBody>
@@ -15619,14 +16021,14 @@
         </p:nvSpPr>
         <p:spPr>
           <a:xfrm>
-            <a:off x="5071798" y="913706"/>
-            <a:ext cx="2120127" cy="1399386"/>
+            <a:off x="5045259" y="849865"/>
+            <a:ext cx="2160000" cy="1584000"/>
           </a:xfrm>
           <a:prstGeom prst="diamond">
             <a:avLst/>
           </a:prstGeom>
           <a:solidFill>
-            <a:srgbClr val="FF0000"/>
+            <a:schemeClr val="tx1"/>
           </a:solidFill>
         </p:spPr>
         <p:style>
@@ -15651,10 +16053,9 @@
           <a:p>
             <a:pPr algn="ctr"/>
             <a:r>
-              <a:rPr lang="fr-FR" sz="1000" dirty="0"/>
-              <a:t>L'entrée de l'utilisateur se fait-elle dans les Noms, Descriptions ou Ingrédients</a:t>
-            </a:r>
-            <a:endParaRPr lang="en-GB" sz="1000" dirty="0"/>
+              <a:rPr lang="fr-FR" sz="1050" dirty="0"/>
+              <a:t>Pour chaque recette, le mot se trouve-t-il dans le titre, la description ou les ingrédients ?</a:t>
+            </a:r>
           </a:p>
         </p:txBody>
       </p:sp>
@@ -15666,14 +16067,14 @@
         </p:nvSpPr>
         <p:spPr>
           <a:xfrm>
-            <a:off x="7564356" y="3485029"/>
-            <a:ext cx="2120127" cy="1399386"/>
+            <a:off x="7560388" y="3460887"/>
+            <a:ext cx="2120127" cy="1440000"/>
           </a:xfrm>
           <a:prstGeom prst="diamond">
             <a:avLst/>
           </a:prstGeom>
           <a:solidFill>
-            <a:srgbClr val="FF0000"/>
+            <a:schemeClr val="tx1"/>
           </a:solidFill>
         </p:spPr>
         <p:style>
@@ -15696,25 +16097,32 @@
           <a:bodyPr rtlCol="0" anchor="ctr"/>
           <a:lstStyle/>
           <a:p>
-            <a:pPr lvl="0" algn="ctr"/>
-            <a:r>
-              <a:rPr lang="fr-FR" sz="1000" dirty="0">
-                <a:solidFill>
-                  <a:prstClr val="white"/>
-                </a:solidFill>
-              </a:rPr>
-              <a:t>Ingrédient(s), appareil(s) ou ustensile(s) déjà choisis ?</a:t>
-            </a:r>
-          </a:p>
-          <a:p>
-            <a:pPr lvl="0" algn="ctr"/>
-            <a:r>
-              <a:rPr lang="fr-FR" sz="1000" dirty="0">
-                <a:solidFill>
-                  <a:prstClr val="white"/>
-                </a:solidFill>
-              </a:rPr>
-              <a:t>« tag(s) »</a:t>
+            <a:pPr algn="ctr"/>
+            <a:r>
+              <a:rPr lang="fr-FR" sz="1050" dirty="0"/>
+              <a:t>Tags(s)</a:t>
+            </a:r>
+          </a:p>
+          <a:p>
+            <a:pPr algn="ctr"/>
+            <a:r>
+              <a:rPr lang="fr-FR" sz="1050" dirty="0"/>
+              <a:t>L'utilisateur </a:t>
+            </a:r>
+            <a:r>
+              <a:rPr lang="fr-FR" sz="1050" dirty="0" err="1"/>
+              <a:t>a-t-il</a:t>
+            </a:r>
+            <a:r>
+              <a:rPr lang="fr-FR" sz="1050" dirty="0"/>
+              <a:t> déjà choisi</a:t>
+            </a:r>
+          </a:p>
+          <a:p>
+            <a:pPr algn="ctr"/>
+            <a:r>
+              <a:rPr lang="fr-FR" sz="1050" dirty="0"/>
+              <a:t>Ingrédient(s), Appareil(s) ou Ustensile(s) ?</a:t>
             </a:r>
           </a:p>
         </p:txBody>
@@ -15756,7 +16164,7 @@
           <a:p>
             <a:pPr lvl="0" algn="ctr"/>
             <a:r>
-              <a:rPr lang="fr-FR" sz="1000" dirty="0">
+              <a:rPr lang="fr-FR" sz="1050" dirty="0">
                 <a:solidFill>
                   <a:prstClr val="white"/>
                 </a:solidFill>
@@ -15764,7 +16172,7 @@
               <a:t>Comparez le(s) tag(s) aux recettes RESTANTES</a:t>
             </a:r>
             <a:r>
-              <a:rPr lang="fr-FR" sz="1200" dirty="0" smtClean="0">
+              <a:rPr lang="fr-FR" sz="1050" dirty="0" smtClean="0">
                 <a:solidFill>
                   <a:prstClr val="white"/>
                 </a:solidFill>
@@ -15800,16 +16208,16 @@
           <p:nvPr/>
         </p:nvCxnSpPr>
         <p:spPr>
-          <a:xfrm>
-            <a:off x="6128687" y="713385"/>
-            <a:ext cx="3175" cy="200321"/>
+          <a:xfrm flipH="1">
+            <a:off x="6125259" y="614097"/>
+            <a:ext cx="3428" cy="235768"/>
           </a:xfrm>
           <a:prstGeom prst="straightConnector1">
             <a:avLst/>
           </a:prstGeom>
           <a:ln>
             <a:solidFill>
-              <a:srgbClr val="FF0000"/>
+              <a:schemeClr val="tx1"/>
             </a:solidFill>
             <a:tailEnd type="triangle"/>
           </a:ln>
@@ -15837,7 +16245,7 @@
         </p:nvSpPr>
         <p:spPr>
           <a:xfrm>
-            <a:off x="7162896" y="3909059"/>
+            <a:off x="7176129" y="3896684"/>
             <a:ext cx="422476" cy="276999"/>
           </a:xfrm>
           <a:prstGeom prst="rect">
@@ -15875,7 +16283,7 @@
             <a:avLst/>
           </a:prstGeom>
           <a:solidFill>
-            <a:srgbClr val="FF0000"/>
+            <a:schemeClr val="tx1"/>
           </a:solidFill>
         </p:spPr>
         <p:style>
@@ -15898,14 +16306,18 @@
           <a:bodyPr rtlCol="0" anchor="ctr"/>
           <a:lstStyle/>
           <a:p>
-            <a:pPr lvl="0" algn="ctr"/>
-            <a:r>
-              <a:rPr lang="fr-FR" sz="1000" dirty="0">
-                <a:solidFill>
-                  <a:prstClr val="white"/>
-                </a:solidFill>
-              </a:rPr>
-              <a:t>Afficher uniquement les recettes correspondant à l'entrée de la recherche principale</a:t>
+            <a:pPr algn="ctr"/>
+            <a:r>
+              <a:rPr lang="fr-FR" sz="1050" dirty="0"/>
+              <a:t>Afficher uniquement les recettes correspondant au mot </a:t>
+            </a:r>
+            <a:r>
+              <a:rPr lang="fr-FR" sz="1050" dirty="0" smtClean="0"/>
+              <a:t>saisi  </a:t>
+            </a:r>
+            <a:r>
+              <a:rPr lang="fr-FR" sz="1050" dirty="0"/>
+              <a:t>par l'utilisateur</a:t>
             </a:r>
           </a:p>
         </p:txBody>
@@ -15921,15 +16333,15 @@
         </p:nvCxnSpPr>
         <p:spPr>
           <a:xfrm>
-            <a:off x="8624420" y="4884415"/>
-            <a:ext cx="2823" cy="598775"/>
+            <a:off x="8620452" y="4900887"/>
+            <a:ext cx="6791" cy="582303"/>
           </a:xfrm>
           <a:prstGeom prst="straightConnector1">
             <a:avLst/>
           </a:prstGeom>
           <a:ln>
             <a:solidFill>
-              <a:srgbClr val="FF0000"/>
+              <a:schemeClr val="tx1"/>
             </a:solidFill>
             <a:tailEnd type="triangle"/>
           </a:ln>
@@ -16019,7 +16431,7 @@
         </p:nvSpPr>
         <p:spPr>
           <a:xfrm>
-            <a:off x="6131862" y="3367723"/>
+            <a:off x="4714090" y="3907723"/>
             <a:ext cx="515906" cy="276999"/>
           </a:xfrm>
           <a:prstGeom prst="rect">
@@ -16082,7 +16494,7 @@
           <a:p>
             <a:pPr lvl="0" algn="ctr"/>
             <a:r>
-              <a:rPr lang="fr-FR" sz="1000" dirty="0">
+              <a:rPr lang="fr-FR" sz="1050" dirty="0">
                 <a:solidFill>
                   <a:prstClr val="white"/>
                 </a:solidFill>
@@ -16092,45 +16504,6 @@
           </a:p>
         </p:txBody>
       </p:sp>
-      <p:cxnSp>
-        <p:nvCxnSpPr>
-          <p:cNvPr id="63" name="Connecteur en angle 62"/>
-          <p:cNvCxnSpPr>
-            <a:stCxn id="4" idx="1"/>
-            <a:endCxn id="70" idx="0"/>
-          </p:cNvCxnSpPr>
-          <p:nvPr/>
-        </p:nvCxnSpPr>
-        <p:spPr>
-          <a:xfrm rot="10800000" flipV="1">
-            <a:off x="3623274" y="1613399"/>
-            <a:ext cx="1448524" cy="1871630"/>
-          </a:xfrm>
-          <a:prstGeom prst="bentConnector2">
-            <a:avLst/>
-          </a:prstGeom>
-          <a:ln>
-            <a:solidFill>
-              <a:schemeClr val="accent1"/>
-            </a:solidFill>
-            <a:tailEnd type="triangle"/>
-          </a:ln>
-        </p:spPr>
-        <p:style>
-          <a:lnRef idx="1">
-            <a:schemeClr val="accent1"/>
-          </a:lnRef>
-          <a:fillRef idx="0">
-            <a:schemeClr val="accent1"/>
-          </a:fillRef>
-          <a:effectRef idx="0">
-            <a:schemeClr val="accent1"/>
-          </a:effectRef>
-          <a:fontRef idx="minor">
-            <a:schemeClr val="tx1"/>
-          </a:fontRef>
-        </p:style>
-      </p:cxnSp>
       <p:sp>
         <p:nvSpPr>
           <p:cNvPr id="68" name="ZoneTexte 67"/>
@@ -16139,7 +16512,7 @@
         </p:nvSpPr>
         <p:spPr>
           <a:xfrm>
-            <a:off x="8630206" y="4888921"/>
+            <a:off x="8698690" y="4874694"/>
             <a:ext cx="519546" cy="276999"/>
           </a:xfrm>
           <a:prstGeom prst="rect">
@@ -16155,18 +16528,10 @@
           <a:p>
             <a:pPr algn="ctr"/>
             <a:r>
-              <a:rPr lang="en-GB" sz="1200" dirty="0" smtClean="0">
-                <a:solidFill>
-                  <a:srgbClr val="FF0000"/>
-                </a:solidFill>
-              </a:rPr>
+              <a:rPr lang="en-GB" sz="1200" dirty="0" smtClean="0"/>
               <a:t>NON</a:t>
             </a:r>
-            <a:endParaRPr lang="fr-FR" sz="1200" dirty="0">
-              <a:solidFill>
-                <a:srgbClr val="FF0000"/>
-              </a:solidFill>
-            </a:endParaRPr>
+            <a:endParaRPr lang="fr-FR" sz="1200" dirty="0"/>
           </a:p>
         </p:txBody>
       </p:sp>
@@ -16205,14 +16570,10 @@
           <a:bodyPr rtlCol="0" anchor="ctr"/>
           <a:lstStyle/>
           <a:p>
-            <a:pPr lvl="0" algn="ctr"/>
-            <a:r>
-              <a:rPr lang="fr-FR" sz="1000" dirty="0">
-                <a:solidFill>
-                  <a:prstClr val="white"/>
-                </a:solidFill>
-              </a:rPr>
-              <a:t>Afficher les recettes correspondant à la recherche principale et aux tags</a:t>
+            <a:pPr algn="ctr"/>
+            <a:r>
+              <a:rPr lang="fr-FR" sz="1050" dirty="0"/>
+              <a:t>Afficher les recettes correspondant au mot de l'utilisateur et aux tags</a:t>
             </a:r>
           </a:p>
         </p:txBody>
@@ -16226,7 +16587,7 @@
         <p:spPr>
           <a:xfrm>
             <a:off x="2563210" y="3485029"/>
-            <a:ext cx="2120127" cy="1399386"/>
+            <a:ext cx="2120127" cy="1440000"/>
           </a:xfrm>
           <a:prstGeom prst="diamond">
             <a:avLst/>
@@ -16255,25 +16616,32 @@
           <a:bodyPr rtlCol="0" anchor="ctr"/>
           <a:lstStyle/>
           <a:p>
-            <a:pPr lvl="0" algn="ctr"/>
-            <a:r>
-              <a:rPr lang="fr-FR" sz="1000" dirty="0">
-                <a:solidFill>
-                  <a:prstClr val="white"/>
-                </a:solidFill>
-              </a:rPr>
-              <a:t>Ingrédient(s), appareil(s) ou ustensile(s) déjà choisis ?</a:t>
-            </a:r>
-          </a:p>
-          <a:p>
-            <a:pPr lvl="0" algn="ctr"/>
-            <a:r>
-              <a:rPr lang="fr-FR" sz="1000" dirty="0">
-                <a:solidFill>
-                  <a:prstClr val="white"/>
-                </a:solidFill>
-              </a:rPr>
-              <a:t>« tag(s) »</a:t>
+            <a:pPr algn="ctr"/>
+            <a:r>
+              <a:rPr lang="fr-FR" sz="1050" dirty="0"/>
+              <a:t>Tags(s)</a:t>
+            </a:r>
+          </a:p>
+          <a:p>
+            <a:pPr algn="ctr"/>
+            <a:r>
+              <a:rPr lang="fr-FR" sz="1050" dirty="0"/>
+              <a:t>L'utilisateur </a:t>
+            </a:r>
+            <a:r>
+              <a:rPr lang="fr-FR" sz="1050" dirty="0" err="1"/>
+              <a:t>a-t-il</a:t>
+            </a:r>
+            <a:r>
+              <a:rPr lang="fr-FR" sz="1050" dirty="0"/>
+              <a:t> déjà choisi</a:t>
+            </a:r>
+          </a:p>
+          <a:p>
+            <a:pPr algn="ctr"/>
+            <a:r>
+              <a:rPr lang="fr-FR" sz="1050" dirty="0"/>
+              <a:t>Ingrédient(s), Appareil(s) ou Ustensile(s) ?</a:t>
             </a:r>
           </a:p>
         </p:txBody>
@@ -16289,8 +16657,8 @@
         </p:nvCxnSpPr>
         <p:spPr>
           <a:xfrm>
-            <a:off x="3623274" y="4884415"/>
-            <a:ext cx="2823" cy="598775"/>
+            <a:off x="3623274" y="4925029"/>
+            <a:ext cx="2823" cy="558161"/>
           </a:xfrm>
           <a:prstGeom prst="straightConnector1">
             <a:avLst/>
@@ -16348,81 +16716,6 @@
           </a:p>
         </p:txBody>
       </p:sp>
-      <p:cxnSp>
-        <p:nvCxnSpPr>
-          <p:cNvPr id="87" name="Connecteur en angle 86"/>
-          <p:cNvCxnSpPr>
-            <a:stCxn id="4" idx="3"/>
-            <a:endCxn id="5" idx="0"/>
-          </p:cNvCxnSpPr>
-          <p:nvPr/>
-        </p:nvCxnSpPr>
-        <p:spPr>
-          <a:xfrm>
-            <a:off x="7191925" y="1613399"/>
-            <a:ext cx="1432495" cy="1871630"/>
-          </a:xfrm>
-          <a:prstGeom prst="bentConnector2">
-            <a:avLst/>
-          </a:prstGeom>
-          <a:ln>
-            <a:solidFill>
-              <a:srgbClr val="FF0000"/>
-            </a:solidFill>
-            <a:tailEnd type="triangle"/>
-          </a:ln>
-        </p:spPr>
-        <p:style>
-          <a:lnRef idx="1">
-            <a:schemeClr val="accent1"/>
-          </a:lnRef>
-          <a:fillRef idx="0">
-            <a:schemeClr val="accent1"/>
-          </a:fillRef>
-          <a:effectRef idx="0">
-            <a:schemeClr val="accent1"/>
-          </a:effectRef>
-          <a:fontRef idx="minor">
-            <a:schemeClr val="tx1"/>
-          </a:fontRef>
-        </p:style>
-      </p:cxnSp>
-      <p:cxnSp>
-        <p:nvCxnSpPr>
-          <p:cNvPr id="97" name="Connecteur droit avec flèche 96"/>
-          <p:cNvCxnSpPr>
-            <a:stCxn id="5" idx="1"/>
-            <a:endCxn id="6" idx="3"/>
-          </p:cNvCxnSpPr>
-          <p:nvPr/>
-        </p:nvCxnSpPr>
-        <p:spPr>
-          <a:xfrm flipH="1">
-            <a:off x="7041847" y="4184722"/>
-            <a:ext cx="522509" cy="0"/>
-          </a:xfrm>
-          <a:prstGeom prst="straightConnector1">
-            <a:avLst/>
-          </a:prstGeom>
-          <a:ln>
-            <a:tailEnd type="triangle"/>
-          </a:ln>
-        </p:spPr>
-        <p:style>
-          <a:lnRef idx="1">
-            <a:schemeClr val="accent1"/>
-          </a:lnRef>
-          <a:fillRef idx="0">
-            <a:schemeClr val="accent1"/>
-          </a:fillRef>
-          <a:effectRef idx="0">
-            <a:schemeClr val="accent1"/>
-          </a:effectRef>
-          <a:fontRef idx="minor">
-            <a:schemeClr val="tx1"/>
-          </a:fontRef>
-        </p:style>
-      </p:cxnSp>
       <p:cxnSp>
         <p:nvCxnSpPr>
           <p:cNvPr id="101" name="Connecteur droit avec flèche 100"/>
@@ -16483,18 +16776,10 @@
           <a:p>
             <a:pPr algn="ctr"/>
             <a:r>
-              <a:rPr lang="en-GB" sz="1200" dirty="0" smtClean="0">
-                <a:solidFill>
-                  <a:srgbClr val="FF0000"/>
-                </a:solidFill>
-              </a:rPr>
+              <a:rPr lang="en-GB" sz="1200" dirty="0" smtClean="0"/>
               <a:t>OUI</a:t>
             </a:r>
-            <a:endParaRPr lang="fr-FR" sz="1200" dirty="0">
-              <a:solidFill>
-                <a:srgbClr val="FF0000"/>
-              </a:solidFill>
-            </a:endParaRPr>
+            <a:endParaRPr lang="fr-FR" sz="1200" dirty="0"/>
           </a:p>
         </p:txBody>
       </p:sp>
@@ -16531,14 +16816,14 @@
       </p:sp>
       <p:sp>
         <p:nvSpPr>
-          <p:cNvPr id="109" name="Rectangle à coins arrondis 108"/>
+          <p:cNvPr id="119" name="Rectangle à coins arrondis 118"/>
           <p:cNvSpPr/>
           <p:nvPr/>
         </p:nvSpPr>
         <p:spPr>
           <a:xfrm>
-            <a:off x="5068019" y="2583092"/>
-            <a:ext cx="2114480" cy="781291"/>
+            <a:off x="270902" y="3665029"/>
+            <a:ext cx="1836000" cy="1080000"/>
           </a:xfrm>
           <a:prstGeom prst="roundRect">
             <a:avLst/>
@@ -16566,90 +16851,7 @@
           <a:p>
             <a:pPr lvl="0" algn="ctr"/>
             <a:r>
-              <a:rPr lang="fr-FR" sz="1000" dirty="0">
-                <a:solidFill>
-                  <a:prstClr val="white"/>
-                </a:solidFill>
-              </a:rPr>
-              <a:t>Afficher le message d'erreur "pas de recettes".</a:t>
-            </a:r>
-          </a:p>
-        </p:txBody>
-      </p:sp>
-      <p:cxnSp>
-        <p:nvCxnSpPr>
-          <p:cNvPr id="117" name="Connecteur droit avec flèche 116"/>
-          <p:cNvCxnSpPr>
-            <a:stCxn id="6" idx="0"/>
-            <a:endCxn id="109" idx="2"/>
-          </p:cNvCxnSpPr>
-          <p:nvPr/>
-        </p:nvCxnSpPr>
-        <p:spPr>
-          <a:xfrm flipV="1">
-            <a:off x="6123847" y="3364383"/>
-            <a:ext cx="1412" cy="280339"/>
-          </a:xfrm>
-          <a:prstGeom prst="straightConnector1">
-            <a:avLst/>
-          </a:prstGeom>
-          <a:ln>
-            <a:tailEnd type="triangle"/>
-          </a:ln>
-        </p:spPr>
-        <p:style>
-          <a:lnRef idx="1">
-            <a:schemeClr val="accent1"/>
-          </a:lnRef>
-          <a:fillRef idx="0">
-            <a:schemeClr val="accent1"/>
-          </a:fillRef>
-          <a:effectRef idx="0">
-            <a:schemeClr val="accent1"/>
-          </a:effectRef>
-          <a:fontRef idx="minor">
-            <a:schemeClr val="tx1"/>
-          </a:fontRef>
-        </p:style>
-      </p:cxnSp>
-      <p:sp>
-        <p:nvSpPr>
-          <p:cNvPr id="119" name="Rectangle à coins arrondis 118"/>
-          <p:cNvSpPr/>
-          <p:nvPr/>
-        </p:nvSpPr>
-        <p:spPr>
-          <a:xfrm>
-            <a:off x="268210" y="3644722"/>
-            <a:ext cx="1836000" cy="1080000"/>
-          </a:xfrm>
-          <a:prstGeom prst="roundRect">
-            <a:avLst/>
-          </a:prstGeom>
-        </p:spPr>
-        <p:style>
-          <a:lnRef idx="2">
-            <a:schemeClr val="accent1">
-              <a:shade val="50000"/>
-            </a:schemeClr>
-          </a:lnRef>
-          <a:fillRef idx="1">
-            <a:schemeClr val="accent1"/>
-          </a:fillRef>
-          <a:effectRef idx="0">
-            <a:schemeClr val="accent1"/>
-          </a:effectRef>
-          <a:fontRef idx="minor">
-            <a:schemeClr val="lt1"/>
-          </a:fontRef>
-        </p:style>
-        <p:txBody>
-          <a:bodyPr rtlCol="0" anchor="ctr"/>
-          <a:lstStyle/>
-          <a:p>
-            <a:pPr lvl="0" algn="ctr"/>
-            <a:r>
-              <a:rPr lang="fr-FR" sz="1000" dirty="0">
+              <a:rPr lang="fr-FR" sz="1050" dirty="0">
                 <a:solidFill>
                   <a:prstClr val="white"/>
                 </a:solidFill>
@@ -16682,8 +16884,8 @@
         </p:nvCxnSpPr>
         <p:spPr>
           <a:xfrm flipH="1">
-            <a:off x="2104210" y="4184722"/>
-            <a:ext cx="459000" cy="0"/>
+            <a:off x="2106902" y="4205029"/>
+            <a:ext cx="456308" cy="0"/>
           </a:xfrm>
           <a:prstGeom prst="straightConnector1">
             <a:avLst/>
@@ -16744,12 +16946,12 @@
           <a:p>
             <a:pPr lvl="0" algn="ctr"/>
             <a:r>
-              <a:rPr lang="fr-FR" sz="1000" dirty="0">
+              <a:rPr lang="fr-FR" sz="1050" dirty="0">
                 <a:solidFill>
                   <a:prstClr val="white"/>
                 </a:solidFill>
               </a:rPr>
-              <a:t>Afficher les recettes correspondant au(x) tag(s) uniquement</a:t>
+              <a:t>Afficher uniquement les recettes correspondant au(x) tag(s)</a:t>
             </a:r>
           </a:p>
         </p:txBody>
@@ -16764,9 +16966,9 @@
           <p:nvPr/>
         </p:nvCxnSpPr>
         <p:spPr>
-          <a:xfrm>
-            <a:off x="1186210" y="4724722"/>
-            <a:ext cx="0" cy="758467"/>
+          <a:xfrm flipH="1">
+            <a:off x="1186210" y="4745029"/>
+            <a:ext cx="2692" cy="738160"/>
           </a:xfrm>
           <a:prstGeom prst="straightConnector1">
             <a:avLst/>
@@ -16856,7 +17058,7 @@
         </p:nvSpPr>
         <p:spPr>
           <a:xfrm>
-            <a:off x="268209" y="4222505"/>
+            <a:off x="275959" y="4259028"/>
             <a:ext cx="1836000" cy="504000"/>
           </a:xfrm>
           <a:prstGeom prst="roundRect">
@@ -16885,7 +17087,7 @@
           <a:p>
             <a:pPr lvl="0" algn="ctr"/>
             <a:r>
-              <a:rPr lang="fr-FR" sz="1000" dirty="0">
+              <a:rPr lang="fr-FR" sz="1050" dirty="0">
                 <a:solidFill>
                   <a:prstClr val="white"/>
                 </a:solidFill>
@@ -16896,7 +17098,7 @@
           <a:p>
             <a:pPr lvl="0" algn="ctr"/>
             <a:r>
-              <a:rPr lang="fr-FR" sz="1000" dirty="0">
+              <a:rPr lang="fr-FR" sz="1050" dirty="0">
                 <a:solidFill>
                   <a:prstClr val="white"/>
                 </a:solidFill>
@@ -16943,7 +17145,7 @@
           <a:p>
             <a:pPr lvl="0" algn="ctr"/>
             <a:r>
-              <a:rPr lang="fr-FR" sz="1000" dirty="0">
+              <a:rPr lang="fr-FR" sz="1050" dirty="0">
                 <a:solidFill>
                   <a:prstClr val="white"/>
                 </a:solidFill>
@@ -16990,7 +17192,7 @@
           <a:p>
             <a:pPr lvl="0" algn="ctr"/>
             <a:r>
-              <a:rPr lang="fr-FR" sz="1000" dirty="0">
+              <a:rPr lang="fr-FR" sz="1050" dirty="0">
                 <a:solidFill>
                   <a:prstClr val="white"/>
                 </a:solidFill>
@@ -17051,14 +17253,14 @@
         </p:nvSpPr>
         <p:spPr>
           <a:xfrm>
-            <a:off x="7752070" y="1169825"/>
+            <a:off x="7730570" y="1193406"/>
             <a:ext cx="1778280" cy="892186"/>
           </a:xfrm>
           <a:prstGeom prst="roundRect">
             <a:avLst/>
           </a:prstGeom>
           <a:solidFill>
-            <a:srgbClr val="FF0000"/>
+            <a:schemeClr val="tx1"/>
           </a:solidFill>
         </p:spPr>
         <p:style>
@@ -17081,44 +17283,19 @@
           <a:bodyPr rtlCol="0" anchor="ctr"/>
           <a:lstStyle/>
           <a:p>
-            <a:pPr lvl="0" algn="ctr"/>
-            <a:r>
-              <a:rPr lang="fr-FR" sz="1000" dirty="0">
-                <a:solidFill>
-                  <a:prstClr val="white"/>
-                </a:solidFill>
-              </a:rPr>
-              <a:t>« Push » les recettes correspondantes vers le tableau </a:t>
-            </a:r>
-            <a:r>
-              <a:rPr lang="fr-FR" sz="1000" dirty="0" smtClean="0">
-                <a:solidFill>
-                  <a:prstClr val="white"/>
-                </a:solidFill>
-              </a:rPr>
-              <a:t>(</a:t>
-            </a:r>
-            <a:r>
-              <a:rPr lang="fr-FR" sz="1000" dirty="0" err="1">
-                <a:solidFill>
-                  <a:prstClr val="white"/>
-                </a:solidFill>
-              </a:rPr>
+            <a:pPr algn="ctr"/>
+            <a:r>
+              <a:rPr lang="fr-FR" sz="1050" dirty="0"/>
+              <a:t>« Push » la recette correspondante dans le tableau </a:t>
+            </a:r>
+            <a:r>
+              <a:rPr lang="fr-FR" sz="1050" dirty="0" err="1"/>
               <a:t>sortedrecipesLeftArray</a:t>
             </a:r>
             <a:r>
-              <a:rPr lang="fr-FR" sz="1000" dirty="0" smtClean="0">
-                <a:solidFill>
-                  <a:prstClr val="white"/>
-                </a:solidFill>
-              </a:rPr>
-              <a:t>)</a:t>
-            </a:r>
-            <a:endParaRPr lang="fr-FR" sz="1000" dirty="0">
-              <a:solidFill>
-                <a:prstClr val="white"/>
-              </a:solidFill>
-            </a:endParaRPr>
+              <a:rPr lang="fr-FR" sz="1050" dirty="0"/>
+              <a:t> </a:t>
+            </a:r>
           </a:p>
         </p:txBody>
       </p:sp>
@@ -17130,8 +17307,8 @@
         </p:nvSpPr>
         <p:spPr>
           <a:xfrm>
-            <a:off x="8993329" y="2348720"/>
-            <a:ext cx="2974703" cy="1015663"/>
+            <a:off x="9799255" y="1646242"/>
+            <a:ext cx="2327396" cy="1785104"/>
           </a:xfrm>
           <a:prstGeom prst="rect">
             <a:avLst/>
@@ -17147,18 +17324,524 @@
             <a:pPr algn="just"/>
             <a:r>
               <a:rPr lang="fr-FR" sz="1000" b="1" u="sng" dirty="0"/>
-              <a:t>Remarque</a:t>
+              <a:t>Remarque </a:t>
             </a:r>
             <a:r>
               <a:rPr lang="fr-FR" sz="1000" dirty="0"/>
-              <a:t> : Pour augmenter les chances de réussite de la recherche, toutes les données saisies par l'utilisateur et les données de la recette sont "nettoyées" avant la recherche. (c'est-à-dire que tous les accents sont supprimés et que le texte est remplacé par des lettres minuscules).</a:t>
+              <a:t>: Pour augmenter les chances de réussite de la recherche, le ou les mots saisis par l'utilisateur et les données de la recette sont « nettoyés » avant la recherche. (c'est-à-dire que tous les accents sont supprimés et que le texte est passé en minuscule</a:t>
+            </a:r>
+            <a:r>
+              <a:rPr lang="fr-FR" sz="1000" dirty="0" smtClean="0"/>
+              <a:t>).</a:t>
+            </a:r>
+          </a:p>
+          <a:p>
+            <a:pPr algn="just"/>
+            <a:endParaRPr lang="en-GB" sz="1000" dirty="0"/>
+          </a:p>
+          <a:p>
+            <a:pPr algn="just"/>
+            <a:r>
+              <a:rPr lang="fr-FR" sz="1000" dirty="0" smtClean="0"/>
+              <a:t>Les </a:t>
+            </a:r>
+            <a:r>
+              <a:rPr lang="fr-FR" sz="1000" dirty="0"/>
+              <a:t>cases marquées en noir représentent l'algorithme de recherche primaire..</a:t>
+            </a:r>
+          </a:p>
+          <a:p>
+            <a:pPr algn="just"/>
+            <a:endParaRPr lang="fr-FR" sz="1000" dirty="0"/>
+          </a:p>
+        </p:txBody>
+      </p:sp>
+      <p:sp>
+        <p:nvSpPr>
+          <p:cNvPr id="40" name="Losange 39"/>
+          <p:cNvSpPr/>
+          <p:nvPr/>
+        </p:nvSpPr>
+        <p:spPr>
+          <a:xfrm>
+            <a:off x="128970" y="1879942"/>
+            <a:ext cx="2120127" cy="1399386"/>
+          </a:xfrm>
+          <a:prstGeom prst="diamond">
+            <a:avLst/>
+          </a:prstGeom>
+          <a:solidFill>
+            <a:schemeClr val="accent1"/>
+          </a:solidFill>
+        </p:spPr>
+        <p:style>
+          <a:lnRef idx="2">
+            <a:schemeClr val="accent1">
+              <a:shade val="50000"/>
+            </a:schemeClr>
+          </a:lnRef>
+          <a:fillRef idx="1">
+            <a:schemeClr val="accent1"/>
+          </a:fillRef>
+          <a:effectRef idx="0">
+            <a:schemeClr val="accent1"/>
+          </a:effectRef>
+          <a:fontRef idx="minor">
+            <a:schemeClr val="lt1"/>
+          </a:fontRef>
+        </p:style>
+        <p:txBody>
+          <a:bodyPr rtlCol="0" anchor="ctr"/>
+          <a:lstStyle/>
+          <a:p>
+            <a:pPr algn="ctr"/>
+            <a:r>
+              <a:rPr lang="fr-FR" sz="1050" dirty="0"/>
+              <a:t>Y a-t-il des recettes dans le </a:t>
+            </a:r>
+            <a:r>
+              <a:rPr lang="fr-FR" sz="1050" dirty="0" smtClean="0"/>
+              <a:t>tableau </a:t>
+            </a:r>
+            <a:r>
+              <a:rPr lang="fr-FR" sz="1200" dirty="0"/>
+              <a:t>sortedrecipesLeftArray </a:t>
+            </a:r>
+          </a:p>
+        </p:txBody>
+      </p:sp>
+      <p:cxnSp>
+        <p:nvCxnSpPr>
+          <p:cNvPr id="13" name="Connecteur en angle 12"/>
+          <p:cNvCxnSpPr>
+            <a:stCxn id="40" idx="3"/>
+            <a:endCxn id="6" idx="0"/>
+          </p:cNvCxnSpPr>
+          <p:nvPr/>
+        </p:nvCxnSpPr>
+        <p:spPr>
+          <a:xfrm>
+            <a:off x="2249097" y="2579635"/>
+            <a:ext cx="3874750" cy="1065087"/>
+          </a:xfrm>
+          <a:prstGeom prst="bentConnector2">
+            <a:avLst/>
+          </a:prstGeom>
+          <a:ln>
+            <a:prstDash val="lgDash"/>
+            <a:tailEnd type="triangle"/>
+          </a:ln>
+        </p:spPr>
+        <p:style>
+          <a:lnRef idx="1">
+            <a:schemeClr val="accent1"/>
+          </a:lnRef>
+          <a:fillRef idx="0">
+            <a:schemeClr val="accent1"/>
+          </a:fillRef>
+          <a:effectRef idx="0">
+            <a:schemeClr val="accent1"/>
+          </a:effectRef>
+          <a:fontRef idx="minor">
+            <a:schemeClr val="tx1"/>
+          </a:fontRef>
+        </p:style>
+      </p:cxnSp>
+      <p:cxnSp>
+        <p:nvCxnSpPr>
+          <p:cNvPr id="17" name="Connecteur droit avec flèche 16"/>
+          <p:cNvCxnSpPr>
+            <a:stCxn id="40" idx="2"/>
+            <a:endCxn id="119" idx="0"/>
+          </p:cNvCxnSpPr>
+          <p:nvPr/>
+        </p:nvCxnSpPr>
+        <p:spPr>
+          <a:xfrm flipH="1">
+            <a:off x="1188902" y="3279328"/>
+            <a:ext cx="132" cy="385701"/>
+          </a:xfrm>
+          <a:prstGeom prst="straightConnector1">
+            <a:avLst/>
+          </a:prstGeom>
+          <a:ln>
+            <a:tailEnd type="triangle"/>
+          </a:ln>
+        </p:spPr>
+        <p:style>
+          <a:lnRef idx="1">
+            <a:schemeClr val="accent1"/>
+          </a:lnRef>
+          <a:fillRef idx="0">
+            <a:schemeClr val="accent1"/>
+          </a:fillRef>
+          <a:effectRef idx="0">
+            <a:schemeClr val="accent1"/>
+          </a:effectRef>
+          <a:fontRef idx="minor">
+            <a:schemeClr val="tx1"/>
+          </a:fontRef>
+        </p:style>
+      </p:cxnSp>
+      <p:sp>
+        <p:nvSpPr>
+          <p:cNvPr id="57" name="ZoneTexte 56"/>
+          <p:cNvSpPr txBox="1"/>
+          <p:nvPr/>
+        </p:nvSpPr>
+        <p:spPr>
+          <a:xfrm>
+            <a:off x="1186209" y="3276542"/>
+            <a:ext cx="514630" cy="276999"/>
+          </a:xfrm>
+          <a:prstGeom prst="rect">
+            <a:avLst/>
+          </a:prstGeom>
+          <a:noFill/>
+        </p:spPr>
+        <p:txBody>
+          <a:bodyPr wrap="square" rtlCol="0">
+            <a:spAutoFit/>
+          </a:bodyPr>
+          <a:lstStyle/>
+          <a:p>
+            <a:pPr algn="ctr"/>
+            <a:r>
+              <a:rPr lang="en-GB" sz="1200" dirty="0" smtClean="0"/>
+              <a:t>NON</a:t>
+            </a:r>
+            <a:endParaRPr lang="fr-FR" sz="1200" dirty="0"/>
+          </a:p>
+        </p:txBody>
+      </p:sp>
+      <p:sp>
+        <p:nvSpPr>
+          <p:cNvPr id="58" name="ZoneTexte 57"/>
+          <p:cNvSpPr txBox="1"/>
+          <p:nvPr/>
+        </p:nvSpPr>
+        <p:spPr>
+          <a:xfrm>
+            <a:off x="2294569" y="2580517"/>
+            <a:ext cx="422476" cy="276999"/>
+          </a:xfrm>
+          <a:prstGeom prst="rect">
+            <a:avLst/>
+          </a:prstGeom>
+          <a:noFill/>
+        </p:spPr>
+        <p:txBody>
+          <a:bodyPr wrap="square" rtlCol="0">
+            <a:spAutoFit/>
+          </a:bodyPr>
+          <a:lstStyle/>
+          <a:p>
+            <a:pPr algn="ctr"/>
+            <a:r>
+              <a:rPr lang="en-GB" sz="1200" dirty="0" smtClean="0"/>
+              <a:t>OUI</a:t>
+            </a:r>
+            <a:endParaRPr lang="fr-FR" sz="1200" dirty="0"/>
+          </a:p>
+        </p:txBody>
+      </p:sp>
+      <p:sp>
+        <p:nvSpPr>
+          <p:cNvPr id="59" name="Rectangle à coins arrondis 58"/>
+          <p:cNvSpPr/>
+          <p:nvPr/>
+        </p:nvSpPr>
+        <p:spPr>
+          <a:xfrm>
+            <a:off x="133292" y="1020638"/>
+            <a:ext cx="2121335" cy="580970"/>
+          </a:xfrm>
+          <a:prstGeom prst="roundRect">
+            <a:avLst/>
+          </a:prstGeom>
+          <a:solidFill>
+            <a:schemeClr val="accent1"/>
+          </a:solidFill>
+        </p:spPr>
+        <p:style>
+          <a:lnRef idx="2">
+            <a:schemeClr val="accent1">
+              <a:shade val="50000"/>
+            </a:schemeClr>
+          </a:lnRef>
+          <a:fillRef idx="1">
+            <a:schemeClr val="accent1"/>
+          </a:fillRef>
+          <a:effectRef idx="0">
+            <a:schemeClr val="accent1"/>
+          </a:effectRef>
+          <a:fontRef idx="minor">
+            <a:schemeClr val="lt1"/>
+          </a:fontRef>
+        </p:style>
+        <p:txBody>
+          <a:bodyPr rtlCol="0" anchor="ctr"/>
+          <a:lstStyle/>
+          <a:p>
+            <a:pPr algn="ctr"/>
+            <a:r>
+              <a:rPr lang="en-GB" sz="1050" dirty="0"/>
+              <a:t>Push/splice </a:t>
+            </a:r>
+            <a:r>
+              <a:rPr lang="en-GB" sz="1050" dirty="0" smtClean="0"/>
+              <a:t>vers/depuis </a:t>
+            </a:r>
+            <a:r>
+              <a:rPr lang="en-GB" sz="1050" dirty="0"/>
+              <a:t>le </a:t>
+            </a:r>
+            <a:r>
+              <a:rPr lang="en-GB" sz="1050" dirty="0" smtClean="0"/>
+              <a:t>tableau </a:t>
+            </a:r>
+            <a:r>
+              <a:rPr lang="en-GB" sz="1050" dirty="0" err="1" smtClean="0"/>
+              <a:t>tagListArray</a:t>
+            </a:r>
+            <a:r>
+              <a:rPr lang="en-GB" sz="1050" dirty="0" smtClean="0"/>
+              <a:t> </a:t>
+            </a:r>
+            <a:endParaRPr lang="fr-FR" sz="1050" dirty="0" smtClean="0"/>
+          </a:p>
+        </p:txBody>
+      </p:sp>
+      <p:cxnSp>
+        <p:nvCxnSpPr>
+          <p:cNvPr id="21" name="Connecteur droit avec flèche 20"/>
+          <p:cNvCxnSpPr>
+            <a:stCxn id="59" idx="2"/>
+            <a:endCxn id="40" idx="0"/>
+          </p:cNvCxnSpPr>
+          <p:nvPr/>
+        </p:nvCxnSpPr>
+        <p:spPr>
+          <a:xfrm flipH="1">
+            <a:off x="1189034" y="1601608"/>
+            <a:ext cx="4926" cy="278334"/>
+          </a:xfrm>
+          <a:prstGeom prst="straightConnector1">
+            <a:avLst/>
+          </a:prstGeom>
+          <a:ln>
+            <a:tailEnd type="triangle"/>
+          </a:ln>
+        </p:spPr>
+        <p:style>
+          <a:lnRef idx="1">
+            <a:schemeClr val="accent1"/>
+          </a:lnRef>
+          <a:fillRef idx="0">
+            <a:schemeClr val="accent1"/>
+          </a:fillRef>
+          <a:effectRef idx="0">
+            <a:schemeClr val="accent1"/>
+          </a:effectRef>
+          <a:fontRef idx="minor">
+            <a:schemeClr val="tx1"/>
+          </a:fontRef>
+        </p:style>
+      </p:cxnSp>
+      <p:sp>
+        <p:nvSpPr>
+          <p:cNvPr id="62" name="Rectangle à coins arrondis 61"/>
+          <p:cNvSpPr/>
+          <p:nvPr/>
+        </p:nvSpPr>
+        <p:spPr>
+          <a:xfrm>
+            <a:off x="133292" y="210164"/>
+            <a:ext cx="2121335" cy="580970"/>
+          </a:xfrm>
+          <a:prstGeom prst="roundRect">
+            <a:avLst/>
+          </a:prstGeom>
+          <a:solidFill>
+            <a:schemeClr val="accent1"/>
+          </a:solidFill>
+        </p:spPr>
+        <p:style>
+          <a:lnRef idx="2">
+            <a:schemeClr val="accent1">
+              <a:shade val="50000"/>
+            </a:schemeClr>
+          </a:lnRef>
+          <a:fillRef idx="1">
+            <a:schemeClr val="accent1"/>
+          </a:fillRef>
+          <a:effectRef idx="0">
+            <a:schemeClr val="accent1"/>
+          </a:effectRef>
+          <a:fontRef idx="minor">
+            <a:schemeClr val="lt1"/>
+          </a:fontRef>
+        </p:style>
+        <p:txBody>
+          <a:bodyPr rtlCol="0" anchor="ctr"/>
+          <a:lstStyle/>
+          <a:p>
+            <a:pPr algn="ctr"/>
+            <a:r>
+              <a:rPr lang="fr-FR" sz="1050" dirty="0"/>
+              <a:t>L'utilisateur </a:t>
+            </a:r>
+            <a:r>
+              <a:rPr lang="fr-FR" sz="1050" dirty="0" smtClean="0"/>
+              <a:t>ajoute/supprime</a:t>
+            </a:r>
+          </a:p>
+          <a:p>
+            <a:pPr algn="ctr"/>
+            <a:r>
+              <a:rPr lang="fr-FR" sz="1050" dirty="0" smtClean="0"/>
+              <a:t>un tag</a:t>
+            </a:r>
+            <a:endParaRPr lang="fr-FR" sz="1050" dirty="0"/>
+          </a:p>
+          <a:p>
+            <a:pPr algn="ctr"/>
+            <a:r>
+              <a:rPr lang="fr-FR" sz="1050" dirty="0"/>
+              <a:t>(ingrédient, appareil ou ustensile)</a:t>
+            </a:r>
+          </a:p>
+        </p:txBody>
+      </p:sp>
+      <p:cxnSp>
+        <p:nvCxnSpPr>
+          <p:cNvPr id="23" name="Connecteur droit avec flèche 22"/>
+          <p:cNvCxnSpPr>
+            <a:stCxn id="62" idx="2"/>
+            <a:endCxn id="59" idx="0"/>
+          </p:cNvCxnSpPr>
+          <p:nvPr/>
+        </p:nvCxnSpPr>
+        <p:spPr>
+          <a:xfrm>
+            <a:off x="1193960" y="791134"/>
+            <a:ext cx="0" cy="229504"/>
+          </a:xfrm>
+          <a:prstGeom prst="straightConnector1">
+            <a:avLst/>
+          </a:prstGeom>
+          <a:ln>
+            <a:tailEnd type="triangle"/>
+          </a:ln>
+        </p:spPr>
+        <p:style>
+          <a:lnRef idx="1">
+            <a:schemeClr val="accent1"/>
+          </a:lnRef>
+          <a:fillRef idx="0">
+            <a:schemeClr val="accent1"/>
+          </a:fillRef>
+          <a:effectRef idx="0">
+            <a:schemeClr val="accent1"/>
+          </a:effectRef>
+          <a:fontRef idx="minor">
+            <a:schemeClr val="tx1"/>
+          </a:fontRef>
+        </p:style>
+      </p:cxnSp>
+      <p:sp>
+        <p:nvSpPr>
+          <p:cNvPr id="65" name="ZoneTexte 64"/>
+          <p:cNvSpPr txBox="1"/>
+          <p:nvPr/>
+        </p:nvSpPr>
+        <p:spPr>
+          <a:xfrm>
+            <a:off x="9931394" y="901251"/>
+            <a:ext cx="2195257" cy="553998"/>
+          </a:xfrm>
+          <a:prstGeom prst="rect">
+            <a:avLst/>
+          </a:prstGeom>
+          <a:noFill/>
+        </p:spPr>
+        <p:txBody>
+          <a:bodyPr wrap="square" rtlCol="0">
+            <a:spAutoFit/>
+          </a:bodyPr>
+          <a:lstStyle/>
+          <a:p>
+            <a:r>
+              <a:rPr lang="fr-FR" dirty="0" smtClean="0"/>
+              <a:t>Le </a:t>
+            </a:r>
+            <a:r>
+              <a:rPr lang="fr-FR" dirty="0"/>
+              <a:t>modèle complet </a:t>
+            </a:r>
+            <a:endParaRPr lang="fr-FR" dirty="0" smtClean="0"/>
+          </a:p>
+          <a:p>
+            <a:r>
+              <a:rPr lang="fr-FR" sz="1200" dirty="0" smtClean="0"/>
+              <a:t>(</a:t>
+            </a:r>
+            <a:r>
+              <a:rPr lang="fr-FR" sz="1200" dirty="0"/>
+              <a:t>en utilisant l'algorithme 2)</a:t>
+            </a:r>
+          </a:p>
+        </p:txBody>
+      </p:sp>
+      <p:sp>
+        <p:nvSpPr>
+          <p:cNvPr id="64" name="Rectangle à coins arrondis 63"/>
+          <p:cNvSpPr/>
+          <p:nvPr/>
+        </p:nvSpPr>
+        <p:spPr>
+          <a:xfrm>
+            <a:off x="2737757" y="1200149"/>
+            <a:ext cx="1778280" cy="892186"/>
+          </a:xfrm>
+          <a:prstGeom prst="roundRect">
+            <a:avLst/>
+          </a:prstGeom>
+          <a:solidFill>
+            <a:schemeClr val="accent1"/>
+          </a:solidFill>
+        </p:spPr>
+        <p:style>
+          <a:lnRef idx="2">
+            <a:schemeClr val="accent1">
+              <a:shade val="50000"/>
+            </a:schemeClr>
+          </a:lnRef>
+          <a:fillRef idx="1">
+            <a:schemeClr val="accent1"/>
+          </a:fillRef>
+          <a:effectRef idx="0">
+            <a:schemeClr val="accent1"/>
+          </a:effectRef>
+          <a:fontRef idx="minor">
+            <a:schemeClr val="lt1"/>
+          </a:fontRef>
+        </p:style>
+        <p:txBody>
+          <a:bodyPr rtlCol="0" anchor="ctr"/>
+          <a:lstStyle/>
+          <a:p>
+            <a:pPr algn="ctr"/>
+            <a:r>
+              <a:rPr lang="fr-FR" sz="1050" dirty="0"/>
+              <a:t>S'il n'y a pas de recettes qui correspondent au mot d'entrée</a:t>
             </a:r>
           </a:p>
         </p:txBody>
       </p:sp>
       <p:pic>
         <p:nvPicPr>
-          <p:cNvPr id="42" name="Image 41"/>
+          <p:cNvPr id="66" name="Image 65"/>
           <p:cNvPicPr>
             <a:picLocks noChangeAspect="1"/>
           </p:cNvPicPr>
@@ -17178,7 +17861,7 @@
         </p:blipFill>
         <p:spPr>
           <a:xfrm>
-            <a:off x="9506697" y="106160"/>
+            <a:off x="9931394" y="88750"/>
             <a:ext cx="2125307" cy="737513"/>
           </a:xfrm>
           <a:prstGeom prst="rect">
@@ -17186,77 +17869,24 @@
           </a:prstGeom>
         </p:spPr>
       </p:pic>
-      <p:sp>
-        <p:nvSpPr>
-          <p:cNvPr id="40" name="Losange 39"/>
-          <p:cNvSpPr/>
-          <p:nvPr/>
-        </p:nvSpPr>
-        <p:spPr>
-          <a:xfrm>
-            <a:off x="128970" y="1879942"/>
-            <a:ext cx="2120127" cy="1399386"/>
-          </a:xfrm>
-          <a:prstGeom prst="diamond">
-            <a:avLst/>
-          </a:prstGeom>
-          <a:solidFill>
-            <a:schemeClr val="accent1"/>
-          </a:solidFill>
-        </p:spPr>
-        <p:style>
-          <a:lnRef idx="2">
-            <a:schemeClr val="accent1">
-              <a:shade val="50000"/>
-            </a:schemeClr>
-          </a:lnRef>
-          <a:fillRef idx="1">
-            <a:schemeClr val="accent1"/>
-          </a:fillRef>
-          <a:effectRef idx="0">
-            <a:schemeClr val="accent1"/>
-          </a:effectRef>
-          <a:fontRef idx="minor">
-            <a:schemeClr val="lt1"/>
-          </a:fontRef>
-        </p:style>
-        <p:txBody>
-          <a:bodyPr rtlCol="0" anchor="ctr"/>
-          <a:lstStyle/>
-          <a:p>
-            <a:pPr algn="ctr"/>
-            <a:r>
-              <a:rPr lang="fr-FR" sz="1000" dirty="0"/>
-              <a:t>Y a-t-il des recettes dans le tableau : </a:t>
-            </a:r>
-            <a:r>
-              <a:rPr lang="fr-FR" sz="1200" dirty="0"/>
-              <a:t>sortedrecipesLeftArray </a:t>
-            </a:r>
-          </a:p>
-        </p:txBody>
-      </p:sp>
       <p:cxnSp>
         <p:nvCxnSpPr>
-          <p:cNvPr id="13" name="Connecteur en angle 12"/>
+          <p:cNvPr id="30" name="Connecteur en angle 29"/>
           <p:cNvCxnSpPr>
-            <a:stCxn id="40" idx="3"/>
-            <a:endCxn id="6" idx="1"/>
+            <a:stCxn id="6" idx="1"/>
+            <a:endCxn id="61" idx="3"/>
           </p:cNvCxnSpPr>
           <p:nvPr/>
         </p:nvCxnSpPr>
         <p:spPr>
-          <a:xfrm>
-            <a:off x="2249097" y="2579635"/>
-            <a:ext cx="2956750" cy="1605087"/>
+          <a:xfrm rot="10800000" flipV="1">
+            <a:off x="4683337" y="4184722"/>
+            <a:ext cx="522510" cy="1689114"/>
           </a:xfrm>
           <a:prstGeom prst="bentConnector3">
-            <a:avLst>
-              <a:gd name="adj1" fmla="val 86564"/>
-            </a:avLst>
+            <a:avLst/>
           </a:prstGeom>
           <a:ln>
-            <a:prstDash val="lgDash"/>
             <a:tailEnd type="triangle"/>
           </a:ln>
         </p:spPr>
@@ -17277,17 +17907,133 @@
       </p:cxnSp>
       <p:cxnSp>
         <p:nvCxnSpPr>
-          <p:cNvPr id="17" name="Connecteur droit avec flèche 16"/>
+          <p:cNvPr id="39" name="Connecteur droit avec flèche 38"/>
           <p:cNvCxnSpPr>
-            <a:stCxn id="40" idx="2"/>
-            <a:endCxn id="119" idx="0"/>
+            <a:stCxn id="141" idx="2"/>
+            <a:endCxn id="5" idx="0"/>
           </p:cNvCxnSpPr>
           <p:nvPr/>
         </p:nvCxnSpPr>
         <p:spPr>
+          <a:xfrm>
+            <a:off x="8619710" y="2085592"/>
+            <a:ext cx="742" cy="1375295"/>
+          </a:xfrm>
+          <a:prstGeom prst="straightConnector1">
+            <a:avLst/>
+          </a:prstGeom>
+          <a:ln>
+            <a:solidFill>
+              <a:schemeClr val="tx1"/>
+            </a:solidFill>
+            <a:tailEnd type="triangle"/>
+          </a:ln>
+        </p:spPr>
+        <p:style>
+          <a:lnRef idx="1">
+            <a:schemeClr val="accent1"/>
+          </a:lnRef>
+          <a:fillRef idx="0">
+            <a:schemeClr val="accent1"/>
+          </a:fillRef>
+          <a:effectRef idx="0">
+            <a:schemeClr val="accent1"/>
+          </a:effectRef>
+          <a:fontRef idx="minor">
+            <a:schemeClr val="tx1"/>
+          </a:fontRef>
+        </p:style>
+      </p:cxnSp>
+      <p:cxnSp>
+        <p:nvCxnSpPr>
+          <p:cNvPr id="44" name="Connecteur droit avec flèche 43"/>
+          <p:cNvCxnSpPr>
+            <a:endCxn id="141" idx="1"/>
+          </p:cNvCxnSpPr>
+          <p:nvPr/>
+        </p:nvCxnSpPr>
+        <p:spPr>
+          <a:xfrm flipV="1">
+            <a:off x="7182561" y="1639499"/>
+            <a:ext cx="548009" cy="1389"/>
+          </a:xfrm>
+          <a:prstGeom prst="straightConnector1">
+            <a:avLst/>
+          </a:prstGeom>
+          <a:ln>
+            <a:solidFill>
+              <a:schemeClr val="tx1"/>
+            </a:solidFill>
+            <a:tailEnd type="triangle"/>
+          </a:ln>
+        </p:spPr>
+        <p:style>
+          <a:lnRef idx="1">
+            <a:schemeClr val="accent1"/>
+          </a:lnRef>
+          <a:fillRef idx="0">
+            <a:schemeClr val="accent1"/>
+          </a:fillRef>
+          <a:effectRef idx="0">
+            <a:schemeClr val="accent1"/>
+          </a:effectRef>
+          <a:fontRef idx="minor">
+            <a:schemeClr val="tx1"/>
+          </a:fontRef>
+        </p:style>
+      </p:cxnSp>
+      <p:cxnSp>
+        <p:nvCxnSpPr>
+          <p:cNvPr id="46" name="Connecteur droit avec flèche 45"/>
+          <p:cNvCxnSpPr>
+            <a:stCxn id="4" idx="1"/>
+            <a:endCxn id="64" idx="3"/>
+          </p:cNvCxnSpPr>
+          <p:nvPr/>
+        </p:nvCxnSpPr>
+        <p:spPr>
           <a:xfrm flipH="1">
-            <a:off x="1186210" y="3279328"/>
-            <a:ext cx="2824" cy="365394"/>
+            <a:off x="4516037" y="1641865"/>
+            <a:ext cx="529222" cy="4377"/>
+          </a:xfrm>
+          <a:prstGeom prst="straightConnector1">
+            <a:avLst/>
+          </a:prstGeom>
+          <a:ln>
+            <a:solidFill>
+              <a:schemeClr val="accent1"/>
+            </a:solidFill>
+            <a:tailEnd type="triangle"/>
+          </a:ln>
+        </p:spPr>
+        <p:style>
+          <a:lnRef idx="1">
+            <a:schemeClr val="accent1"/>
+          </a:lnRef>
+          <a:fillRef idx="0">
+            <a:schemeClr val="accent1"/>
+          </a:fillRef>
+          <a:effectRef idx="0">
+            <a:schemeClr val="accent1"/>
+          </a:effectRef>
+          <a:fontRef idx="minor">
+            <a:schemeClr val="tx1"/>
+          </a:fontRef>
+        </p:style>
+      </p:cxnSp>
+      <p:cxnSp>
+        <p:nvCxnSpPr>
+          <p:cNvPr id="49" name="Connecteur droit avec flèche 48"/>
+          <p:cNvCxnSpPr>
+            <a:stCxn id="64" idx="2"/>
+            <a:endCxn id="70" idx="0"/>
+          </p:cNvCxnSpPr>
+          <p:nvPr/>
+        </p:nvCxnSpPr>
+        <p:spPr>
+          <a:xfrm flipH="1">
+            <a:off x="3623274" y="2092335"/>
+            <a:ext cx="3623" cy="1392694"/>
           </a:xfrm>
           <a:prstGeom prst="straightConnector1">
             <a:avLst/>
@@ -17311,145 +18057,27 @@
           </a:fontRef>
         </p:style>
       </p:cxnSp>
-      <p:sp>
-        <p:nvSpPr>
-          <p:cNvPr id="57" name="ZoneTexte 56"/>
-          <p:cNvSpPr txBox="1"/>
-          <p:nvPr/>
-        </p:nvSpPr>
-        <p:spPr>
-          <a:xfrm>
-            <a:off x="1186209" y="3276542"/>
-            <a:ext cx="514630" cy="276999"/>
-          </a:xfrm>
-          <a:prstGeom prst="rect">
-            <a:avLst/>
-          </a:prstGeom>
-          <a:noFill/>
-        </p:spPr>
-        <p:txBody>
-          <a:bodyPr wrap="square" rtlCol="0">
-            <a:spAutoFit/>
-          </a:bodyPr>
-          <a:lstStyle/>
-          <a:p>
-            <a:pPr algn="ctr"/>
-            <a:r>
-              <a:rPr lang="en-GB" sz="1200" dirty="0" smtClean="0"/>
-              <a:t>NON</a:t>
-            </a:r>
-            <a:endParaRPr lang="fr-FR" sz="1200" dirty="0"/>
-          </a:p>
-        </p:txBody>
-      </p:sp>
-      <p:sp>
-        <p:nvSpPr>
-          <p:cNvPr id="58" name="ZoneTexte 57"/>
-          <p:cNvSpPr txBox="1"/>
-          <p:nvPr/>
-        </p:nvSpPr>
-        <p:spPr>
-          <a:xfrm>
-            <a:off x="2254627" y="2301301"/>
-            <a:ext cx="422476" cy="276999"/>
-          </a:xfrm>
-          <a:prstGeom prst="rect">
-            <a:avLst/>
-          </a:prstGeom>
-          <a:noFill/>
-        </p:spPr>
-        <p:txBody>
-          <a:bodyPr wrap="square" rtlCol="0">
-            <a:spAutoFit/>
-          </a:bodyPr>
-          <a:lstStyle/>
-          <a:p>
-            <a:pPr algn="ctr"/>
-            <a:r>
-              <a:rPr lang="en-GB" sz="1200" dirty="0" smtClean="0"/>
-              <a:t>OUI</a:t>
-            </a:r>
-            <a:endParaRPr lang="fr-FR" sz="1200" dirty="0"/>
-          </a:p>
-        </p:txBody>
-      </p:sp>
-      <p:sp>
-        <p:nvSpPr>
-          <p:cNvPr id="59" name="Rectangle à coins arrondis 58"/>
-          <p:cNvSpPr/>
-          <p:nvPr/>
-        </p:nvSpPr>
-        <p:spPr>
-          <a:xfrm>
-            <a:off x="133292" y="1020638"/>
-            <a:ext cx="2121335" cy="580970"/>
-          </a:xfrm>
-          <a:prstGeom prst="roundRect">
-            <a:avLst/>
-          </a:prstGeom>
-          <a:solidFill>
-            <a:schemeClr val="accent1"/>
-          </a:solidFill>
-        </p:spPr>
-        <p:style>
-          <a:lnRef idx="2">
-            <a:schemeClr val="accent1">
-              <a:shade val="50000"/>
-            </a:schemeClr>
-          </a:lnRef>
-          <a:fillRef idx="1">
-            <a:schemeClr val="accent1"/>
-          </a:fillRef>
-          <a:effectRef idx="0">
-            <a:schemeClr val="accent1"/>
-          </a:effectRef>
-          <a:fontRef idx="minor">
-            <a:schemeClr val="lt1"/>
-          </a:fontRef>
-        </p:style>
-        <p:txBody>
-          <a:bodyPr rtlCol="0" anchor="ctr"/>
-          <a:lstStyle/>
-          <a:p>
-            <a:pPr algn="ctr"/>
-            <a:r>
-              <a:rPr lang="en-GB" sz="1000" dirty="0"/>
-              <a:t>Push/splice </a:t>
-            </a:r>
-            <a:r>
-              <a:rPr lang="en-GB" sz="1000" dirty="0" smtClean="0"/>
-              <a:t>vers/depuis </a:t>
-            </a:r>
-            <a:r>
-              <a:rPr lang="en-GB" sz="1000" dirty="0"/>
-              <a:t>le tableau : </a:t>
-            </a:r>
-            <a:r>
-              <a:rPr lang="en-GB" sz="1000" dirty="0" smtClean="0"/>
-              <a:t>tagListArray </a:t>
-            </a:r>
-            <a:endParaRPr lang="fr-FR" sz="1000" dirty="0" smtClean="0"/>
-          </a:p>
-        </p:txBody>
-      </p:sp>
       <p:cxnSp>
         <p:nvCxnSpPr>
-          <p:cNvPr id="21" name="Connecteur droit avec flèche 20"/>
+          <p:cNvPr id="80" name="Connecteur droit avec flèche 79"/>
           <p:cNvCxnSpPr>
-            <a:stCxn id="59" idx="2"/>
-            <a:endCxn id="40" idx="0"/>
+            <a:stCxn id="5" idx="1"/>
+            <a:endCxn id="6" idx="3"/>
           </p:cNvCxnSpPr>
           <p:nvPr/>
         </p:nvCxnSpPr>
         <p:spPr>
           <a:xfrm flipH="1">
-            <a:off x="1189034" y="1601608"/>
-            <a:ext cx="4926" cy="278334"/>
+            <a:off x="7041847" y="4180887"/>
+            <a:ext cx="518541" cy="3835"/>
           </a:xfrm>
           <a:prstGeom prst="straightConnector1">
             <a:avLst/>
           </a:prstGeom>
           <a:ln>
+            <a:solidFill>
+              <a:schemeClr val="tx1"/>
+            </a:solidFill>
             <a:tailEnd type="triangle"/>
           </a:ln>
         </p:spPr>
@@ -17468,133 +18096,6 @@
           </a:fontRef>
         </p:style>
       </p:cxnSp>
-      <p:sp>
-        <p:nvSpPr>
-          <p:cNvPr id="62" name="Rectangle à coins arrondis 61"/>
-          <p:cNvSpPr/>
-          <p:nvPr/>
-        </p:nvSpPr>
-        <p:spPr>
-          <a:xfrm>
-            <a:off x="133292" y="210164"/>
-            <a:ext cx="2121335" cy="580970"/>
-          </a:xfrm>
-          <a:prstGeom prst="roundRect">
-            <a:avLst/>
-          </a:prstGeom>
-          <a:solidFill>
-            <a:schemeClr val="accent1"/>
-          </a:solidFill>
-        </p:spPr>
-        <p:style>
-          <a:lnRef idx="2">
-            <a:schemeClr val="accent1">
-              <a:shade val="50000"/>
-            </a:schemeClr>
-          </a:lnRef>
-          <a:fillRef idx="1">
-            <a:schemeClr val="accent1"/>
-          </a:fillRef>
-          <a:effectRef idx="0">
-            <a:schemeClr val="accent1"/>
-          </a:effectRef>
-          <a:fontRef idx="minor">
-            <a:schemeClr val="lt1"/>
-          </a:fontRef>
-        </p:style>
-        <p:txBody>
-          <a:bodyPr rtlCol="0" anchor="ctr"/>
-          <a:lstStyle/>
-          <a:p>
-            <a:pPr algn="ctr"/>
-            <a:r>
-              <a:rPr lang="fr-FR" sz="1000" dirty="0"/>
-              <a:t>L'utilisateur ajoute/supprime </a:t>
-            </a:r>
-            <a:r>
-              <a:rPr lang="fr-FR" sz="1000" dirty="0" smtClean="0"/>
-              <a:t>le tag</a:t>
-            </a:r>
-            <a:endParaRPr lang="fr-FR" sz="1000" dirty="0"/>
-          </a:p>
-          <a:p>
-            <a:pPr algn="ctr"/>
-            <a:r>
-              <a:rPr lang="fr-FR" sz="1000" dirty="0"/>
-              <a:t>(ingrédient, appareil ou ustensile)</a:t>
-            </a:r>
-          </a:p>
-        </p:txBody>
-      </p:sp>
-      <p:cxnSp>
-        <p:nvCxnSpPr>
-          <p:cNvPr id="23" name="Connecteur droit avec flèche 22"/>
-          <p:cNvCxnSpPr>
-            <a:stCxn id="62" idx="2"/>
-            <a:endCxn id="59" idx="0"/>
-          </p:cNvCxnSpPr>
-          <p:nvPr/>
-        </p:nvCxnSpPr>
-        <p:spPr>
-          <a:xfrm>
-            <a:off x="1193960" y="791134"/>
-            <a:ext cx="0" cy="229504"/>
-          </a:xfrm>
-          <a:prstGeom prst="straightConnector1">
-            <a:avLst/>
-          </a:prstGeom>
-          <a:ln>
-            <a:tailEnd type="triangle"/>
-          </a:ln>
-        </p:spPr>
-        <p:style>
-          <a:lnRef idx="1">
-            <a:schemeClr val="accent1"/>
-          </a:lnRef>
-          <a:fillRef idx="0">
-            <a:schemeClr val="accent1"/>
-          </a:fillRef>
-          <a:effectRef idx="0">
-            <a:schemeClr val="accent1"/>
-          </a:effectRef>
-          <a:fontRef idx="minor">
-            <a:schemeClr val="tx1"/>
-          </a:fontRef>
-        </p:style>
-      </p:cxnSp>
-      <p:sp>
-        <p:nvSpPr>
-          <p:cNvPr id="65" name="ZoneTexte 64"/>
-          <p:cNvSpPr txBox="1"/>
-          <p:nvPr/>
-        </p:nvSpPr>
-        <p:spPr>
-          <a:xfrm>
-            <a:off x="9598674" y="901251"/>
-            <a:ext cx="2527977" cy="646331"/>
-          </a:xfrm>
-          <a:prstGeom prst="rect">
-            <a:avLst/>
-          </a:prstGeom>
-          <a:noFill/>
-        </p:spPr>
-        <p:txBody>
-          <a:bodyPr wrap="square" rtlCol="0">
-            <a:spAutoFit/>
-          </a:bodyPr>
-          <a:lstStyle/>
-          <a:p>
-            <a:r>
-              <a:rPr lang="fr-FR" dirty="0" smtClean="0"/>
-              <a:t>Le </a:t>
-            </a:r>
-            <a:r>
-              <a:rPr lang="fr-FR" dirty="0"/>
-              <a:t>modèle complet (en utilisant l'algorithme 2)</a:t>
-            </a:r>
-          </a:p>
-        </p:txBody>
-      </p:sp>
     </p:spTree>
     <p:extLst>
       <p:ext uri="{BB962C8B-B14F-4D97-AF65-F5344CB8AC3E}">

--- a/Testing Results & functionality repot/flowchaw charts of the program logic.pptx
+++ b/Testing Results & functionality repot/flowchaw charts of the program logic.pptx
@@ -5,7 +5,7 @@
     <p:sldMasterId id="2147483648" r:id="rId1"/>
   </p:sldMasterIdLst>
   <p:notesMasterIdLst>
-    <p:notesMasterId r:id="rId10"/>
+    <p:notesMasterId r:id="rId11"/>
   </p:notesMasterIdLst>
   <p:sldIdLst>
     <p:sldId id="260" r:id="rId2"/>
@@ -15,7 +15,8 @@
     <p:sldId id="262" r:id="rId6"/>
     <p:sldId id="263" r:id="rId7"/>
     <p:sldId id="264" r:id="rId8"/>
-    <p:sldId id="265" r:id="rId9"/>
+    <p:sldId id="268" r:id="rId9"/>
+    <p:sldId id="265" r:id="rId10"/>
   </p:sldIdLst>
   <p:sldSz cx="12192000" cy="6858000"/>
   <p:notesSz cx="6858000" cy="9144000"/>
@@ -204,7 +205,7 @@
           <a:p>
             <a:fld id="{C165559C-BC8E-433F-A4E6-A07C9F72099A}" type="datetimeFigureOut">
               <a:rPr lang="fr-FR" smtClean="0"/>
-              <a:t>03/08/2021</a:t>
+              <a:t>06/08/2021</a:t>
             </a:fld>
             <a:endParaRPr lang="fr-FR"/>
           </a:p>
@@ -1134,6 +1135,90 @@
     </p:spTree>
     <p:extLst>
       <p:ext uri="{BB962C8B-B14F-4D97-AF65-F5344CB8AC3E}">
+        <p14:creationId xmlns:p14="http://schemas.microsoft.com/office/powerpoint/2010/main" val="1752379772"/>
+      </p:ext>
+    </p:extLst>
+  </p:cSld>
+  <p:clrMapOvr>
+    <a:masterClrMapping/>
+  </p:clrMapOvr>
+</p:notes>
+</file>
+
+<file path=ppt/notesSlides/notesSlide9.xml><?xml version="1.0" encoding="utf-8"?>
+<p:notes xmlns:a="http://schemas.openxmlformats.org/drawingml/2006/main" xmlns:r="http://schemas.openxmlformats.org/officeDocument/2006/relationships" xmlns:p="http://schemas.openxmlformats.org/presentationml/2006/main">
+  <p:cSld>
+    <p:spTree>
+      <p:nvGrpSpPr>
+        <p:cNvPr id="1" name=""/>
+        <p:cNvGrpSpPr/>
+        <p:nvPr/>
+      </p:nvGrpSpPr>
+      <p:grpSpPr>
+        <a:xfrm>
+          <a:off x="0" y="0"/>
+          <a:ext cx="0" cy="0"/>
+          <a:chOff x="0" y="0"/>
+          <a:chExt cx="0" cy="0"/>
+        </a:xfrm>
+      </p:grpSpPr>
+      <p:sp>
+        <p:nvSpPr>
+          <p:cNvPr id="2" name="Espace réservé de l'image des diapositives 1"/>
+          <p:cNvSpPr>
+            <a:spLocks noGrp="1" noRot="1" noChangeAspect="1"/>
+          </p:cNvSpPr>
+          <p:nvPr>
+            <p:ph type="sldImg"/>
+          </p:nvPr>
+        </p:nvSpPr>
+        <p:spPr/>
+      </p:sp>
+      <p:sp>
+        <p:nvSpPr>
+          <p:cNvPr id="3" name="Espace réservé des commentaires 2"/>
+          <p:cNvSpPr>
+            <a:spLocks noGrp="1"/>
+          </p:cNvSpPr>
+          <p:nvPr>
+            <p:ph type="body" idx="1"/>
+          </p:nvPr>
+        </p:nvSpPr>
+        <p:spPr/>
+        <p:txBody>
+          <a:bodyPr/>
+          <a:lstStyle/>
+          <a:p>
+            <a:endParaRPr lang="fr-FR"/>
+          </a:p>
+        </p:txBody>
+      </p:sp>
+      <p:sp>
+        <p:nvSpPr>
+          <p:cNvPr id="4" name="Espace réservé du numéro de diapositive 3"/>
+          <p:cNvSpPr>
+            <a:spLocks noGrp="1"/>
+          </p:cNvSpPr>
+          <p:nvPr>
+            <p:ph type="sldNum" sz="quarter" idx="10"/>
+          </p:nvPr>
+        </p:nvSpPr>
+        <p:spPr/>
+        <p:txBody>
+          <a:bodyPr/>
+          <a:lstStyle/>
+          <a:p>
+            <a:fld id="{5DA369B1-158C-4B9A-8A87-C889B3068A99}" type="slidenum">
+              <a:rPr lang="fr-FR" smtClean="0"/>
+              <a:t>9</a:t>
+            </a:fld>
+            <a:endParaRPr lang="fr-FR"/>
+          </a:p>
+        </p:txBody>
+      </p:sp>
+    </p:spTree>
+    <p:extLst>
+      <p:ext uri="{BB962C8B-B14F-4D97-AF65-F5344CB8AC3E}">
         <p14:creationId xmlns:p14="http://schemas.microsoft.com/office/powerpoint/2010/main" val="2473069223"/>
       </p:ext>
     </p:extLst>
@@ -1275,7 +1360,7 @@
           <a:p>
             <a:fld id="{2A5595A6-4555-4F4D-AAE8-BCA86D99260A}" type="datetimeFigureOut">
               <a:rPr lang="fr-FR" smtClean="0"/>
-              <a:t>03/08/2021</a:t>
+              <a:t>06/08/2021</a:t>
             </a:fld>
             <a:endParaRPr lang="fr-FR"/>
           </a:p>
@@ -1445,7 +1530,7 @@
           <a:p>
             <a:fld id="{2A5595A6-4555-4F4D-AAE8-BCA86D99260A}" type="datetimeFigureOut">
               <a:rPr lang="fr-FR" smtClean="0"/>
-              <a:t>03/08/2021</a:t>
+              <a:t>06/08/2021</a:t>
             </a:fld>
             <a:endParaRPr lang="fr-FR"/>
           </a:p>
@@ -1625,7 +1710,7 @@
           <a:p>
             <a:fld id="{2A5595A6-4555-4F4D-AAE8-BCA86D99260A}" type="datetimeFigureOut">
               <a:rPr lang="fr-FR" smtClean="0"/>
-              <a:t>03/08/2021</a:t>
+              <a:t>06/08/2021</a:t>
             </a:fld>
             <a:endParaRPr lang="fr-FR"/>
           </a:p>
@@ -1795,7 +1880,7 @@
           <a:p>
             <a:fld id="{2A5595A6-4555-4F4D-AAE8-BCA86D99260A}" type="datetimeFigureOut">
               <a:rPr lang="fr-FR" smtClean="0"/>
-              <a:t>03/08/2021</a:t>
+              <a:t>06/08/2021</a:t>
             </a:fld>
             <a:endParaRPr lang="fr-FR"/>
           </a:p>
@@ -2041,7 +2126,7 @@
           <a:p>
             <a:fld id="{2A5595A6-4555-4F4D-AAE8-BCA86D99260A}" type="datetimeFigureOut">
               <a:rPr lang="fr-FR" smtClean="0"/>
-              <a:t>03/08/2021</a:t>
+              <a:t>06/08/2021</a:t>
             </a:fld>
             <a:endParaRPr lang="fr-FR"/>
           </a:p>
@@ -2273,7 +2358,7 @@
           <a:p>
             <a:fld id="{2A5595A6-4555-4F4D-AAE8-BCA86D99260A}" type="datetimeFigureOut">
               <a:rPr lang="fr-FR" smtClean="0"/>
-              <a:t>03/08/2021</a:t>
+              <a:t>06/08/2021</a:t>
             </a:fld>
             <a:endParaRPr lang="fr-FR"/>
           </a:p>
@@ -2640,7 +2725,7 @@
           <a:p>
             <a:fld id="{2A5595A6-4555-4F4D-AAE8-BCA86D99260A}" type="datetimeFigureOut">
               <a:rPr lang="fr-FR" smtClean="0"/>
-              <a:t>03/08/2021</a:t>
+              <a:t>06/08/2021</a:t>
             </a:fld>
             <a:endParaRPr lang="fr-FR"/>
           </a:p>
@@ -2758,7 +2843,7 @@
           <a:p>
             <a:fld id="{2A5595A6-4555-4F4D-AAE8-BCA86D99260A}" type="datetimeFigureOut">
               <a:rPr lang="fr-FR" smtClean="0"/>
-              <a:t>03/08/2021</a:t>
+              <a:t>06/08/2021</a:t>
             </a:fld>
             <a:endParaRPr lang="fr-FR"/>
           </a:p>
@@ -2853,7 +2938,7 @@
           <a:p>
             <a:fld id="{2A5595A6-4555-4F4D-AAE8-BCA86D99260A}" type="datetimeFigureOut">
               <a:rPr lang="fr-FR" smtClean="0"/>
-              <a:t>03/08/2021</a:t>
+              <a:t>06/08/2021</a:t>
             </a:fld>
             <a:endParaRPr lang="fr-FR"/>
           </a:p>
@@ -3130,7 +3215,7 @@
           <a:p>
             <a:fld id="{2A5595A6-4555-4F4D-AAE8-BCA86D99260A}" type="datetimeFigureOut">
               <a:rPr lang="fr-FR" smtClean="0"/>
-              <a:t>03/08/2021</a:t>
+              <a:t>06/08/2021</a:t>
             </a:fld>
             <a:endParaRPr lang="fr-FR"/>
           </a:p>
@@ -3383,7 +3468,7 @@
           <a:p>
             <a:fld id="{2A5595A6-4555-4F4D-AAE8-BCA86D99260A}" type="datetimeFigureOut">
               <a:rPr lang="fr-FR" smtClean="0"/>
-              <a:t>03/08/2021</a:t>
+              <a:t>06/08/2021</a:t>
             </a:fld>
             <a:endParaRPr lang="fr-FR"/>
           </a:p>
@@ -3596,7 +3681,7 @@
           <a:p>
             <a:fld id="{2A5595A6-4555-4F4D-AAE8-BCA86D99260A}" type="datetimeFigureOut">
               <a:rPr lang="fr-FR" smtClean="0"/>
-              <a:t>03/08/2021</a:t>
+              <a:t>06/08/2021</a:t>
             </a:fld>
             <a:endParaRPr lang="fr-FR"/>
           </a:p>
@@ -5549,7 +5634,7 @@
           <a:p>
             <a:r>
               <a:rPr lang="en-GB" dirty="0" smtClean="0"/>
-              <a:t>Primary Search: Algorithm 1:</a:t>
+              <a:t>Main Search: Algorithm 1:</a:t>
             </a:r>
           </a:p>
           <a:p>
@@ -7398,7 +7483,7 @@
           <a:p>
             <a:r>
               <a:rPr lang="en-GB" dirty="0" smtClean="0"/>
-              <a:t>Primary Search: Algorithm 2:</a:t>
+              <a:t>Main Search: Algorithm 2:</a:t>
             </a:r>
           </a:p>
           <a:p>
@@ -9873,6 +9958,11 @@
           <a:prstGeom prst="roundRect">
             <a:avLst/>
           </a:prstGeom>
+          <a:solidFill>
+            <a:schemeClr val="bg1">
+              <a:lumMod val="50000"/>
+            </a:schemeClr>
+          </a:solidFill>
         </p:spPr>
         <p:style>
           <a:lnRef idx="2">
@@ -9964,6 +10054,11 @@
           <a:prstGeom prst="roundRect">
             <a:avLst/>
           </a:prstGeom>
+          <a:solidFill>
+            <a:schemeClr val="bg1">
+              <a:lumMod val="50000"/>
+            </a:schemeClr>
+          </a:solidFill>
         </p:spPr>
         <p:style>
           <a:lnRef idx="2">
@@ -10459,7 +10554,9 @@
             <a:avLst/>
           </a:prstGeom>
           <a:solidFill>
-            <a:schemeClr val="accent1"/>
+            <a:schemeClr val="bg1">
+              <a:lumMod val="50000"/>
+            </a:schemeClr>
           </a:solidFill>
         </p:spPr>
         <p:style>
@@ -10513,7 +10610,9 @@
             <a:avLst/>
           </a:prstGeom>
           <a:solidFill>
-            <a:schemeClr val="accent1"/>
+            <a:schemeClr val="bg1">
+              <a:lumMod val="50000"/>
+            </a:schemeClr>
           </a:solidFill>
         </p:spPr>
         <p:style>
@@ -10563,7 +10662,9 @@
             <a:avLst/>
           </a:prstGeom>
           <a:solidFill>
-            <a:schemeClr val="accent1"/>
+            <a:schemeClr val="bg1">
+              <a:lumMod val="50000"/>
+            </a:schemeClr>
           </a:solidFill>
         </p:spPr>
         <p:style>
@@ -12576,11 +12677,11 @@
           <a:p>
             <a:r>
               <a:rPr lang="fr-FR" sz="1400" dirty="0"/>
-              <a:t>Recherche primaire </a:t>
+              <a:t>Recherche </a:t>
             </a:r>
             <a:r>
               <a:rPr lang="fr-FR" sz="1400" dirty="0" smtClean="0"/>
-              <a:t>: Algorithme </a:t>
+              <a:t>principale : Algorithme </a:t>
             </a:r>
             <a:r>
               <a:rPr lang="fr-FR" sz="1400" dirty="0"/>
@@ -14414,11 +14515,11 @@
           <a:p>
             <a:r>
               <a:rPr lang="fr-FR" sz="1400" dirty="0"/>
-              <a:t>Recherche primaire </a:t>
+              <a:t>Recherche </a:t>
             </a:r>
             <a:r>
               <a:rPr lang="fr-FR" sz="1400" dirty="0" smtClean="0"/>
-              <a:t>: Algorithme </a:t>
+              <a:t>principale : Algorithme </a:t>
             </a:r>
             <a:r>
               <a:rPr lang="fr-FR" sz="1400" dirty="0"/>
@@ -15922,6 +16023,62 @@
           </a:prstGeom>
         </p:spPr>
       </p:pic>
+      <p:sp>
+        <p:nvSpPr>
+          <p:cNvPr id="28" name="ZoneTexte 27"/>
+          <p:cNvSpPr txBox="1"/>
+          <p:nvPr/>
+        </p:nvSpPr>
+        <p:spPr>
+          <a:xfrm>
+            <a:off x="9886634" y="94586"/>
+            <a:ext cx="2305366" cy="923330"/>
+          </a:xfrm>
+          <a:prstGeom prst="rect">
+            <a:avLst/>
+          </a:prstGeom>
+          <a:noFill/>
+        </p:spPr>
+        <p:txBody>
+          <a:bodyPr wrap="square" rtlCol="0">
+            <a:spAutoFit/>
+          </a:bodyPr>
+          <a:lstStyle/>
+          <a:p>
+            <a:r>
+              <a:rPr lang="fr-FR" sz="1400" b="1" u="sng" dirty="0" smtClean="0"/>
+              <a:t>Algorithme </a:t>
+            </a:r>
+            <a:r>
+              <a:rPr lang="fr-FR" sz="1400" b="1" u="sng" dirty="0"/>
+              <a:t>1 </a:t>
+            </a:r>
+            <a:r>
+              <a:rPr lang="fr-FR" sz="1400" dirty="0" smtClean="0"/>
+              <a:t>:</a:t>
+            </a:r>
+          </a:p>
+          <a:p>
+            <a:r>
+              <a:rPr lang="fr-FR" sz="1400" dirty="0" smtClean="0"/>
+              <a:t>boucles imbriquées « For » ou « ForEach »</a:t>
+            </a:r>
+            <a:r>
+              <a:rPr lang="fr-FR" sz="1200" dirty="0" smtClean="0"/>
+              <a:t>(fonction </a:t>
+            </a:r>
+            <a:r>
+              <a:rPr lang="fr-FR" sz="1200" dirty="0"/>
+              <a:t>d'ordre supérieur</a:t>
+            </a:r>
+            <a:r>
+              <a:rPr lang="fr-FR" sz="1200" dirty="0" smtClean="0"/>
+              <a:t>).</a:t>
+            </a:r>
+            <a:endParaRPr lang="fr-FR" sz="1400" dirty="0"/>
+          </a:p>
+        </p:txBody>
+      </p:sp>
     </p:spTree>
     <p:extLst>
       <p:ext uri="{BB962C8B-B14F-4D97-AF65-F5344CB8AC3E}">
@@ -15967,7 +16124,7 @@
         </p:nvSpPr>
         <p:spPr>
           <a:xfrm>
-            <a:off x="5068019" y="188625"/>
+            <a:off x="5049533" y="94586"/>
             <a:ext cx="2121335" cy="425472"/>
           </a:xfrm>
           <a:prstGeom prst="roundRect">
@@ -16021,8 +16178,8 @@
         </p:nvSpPr>
         <p:spPr>
           <a:xfrm>
-            <a:off x="5045259" y="849865"/>
-            <a:ext cx="2160000" cy="1584000"/>
+            <a:off x="5205353" y="696729"/>
+            <a:ext cx="1809697" cy="1368000"/>
           </a:xfrm>
           <a:prstGeom prst="diamond">
             <a:avLst/>
@@ -16053,8 +16210,8 @@
           <a:p>
             <a:pPr algn="ctr"/>
             <a:r>
-              <a:rPr lang="fr-FR" sz="1050" dirty="0"/>
-              <a:t>Pour chaque recette, le mot se trouve-t-il dans le titre, la description ou les ingrédients ?</a:t>
+              <a:rPr lang="fr-FR" sz="1000" dirty="0"/>
+              <a:t>Pour chaque recette, le mot figure-t-il dans le titre ou la description ?</a:t>
             </a:r>
           </a:p>
         </p:txBody>
@@ -16067,8 +16224,8 @@
         </p:nvSpPr>
         <p:spPr>
           <a:xfrm>
-            <a:off x="7560388" y="3460887"/>
-            <a:ext cx="2120127" cy="1440000"/>
+            <a:off x="7527193" y="3941969"/>
+            <a:ext cx="2120127" cy="1404000"/>
           </a:xfrm>
           <a:prstGeom prst="diamond">
             <a:avLst/>
@@ -16099,31 +16256,36 @@
           <a:p>
             <a:pPr algn="ctr"/>
             <a:r>
-              <a:rPr lang="fr-FR" sz="1050" dirty="0"/>
+              <a:rPr lang="fr-FR" sz="1000" dirty="0"/>
               <a:t>Tags(s)</a:t>
             </a:r>
           </a:p>
           <a:p>
             <a:pPr algn="ctr"/>
             <a:r>
-              <a:rPr lang="fr-FR" sz="1050" dirty="0"/>
+              <a:rPr lang="fr-FR" sz="1000" dirty="0"/>
               <a:t>L'utilisateur </a:t>
             </a:r>
             <a:r>
-              <a:rPr lang="fr-FR" sz="1050" dirty="0" err="1"/>
+              <a:rPr lang="fr-FR" sz="1000" dirty="0" err="1"/>
               <a:t>a-t-il</a:t>
             </a:r>
             <a:r>
-              <a:rPr lang="fr-FR" sz="1050" dirty="0"/>
+              <a:rPr lang="fr-FR" sz="1000" dirty="0"/>
               <a:t> déjà choisi</a:t>
             </a:r>
           </a:p>
           <a:p>
             <a:pPr algn="ctr"/>
             <a:r>
-              <a:rPr lang="fr-FR" sz="1050" dirty="0"/>
-              <a:t>Ingrédient(s), Appareil(s) ou Ustensile(s) ?</a:t>
-            </a:r>
+              <a:rPr lang="fr-FR" sz="1000" dirty="0"/>
+              <a:t>Ingrédient(s), Appareil(s) ou Ustensile(s</a:t>
+            </a:r>
+            <a:r>
+              <a:rPr lang="fr-FR" sz="1000" dirty="0" smtClean="0"/>
+              <a:t>) ?</a:t>
+            </a:r>
+            <a:endParaRPr lang="fr-FR" sz="1000" dirty="0"/>
           </a:p>
         </p:txBody>
       </p:sp>
@@ -16135,8 +16297,8 @@
         </p:nvSpPr>
         <p:spPr>
           <a:xfrm>
-            <a:off x="5205847" y="3644722"/>
-            <a:ext cx="1836000" cy="1080000"/>
+            <a:off x="5165861" y="4186517"/>
+            <a:ext cx="1836000" cy="902151"/>
           </a:xfrm>
           <a:prstGeom prst="roundRect">
             <a:avLst/>
@@ -16162,31 +16324,20 @@
           <a:bodyPr rtlCol="0" anchor="ctr"/>
           <a:lstStyle/>
           <a:p>
-            <a:pPr lvl="0" algn="ctr"/>
-            <a:r>
-              <a:rPr lang="fr-FR" sz="1050" dirty="0">
-                <a:solidFill>
-                  <a:prstClr val="white"/>
-                </a:solidFill>
-              </a:rPr>
-              <a:t>Comparez le(s) tag(s) aux recettes RESTANTES</a:t>
-            </a:r>
-            <a:r>
-              <a:rPr lang="fr-FR" sz="1050" dirty="0" smtClean="0">
-                <a:solidFill>
-                  <a:prstClr val="white"/>
-                </a:solidFill>
-              </a:rPr>
+            <a:pPr algn="ctr"/>
+            <a:r>
+              <a:rPr lang="fr-FR" sz="1000" dirty="0"/>
+              <a:t>Comparez le(s) tag(s) aux recettes </a:t>
+            </a:r>
+            <a:r>
+              <a:rPr lang="fr-FR" sz="1000" dirty="0" smtClean="0"/>
+              <a:t>RESTANTES</a:t>
+            </a:r>
+            <a:r>
+              <a:rPr lang="fr-FR" sz="1200" dirty="0" smtClean="0"/>
               <a:t>.</a:t>
             </a:r>
-          </a:p>
-          <a:p>
-            <a:pPr lvl="0" algn="ctr"/>
-            <a:endParaRPr lang="fr-FR" sz="1200" dirty="0">
-              <a:solidFill>
-                <a:prstClr val="white"/>
-              </a:solidFill>
-            </a:endParaRPr>
+            <a:endParaRPr lang="fr-FR" sz="1200" dirty="0"/>
           </a:p>
           <a:p>
             <a:pPr algn="ctr"/>
@@ -16208,9 +16359,9 @@
           <p:nvPr/>
         </p:nvCxnSpPr>
         <p:spPr>
-          <a:xfrm flipH="1">
-            <a:off x="6125259" y="614097"/>
-            <a:ext cx="3428" cy="235768"/>
+          <a:xfrm>
+            <a:off x="6110201" y="520058"/>
+            <a:ext cx="1" cy="176671"/>
           </a:xfrm>
           <a:prstGeom prst="straightConnector1">
             <a:avLst/>
@@ -16245,7 +16396,7 @@
         </p:nvSpPr>
         <p:spPr>
           <a:xfrm>
-            <a:off x="7176129" y="3896684"/>
+            <a:off x="7122911" y="4364205"/>
             <a:ext cx="422476" cy="276999"/>
           </a:xfrm>
           <a:prstGeom prst="rect">
@@ -16276,8 +16427,8 @@
         </p:nvSpPr>
         <p:spPr>
           <a:xfrm>
-            <a:off x="7570003" y="5483190"/>
-            <a:ext cx="2114480" cy="781291"/>
+            <a:off x="7530017" y="5603271"/>
+            <a:ext cx="2114480" cy="652632"/>
           </a:xfrm>
           <a:prstGeom prst="roundRect">
             <a:avLst/>
@@ -16308,15 +16459,15 @@
           <a:p>
             <a:pPr algn="ctr"/>
             <a:r>
-              <a:rPr lang="fr-FR" sz="1050" dirty="0"/>
+              <a:rPr lang="fr-FR" sz="1000" dirty="0"/>
               <a:t>Afficher uniquement les recettes correspondant au mot </a:t>
             </a:r>
             <a:r>
-              <a:rPr lang="fr-FR" sz="1050" dirty="0" smtClean="0"/>
+              <a:rPr lang="fr-FR" sz="1000" dirty="0" smtClean="0"/>
               <a:t>saisi  </a:t>
             </a:r>
             <a:r>
-              <a:rPr lang="fr-FR" sz="1050" dirty="0"/>
+              <a:rPr lang="fr-FR" sz="1000" dirty="0"/>
               <a:t>par l'utilisateur</a:t>
             </a:r>
           </a:p>
@@ -16333,8 +16484,8 @@
         </p:nvCxnSpPr>
         <p:spPr>
           <a:xfrm>
-            <a:off x="8620452" y="4900887"/>
-            <a:ext cx="6791" cy="582303"/>
+            <a:off x="8587257" y="5345969"/>
+            <a:ext cx="0" cy="257302"/>
           </a:xfrm>
           <a:prstGeom prst="straightConnector1">
             <a:avLst/>
@@ -16369,7 +16520,7 @@
         </p:nvSpPr>
         <p:spPr>
           <a:xfrm>
-            <a:off x="2129319" y="3909059"/>
+            <a:off x="2106395" y="4354643"/>
             <a:ext cx="422476" cy="276999"/>
           </a:xfrm>
           <a:prstGeom prst="rect">
@@ -16400,8 +16551,8 @@
         </p:nvSpPr>
         <p:spPr>
           <a:xfrm>
-            <a:off x="4556844" y="1639499"/>
-            <a:ext cx="514630" cy="276999"/>
+            <a:off x="4759153" y="2575762"/>
+            <a:ext cx="522211" cy="276999"/>
           </a:xfrm>
           <a:prstGeom prst="rect">
             <a:avLst/>
@@ -16431,8 +16582,8 @@
         </p:nvSpPr>
         <p:spPr>
           <a:xfrm>
-            <a:off x="4714090" y="3907723"/>
-            <a:ext cx="515906" cy="276999"/>
+            <a:off x="4712602" y="4364205"/>
+            <a:ext cx="517167" cy="276999"/>
           </a:xfrm>
           <a:prstGeom prst="rect">
             <a:avLst/>
@@ -16462,8 +16613,8 @@
         </p:nvSpPr>
         <p:spPr>
           <a:xfrm>
-            <a:off x="2568857" y="5483190"/>
-            <a:ext cx="2114480" cy="781291"/>
+            <a:off x="2528871" y="5603271"/>
+            <a:ext cx="2114480" cy="652632"/>
           </a:xfrm>
           <a:prstGeom prst="roundRect">
             <a:avLst/>
@@ -16492,15 +16643,12 @@
           <a:bodyPr rtlCol="0" anchor="ctr"/>
           <a:lstStyle/>
           <a:p>
-            <a:pPr lvl="0" algn="ctr"/>
-            <a:r>
-              <a:rPr lang="fr-FR" sz="1050" dirty="0">
-                <a:solidFill>
-                  <a:prstClr val="white"/>
-                </a:solidFill>
-              </a:rPr>
+            <a:pPr algn="ctr"/>
+            <a:r>
+              <a:rPr lang="fr-FR" sz="1000" dirty="0" smtClean="0"/>
               <a:t>Afficher le message d'erreur "pas de recettes".</a:t>
             </a:r>
+            <a:endParaRPr lang="fr-FR" sz="1000" dirty="0"/>
           </a:p>
         </p:txBody>
       </p:sp>
@@ -16512,8 +16660,8 @@
         </p:nvSpPr>
         <p:spPr>
           <a:xfrm>
-            <a:off x="8698690" y="4874694"/>
-            <a:ext cx="519546" cy="276999"/>
+            <a:off x="8592894" y="5321933"/>
+            <a:ext cx="545168" cy="276999"/>
           </a:xfrm>
           <a:prstGeom prst="rect">
             <a:avLst/>
@@ -16543,8 +16691,8 @@
         </p:nvSpPr>
         <p:spPr>
           <a:xfrm>
-            <a:off x="5069431" y="5483189"/>
-            <a:ext cx="2114480" cy="781291"/>
+            <a:off x="5029445" y="5603270"/>
+            <a:ext cx="2114480" cy="652632"/>
           </a:xfrm>
           <a:prstGeom prst="roundRect">
             <a:avLst/>
@@ -16572,8 +16720,12 @@
           <a:p>
             <a:pPr algn="ctr"/>
             <a:r>
-              <a:rPr lang="fr-FR" sz="1050" dirty="0"/>
-              <a:t>Afficher les recettes correspondant au mot de l'utilisateur et aux tags</a:t>
+              <a:rPr lang="fr-FR" sz="1000" dirty="0"/>
+              <a:t>Afficher les recettes correspondant au mot de l'utilisateur </a:t>
+            </a:r>
+            <a:r>
+              <a:rPr lang="fr-FR" sz="1000" dirty="0" smtClean="0"/>
+              <a:t>et aux tags</a:t>
             </a:r>
           </a:p>
         </p:txBody>
@@ -16586,7 +16738,7 @@
         </p:nvSpPr>
         <p:spPr>
           <a:xfrm>
-            <a:off x="2563210" y="3485029"/>
+            <a:off x="2535232" y="3926808"/>
             <a:ext cx="2120127" cy="1440000"/>
           </a:xfrm>
           <a:prstGeom prst="diamond">
@@ -16618,31 +16770,40 @@
           <a:p>
             <a:pPr algn="ctr"/>
             <a:r>
-              <a:rPr lang="fr-FR" sz="1050" dirty="0"/>
-              <a:t>Tags(s)</a:t>
-            </a:r>
-          </a:p>
-          <a:p>
-            <a:pPr algn="ctr"/>
-            <a:r>
-              <a:rPr lang="fr-FR" sz="1050" dirty="0"/>
+              <a:rPr lang="fr-FR" sz="1000" dirty="0" smtClean="0"/>
+              <a:t>Tags(s</a:t>
+            </a:r>
+            <a:r>
+              <a:rPr lang="fr-FR" sz="1000" dirty="0"/>
+              <a:t>)</a:t>
+            </a:r>
+          </a:p>
+          <a:p>
+            <a:pPr algn="ctr"/>
+            <a:r>
+              <a:rPr lang="fr-FR" sz="1000" dirty="0"/>
               <a:t>L'utilisateur </a:t>
             </a:r>
             <a:r>
-              <a:rPr lang="fr-FR" sz="1050" dirty="0" err="1"/>
+              <a:rPr lang="fr-FR" sz="1000" dirty="0" err="1"/>
               <a:t>a-t-il</a:t>
             </a:r>
             <a:r>
-              <a:rPr lang="fr-FR" sz="1050" dirty="0"/>
+              <a:rPr lang="fr-FR" sz="1000" dirty="0"/>
               <a:t> déjà choisi</a:t>
             </a:r>
           </a:p>
           <a:p>
             <a:pPr algn="ctr"/>
             <a:r>
-              <a:rPr lang="fr-FR" sz="1050" dirty="0"/>
-              <a:t>Ingrédient(s), Appareil(s) ou Ustensile(s) ?</a:t>
-            </a:r>
+              <a:rPr lang="fr-FR" sz="1000" dirty="0"/>
+              <a:t>Ingrédient(s), Appareil(s) ou Ustensile(s</a:t>
+            </a:r>
+            <a:r>
+              <a:rPr lang="fr-FR" sz="1000" dirty="0" smtClean="0"/>
+              <a:t>) ?</a:t>
+            </a:r>
+            <a:endParaRPr lang="fr-FR" sz="1000" dirty="0"/>
           </a:p>
         </p:txBody>
       </p:sp>
@@ -16656,9 +16817,9 @@
           <p:nvPr/>
         </p:nvCxnSpPr>
         <p:spPr>
-          <a:xfrm>
-            <a:off x="3623274" y="4925029"/>
-            <a:ext cx="2823" cy="558161"/>
+          <a:xfrm flipH="1">
+            <a:off x="3586111" y="5366808"/>
+            <a:ext cx="9185" cy="236463"/>
           </a:xfrm>
           <a:prstGeom prst="straightConnector1">
             <a:avLst/>
@@ -16693,8 +16854,8 @@
         </p:nvSpPr>
         <p:spPr>
           <a:xfrm>
-            <a:off x="3630590" y="4884415"/>
-            <a:ext cx="518015" cy="276999"/>
+            <a:off x="3580726" y="5322107"/>
+            <a:ext cx="496409" cy="276999"/>
           </a:xfrm>
           <a:prstGeom prst="rect">
             <a:avLst/>
@@ -16716,6 +16877,42 @@
           </a:p>
         </p:txBody>
       </p:sp>
+      <p:cxnSp>
+        <p:nvCxnSpPr>
+          <p:cNvPr id="97" name="Connecteur droit avec flèche 96"/>
+          <p:cNvCxnSpPr>
+            <a:stCxn id="5" idx="1"/>
+            <a:endCxn id="6" idx="3"/>
+          </p:cNvCxnSpPr>
+          <p:nvPr/>
+        </p:nvCxnSpPr>
+        <p:spPr>
+          <a:xfrm flipH="1" flipV="1">
+            <a:off x="7001861" y="4637593"/>
+            <a:ext cx="525332" cy="6376"/>
+          </a:xfrm>
+          <a:prstGeom prst="straightConnector1">
+            <a:avLst/>
+          </a:prstGeom>
+          <a:ln>
+            <a:tailEnd type="triangle"/>
+          </a:ln>
+        </p:spPr>
+        <p:style>
+          <a:lnRef idx="1">
+            <a:schemeClr val="accent1"/>
+          </a:lnRef>
+          <a:fillRef idx="0">
+            <a:schemeClr val="accent1"/>
+          </a:fillRef>
+          <a:effectRef idx="0">
+            <a:schemeClr val="accent1"/>
+          </a:effectRef>
+          <a:fontRef idx="minor">
+            <a:schemeClr val="tx1"/>
+          </a:fontRef>
+        </p:style>
+      </p:cxnSp>
       <p:cxnSp>
         <p:nvCxnSpPr>
           <p:cNvPr id="101" name="Connecteur droit avec flèche 100"/>
@@ -16727,8 +16924,8 @@
         </p:nvCxnSpPr>
         <p:spPr>
           <a:xfrm>
-            <a:off x="6123847" y="4724722"/>
-            <a:ext cx="2824" cy="758467"/>
+            <a:off x="6083861" y="5088668"/>
+            <a:ext cx="2824" cy="514602"/>
           </a:xfrm>
           <a:prstGeom prst="straightConnector1">
             <a:avLst/>
@@ -16760,8 +16957,8 @@
         </p:nvSpPr>
         <p:spPr>
           <a:xfrm>
-            <a:off x="7189354" y="1640147"/>
-            <a:ext cx="422476" cy="276999"/>
+            <a:off x="6984273" y="1119154"/>
+            <a:ext cx="484066" cy="276999"/>
           </a:xfrm>
           <a:prstGeom prst="rect">
             <a:avLst/>
@@ -16791,7 +16988,7 @@
         </p:nvSpPr>
         <p:spPr>
           <a:xfrm>
-            <a:off x="6118462" y="4724722"/>
+            <a:off x="6078476" y="5187057"/>
             <a:ext cx="422476" cy="276999"/>
           </a:xfrm>
           <a:prstGeom prst="rect">
@@ -16822,12 +17019,17 @@
         </p:nvSpPr>
         <p:spPr>
           <a:xfrm>
-            <a:off x="270902" y="3665029"/>
-            <a:ext cx="1836000" cy="1080000"/>
+            <a:off x="239723" y="4189897"/>
+            <a:ext cx="1836000" cy="902151"/>
           </a:xfrm>
           <a:prstGeom prst="roundRect">
             <a:avLst/>
           </a:prstGeom>
+          <a:solidFill>
+            <a:schemeClr val="bg1">
+              <a:lumMod val="50000"/>
+            </a:schemeClr>
+          </a:solidFill>
         </p:spPr>
         <p:style>
           <a:lnRef idx="2">
@@ -16849,19 +17051,11 @@
           <a:bodyPr rtlCol="0" anchor="ctr"/>
           <a:lstStyle/>
           <a:p>
-            <a:pPr lvl="0" algn="ctr"/>
-            <a:r>
-              <a:rPr lang="fr-FR" sz="1050" dirty="0">
-                <a:solidFill>
-                  <a:prstClr val="white"/>
-                </a:solidFill>
-              </a:rPr>
+            <a:pPr algn="ctr"/>
+            <a:r>
+              <a:rPr lang="fr-FR" sz="1000" dirty="0"/>
               <a:t>Comparez le(s) tag(s) à TOUTES les recettes</a:t>
             </a:r>
-          </a:p>
-          <a:p>
-            <a:pPr algn="ctr"/>
-            <a:endParaRPr lang="en-GB" sz="1200" dirty="0" smtClean="0"/>
           </a:p>
           <a:p>
             <a:pPr algn="ctr"/>
@@ -16883,9 +17077,9 @@
           <p:nvPr/>
         </p:nvCxnSpPr>
         <p:spPr>
-          <a:xfrm flipH="1">
-            <a:off x="2106902" y="4205029"/>
-            <a:ext cx="456308" cy="0"/>
+          <a:xfrm flipH="1" flipV="1">
+            <a:off x="2075723" y="4640973"/>
+            <a:ext cx="459509" cy="5835"/>
           </a:xfrm>
           <a:prstGeom prst="straightConnector1">
             <a:avLst/>
@@ -16917,12 +17111,17 @@
         </p:nvSpPr>
         <p:spPr>
           <a:xfrm>
-            <a:off x="128970" y="5483189"/>
-            <a:ext cx="2114480" cy="781291"/>
+            <a:off x="100483" y="5603270"/>
+            <a:ext cx="2114480" cy="652632"/>
           </a:xfrm>
           <a:prstGeom prst="roundRect">
             <a:avLst/>
           </a:prstGeom>
+          <a:solidFill>
+            <a:schemeClr val="bg1">
+              <a:lumMod val="50000"/>
+            </a:schemeClr>
+          </a:solidFill>
         </p:spPr>
         <p:style>
           <a:lnRef idx="2">
@@ -16944,13 +17143,9 @@
           <a:bodyPr rtlCol="0" anchor="ctr"/>
           <a:lstStyle/>
           <a:p>
-            <a:pPr lvl="0" algn="ctr"/>
-            <a:r>
-              <a:rPr lang="fr-FR" sz="1050" dirty="0">
-                <a:solidFill>
-                  <a:prstClr val="white"/>
-                </a:solidFill>
-              </a:rPr>
+            <a:pPr algn="ctr"/>
+            <a:r>
+              <a:rPr lang="fr-FR" sz="1000" dirty="0"/>
               <a:t>Afficher uniquement les recettes correspondant au(x) tag(s)</a:t>
             </a:r>
           </a:p>
@@ -16966,14 +17161,19 @@
           <p:nvPr/>
         </p:nvCxnSpPr>
         <p:spPr>
-          <a:xfrm flipH="1">
-            <a:off x="1186210" y="4745029"/>
-            <a:ext cx="2692" cy="738160"/>
+          <a:xfrm>
+            <a:off x="1157723" y="5092048"/>
+            <a:ext cx="0" cy="511222"/>
           </a:xfrm>
           <a:prstGeom prst="straightConnector1">
             <a:avLst/>
           </a:prstGeom>
           <a:ln>
+            <a:solidFill>
+              <a:schemeClr val="bg1">
+                <a:lumMod val="50000"/>
+              </a:schemeClr>
+            </a:solidFill>
             <a:tailEnd type="triangle"/>
           </a:ln>
         </p:spPr>
@@ -16994,18 +17194,21 @@
       </p:cxnSp>
       <p:sp>
         <p:nvSpPr>
-          <p:cNvPr id="133" name="Rectangle à coins arrondis 132"/>
+          <p:cNvPr id="135" name="Rectangle à coins arrondis 134"/>
           <p:cNvSpPr/>
           <p:nvPr/>
         </p:nvSpPr>
         <p:spPr>
           <a:xfrm>
-            <a:off x="5205846" y="4229578"/>
-            <a:ext cx="1836001" cy="504000"/>
+            <a:off x="88984" y="6263413"/>
+            <a:ext cx="2114480" cy="299314"/>
           </a:xfrm>
           <a:prstGeom prst="roundRect">
             <a:avLst/>
           </a:prstGeom>
+          <a:solidFill>
+            <a:srgbClr val="00B050"/>
+          </a:solidFill>
         </p:spPr>
         <p:style>
           <a:lnRef idx="2">
@@ -17027,43 +17230,31 @@
           <a:bodyPr rtlCol="0" anchor="ctr"/>
           <a:lstStyle/>
           <a:p>
-            <a:pPr lvl="0" algn="ctr"/>
-            <a:r>
-              <a:rPr lang="fr-FR" sz="1050" dirty="0">
-                <a:solidFill>
-                  <a:prstClr val="white"/>
-                </a:solidFill>
-              </a:rPr>
-              <a:t>Comparez les tableaux : sortedrecipesLeftArray &amp;</a:t>
-            </a:r>
-          </a:p>
-          <a:p>
-            <a:pPr lvl="0" algn="ctr"/>
-            <a:r>
-              <a:rPr lang="fr-FR" sz="1050" dirty="0">
-                <a:solidFill>
-                  <a:prstClr val="white"/>
-                </a:solidFill>
-              </a:rPr>
-              <a:t>tagListArray</a:t>
-            </a:r>
-          </a:p>
-        </p:txBody>
-      </p:sp>
-      <p:sp>
-        <p:nvSpPr>
-          <p:cNvPr id="134" name="Rectangle à coins arrondis 133"/>
+            <a:pPr algn="ctr"/>
+            <a:r>
+              <a:rPr lang="fr-FR" sz="1000" dirty="0"/>
+              <a:t>Résultat dans le tableau : RecipeArray</a:t>
+            </a:r>
+          </a:p>
+        </p:txBody>
+      </p:sp>
+      <p:sp>
+        <p:nvSpPr>
+          <p:cNvPr id="136" name="Rectangle à coins arrondis 135"/>
           <p:cNvSpPr/>
           <p:nvPr/>
         </p:nvSpPr>
         <p:spPr>
           <a:xfrm>
-            <a:off x="275959" y="4259028"/>
-            <a:ext cx="1836000" cy="504000"/>
+            <a:off x="5049533" y="6260241"/>
+            <a:ext cx="2092980" cy="302485"/>
           </a:xfrm>
           <a:prstGeom prst="roundRect">
             <a:avLst/>
           </a:prstGeom>
+          <a:solidFill>
+            <a:srgbClr val="00B050"/>
+          </a:solidFill>
         </p:spPr>
         <p:style>
           <a:lnRef idx="2">
@@ -17085,43 +17276,31 @@
           <a:bodyPr rtlCol="0" anchor="ctr"/>
           <a:lstStyle/>
           <a:p>
-            <a:pPr lvl="0" algn="ctr"/>
-            <a:r>
-              <a:rPr lang="fr-FR" sz="1050" dirty="0">
-                <a:solidFill>
-                  <a:prstClr val="white"/>
-                </a:solidFill>
-              </a:rPr>
-              <a:t>Comparez les tableaux : recipes &amp;</a:t>
-            </a:r>
-          </a:p>
-          <a:p>
-            <a:pPr lvl="0" algn="ctr"/>
-            <a:r>
-              <a:rPr lang="fr-FR" sz="1050" dirty="0">
-                <a:solidFill>
-                  <a:prstClr val="white"/>
-                </a:solidFill>
-              </a:rPr>
-              <a:t>tagListArray</a:t>
-            </a:r>
-          </a:p>
-        </p:txBody>
-      </p:sp>
-      <p:sp>
-        <p:nvSpPr>
-          <p:cNvPr id="135" name="Rectangle à coins arrondis 134"/>
+            <a:pPr algn="ctr"/>
+            <a:r>
+              <a:rPr lang="fr-FR" sz="1000" dirty="0"/>
+              <a:t>Résultat dans le tableau : RecipeArray</a:t>
+            </a:r>
+          </a:p>
+        </p:txBody>
+      </p:sp>
+      <p:sp>
+        <p:nvSpPr>
+          <p:cNvPr id="137" name="Rectangle à coins arrondis 136"/>
           <p:cNvSpPr/>
           <p:nvPr/>
         </p:nvSpPr>
         <p:spPr>
           <a:xfrm>
-            <a:off x="128970" y="6264480"/>
-            <a:ext cx="2114480" cy="313138"/>
+            <a:off x="7545387" y="6260242"/>
+            <a:ext cx="2099110" cy="302484"/>
           </a:xfrm>
           <a:prstGeom prst="roundRect">
             <a:avLst/>
           </a:prstGeom>
+          <a:solidFill>
+            <a:srgbClr val="00B050"/>
+          </a:solidFill>
         </p:spPr>
         <p:style>
           <a:lnRef idx="2">
@@ -17143,32 +17322,222 @@
           <a:bodyPr rtlCol="0" anchor="ctr"/>
           <a:lstStyle/>
           <a:p>
-            <a:pPr lvl="0" algn="ctr"/>
-            <a:r>
-              <a:rPr lang="fr-FR" sz="1050" dirty="0">
-                <a:solidFill>
-                  <a:prstClr val="white"/>
-                </a:solidFill>
-              </a:rPr>
-              <a:t>Résultat dans le tableau : RecipeArray</a:t>
-            </a:r>
-          </a:p>
-        </p:txBody>
-      </p:sp>
-      <p:sp>
-        <p:nvSpPr>
-          <p:cNvPr id="136" name="Rectangle à coins arrondis 135"/>
+            <a:pPr algn="ctr"/>
+            <a:r>
+              <a:rPr lang="en-GB" sz="1000" dirty="0" smtClean="0"/>
+              <a:t>Le tableau </a:t>
+            </a:r>
+            <a:r>
+              <a:rPr lang="en-GB" sz="1000" dirty="0"/>
+              <a:t>: sortedrecipesLeftArray</a:t>
+            </a:r>
+          </a:p>
+        </p:txBody>
+      </p:sp>
+      <p:sp>
+        <p:nvSpPr>
+          <p:cNvPr id="38" name="Losange 37"/>
           <p:cNvSpPr/>
           <p:nvPr/>
         </p:nvSpPr>
         <p:spPr>
           <a:xfrm>
-            <a:off x="5071475" y="6262044"/>
-            <a:ext cx="2117880" cy="315574"/>
+            <a:off x="5205352" y="2199308"/>
+            <a:ext cx="1809698" cy="1368000"/>
+          </a:xfrm>
+          <a:prstGeom prst="diamond">
+            <a:avLst/>
+          </a:prstGeom>
+          <a:solidFill>
+            <a:schemeClr val="tx1"/>
+          </a:solidFill>
+        </p:spPr>
+        <p:style>
+          <a:lnRef idx="2">
+            <a:schemeClr val="accent1">
+              <a:shade val="50000"/>
+            </a:schemeClr>
+          </a:lnRef>
+          <a:fillRef idx="1">
+            <a:schemeClr val="accent1"/>
+          </a:fillRef>
+          <a:effectRef idx="0">
+            <a:schemeClr val="accent1"/>
+          </a:effectRef>
+          <a:fontRef idx="minor">
+            <a:schemeClr val="lt1"/>
+          </a:fontRef>
+        </p:style>
+        <p:txBody>
+          <a:bodyPr rtlCol="0" anchor="ctr"/>
+          <a:lstStyle/>
+          <a:p>
+            <a:pPr algn="ctr"/>
+            <a:r>
+              <a:rPr lang="fr-FR" sz="1000" dirty="0" smtClean="0"/>
+              <a:t>Pour chaque recette, est-ce que le mot se trouve dans les Ingrédients ?</a:t>
+            </a:r>
+            <a:endParaRPr lang="fr-FR" sz="1000" dirty="0"/>
+          </a:p>
+        </p:txBody>
+      </p:sp>
+      <p:cxnSp>
+        <p:nvCxnSpPr>
+          <p:cNvPr id="58" name="Connecteur droit avec flèche 57"/>
+          <p:cNvCxnSpPr>
+            <a:stCxn id="4" idx="2"/>
+            <a:endCxn id="38" idx="0"/>
+          </p:cNvCxnSpPr>
+          <p:nvPr/>
+        </p:nvCxnSpPr>
+        <p:spPr>
+          <a:xfrm flipH="1">
+            <a:off x="6110201" y="2064729"/>
+            <a:ext cx="1" cy="134579"/>
+          </a:xfrm>
+          <a:prstGeom prst="straightConnector1">
+            <a:avLst/>
+          </a:prstGeom>
+          <a:ln>
+            <a:solidFill>
+              <a:schemeClr val="tx1"/>
+            </a:solidFill>
+            <a:tailEnd type="triangle"/>
+          </a:ln>
+        </p:spPr>
+        <p:style>
+          <a:lnRef idx="1">
+            <a:schemeClr val="accent1"/>
+          </a:lnRef>
+          <a:fillRef idx="0">
+            <a:schemeClr val="accent1"/>
+          </a:fillRef>
+          <a:effectRef idx="0">
+            <a:schemeClr val="accent1"/>
+          </a:effectRef>
+          <a:fontRef idx="minor">
+            <a:schemeClr val="tx1"/>
+          </a:fontRef>
+        </p:style>
+      </p:cxnSp>
+      <p:sp>
+        <p:nvSpPr>
+          <p:cNvPr id="83" name="ZoneTexte 82"/>
+          <p:cNvSpPr txBox="1"/>
+          <p:nvPr/>
+        </p:nvSpPr>
+        <p:spPr>
+          <a:xfrm>
+            <a:off x="6111946" y="1958128"/>
+            <a:ext cx="499048" cy="276999"/>
+          </a:xfrm>
+          <a:prstGeom prst="rect">
+            <a:avLst/>
+          </a:prstGeom>
+          <a:noFill/>
+        </p:spPr>
+        <p:txBody>
+          <a:bodyPr wrap="square" rtlCol="0">
+            <a:spAutoFit/>
+          </a:bodyPr>
+          <a:lstStyle/>
+          <a:p>
+            <a:pPr algn="ctr"/>
+            <a:r>
+              <a:rPr lang="en-GB" sz="1200" dirty="0" smtClean="0"/>
+              <a:t>NON</a:t>
+            </a:r>
+            <a:endParaRPr lang="fr-FR" sz="1200" dirty="0"/>
+          </a:p>
+        </p:txBody>
+      </p:sp>
+      <p:cxnSp>
+        <p:nvCxnSpPr>
+          <p:cNvPr id="62" name="Connecteur droit avec flèche 61"/>
+          <p:cNvCxnSpPr>
+            <a:stCxn id="38" idx="3"/>
+            <a:endCxn id="105" idx="1"/>
+          </p:cNvCxnSpPr>
+          <p:nvPr/>
+        </p:nvCxnSpPr>
+        <p:spPr>
+          <a:xfrm>
+            <a:off x="7015050" y="2883308"/>
+            <a:ext cx="690752" cy="0"/>
+          </a:xfrm>
+          <a:prstGeom prst="straightConnector1">
+            <a:avLst/>
+          </a:prstGeom>
+          <a:ln>
+            <a:solidFill>
+              <a:schemeClr val="tx1"/>
+            </a:solidFill>
+            <a:tailEnd type="triangle"/>
+          </a:ln>
+        </p:spPr>
+        <p:style>
+          <a:lnRef idx="1">
+            <a:schemeClr val="accent1"/>
+          </a:lnRef>
+          <a:fillRef idx="0">
+            <a:schemeClr val="accent1"/>
+          </a:fillRef>
+          <a:effectRef idx="0">
+            <a:schemeClr val="accent1"/>
+          </a:effectRef>
+          <a:fontRef idx="minor">
+            <a:schemeClr val="tx1"/>
+          </a:fontRef>
+        </p:style>
+      </p:cxnSp>
+      <p:sp>
+        <p:nvSpPr>
+          <p:cNvPr id="86" name="ZoneTexte 85"/>
+          <p:cNvSpPr txBox="1"/>
+          <p:nvPr/>
+        </p:nvSpPr>
+        <p:spPr>
+          <a:xfrm>
+            <a:off x="6966668" y="2570092"/>
+            <a:ext cx="459845" cy="276999"/>
+          </a:xfrm>
+          <a:prstGeom prst="rect">
+            <a:avLst/>
+          </a:prstGeom>
+          <a:noFill/>
+        </p:spPr>
+        <p:txBody>
+          <a:bodyPr wrap="square" rtlCol="0">
+            <a:spAutoFit/>
+          </a:bodyPr>
+          <a:lstStyle/>
+          <a:p>
+            <a:pPr algn="ctr"/>
+            <a:r>
+              <a:rPr lang="en-GB" sz="1200" dirty="0" smtClean="0"/>
+              <a:t>OUI</a:t>
+            </a:r>
+            <a:endParaRPr lang="fr-FR" sz="1200" dirty="0"/>
+          </a:p>
+        </p:txBody>
+      </p:sp>
+      <p:sp>
+        <p:nvSpPr>
+          <p:cNvPr id="99" name="Rectangle à coins arrondis 98"/>
+          <p:cNvSpPr/>
+          <p:nvPr/>
+        </p:nvSpPr>
+        <p:spPr>
+          <a:xfrm>
+            <a:off x="239723" y="4669233"/>
+            <a:ext cx="1836000" cy="504000"/>
           </a:xfrm>
           <a:prstGeom prst="roundRect">
             <a:avLst/>
           </a:prstGeom>
+          <a:solidFill>
+            <a:srgbClr val="00B050"/>
+          </a:solidFill>
         </p:spPr>
         <p:style>
           <a:lnRef idx="2">
@@ -17190,32 +17559,46 @@
           <a:bodyPr rtlCol="0" anchor="ctr"/>
           <a:lstStyle/>
           <a:p>
-            <a:pPr lvl="0" algn="ctr"/>
-            <a:r>
-              <a:rPr lang="fr-FR" sz="1050" dirty="0">
-                <a:solidFill>
-                  <a:prstClr val="white"/>
-                </a:solidFill>
-              </a:rPr>
-              <a:t>Résultat dans le tableau : RecipeArray</a:t>
-            </a:r>
-          </a:p>
-        </p:txBody>
-      </p:sp>
-      <p:sp>
-        <p:nvSpPr>
-          <p:cNvPr id="137" name="Rectangle à coins arrondis 136"/>
+            <a:pPr algn="ctr"/>
+            <a:r>
+              <a:rPr lang="fr-FR" sz="1000" dirty="0"/>
+              <a:t>Comparez les tableaux : </a:t>
+            </a:r>
+            <a:r>
+              <a:rPr lang="fr-FR" sz="1000" dirty="0" smtClean="0"/>
+              <a:t>recipes </a:t>
+            </a:r>
+            <a:r>
+              <a:rPr lang="fr-FR" sz="1000" dirty="0"/>
+              <a:t>&amp;</a:t>
+            </a:r>
+          </a:p>
+          <a:p>
+            <a:pPr algn="ctr"/>
+            <a:r>
+              <a:rPr lang="fr-FR" sz="1000" dirty="0"/>
+              <a:t>tagListArray</a:t>
+            </a:r>
+          </a:p>
+        </p:txBody>
+      </p:sp>
+      <p:sp>
+        <p:nvSpPr>
+          <p:cNvPr id="100" name="Rectangle à coins arrondis 99"/>
           <p:cNvSpPr/>
           <p:nvPr/>
         </p:nvSpPr>
         <p:spPr>
           <a:xfrm>
-            <a:off x="7564357" y="6262044"/>
-            <a:ext cx="2120126" cy="315574"/>
+            <a:off x="5164842" y="4669233"/>
+            <a:ext cx="1836001" cy="504000"/>
           </a:xfrm>
           <a:prstGeom prst="roundRect">
             <a:avLst/>
           </a:prstGeom>
+          <a:solidFill>
+            <a:srgbClr val="00B050"/>
+          </a:solidFill>
         </p:spPr>
         <p:style>
           <a:lnRef idx="2">
@@ -17239,21 +17622,84 @@
           <a:p>
             <a:pPr algn="ctr"/>
             <a:r>
-              <a:rPr lang="en-GB" sz="1050" dirty="0"/>
-              <a:t>Le tableau : sortedrecipesLeftArray</a:t>
-            </a:r>
-          </a:p>
-        </p:txBody>
-      </p:sp>
-      <p:sp>
-        <p:nvSpPr>
-          <p:cNvPr id="141" name="Rectangle à coins arrondis 140"/>
+              <a:rPr lang="fr-FR" sz="1050" dirty="0"/>
+              <a:t>Comparez les tableaux : sortedrecipesLeftArray &amp;</a:t>
+            </a:r>
+          </a:p>
+          <a:p>
+            <a:pPr algn="ctr"/>
+            <a:r>
+              <a:rPr lang="fr-FR" sz="1050" dirty="0"/>
+              <a:t>tagListArray</a:t>
+            </a:r>
+          </a:p>
+        </p:txBody>
+      </p:sp>
+      <p:sp>
+        <p:nvSpPr>
+          <p:cNvPr id="104" name="ZoneTexte 103"/>
+          <p:cNvSpPr txBox="1"/>
+          <p:nvPr/>
+        </p:nvSpPr>
+        <p:spPr>
+          <a:xfrm>
+            <a:off x="10034160" y="94586"/>
+            <a:ext cx="2157840" cy="923330"/>
+          </a:xfrm>
+          <a:prstGeom prst="rect">
+            <a:avLst/>
+          </a:prstGeom>
+          <a:noFill/>
+        </p:spPr>
+        <p:txBody>
+          <a:bodyPr wrap="square" rtlCol="0">
+            <a:spAutoFit/>
+          </a:bodyPr>
+          <a:lstStyle/>
+          <a:p>
+            <a:r>
+              <a:rPr lang="fr-FR" sz="1400" b="1" u="sng" dirty="0" smtClean="0"/>
+              <a:t>Algorithme </a:t>
+            </a:r>
+            <a:r>
+              <a:rPr lang="fr-FR" sz="1400" b="1" u="sng" dirty="0"/>
+              <a:t>1 </a:t>
+            </a:r>
+            <a:r>
+              <a:rPr lang="fr-FR" sz="1400" dirty="0" smtClean="0"/>
+              <a:t>:</a:t>
+            </a:r>
+          </a:p>
+          <a:p>
+            <a:r>
+              <a:rPr lang="fr-FR" sz="1400" dirty="0" smtClean="0"/>
+              <a:t>boucles imbriquées « For » ou « ForEach »</a:t>
+            </a:r>
+            <a:r>
+              <a:rPr lang="fr-FR" sz="1200" dirty="0" smtClean="0"/>
+              <a:t>(fonction </a:t>
+            </a:r>
+            <a:r>
+              <a:rPr lang="fr-FR" sz="1200" dirty="0"/>
+              <a:t>d'ordre supérieur</a:t>
+            </a:r>
+            <a:r>
+              <a:rPr lang="fr-FR" sz="1200" dirty="0" smtClean="0"/>
+              <a:t>).</a:t>
+            </a:r>
+            <a:endParaRPr lang="fr-FR" sz="1400" dirty="0"/>
+          </a:p>
+        </p:txBody>
+      </p:sp>
+      <p:sp>
+        <p:nvSpPr>
+          <p:cNvPr id="105" name="Rectangle à coins arrondis 104"/>
           <p:cNvSpPr/>
           <p:nvPr/>
         </p:nvSpPr>
         <p:spPr>
           <a:xfrm>
-            <a:off x="7730570" y="1193406"/>
+            <a:off x="7705802" y="2437215"/>
             <a:ext cx="1778280" cy="892186"/>
           </a:xfrm>
           <a:prstGeom prst="roundRect">
@@ -17285,89 +17731,115 @@
           <a:p>
             <a:pPr algn="ctr"/>
             <a:r>
-              <a:rPr lang="fr-FR" sz="1050" dirty="0"/>
-              <a:t>« Push » la recette correspondante dans le tableau </a:t>
-            </a:r>
-            <a:r>
-              <a:rPr lang="fr-FR" sz="1050" dirty="0" err="1"/>
+              <a:rPr lang="fr-FR" sz="1000" dirty="0" smtClean="0"/>
+              <a:t>« Push » </a:t>
+            </a:r>
+            <a:r>
+              <a:rPr lang="fr-FR" sz="1000" dirty="0"/>
+              <a:t>la recette correspondante dans le tableau </a:t>
+            </a:r>
+            <a:r>
+              <a:rPr lang="fr-FR" sz="1000" dirty="0" err="1" smtClean="0"/>
               <a:t>sortedrecipesLeftArray</a:t>
             </a:r>
             <a:r>
-              <a:rPr lang="fr-FR" sz="1050" dirty="0"/>
+              <a:rPr lang="fr-FR" sz="1000" dirty="0" smtClean="0"/>
               <a:t> </a:t>
             </a:r>
-          </a:p>
-        </p:txBody>
-      </p:sp>
-      <p:sp>
-        <p:nvSpPr>
-          <p:cNvPr id="41" name="ZoneTexte 40"/>
-          <p:cNvSpPr txBox="1"/>
-          <p:nvPr/>
-        </p:nvSpPr>
-        <p:spPr>
-          <a:xfrm>
-            <a:off x="9799255" y="1646242"/>
-            <a:ext cx="2327396" cy="1785104"/>
-          </a:xfrm>
-          <a:prstGeom prst="rect">
-            <a:avLst/>
-          </a:prstGeom>
-          <a:noFill/>
-        </p:spPr>
-        <p:txBody>
-          <a:bodyPr wrap="square" rtlCol="0">
-            <a:spAutoFit/>
-          </a:bodyPr>
-          <a:lstStyle/>
-          <a:p>
-            <a:pPr algn="just"/>
-            <a:r>
-              <a:rPr lang="fr-FR" sz="1000" b="1" u="sng" dirty="0"/>
-              <a:t>Remarque </a:t>
-            </a:r>
-            <a:r>
-              <a:rPr lang="fr-FR" sz="1000" dirty="0"/>
-              <a:t>: Pour augmenter les chances de réussite de la recherche, le ou les mots saisis par l'utilisateur et les données de la recette sont « nettoyés » avant la recherche. (c'est-à-dire que tous les accents sont supprimés et que le texte est passé en minuscule</a:t>
-            </a:r>
-            <a:r>
-              <a:rPr lang="fr-FR" sz="1000" dirty="0" smtClean="0"/>
-              <a:t>).</a:t>
-            </a:r>
-          </a:p>
-          <a:p>
-            <a:pPr algn="just"/>
-            <a:endParaRPr lang="en-GB" sz="1000" dirty="0"/>
-          </a:p>
-          <a:p>
-            <a:pPr algn="just"/>
-            <a:r>
-              <a:rPr lang="fr-FR" sz="1000" dirty="0" smtClean="0"/>
-              <a:t>Les </a:t>
-            </a:r>
-            <a:r>
-              <a:rPr lang="fr-FR" sz="1000" dirty="0"/>
-              <a:t>cases marquées en noir représentent l'algorithme de recherche primaire..</a:t>
-            </a:r>
-          </a:p>
-          <a:p>
-            <a:pPr algn="just"/>
             <a:endParaRPr lang="fr-FR" sz="1000" dirty="0"/>
           </a:p>
         </p:txBody>
       </p:sp>
-      <p:sp>
-        <p:nvSpPr>
-          <p:cNvPr id="40" name="Losange 39"/>
+      <p:cxnSp>
+        <p:nvCxnSpPr>
+          <p:cNvPr id="84" name="Connecteur en angle 83"/>
+          <p:cNvCxnSpPr>
+            <a:stCxn id="4" idx="3"/>
+            <a:endCxn id="105" idx="0"/>
+          </p:cNvCxnSpPr>
+          <p:nvPr/>
+        </p:nvCxnSpPr>
+        <p:spPr>
+          <a:xfrm>
+            <a:off x="7015050" y="1380729"/>
+            <a:ext cx="1579892" cy="1056486"/>
+          </a:xfrm>
+          <a:prstGeom prst="bentConnector2">
+            <a:avLst/>
+          </a:prstGeom>
+          <a:ln>
+            <a:solidFill>
+              <a:schemeClr val="tx1"/>
+            </a:solidFill>
+            <a:tailEnd type="triangle"/>
+          </a:ln>
+        </p:spPr>
+        <p:style>
+          <a:lnRef idx="1">
+            <a:schemeClr val="accent1"/>
+          </a:lnRef>
+          <a:fillRef idx="0">
+            <a:schemeClr val="accent1"/>
+          </a:fillRef>
+          <a:effectRef idx="0">
+            <a:schemeClr val="accent1"/>
+          </a:effectRef>
+          <a:fontRef idx="minor">
+            <a:schemeClr val="tx1"/>
+          </a:fontRef>
+        </p:style>
+      </p:cxnSp>
+      <p:cxnSp>
+        <p:nvCxnSpPr>
+          <p:cNvPr id="88" name="Connecteur droit avec flèche 87"/>
+          <p:cNvCxnSpPr>
+            <a:stCxn id="105" idx="2"/>
+            <a:endCxn id="5" idx="0"/>
+          </p:cNvCxnSpPr>
+          <p:nvPr/>
+        </p:nvCxnSpPr>
+        <p:spPr>
+          <a:xfrm flipH="1">
+            <a:off x="8587257" y="3329401"/>
+            <a:ext cx="7685" cy="612568"/>
+          </a:xfrm>
+          <a:prstGeom prst="straightConnector1">
+            <a:avLst/>
+          </a:prstGeom>
+          <a:ln>
+            <a:solidFill>
+              <a:schemeClr val="tx1"/>
+            </a:solidFill>
+            <a:tailEnd type="triangle"/>
+          </a:ln>
+        </p:spPr>
+        <p:style>
+          <a:lnRef idx="1">
+            <a:schemeClr val="accent1"/>
+          </a:lnRef>
+          <a:fillRef idx="0">
+            <a:schemeClr val="accent1"/>
+          </a:fillRef>
+          <a:effectRef idx="0">
+            <a:schemeClr val="accent1"/>
+          </a:effectRef>
+          <a:fontRef idx="minor">
+            <a:schemeClr val="tx1"/>
+          </a:fontRef>
+        </p:style>
+      </p:cxnSp>
+      <p:sp>
+        <p:nvSpPr>
+          <p:cNvPr id="76" name="Rectangle à coins arrondis 75"/>
           <p:cNvSpPr/>
           <p:nvPr/>
         </p:nvSpPr>
         <p:spPr>
           <a:xfrm>
-            <a:off x="128970" y="1879942"/>
-            <a:ext cx="2120127" cy="1399386"/>
-          </a:xfrm>
-          <a:prstGeom prst="diamond">
+            <a:off x="2707896" y="2433516"/>
+            <a:ext cx="1778280" cy="892186"/>
+          </a:xfrm>
+          <a:prstGeom prst="roundRect">
             <a:avLst/>
           </a:prstGeom>
           <a:solidFill>
@@ -17397,443 +17869,6 @@
             <a:pPr algn="ctr"/>
             <a:r>
               <a:rPr lang="fr-FR" sz="1050" dirty="0"/>
-              <a:t>Y a-t-il des recettes dans le </a:t>
-            </a:r>
-            <a:r>
-              <a:rPr lang="fr-FR" sz="1050" dirty="0" smtClean="0"/>
-              <a:t>tableau </a:t>
-            </a:r>
-            <a:r>
-              <a:rPr lang="fr-FR" sz="1200" dirty="0"/>
-              <a:t>sortedrecipesLeftArray </a:t>
-            </a:r>
-          </a:p>
-        </p:txBody>
-      </p:sp>
-      <p:cxnSp>
-        <p:nvCxnSpPr>
-          <p:cNvPr id="13" name="Connecteur en angle 12"/>
-          <p:cNvCxnSpPr>
-            <a:stCxn id="40" idx="3"/>
-            <a:endCxn id="6" idx="0"/>
-          </p:cNvCxnSpPr>
-          <p:nvPr/>
-        </p:nvCxnSpPr>
-        <p:spPr>
-          <a:xfrm>
-            <a:off x="2249097" y="2579635"/>
-            <a:ext cx="3874750" cy="1065087"/>
-          </a:xfrm>
-          <a:prstGeom prst="bentConnector2">
-            <a:avLst/>
-          </a:prstGeom>
-          <a:ln>
-            <a:prstDash val="lgDash"/>
-            <a:tailEnd type="triangle"/>
-          </a:ln>
-        </p:spPr>
-        <p:style>
-          <a:lnRef idx="1">
-            <a:schemeClr val="accent1"/>
-          </a:lnRef>
-          <a:fillRef idx="0">
-            <a:schemeClr val="accent1"/>
-          </a:fillRef>
-          <a:effectRef idx="0">
-            <a:schemeClr val="accent1"/>
-          </a:effectRef>
-          <a:fontRef idx="minor">
-            <a:schemeClr val="tx1"/>
-          </a:fontRef>
-        </p:style>
-      </p:cxnSp>
-      <p:cxnSp>
-        <p:nvCxnSpPr>
-          <p:cNvPr id="17" name="Connecteur droit avec flèche 16"/>
-          <p:cNvCxnSpPr>
-            <a:stCxn id="40" idx="2"/>
-            <a:endCxn id="119" idx="0"/>
-          </p:cNvCxnSpPr>
-          <p:nvPr/>
-        </p:nvCxnSpPr>
-        <p:spPr>
-          <a:xfrm flipH="1">
-            <a:off x="1188902" y="3279328"/>
-            <a:ext cx="132" cy="385701"/>
-          </a:xfrm>
-          <a:prstGeom prst="straightConnector1">
-            <a:avLst/>
-          </a:prstGeom>
-          <a:ln>
-            <a:tailEnd type="triangle"/>
-          </a:ln>
-        </p:spPr>
-        <p:style>
-          <a:lnRef idx="1">
-            <a:schemeClr val="accent1"/>
-          </a:lnRef>
-          <a:fillRef idx="0">
-            <a:schemeClr val="accent1"/>
-          </a:fillRef>
-          <a:effectRef idx="0">
-            <a:schemeClr val="accent1"/>
-          </a:effectRef>
-          <a:fontRef idx="minor">
-            <a:schemeClr val="tx1"/>
-          </a:fontRef>
-        </p:style>
-      </p:cxnSp>
-      <p:sp>
-        <p:nvSpPr>
-          <p:cNvPr id="57" name="ZoneTexte 56"/>
-          <p:cNvSpPr txBox="1"/>
-          <p:nvPr/>
-        </p:nvSpPr>
-        <p:spPr>
-          <a:xfrm>
-            <a:off x="1186209" y="3276542"/>
-            <a:ext cx="514630" cy="276999"/>
-          </a:xfrm>
-          <a:prstGeom prst="rect">
-            <a:avLst/>
-          </a:prstGeom>
-          <a:noFill/>
-        </p:spPr>
-        <p:txBody>
-          <a:bodyPr wrap="square" rtlCol="0">
-            <a:spAutoFit/>
-          </a:bodyPr>
-          <a:lstStyle/>
-          <a:p>
-            <a:pPr algn="ctr"/>
-            <a:r>
-              <a:rPr lang="en-GB" sz="1200" dirty="0" smtClean="0"/>
-              <a:t>NON</a:t>
-            </a:r>
-            <a:endParaRPr lang="fr-FR" sz="1200" dirty="0"/>
-          </a:p>
-        </p:txBody>
-      </p:sp>
-      <p:sp>
-        <p:nvSpPr>
-          <p:cNvPr id="58" name="ZoneTexte 57"/>
-          <p:cNvSpPr txBox="1"/>
-          <p:nvPr/>
-        </p:nvSpPr>
-        <p:spPr>
-          <a:xfrm>
-            <a:off x="2294569" y="2580517"/>
-            <a:ext cx="422476" cy="276999"/>
-          </a:xfrm>
-          <a:prstGeom prst="rect">
-            <a:avLst/>
-          </a:prstGeom>
-          <a:noFill/>
-        </p:spPr>
-        <p:txBody>
-          <a:bodyPr wrap="square" rtlCol="0">
-            <a:spAutoFit/>
-          </a:bodyPr>
-          <a:lstStyle/>
-          <a:p>
-            <a:pPr algn="ctr"/>
-            <a:r>
-              <a:rPr lang="en-GB" sz="1200" dirty="0" smtClean="0"/>
-              <a:t>OUI</a:t>
-            </a:r>
-            <a:endParaRPr lang="fr-FR" sz="1200" dirty="0"/>
-          </a:p>
-        </p:txBody>
-      </p:sp>
-      <p:sp>
-        <p:nvSpPr>
-          <p:cNvPr id="59" name="Rectangle à coins arrondis 58"/>
-          <p:cNvSpPr/>
-          <p:nvPr/>
-        </p:nvSpPr>
-        <p:spPr>
-          <a:xfrm>
-            <a:off x="133292" y="1020638"/>
-            <a:ext cx="2121335" cy="580970"/>
-          </a:xfrm>
-          <a:prstGeom prst="roundRect">
-            <a:avLst/>
-          </a:prstGeom>
-          <a:solidFill>
-            <a:schemeClr val="accent1"/>
-          </a:solidFill>
-        </p:spPr>
-        <p:style>
-          <a:lnRef idx="2">
-            <a:schemeClr val="accent1">
-              <a:shade val="50000"/>
-            </a:schemeClr>
-          </a:lnRef>
-          <a:fillRef idx="1">
-            <a:schemeClr val="accent1"/>
-          </a:fillRef>
-          <a:effectRef idx="0">
-            <a:schemeClr val="accent1"/>
-          </a:effectRef>
-          <a:fontRef idx="minor">
-            <a:schemeClr val="lt1"/>
-          </a:fontRef>
-        </p:style>
-        <p:txBody>
-          <a:bodyPr rtlCol="0" anchor="ctr"/>
-          <a:lstStyle/>
-          <a:p>
-            <a:pPr algn="ctr"/>
-            <a:r>
-              <a:rPr lang="en-GB" sz="1050" dirty="0"/>
-              <a:t>Push/splice </a:t>
-            </a:r>
-            <a:r>
-              <a:rPr lang="en-GB" sz="1050" dirty="0" smtClean="0"/>
-              <a:t>vers/depuis </a:t>
-            </a:r>
-            <a:r>
-              <a:rPr lang="en-GB" sz="1050" dirty="0"/>
-              <a:t>le </a:t>
-            </a:r>
-            <a:r>
-              <a:rPr lang="en-GB" sz="1050" dirty="0" smtClean="0"/>
-              <a:t>tableau </a:t>
-            </a:r>
-            <a:r>
-              <a:rPr lang="en-GB" sz="1050" dirty="0" err="1" smtClean="0"/>
-              <a:t>tagListArray</a:t>
-            </a:r>
-            <a:r>
-              <a:rPr lang="en-GB" sz="1050" dirty="0" smtClean="0"/>
-              <a:t> </a:t>
-            </a:r>
-            <a:endParaRPr lang="fr-FR" sz="1050" dirty="0" smtClean="0"/>
-          </a:p>
-        </p:txBody>
-      </p:sp>
-      <p:cxnSp>
-        <p:nvCxnSpPr>
-          <p:cNvPr id="21" name="Connecteur droit avec flèche 20"/>
-          <p:cNvCxnSpPr>
-            <a:stCxn id="59" idx="2"/>
-            <a:endCxn id="40" idx="0"/>
-          </p:cNvCxnSpPr>
-          <p:nvPr/>
-        </p:nvCxnSpPr>
-        <p:spPr>
-          <a:xfrm flipH="1">
-            <a:off x="1189034" y="1601608"/>
-            <a:ext cx="4926" cy="278334"/>
-          </a:xfrm>
-          <a:prstGeom prst="straightConnector1">
-            <a:avLst/>
-          </a:prstGeom>
-          <a:ln>
-            <a:tailEnd type="triangle"/>
-          </a:ln>
-        </p:spPr>
-        <p:style>
-          <a:lnRef idx="1">
-            <a:schemeClr val="accent1"/>
-          </a:lnRef>
-          <a:fillRef idx="0">
-            <a:schemeClr val="accent1"/>
-          </a:fillRef>
-          <a:effectRef idx="0">
-            <a:schemeClr val="accent1"/>
-          </a:effectRef>
-          <a:fontRef idx="minor">
-            <a:schemeClr val="tx1"/>
-          </a:fontRef>
-        </p:style>
-      </p:cxnSp>
-      <p:sp>
-        <p:nvSpPr>
-          <p:cNvPr id="62" name="Rectangle à coins arrondis 61"/>
-          <p:cNvSpPr/>
-          <p:nvPr/>
-        </p:nvSpPr>
-        <p:spPr>
-          <a:xfrm>
-            <a:off x="133292" y="210164"/>
-            <a:ext cx="2121335" cy="580970"/>
-          </a:xfrm>
-          <a:prstGeom prst="roundRect">
-            <a:avLst/>
-          </a:prstGeom>
-          <a:solidFill>
-            <a:schemeClr val="accent1"/>
-          </a:solidFill>
-        </p:spPr>
-        <p:style>
-          <a:lnRef idx="2">
-            <a:schemeClr val="accent1">
-              <a:shade val="50000"/>
-            </a:schemeClr>
-          </a:lnRef>
-          <a:fillRef idx="1">
-            <a:schemeClr val="accent1"/>
-          </a:fillRef>
-          <a:effectRef idx="0">
-            <a:schemeClr val="accent1"/>
-          </a:effectRef>
-          <a:fontRef idx="minor">
-            <a:schemeClr val="lt1"/>
-          </a:fontRef>
-        </p:style>
-        <p:txBody>
-          <a:bodyPr rtlCol="0" anchor="ctr"/>
-          <a:lstStyle/>
-          <a:p>
-            <a:pPr algn="ctr"/>
-            <a:r>
-              <a:rPr lang="fr-FR" sz="1050" dirty="0"/>
-              <a:t>L'utilisateur </a:t>
-            </a:r>
-            <a:r>
-              <a:rPr lang="fr-FR" sz="1050" dirty="0" smtClean="0"/>
-              <a:t>ajoute/supprime</a:t>
-            </a:r>
-          </a:p>
-          <a:p>
-            <a:pPr algn="ctr"/>
-            <a:r>
-              <a:rPr lang="fr-FR" sz="1050" dirty="0" smtClean="0"/>
-              <a:t>un tag</a:t>
-            </a:r>
-            <a:endParaRPr lang="fr-FR" sz="1050" dirty="0"/>
-          </a:p>
-          <a:p>
-            <a:pPr algn="ctr"/>
-            <a:r>
-              <a:rPr lang="fr-FR" sz="1050" dirty="0"/>
-              <a:t>(ingrédient, appareil ou ustensile)</a:t>
-            </a:r>
-          </a:p>
-        </p:txBody>
-      </p:sp>
-      <p:cxnSp>
-        <p:nvCxnSpPr>
-          <p:cNvPr id="23" name="Connecteur droit avec flèche 22"/>
-          <p:cNvCxnSpPr>
-            <a:stCxn id="62" idx="2"/>
-            <a:endCxn id="59" idx="0"/>
-          </p:cNvCxnSpPr>
-          <p:nvPr/>
-        </p:nvCxnSpPr>
-        <p:spPr>
-          <a:xfrm>
-            <a:off x="1193960" y="791134"/>
-            <a:ext cx="0" cy="229504"/>
-          </a:xfrm>
-          <a:prstGeom prst="straightConnector1">
-            <a:avLst/>
-          </a:prstGeom>
-          <a:ln>
-            <a:tailEnd type="triangle"/>
-          </a:ln>
-        </p:spPr>
-        <p:style>
-          <a:lnRef idx="1">
-            <a:schemeClr val="accent1"/>
-          </a:lnRef>
-          <a:fillRef idx="0">
-            <a:schemeClr val="accent1"/>
-          </a:fillRef>
-          <a:effectRef idx="0">
-            <a:schemeClr val="accent1"/>
-          </a:effectRef>
-          <a:fontRef idx="minor">
-            <a:schemeClr val="tx1"/>
-          </a:fontRef>
-        </p:style>
-      </p:cxnSp>
-      <p:sp>
-        <p:nvSpPr>
-          <p:cNvPr id="65" name="ZoneTexte 64"/>
-          <p:cNvSpPr txBox="1"/>
-          <p:nvPr/>
-        </p:nvSpPr>
-        <p:spPr>
-          <a:xfrm>
-            <a:off x="9931394" y="901251"/>
-            <a:ext cx="2195257" cy="553998"/>
-          </a:xfrm>
-          <a:prstGeom prst="rect">
-            <a:avLst/>
-          </a:prstGeom>
-          <a:noFill/>
-        </p:spPr>
-        <p:txBody>
-          <a:bodyPr wrap="square" rtlCol="0">
-            <a:spAutoFit/>
-          </a:bodyPr>
-          <a:lstStyle/>
-          <a:p>
-            <a:r>
-              <a:rPr lang="fr-FR" dirty="0" smtClean="0"/>
-              <a:t>Le </a:t>
-            </a:r>
-            <a:r>
-              <a:rPr lang="fr-FR" dirty="0"/>
-              <a:t>modèle complet </a:t>
-            </a:r>
-            <a:endParaRPr lang="fr-FR" dirty="0" smtClean="0"/>
-          </a:p>
-          <a:p>
-            <a:r>
-              <a:rPr lang="fr-FR" sz="1200" dirty="0" smtClean="0"/>
-              <a:t>(</a:t>
-            </a:r>
-            <a:r>
-              <a:rPr lang="fr-FR" sz="1200" dirty="0"/>
-              <a:t>en utilisant l'algorithme 2)</a:t>
-            </a:r>
-          </a:p>
-        </p:txBody>
-      </p:sp>
-      <p:sp>
-        <p:nvSpPr>
-          <p:cNvPr id="64" name="Rectangle à coins arrondis 63"/>
-          <p:cNvSpPr/>
-          <p:nvPr/>
-        </p:nvSpPr>
-        <p:spPr>
-          <a:xfrm>
-            <a:off x="2737757" y="1200149"/>
-            <a:ext cx="1778280" cy="892186"/>
-          </a:xfrm>
-          <a:prstGeom prst="roundRect">
-            <a:avLst/>
-          </a:prstGeom>
-          <a:solidFill>
-            <a:schemeClr val="accent1"/>
-          </a:solidFill>
-        </p:spPr>
-        <p:style>
-          <a:lnRef idx="2">
-            <a:schemeClr val="accent1">
-              <a:shade val="50000"/>
-            </a:schemeClr>
-          </a:lnRef>
-          <a:fillRef idx="1">
-            <a:schemeClr val="accent1"/>
-          </a:fillRef>
-          <a:effectRef idx="0">
-            <a:schemeClr val="accent1"/>
-          </a:effectRef>
-          <a:fontRef idx="minor">
-            <a:schemeClr val="lt1"/>
-          </a:fontRef>
-        </p:style>
-        <p:txBody>
-          <a:bodyPr rtlCol="0" anchor="ctr"/>
-          <a:lstStyle/>
-          <a:p>
-            <a:pPr algn="ctr"/>
-            <a:r>
-              <a:rPr lang="fr-FR" sz="1050" dirty="0"/>
               <a:t>S'il n'y a pas de recettes qui correspondent au mot d'entrée</a:t>
             </a:r>
           </a:p>
@@ -17841,7 +17876,7 @@
       </p:sp>
       <p:pic>
         <p:nvPicPr>
-          <p:cNvPr id="66" name="Image 65"/>
+          <p:cNvPr id="77" name="Image 76"/>
           <p:cNvPicPr>
             <a:picLocks noChangeAspect="1"/>
           </p:cNvPicPr>
@@ -17861,14 +17896,2729 @@
         </p:blipFill>
         <p:spPr>
           <a:xfrm>
-            <a:off x="9931394" y="88750"/>
-            <a:ext cx="2125307" cy="737513"/>
+            <a:off x="10828964" y="6164996"/>
+            <a:ext cx="1146147" cy="397730"/>
           </a:xfrm>
           <a:prstGeom prst="rect">
             <a:avLst/>
           </a:prstGeom>
         </p:spPr>
       </p:pic>
+      <p:cxnSp>
+        <p:nvCxnSpPr>
+          <p:cNvPr id="7" name="Connecteur droit avec flèche 6"/>
+          <p:cNvCxnSpPr>
+            <a:stCxn id="38" idx="1"/>
+            <a:endCxn id="76" idx="3"/>
+          </p:cNvCxnSpPr>
+          <p:nvPr/>
+        </p:nvCxnSpPr>
+        <p:spPr>
+          <a:xfrm flipH="1" flipV="1">
+            <a:off x="4486176" y="2879609"/>
+            <a:ext cx="719176" cy="3699"/>
+          </a:xfrm>
+          <a:prstGeom prst="straightConnector1">
+            <a:avLst/>
+          </a:prstGeom>
+          <a:ln>
+            <a:tailEnd type="triangle"/>
+          </a:ln>
+        </p:spPr>
+        <p:style>
+          <a:lnRef idx="1">
+            <a:schemeClr val="accent1"/>
+          </a:lnRef>
+          <a:fillRef idx="0">
+            <a:schemeClr val="accent1"/>
+          </a:fillRef>
+          <a:effectRef idx="0">
+            <a:schemeClr val="accent1"/>
+          </a:effectRef>
+          <a:fontRef idx="minor">
+            <a:schemeClr val="tx1"/>
+          </a:fontRef>
+        </p:style>
+      </p:cxnSp>
+      <p:cxnSp>
+        <p:nvCxnSpPr>
+          <p:cNvPr id="9" name="Connecteur droit avec flèche 8"/>
+          <p:cNvCxnSpPr>
+            <a:stCxn id="76" idx="2"/>
+            <a:endCxn id="70" idx="0"/>
+          </p:cNvCxnSpPr>
+          <p:nvPr/>
+        </p:nvCxnSpPr>
+        <p:spPr>
+          <a:xfrm flipH="1">
+            <a:off x="3595296" y="3325702"/>
+            <a:ext cx="1740" cy="601106"/>
+          </a:xfrm>
+          <a:prstGeom prst="straightConnector1">
+            <a:avLst/>
+          </a:prstGeom>
+          <a:ln>
+            <a:tailEnd type="triangle"/>
+          </a:ln>
+        </p:spPr>
+        <p:style>
+          <a:lnRef idx="1">
+            <a:schemeClr val="accent1"/>
+          </a:lnRef>
+          <a:fillRef idx="0">
+            <a:schemeClr val="accent1"/>
+          </a:fillRef>
+          <a:effectRef idx="0">
+            <a:schemeClr val="accent1"/>
+          </a:effectRef>
+          <a:fontRef idx="minor">
+            <a:schemeClr val="tx1"/>
+          </a:fontRef>
+        </p:style>
+      </p:cxnSp>
+      <p:cxnSp>
+        <p:nvCxnSpPr>
+          <p:cNvPr id="13" name="Connecteur en angle 12"/>
+          <p:cNvCxnSpPr>
+            <a:stCxn id="6" idx="1"/>
+            <a:endCxn id="61" idx="3"/>
+          </p:cNvCxnSpPr>
+          <p:nvPr/>
+        </p:nvCxnSpPr>
+        <p:spPr>
+          <a:xfrm rot="10800000" flipV="1">
+            <a:off x="4643351" y="4637593"/>
+            <a:ext cx="522510" cy="1291994"/>
+          </a:xfrm>
+          <a:prstGeom prst="bentConnector3">
+            <a:avLst/>
+          </a:prstGeom>
+          <a:ln>
+            <a:tailEnd type="triangle"/>
+          </a:ln>
+        </p:spPr>
+        <p:style>
+          <a:lnRef idx="1">
+            <a:schemeClr val="accent1"/>
+          </a:lnRef>
+          <a:fillRef idx="0">
+            <a:schemeClr val="accent1"/>
+          </a:fillRef>
+          <a:effectRef idx="0">
+            <a:schemeClr val="accent1"/>
+          </a:effectRef>
+          <a:fontRef idx="minor">
+            <a:schemeClr val="tx1"/>
+          </a:fontRef>
+        </p:style>
+      </p:cxnSp>
+      <p:sp>
+        <p:nvSpPr>
+          <p:cNvPr id="47" name="Losange 46"/>
+          <p:cNvSpPr/>
+          <p:nvPr/>
+        </p:nvSpPr>
+        <p:spPr>
+          <a:xfrm>
+            <a:off x="90273" y="2167922"/>
+            <a:ext cx="2120127" cy="1399386"/>
+          </a:xfrm>
+          <a:prstGeom prst="diamond">
+            <a:avLst/>
+          </a:prstGeom>
+          <a:solidFill>
+            <a:schemeClr val="bg1">
+              <a:lumMod val="50000"/>
+            </a:schemeClr>
+          </a:solidFill>
+        </p:spPr>
+        <p:style>
+          <a:lnRef idx="2">
+            <a:schemeClr val="accent1">
+              <a:shade val="50000"/>
+            </a:schemeClr>
+          </a:lnRef>
+          <a:fillRef idx="1">
+            <a:schemeClr val="accent1"/>
+          </a:fillRef>
+          <a:effectRef idx="0">
+            <a:schemeClr val="accent1"/>
+          </a:effectRef>
+          <a:fontRef idx="minor">
+            <a:schemeClr val="lt1"/>
+          </a:fontRef>
+        </p:style>
+        <p:txBody>
+          <a:bodyPr rtlCol="0" anchor="ctr"/>
+          <a:lstStyle/>
+          <a:p>
+            <a:pPr algn="ctr"/>
+            <a:r>
+              <a:rPr lang="fr-FR" sz="1050" dirty="0"/>
+              <a:t>Y a-t-il des recettes dans le </a:t>
+            </a:r>
+            <a:r>
+              <a:rPr lang="fr-FR" sz="1050" dirty="0" smtClean="0"/>
+              <a:t>tableau </a:t>
+            </a:r>
+            <a:r>
+              <a:rPr lang="fr-FR" sz="1200" dirty="0"/>
+              <a:t>sortedrecipesLeftArray </a:t>
+            </a:r>
+          </a:p>
+        </p:txBody>
+      </p:sp>
+      <p:sp>
+        <p:nvSpPr>
+          <p:cNvPr id="49" name="Rectangle à coins arrondis 48"/>
+          <p:cNvSpPr/>
+          <p:nvPr/>
+        </p:nvSpPr>
+        <p:spPr>
+          <a:xfrm>
+            <a:off x="89668" y="1141712"/>
+            <a:ext cx="2121335" cy="580970"/>
+          </a:xfrm>
+          <a:prstGeom prst="roundRect">
+            <a:avLst/>
+          </a:prstGeom>
+          <a:solidFill>
+            <a:schemeClr val="bg1">
+              <a:lumMod val="50000"/>
+            </a:schemeClr>
+          </a:solidFill>
+        </p:spPr>
+        <p:style>
+          <a:lnRef idx="2">
+            <a:schemeClr val="accent1">
+              <a:shade val="50000"/>
+            </a:schemeClr>
+          </a:lnRef>
+          <a:fillRef idx="1">
+            <a:schemeClr val="accent1"/>
+          </a:fillRef>
+          <a:effectRef idx="0">
+            <a:schemeClr val="accent1"/>
+          </a:effectRef>
+          <a:fontRef idx="minor">
+            <a:schemeClr val="lt1"/>
+          </a:fontRef>
+        </p:style>
+        <p:txBody>
+          <a:bodyPr rtlCol="0" anchor="ctr"/>
+          <a:lstStyle/>
+          <a:p>
+            <a:pPr algn="ctr"/>
+            <a:r>
+              <a:rPr lang="en-GB" sz="1050" dirty="0"/>
+              <a:t>Push/splice </a:t>
+            </a:r>
+            <a:r>
+              <a:rPr lang="en-GB" sz="1050" dirty="0" smtClean="0"/>
+              <a:t>vers/depuis </a:t>
+            </a:r>
+            <a:r>
+              <a:rPr lang="en-GB" sz="1050" dirty="0"/>
+              <a:t>le </a:t>
+            </a:r>
+            <a:r>
+              <a:rPr lang="en-GB" sz="1050" dirty="0" smtClean="0"/>
+              <a:t>tableau </a:t>
+            </a:r>
+            <a:r>
+              <a:rPr lang="en-GB" sz="1050" dirty="0" err="1" smtClean="0"/>
+              <a:t>tagListArray</a:t>
+            </a:r>
+            <a:r>
+              <a:rPr lang="en-GB" sz="1050" dirty="0" smtClean="0"/>
+              <a:t> </a:t>
+            </a:r>
+            <a:endParaRPr lang="fr-FR" sz="1050" dirty="0" smtClean="0"/>
+          </a:p>
+        </p:txBody>
+      </p:sp>
+      <p:cxnSp>
+        <p:nvCxnSpPr>
+          <p:cNvPr id="50" name="Connecteur droit avec flèche 49"/>
+          <p:cNvCxnSpPr>
+            <a:stCxn id="49" idx="2"/>
+            <a:endCxn id="47" idx="0"/>
+          </p:cNvCxnSpPr>
+          <p:nvPr/>
+        </p:nvCxnSpPr>
+        <p:spPr>
+          <a:xfrm>
+            <a:off x="1150336" y="1722682"/>
+            <a:ext cx="1" cy="445240"/>
+          </a:xfrm>
+          <a:prstGeom prst="straightConnector1">
+            <a:avLst/>
+          </a:prstGeom>
+          <a:ln>
+            <a:solidFill>
+              <a:schemeClr val="bg1">
+                <a:lumMod val="50000"/>
+              </a:schemeClr>
+            </a:solidFill>
+            <a:tailEnd type="triangle"/>
+          </a:ln>
+        </p:spPr>
+        <p:style>
+          <a:lnRef idx="1">
+            <a:schemeClr val="accent1"/>
+          </a:lnRef>
+          <a:fillRef idx="0">
+            <a:schemeClr val="accent1"/>
+          </a:fillRef>
+          <a:effectRef idx="0">
+            <a:schemeClr val="accent1"/>
+          </a:effectRef>
+          <a:fontRef idx="minor">
+            <a:schemeClr val="tx1"/>
+          </a:fontRef>
+        </p:style>
+      </p:cxnSp>
+      <p:sp>
+        <p:nvSpPr>
+          <p:cNvPr id="51" name="Rectangle à coins arrondis 50"/>
+          <p:cNvSpPr/>
+          <p:nvPr/>
+        </p:nvSpPr>
+        <p:spPr>
+          <a:xfrm>
+            <a:off x="93362" y="123731"/>
+            <a:ext cx="2121335" cy="580970"/>
+          </a:xfrm>
+          <a:prstGeom prst="roundRect">
+            <a:avLst/>
+          </a:prstGeom>
+          <a:solidFill>
+            <a:schemeClr val="bg1">
+              <a:lumMod val="50000"/>
+            </a:schemeClr>
+          </a:solidFill>
+        </p:spPr>
+        <p:style>
+          <a:lnRef idx="2">
+            <a:schemeClr val="accent1">
+              <a:shade val="50000"/>
+            </a:schemeClr>
+          </a:lnRef>
+          <a:fillRef idx="1">
+            <a:schemeClr val="accent1"/>
+          </a:fillRef>
+          <a:effectRef idx="0">
+            <a:schemeClr val="accent1"/>
+          </a:effectRef>
+          <a:fontRef idx="minor">
+            <a:schemeClr val="lt1"/>
+          </a:fontRef>
+        </p:style>
+        <p:txBody>
+          <a:bodyPr rtlCol="0" anchor="ctr"/>
+          <a:lstStyle/>
+          <a:p>
+            <a:pPr algn="ctr"/>
+            <a:r>
+              <a:rPr lang="fr-FR" sz="1050" dirty="0"/>
+              <a:t>L'utilisateur </a:t>
+            </a:r>
+            <a:r>
+              <a:rPr lang="fr-FR" sz="1050" dirty="0" smtClean="0"/>
+              <a:t>ajoute/supprime</a:t>
+            </a:r>
+          </a:p>
+          <a:p>
+            <a:pPr algn="ctr"/>
+            <a:r>
+              <a:rPr lang="fr-FR" sz="1050" dirty="0" smtClean="0"/>
+              <a:t>un tag</a:t>
+            </a:r>
+            <a:endParaRPr lang="fr-FR" sz="1050" dirty="0"/>
+          </a:p>
+          <a:p>
+            <a:pPr algn="ctr"/>
+            <a:r>
+              <a:rPr lang="fr-FR" sz="1050" dirty="0"/>
+              <a:t>(ingrédient, appareil ou ustensile)</a:t>
+            </a:r>
+          </a:p>
+        </p:txBody>
+      </p:sp>
+      <p:cxnSp>
+        <p:nvCxnSpPr>
+          <p:cNvPr id="52" name="Connecteur droit avec flèche 51"/>
+          <p:cNvCxnSpPr>
+            <a:stCxn id="51" idx="2"/>
+            <a:endCxn id="49" idx="0"/>
+          </p:cNvCxnSpPr>
+          <p:nvPr/>
+        </p:nvCxnSpPr>
+        <p:spPr>
+          <a:xfrm flipH="1">
+            <a:off x="1150336" y="704701"/>
+            <a:ext cx="3694" cy="437011"/>
+          </a:xfrm>
+          <a:prstGeom prst="straightConnector1">
+            <a:avLst/>
+          </a:prstGeom>
+          <a:ln>
+            <a:solidFill>
+              <a:schemeClr val="bg1">
+                <a:lumMod val="50000"/>
+              </a:schemeClr>
+            </a:solidFill>
+            <a:tailEnd type="triangle"/>
+          </a:ln>
+        </p:spPr>
+        <p:style>
+          <a:lnRef idx="1">
+            <a:schemeClr val="accent1"/>
+          </a:lnRef>
+          <a:fillRef idx="0">
+            <a:schemeClr val="accent1"/>
+          </a:fillRef>
+          <a:effectRef idx="0">
+            <a:schemeClr val="accent1"/>
+          </a:effectRef>
+          <a:fontRef idx="minor">
+            <a:schemeClr val="tx1"/>
+          </a:fontRef>
+        </p:style>
+      </p:cxnSp>
+      <p:cxnSp>
+        <p:nvCxnSpPr>
+          <p:cNvPr id="8" name="Connecteur droit avec flèche 7"/>
+          <p:cNvCxnSpPr>
+            <a:stCxn id="47" idx="2"/>
+            <a:endCxn id="119" idx="0"/>
+          </p:cNvCxnSpPr>
+          <p:nvPr/>
+        </p:nvCxnSpPr>
+        <p:spPr>
+          <a:xfrm>
+            <a:off x="1150337" y="3567308"/>
+            <a:ext cx="7386" cy="622589"/>
+          </a:xfrm>
+          <a:prstGeom prst="straightConnector1">
+            <a:avLst/>
+          </a:prstGeom>
+          <a:ln>
+            <a:solidFill>
+              <a:schemeClr val="bg1">
+                <a:lumMod val="50000"/>
+              </a:schemeClr>
+            </a:solidFill>
+            <a:tailEnd type="triangle"/>
+          </a:ln>
+        </p:spPr>
+        <p:style>
+          <a:lnRef idx="1">
+            <a:schemeClr val="accent1"/>
+          </a:lnRef>
+          <a:fillRef idx="0">
+            <a:schemeClr val="accent1"/>
+          </a:fillRef>
+          <a:effectRef idx="0">
+            <a:schemeClr val="accent1"/>
+          </a:effectRef>
+          <a:fontRef idx="minor">
+            <a:schemeClr val="tx1"/>
+          </a:fontRef>
+        </p:style>
+      </p:cxnSp>
+      <p:cxnSp>
+        <p:nvCxnSpPr>
+          <p:cNvPr id="30" name="Connecteur en angle 29"/>
+          <p:cNvCxnSpPr>
+            <a:stCxn id="47" idx="3"/>
+          </p:cNvCxnSpPr>
+          <p:nvPr/>
+        </p:nvCxnSpPr>
+        <p:spPr>
+          <a:xfrm>
+            <a:off x="2210400" y="2867615"/>
+            <a:ext cx="237389" cy="843958"/>
+          </a:xfrm>
+          <a:prstGeom prst="bentConnector2">
+            <a:avLst/>
+          </a:prstGeom>
+          <a:ln>
+            <a:prstDash val="lgDash"/>
+          </a:ln>
+        </p:spPr>
+        <p:style>
+          <a:lnRef idx="1">
+            <a:schemeClr val="accent1"/>
+          </a:lnRef>
+          <a:fillRef idx="0">
+            <a:schemeClr val="accent1"/>
+          </a:fillRef>
+          <a:effectRef idx="0">
+            <a:schemeClr val="accent1"/>
+          </a:effectRef>
+          <a:fontRef idx="minor">
+            <a:schemeClr val="tx1"/>
+          </a:fontRef>
+        </p:style>
+      </p:cxnSp>
+      <p:cxnSp>
+        <p:nvCxnSpPr>
+          <p:cNvPr id="32" name="Connecteur en angle 31"/>
+          <p:cNvCxnSpPr>
+            <a:endCxn id="6" idx="0"/>
+          </p:cNvCxnSpPr>
+          <p:nvPr/>
+        </p:nvCxnSpPr>
+        <p:spPr>
+          <a:xfrm>
+            <a:off x="2439666" y="3711573"/>
+            <a:ext cx="3644195" cy="474944"/>
+          </a:xfrm>
+          <a:prstGeom prst="bentConnector2">
+            <a:avLst/>
+          </a:prstGeom>
+          <a:ln>
+            <a:prstDash val="lgDash"/>
+            <a:tailEnd type="triangle"/>
+          </a:ln>
+        </p:spPr>
+        <p:style>
+          <a:lnRef idx="1">
+            <a:schemeClr val="accent1"/>
+          </a:lnRef>
+          <a:fillRef idx="0">
+            <a:schemeClr val="accent1"/>
+          </a:fillRef>
+          <a:effectRef idx="0">
+            <a:schemeClr val="accent1"/>
+          </a:effectRef>
+          <a:fontRef idx="minor">
+            <a:schemeClr val="tx1"/>
+          </a:fontRef>
+        </p:style>
+      </p:cxnSp>
+      <p:sp>
+        <p:nvSpPr>
+          <p:cNvPr id="87" name="ZoneTexte 86"/>
+          <p:cNvSpPr txBox="1"/>
+          <p:nvPr/>
+        </p:nvSpPr>
+        <p:spPr>
+          <a:xfrm>
+            <a:off x="2155367" y="2595769"/>
+            <a:ext cx="422476" cy="276999"/>
+          </a:xfrm>
+          <a:prstGeom prst="rect">
+            <a:avLst/>
+          </a:prstGeom>
+          <a:noFill/>
+        </p:spPr>
+        <p:txBody>
+          <a:bodyPr wrap="square" rtlCol="0">
+            <a:spAutoFit/>
+          </a:bodyPr>
+          <a:lstStyle/>
+          <a:p>
+            <a:pPr algn="ctr"/>
+            <a:r>
+              <a:rPr lang="en-GB" sz="1200" dirty="0" smtClean="0"/>
+              <a:t>OUI</a:t>
+            </a:r>
+            <a:endParaRPr lang="fr-FR" sz="1200" dirty="0"/>
+          </a:p>
+        </p:txBody>
+      </p:sp>
+      <p:sp>
+        <p:nvSpPr>
+          <p:cNvPr id="89" name="ZoneTexte 88"/>
+          <p:cNvSpPr txBox="1"/>
+          <p:nvPr/>
+        </p:nvSpPr>
+        <p:spPr>
+          <a:xfrm>
+            <a:off x="1171881" y="3567308"/>
+            <a:ext cx="514630" cy="276999"/>
+          </a:xfrm>
+          <a:prstGeom prst="rect">
+            <a:avLst/>
+          </a:prstGeom>
+          <a:noFill/>
+        </p:spPr>
+        <p:txBody>
+          <a:bodyPr wrap="square" rtlCol="0">
+            <a:spAutoFit/>
+          </a:bodyPr>
+          <a:lstStyle/>
+          <a:p>
+            <a:pPr algn="ctr"/>
+            <a:r>
+              <a:rPr lang="en-GB" sz="1200" dirty="0" smtClean="0"/>
+              <a:t>NON</a:t>
+            </a:r>
+            <a:endParaRPr lang="fr-FR" sz="1200" dirty="0"/>
+          </a:p>
+        </p:txBody>
+      </p:sp>
+      <p:sp>
+        <p:nvSpPr>
+          <p:cNvPr id="93" name="ZoneTexte 92"/>
+          <p:cNvSpPr txBox="1"/>
+          <p:nvPr/>
+        </p:nvSpPr>
+        <p:spPr>
+          <a:xfrm>
+            <a:off x="10034160" y="1081668"/>
+            <a:ext cx="2142217" cy="3631763"/>
+          </a:xfrm>
+          <a:prstGeom prst="rect">
+            <a:avLst/>
+          </a:prstGeom>
+          <a:noFill/>
+        </p:spPr>
+        <p:txBody>
+          <a:bodyPr wrap="square" rtlCol="0">
+            <a:spAutoFit/>
+          </a:bodyPr>
+          <a:lstStyle/>
+          <a:p>
+            <a:pPr algn="just"/>
+            <a:r>
+              <a:rPr lang="fr-FR" sz="1000" b="1" u="sng" dirty="0"/>
+              <a:t>Remarque </a:t>
+            </a:r>
+            <a:r>
+              <a:rPr lang="fr-FR" sz="1000" dirty="0"/>
+              <a:t>: Pour augmenter les chances de réussite de la recherche, le ou les mots saisis par l'utilisateur et les données de la recette sont « nettoyés » avant la recherche. (c'est-à-dire que tous les accents sont supprimés et que le texte est passé en minuscule</a:t>
+            </a:r>
+            <a:r>
+              <a:rPr lang="fr-FR" sz="1000" dirty="0" smtClean="0"/>
+              <a:t>).</a:t>
+            </a:r>
+          </a:p>
+          <a:p>
+            <a:pPr algn="just"/>
+            <a:endParaRPr lang="en-GB" sz="1000" dirty="0" smtClean="0"/>
+          </a:p>
+          <a:p>
+            <a:pPr algn="just"/>
+            <a:endParaRPr lang="en-GB" sz="1000" dirty="0"/>
+          </a:p>
+          <a:p>
+            <a:pPr marL="358775" algn="just"/>
+            <a:r>
+              <a:rPr lang="fr-FR" sz="1000" dirty="0"/>
+              <a:t>L</a:t>
+            </a:r>
+            <a:r>
+              <a:rPr lang="fr-FR" sz="1000" dirty="0" smtClean="0"/>
+              <a:t>es </a:t>
+            </a:r>
+            <a:r>
+              <a:rPr lang="fr-FR" sz="1000" dirty="0"/>
+              <a:t>cases marquées en noir représentent l'algorithme de recherche </a:t>
+            </a:r>
+            <a:r>
+              <a:rPr lang="fr-FR" sz="1000" dirty="0" smtClean="0"/>
+              <a:t>principale.</a:t>
+            </a:r>
+            <a:endParaRPr lang="en-GB" sz="1000" dirty="0" smtClean="0"/>
+          </a:p>
+          <a:p>
+            <a:pPr marL="358775" algn="just"/>
+            <a:endParaRPr lang="en-GB" sz="1000" dirty="0"/>
+          </a:p>
+          <a:p>
+            <a:pPr marL="358775" algn="just"/>
+            <a:r>
+              <a:rPr lang="fr-FR" sz="1000" dirty="0"/>
+              <a:t>Les cases marquées en gris représentent l'algorithme de recherche avancée</a:t>
+            </a:r>
+            <a:r>
+              <a:rPr lang="fr-FR" sz="1000" dirty="0" smtClean="0"/>
+              <a:t>.</a:t>
+            </a:r>
+            <a:endParaRPr lang="en-GB" sz="1000" dirty="0" smtClean="0"/>
+          </a:p>
+          <a:p>
+            <a:pPr marL="358775" algn="just"/>
+            <a:endParaRPr lang="en-GB" sz="1000" dirty="0" smtClean="0"/>
+          </a:p>
+          <a:p>
+            <a:pPr marL="358775"/>
+            <a:r>
+              <a:rPr lang="fr-FR" sz="1000" dirty="0"/>
+              <a:t>L'intersection entre les algorithmes</a:t>
+            </a:r>
+            <a:endParaRPr lang="en-GB" sz="1000" dirty="0"/>
+          </a:p>
+          <a:p>
+            <a:pPr marL="358775" algn="just"/>
+            <a:endParaRPr lang="en-GB" sz="1000" dirty="0"/>
+          </a:p>
+          <a:p>
+            <a:pPr marL="358775" algn="just"/>
+            <a:r>
+              <a:rPr lang="fr-FR" sz="1000" dirty="0" smtClean="0"/>
+              <a:t>Les </a:t>
+            </a:r>
+            <a:r>
+              <a:rPr lang="fr-FR" sz="1000" dirty="0"/>
+              <a:t>noms des tableaux </a:t>
+            </a:r>
+            <a:r>
+              <a:rPr lang="fr-FR" sz="1000" dirty="0" smtClean="0"/>
+              <a:t>utilisés.</a:t>
+            </a:r>
+            <a:endParaRPr lang="fr-FR" sz="1000" dirty="0"/>
+          </a:p>
+          <a:p>
+            <a:pPr algn="just"/>
+            <a:endParaRPr lang="fr-FR" sz="1000" dirty="0"/>
+          </a:p>
+        </p:txBody>
+      </p:sp>
+      <p:sp>
+        <p:nvSpPr>
+          <p:cNvPr id="94" name="Rectangle 93"/>
+          <p:cNvSpPr/>
+          <p:nvPr/>
+        </p:nvSpPr>
+        <p:spPr>
+          <a:xfrm>
+            <a:off x="10222809" y="2701621"/>
+            <a:ext cx="216000" cy="216000"/>
+          </a:xfrm>
+          <a:prstGeom prst="rect">
+            <a:avLst/>
+          </a:prstGeom>
+          <a:solidFill>
+            <a:schemeClr val="tx1"/>
+          </a:solidFill>
+        </p:spPr>
+        <p:style>
+          <a:lnRef idx="2">
+            <a:schemeClr val="accent1">
+              <a:shade val="50000"/>
+            </a:schemeClr>
+          </a:lnRef>
+          <a:fillRef idx="1">
+            <a:schemeClr val="accent1"/>
+          </a:fillRef>
+          <a:effectRef idx="0">
+            <a:schemeClr val="accent1"/>
+          </a:effectRef>
+          <a:fontRef idx="minor">
+            <a:schemeClr val="lt1"/>
+          </a:fontRef>
+        </p:style>
+        <p:txBody>
+          <a:bodyPr rtlCol="0" anchor="ctr"/>
+          <a:lstStyle/>
+          <a:p>
+            <a:pPr algn="ctr"/>
+            <a:endParaRPr lang="fr-FR"/>
+          </a:p>
+        </p:txBody>
+      </p:sp>
+      <p:sp>
+        <p:nvSpPr>
+          <p:cNvPr id="95" name="Rectangle 94"/>
+          <p:cNvSpPr/>
+          <p:nvPr/>
+        </p:nvSpPr>
+        <p:spPr>
+          <a:xfrm>
+            <a:off x="10223213" y="3301684"/>
+            <a:ext cx="216000" cy="216000"/>
+          </a:xfrm>
+          <a:prstGeom prst="rect">
+            <a:avLst/>
+          </a:prstGeom>
+          <a:solidFill>
+            <a:schemeClr val="bg1">
+              <a:lumMod val="50000"/>
+            </a:schemeClr>
+          </a:solidFill>
+        </p:spPr>
+        <p:style>
+          <a:lnRef idx="2">
+            <a:schemeClr val="accent1">
+              <a:shade val="50000"/>
+            </a:schemeClr>
+          </a:lnRef>
+          <a:fillRef idx="1">
+            <a:schemeClr val="accent1"/>
+          </a:fillRef>
+          <a:effectRef idx="0">
+            <a:schemeClr val="accent1"/>
+          </a:effectRef>
+          <a:fontRef idx="minor">
+            <a:schemeClr val="lt1"/>
+          </a:fontRef>
+        </p:style>
+        <p:txBody>
+          <a:bodyPr rtlCol="0" anchor="ctr"/>
+          <a:lstStyle/>
+          <a:p>
+            <a:pPr algn="ctr"/>
+            <a:endParaRPr lang="fr-FR"/>
+          </a:p>
+        </p:txBody>
+      </p:sp>
+      <p:sp>
+        <p:nvSpPr>
+          <p:cNvPr id="96" name="Rectangle 95"/>
+          <p:cNvSpPr/>
+          <p:nvPr/>
+        </p:nvSpPr>
+        <p:spPr>
+          <a:xfrm>
+            <a:off x="10222809" y="3919466"/>
+            <a:ext cx="216000" cy="216000"/>
+          </a:xfrm>
+          <a:prstGeom prst="rect">
+            <a:avLst/>
+          </a:prstGeom>
+          <a:solidFill>
+            <a:schemeClr val="accent1"/>
+          </a:solidFill>
+        </p:spPr>
+        <p:style>
+          <a:lnRef idx="2">
+            <a:schemeClr val="accent1">
+              <a:shade val="50000"/>
+            </a:schemeClr>
+          </a:lnRef>
+          <a:fillRef idx="1">
+            <a:schemeClr val="accent1"/>
+          </a:fillRef>
+          <a:effectRef idx="0">
+            <a:schemeClr val="accent1"/>
+          </a:effectRef>
+          <a:fontRef idx="minor">
+            <a:schemeClr val="lt1"/>
+          </a:fontRef>
+        </p:style>
+        <p:txBody>
+          <a:bodyPr rtlCol="0" anchor="ctr"/>
+          <a:lstStyle/>
+          <a:p>
+            <a:pPr algn="ctr"/>
+            <a:endParaRPr lang="fr-FR"/>
+          </a:p>
+        </p:txBody>
+      </p:sp>
+      <p:sp>
+        <p:nvSpPr>
+          <p:cNvPr id="98" name="Rectangle 97"/>
+          <p:cNvSpPr/>
+          <p:nvPr/>
+        </p:nvSpPr>
+        <p:spPr>
+          <a:xfrm>
+            <a:off x="10222809" y="4321574"/>
+            <a:ext cx="216000" cy="216000"/>
+          </a:xfrm>
+          <a:prstGeom prst="rect">
+            <a:avLst/>
+          </a:prstGeom>
+          <a:solidFill>
+            <a:srgbClr val="00B050"/>
+          </a:solidFill>
+        </p:spPr>
+        <p:style>
+          <a:lnRef idx="2">
+            <a:schemeClr val="accent1">
+              <a:shade val="50000"/>
+            </a:schemeClr>
+          </a:lnRef>
+          <a:fillRef idx="1">
+            <a:schemeClr val="accent1"/>
+          </a:fillRef>
+          <a:effectRef idx="0">
+            <a:schemeClr val="accent1"/>
+          </a:effectRef>
+          <a:fontRef idx="minor">
+            <a:schemeClr val="lt1"/>
+          </a:fontRef>
+        </p:style>
+        <p:txBody>
+          <a:bodyPr rtlCol="0" anchor="ctr"/>
+          <a:lstStyle/>
+          <a:p>
+            <a:pPr algn="ctr"/>
+            <a:endParaRPr lang="fr-FR"/>
+          </a:p>
+        </p:txBody>
+      </p:sp>
+    </p:spTree>
+    <p:extLst>
+      <p:ext uri="{BB962C8B-B14F-4D97-AF65-F5344CB8AC3E}">
+        <p14:creationId xmlns:p14="http://schemas.microsoft.com/office/powerpoint/2010/main" val="1626877454"/>
+      </p:ext>
+    </p:extLst>
+  </p:cSld>
+  <p:clrMapOvr>
+    <a:masterClrMapping/>
+  </p:clrMapOvr>
+  <p:timing>
+    <p:tnLst>
+      <p:par>
+        <p:cTn id="1" dur="indefinite" restart="never" nodeType="tmRoot"/>
+      </p:par>
+    </p:tnLst>
+  </p:timing>
+</p:sld>
+</file>
+
+<file path=ppt/slides/slide9.xml><?xml version="1.0" encoding="utf-8"?>
+<p:sld xmlns:a="http://schemas.openxmlformats.org/drawingml/2006/main" xmlns:r="http://schemas.openxmlformats.org/officeDocument/2006/relationships" xmlns:p="http://schemas.openxmlformats.org/presentationml/2006/main">
+  <p:cSld>
+    <p:spTree>
+      <p:nvGrpSpPr>
+        <p:cNvPr id="1" name=""/>
+        <p:cNvGrpSpPr/>
+        <p:nvPr/>
+      </p:nvGrpSpPr>
+      <p:grpSpPr>
+        <a:xfrm>
+          <a:off x="0" y="0"/>
+          <a:ext cx="0" cy="0"/>
+          <a:chOff x="0" y="0"/>
+          <a:chExt cx="0" cy="0"/>
+        </a:xfrm>
+      </p:grpSpPr>
+      <p:sp>
+        <p:nvSpPr>
+          <p:cNvPr id="3" name="Rectangle à coins arrondis 2"/>
+          <p:cNvSpPr/>
+          <p:nvPr/>
+        </p:nvSpPr>
+        <p:spPr>
+          <a:xfrm>
+            <a:off x="5068019" y="188625"/>
+            <a:ext cx="2121335" cy="425472"/>
+          </a:xfrm>
+          <a:prstGeom prst="roundRect">
+            <a:avLst/>
+          </a:prstGeom>
+          <a:solidFill>
+            <a:schemeClr val="tx1"/>
+          </a:solidFill>
+        </p:spPr>
+        <p:style>
+          <a:lnRef idx="2">
+            <a:schemeClr val="accent1">
+              <a:shade val="50000"/>
+            </a:schemeClr>
+          </a:lnRef>
+          <a:fillRef idx="1">
+            <a:schemeClr val="accent1"/>
+          </a:fillRef>
+          <a:effectRef idx="0">
+            <a:schemeClr val="accent1"/>
+          </a:effectRef>
+          <a:fontRef idx="minor">
+            <a:schemeClr val="lt1"/>
+          </a:fontRef>
+        </p:style>
+        <p:txBody>
+          <a:bodyPr rtlCol="0" anchor="ctr"/>
+          <a:lstStyle/>
+          <a:p>
+            <a:pPr algn="ctr"/>
+            <a:r>
+              <a:rPr lang="en-GB" sz="1100" dirty="0"/>
+              <a:t>L'utilisateur </a:t>
+            </a:r>
+            <a:r>
+              <a:rPr lang="en-GB" sz="1100" dirty="0" err="1"/>
+              <a:t>saisit</a:t>
+            </a:r>
+            <a:r>
+              <a:rPr lang="en-GB" sz="1100" dirty="0"/>
+              <a:t> un mot</a:t>
+            </a:r>
+          </a:p>
+        </p:txBody>
+      </p:sp>
+      <p:sp>
+        <p:nvSpPr>
+          <p:cNvPr id="4" name="Losange 3"/>
+          <p:cNvSpPr/>
+          <p:nvPr/>
+        </p:nvSpPr>
+        <p:spPr>
+          <a:xfrm>
+            <a:off x="5045259" y="849865"/>
+            <a:ext cx="2160000" cy="1584000"/>
+          </a:xfrm>
+          <a:prstGeom prst="diamond">
+            <a:avLst/>
+          </a:prstGeom>
+          <a:solidFill>
+            <a:schemeClr val="tx1"/>
+          </a:solidFill>
+        </p:spPr>
+        <p:style>
+          <a:lnRef idx="2">
+            <a:schemeClr val="accent1">
+              <a:shade val="50000"/>
+            </a:schemeClr>
+          </a:lnRef>
+          <a:fillRef idx="1">
+            <a:schemeClr val="accent1"/>
+          </a:fillRef>
+          <a:effectRef idx="0">
+            <a:schemeClr val="accent1"/>
+          </a:effectRef>
+          <a:fontRef idx="minor">
+            <a:schemeClr val="lt1"/>
+          </a:fontRef>
+        </p:style>
+        <p:txBody>
+          <a:bodyPr rtlCol="0" anchor="ctr"/>
+          <a:lstStyle/>
+          <a:p>
+            <a:pPr algn="ctr"/>
+            <a:r>
+              <a:rPr lang="fr-FR" sz="1050" dirty="0"/>
+              <a:t>Pour chaque recette, le mot se trouve-t-il dans le titre, la description ou les ingrédients ?</a:t>
+            </a:r>
+          </a:p>
+        </p:txBody>
+      </p:sp>
+      <p:sp>
+        <p:nvSpPr>
+          <p:cNvPr id="5" name="Losange 4"/>
+          <p:cNvSpPr/>
+          <p:nvPr/>
+        </p:nvSpPr>
+        <p:spPr>
+          <a:xfrm>
+            <a:off x="7560388" y="3460887"/>
+            <a:ext cx="2120127" cy="1440000"/>
+          </a:xfrm>
+          <a:prstGeom prst="diamond">
+            <a:avLst/>
+          </a:prstGeom>
+          <a:solidFill>
+            <a:schemeClr val="tx1"/>
+          </a:solidFill>
+        </p:spPr>
+        <p:style>
+          <a:lnRef idx="2">
+            <a:schemeClr val="accent1">
+              <a:shade val="50000"/>
+            </a:schemeClr>
+          </a:lnRef>
+          <a:fillRef idx="1">
+            <a:schemeClr val="accent1"/>
+          </a:fillRef>
+          <a:effectRef idx="0">
+            <a:schemeClr val="accent1"/>
+          </a:effectRef>
+          <a:fontRef idx="minor">
+            <a:schemeClr val="lt1"/>
+          </a:fontRef>
+        </p:style>
+        <p:txBody>
+          <a:bodyPr rtlCol="0" anchor="ctr"/>
+          <a:lstStyle/>
+          <a:p>
+            <a:pPr algn="ctr"/>
+            <a:r>
+              <a:rPr lang="fr-FR" sz="1050" dirty="0"/>
+              <a:t>Tags(s)</a:t>
+            </a:r>
+          </a:p>
+          <a:p>
+            <a:pPr algn="ctr"/>
+            <a:r>
+              <a:rPr lang="fr-FR" sz="1050" dirty="0"/>
+              <a:t>L'utilisateur </a:t>
+            </a:r>
+            <a:r>
+              <a:rPr lang="fr-FR" sz="1050" dirty="0" err="1"/>
+              <a:t>a-t-il</a:t>
+            </a:r>
+            <a:r>
+              <a:rPr lang="fr-FR" sz="1050" dirty="0"/>
+              <a:t> déjà choisi</a:t>
+            </a:r>
+          </a:p>
+          <a:p>
+            <a:pPr algn="ctr"/>
+            <a:r>
+              <a:rPr lang="fr-FR" sz="1050" dirty="0"/>
+              <a:t>Ingrédient(s), Appareil(s) ou Ustensile(s) ?</a:t>
+            </a:r>
+          </a:p>
+        </p:txBody>
+      </p:sp>
+      <p:sp>
+        <p:nvSpPr>
+          <p:cNvPr id="6" name="Rectangle à coins arrondis 5"/>
+          <p:cNvSpPr/>
+          <p:nvPr/>
+        </p:nvSpPr>
+        <p:spPr>
+          <a:xfrm>
+            <a:off x="5205847" y="3644722"/>
+            <a:ext cx="1836000" cy="1080000"/>
+          </a:xfrm>
+          <a:prstGeom prst="roundRect">
+            <a:avLst/>
+          </a:prstGeom>
+        </p:spPr>
+        <p:style>
+          <a:lnRef idx="2">
+            <a:schemeClr val="accent1">
+              <a:shade val="50000"/>
+            </a:schemeClr>
+          </a:lnRef>
+          <a:fillRef idx="1">
+            <a:schemeClr val="accent1"/>
+          </a:fillRef>
+          <a:effectRef idx="0">
+            <a:schemeClr val="accent1"/>
+          </a:effectRef>
+          <a:fontRef idx="minor">
+            <a:schemeClr val="lt1"/>
+          </a:fontRef>
+        </p:style>
+        <p:txBody>
+          <a:bodyPr rtlCol="0" anchor="ctr"/>
+          <a:lstStyle/>
+          <a:p>
+            <a:pPr lvl="0" algn="ctr"/>
+            <a:r>
+              <a:rPr lang="fr-FR" sz="1050" dirty="0">
+                <a:solidFill>
+                  <a:prstClr val="white"/>
+                </a:solidFill>
+              </a:rPr>
+              <a:t>Comparez le(s) tag(s) aux recettes RESTANTES</a:t>
+            </a:r>
+            <a:r>
+              <a:rPr lang="fr-FR" sz="1050" dirty="0" smtClean="0">
+                <a:solidFill>
+                  <a:prstClr val="white"/>
+                </a:solidFill>
+              </a:rPr>
+              <a:t>.</a:t>
+            </a:r>
+          </a:p>
+          <a:p>
+            <a:pPr lvl="0" algn="ctr"/>
+            <a:endParaRPr lang="fr-FR" sz="1200" dirty="0">
+              <a:solidFill>
+                <a:prstClr val="white"/>
+              </a:solidFill>
+            </a:endParaRPr>
+          </a:p>
+          <a:p>
+            <a:pPr algn="ctr"/>
+            <a:endParaRPr lang="en-GB" sz="1200" dirty="0" smtClean="0"/>
+          </a:p>
+          <a:p>
+            <a:pPr algn="ctr"/>
+            <a:endParaRPr lang="fr-FR" sz="1200" dirty="0"/>
+          </a:p>
+        </p:txBody>
+      </p:sp>
+      <p:cxnSp>
+        <p:nvCxnSpPr>
+          <p:cNvPr id="24" name="Connecteur droit avec flèche 23"/>
+          <p:cNvCxnSpPr>
+            <a:stCxn id="3" idx="2"/>
+            <a:endCxn id="4" idx="0"/>
+          </p:cNvCxnSpPr>
+          <p:nvPr/>
+        </p:nvCxnSpPr>
+        <p:spPr>
+          <a:xfrm flipH="1">
+            <a:off x="6125259" y="614097"/>
+            <a:ext cx="3428" cy="235768"/>
+          </a:xfrm>
+          <a:prstGeom prst="straightConnector1">
+            <a:avLst/>
+          </a:prstGeom>
+          <a:ln>
+            <a:solidFill>
+              <a:schemeClr val="tx1"/>
+            </a:solidFill>
+            <a:tailEnd type="triangle"/>
+          </a:ln>
+        </p:spPr>
+        <p:style>
+          <a:lnRef idx="1">
+            <a:schemeClr val="accent1"/>
+          </a:lnRef>
+          <a:fillRef idx="0">
+            <a:schemeClr val="accent1"/>
+          </a:fillRef>
+          <a:effectRef idx="0">
+            <a:schemeClr val="accent1"/>
+          </a:effectRef>
+          <a:fontRef idx="minor">
+            <a:schemeClr val="tx1"/>
+          </a:fontRef>
+        </p:style>
+      </p:cxnSp>
+      <p:sp>
+        <p:nvSpPr>
+          <p:cNvPr id="25" name="ZoneTexte 24"/>
+          <p:cNvSpPr txBox="1"/>
+          <p:nvPr/>
+        </p:nvSpPr>
+        <p:spPr>
+          <a:xfrm>
+            <a:off x="7176129" y="3896684"/>
+            <a:ext cx="422476" cy="276999"/>
+          </a:xfrm>
+          <a:prstGeom prst="rect">
+            <a:avLst/>
+          </a:prstGeom>
+          <a:noFill/>
+        </p:spPr>
+        <p:txBody>
+          <a:bodyPr wrap="square" rtlCol="0">
+            <a:spAutoFit/>
+          </a:bodyPr>
+          <a:lstStyle/>
+          <a:p>
+            <a:pPr algn="ctr"/>
+            <a:r>
+              <a:rPr lang="en-GB" sz="1200" dirty="0" smtClean="0"/>
+              <a:t>OUI</a:t>
+            </a:r>
+            <a:endParaRPr lang="fr-FR" sz="1200" dirty="0"/>
+          </a:p>
+        </p:txBody>
+      </p:sp>
+      <p:sp>
+        <p:nvSpPr>
+          <p:cNvPr id="26" name="Rectangle à coins arrondis 25"/>
+          <p:cNvSpPr/>
+          <p:nvPr/>
+        </p:nvSpPr>
+        <p:spPr>
+          <a:xfrm>
+            <a:off x="7570003" y="5483190"/>
+            <a:ext cx="2114480" cy="781291"/>
+          </a:xfrm>
+          <a:prstGeom prst="roundRect">
+            <a:avLst/>
+          </a:prstGeom>
+          <a:solidFill>
+            <a:schemeClr val="tx1"/>
+          </a:solidFill>
+        </p:spPr>
+        <p:style>
+          <a:lnRef idx="2">
+            <a:schemeClr val="accent1">
+              <a:shade val="50000"/>
+            </a:schemeClr>
+          </a:lnRef>
+          <a:fillRef idx="1">
+            <a:schemeClr val="accent1"/>
+          </a:fillRef>
+          <a:effectRef idx="0">
+            <a:schemeClr val="accent1"/>
+          </a:effectRef>
+          <a:fontRef idx="minor">
+            <a:schemeClr val="lt1"/>
+          </a:fontRef>
+        </p:style>
+        <p:txBody>
+          <a:bodyPr rtlCol="0" anchor="ctr"/>
+          <a:lstStyle/>
+          <a:p>
+            <a:pPr algn="ctr"/>
+            <a:r>
+              <a:rPr lang="fr-FR" sz="1050" dirty="0"/>
+              <a:t>Afficher uniquement les recettes correspondant au mot </a:t>
+            </a:r>
+            <a:r>
+              <a:rPr lang="fr-FR" sz="1050" dirty="0" smtClean="0"/>
+              <a:t>saisi  </a:t>
+            </a:r>
+            <a:r>
+              <a:rPr lang="fr-FR" sz="1050" dirty="0"/>
+              <a:t>par l'utilisateur</a:t>
+            </a:r>
+          </a:p>
+        </p:txBody>
+      </p:sp>
+      <p:cxnSp>
+        <p:nvCxnSpPr>
+          <p:cNvPr id="28" name="Connecteur droit avec flèche 27"/>
+          <p:cNvCxnSpPr>
+            <a:stCxn id="5" idx="2"/>
+            <a:endCxn id="26" idx="0"/>
+          </p:cNvCxnSpPr>
+          <p:nvPr/>
+        </p:nvCxnSpPr>
+        <p:spPr>
+          <a:xfrm>
+            <a:off x="8620452" y="4900887"/>
+            <a:ext cx="6791" cy="582303"/>
+          </a:xfrm>
+          <a:prstGeom prst="straightConnector1">
+            <a:avLst/>
+          </a:prstGeom>
+          <a:ln>
+            <a:solidFill>
+              <a:schemeClr val="tx1"/>
+            </a:solidFill>
+            <a:tailEnd type="triangle"/>
+          </a:ln>
+        </p:spPr>
+        <p:style>
+          <a:lnRef idx="1">
+            <a:schemeClr val="accent1"/>
+          </a:lnRef>
+          <a:fillRef idx="0">
+            <a:schemeClr val="accent1"/>
+          </a:fillRef>
+          <a:effectRef idx="0">
+            <a:schemeClr val="accent1"/>
+          </a:effectRef>
+          <a:fontRef idx="minor">
+            <a:schemeClr val="tx1"/>
+          </a:fontRef>
+        </p:style>
+      </p:cxnSp>
+      <p:sp>
+        <p:nvSpPr>
+          <p:cNvPr id="29" name="ZoneTexte 28"/>
+          <p:cNvSpPr txBox="1"/>
+          <p:nvPr/>
+        </p:nvSpPr>
+        <p:spPr>
+          <a:xfrm>
+            <a:off x="2129319" y="3909059"/>
+            <a:ext cx="422476" cy="276999"/>
+          </a:xfrm>
+          <a:prstGeom prst="rect">
+            <a:avLst/>
+          </a:prstGeom>
+          <a:noFill/>
+        </p:spPr>
+        <p:txBody>
+          <a:bodyPr wrap="square" rtlCol="0">
+            <a:spAutoFit/>
+          </a:bodyPr>
+          <a:lstStyle/>
+          <a:p>
+            <a:pPr algn="ctr"/>
+            <a:r>
+              <a:rPr lang="en-GB" sz="1200" dirty="0" smtClean="0"/>
+              <a:t>OUI</a:t>
+            </a:r>
+            <a:endParaRPr lang="fr-FR" sz="1200" dirty="0"/>
+          </a:p>
+        </p:txBody>
+      </p:sp>
+      <p:sp>
+        <p:nvSpPr>
+          <p:cNvPr id="48" name="ZoneTexte 47"/>
+          <p:cNvSpPr txBox="1"/>
+          <p:nvPr/>
+        </p:nvSpPr>
+        <p:spPr>
+          <a:xfrm>
+            <a:off x="4556844" y="1639499"/>
+            <a:ext cx="514630" cy="276999"/>
+          </a:xfrm>
+          <a:prstGeom prst="rect">
+            <a:avLst/>
+          </a:prstGeom>
+          <a:noFill/>
+        </p:spPr>
+        <p:txBody>
+          <a:bodyPr wrap="square" rtlCol="0">
+            <a:spAutoFit/>
+          </a:bodyPr>
+          <a:lstStyle/>
+          <a:p>
+            <a:pPr algn="ctr"/>
+            <a:r>
+              <a:rPr lang="en-GB" sz="1200" dirty="0" smtClean="0"/>
+              <a:t>NON</a:t>
+            </a:r>
+            <a:endParaRPr lang="fr-FR" sz="1200" dirty="0"/>
+          </a:p>
+        </p:txBody>
+      </p:sp>
+      <p:sp>
+        <p:nvSpPr>
+          <p:cNvPr id="60" name="ZoneTexte 59"/>
+          <p:cNvSpPr txBox="1"/>
+          <p:nvPr/>
+        </p:nvSpPr>
+        <p:spPr>
+          <a:xfrm>
+            <a:off x="4714090" y="3907723"/>
+            <a:ext cx="515906" cy="276999"/>
+          </a:xfrm>
+          <a:prstGeom prst="rect">
+            <a:avLst/>
+          </a:prstGeom>
+          <a:noFill/>
+        </p:spPr>
+        <p:txBody>
+          <a:bodyPr wrap="square" rtlCol="0">
+            <a:spAutoFit/>
+          </a:bodyPr>
+          <a:lstStyle/>
+          <a:p>
+            <a:pPr algn="ctr"/>
+            <a:r>
+              <a:rPr lang="en-GB" sz="1200" dirty="0" smtClean="0"/>
+              <a:t>NON</a:t>
+            </a:r>
+            <a:endParaRPr lang="fr-FR" sz="1200" dirty="0"/>
+          </a:p>
+        </p:txBody>
+      </p:sp>
+      <p:sp>
+        <p:nvSpPr>
+          <p:cNvPr id="61" name="Rectangle à coins arrondis 60"/>
+          <p:cNvSpPr/>
+          <p:nvPr/>
+        </p:nvSpPr>
+        <p:spPr>
+          <a:xfrm>
+            <a:off x="2568857" y="5483190"/>
+            <a:ext cx="2114480" cy="781291"/>
+          </a:xfrm>
+          <a:prstGeom prst="roundRect">
+            <a:avLst/>
+          </a:prstGeom>
+          <a:solidFill>
+            <a:schemeClr val="accent1"/>
+          </a:solidFill>
+        </p:spPr>
+        <p:style>
+          <a:lnRef idx="2">
+            <a:schemeClr val="accent1">
+              <a:shade val="50000"/>
+            </a:schemeClr>
+          </a:lnRef>
+          <a:fillRef idx="1">
+            <a:schemeClr val="accent1"/>
+          </a:fillRef>
+          <a:effectRef idx="0">
+            <a:schemeClr val="accent1"/>
+          </a:effectRef>
+          <a:fontRef idx="minor">
+            <a:schemeClr val="lt1"/>
+          </a:fontRef>
+        </p:style>
+        <p:txBody>
+          <a:bodyPr rtlCol="0" anchor="ctr"/>
+          <a:lstStyle/>
+          <a:p>
+            <a:pPr lvl="0" algn="ctr"/>
+            <a:r>
+              <a:rPr lang="fr-FR" sz="1050" dirty="0">
+                <a:solidFill>
+                  <a:prstClr val="white"/>
+                </a:solidFill>
+              </a:rPr>
+              <a:t>Afficher le message d'erreur "pas de recettes".</a:t>
+            </a:r>
+          </a:p>
+        </p:txBody>
+      </p:sp>
+      <p:sp>
+        <p:nvSpPr>
+          <p:cNvPr id="68" name="ZoneTexte 67"/>
+          <p:cNvSpPr txBox="1"/>
+          <p:nvPr/>
+        </p:nvSpPr>
+        <p:spPr>
+          <a:xfrm>
+            <a:off x="8698690" y="4874694"/>
+            <a:ext cx="519546" cy="276999"/>
+          </a:xfrm>
+          <a:prstGeom prst="rect">
+            <a:avLst/>
+          </a:prstGeom>
+          <a:noFill/>
+        </p:spPr>
+        <p:txBody>
+          <a:bodyPr wrap="square" rtlCol="0">
+            <a:spAutoFit/>
+          </a:bodyPr>
+          <a:lstStyle/>
+          <a:p>
+            <a:pPr algn="ctr"/>
+            <a:r>
+              <a:rPr lang="en-GB" sz="1200" dirty="0" smtClean="0"/>
+              <a:t>NON</a:t>
+            </a:r>
+            <a:endParaRPr lang="fr-FR" sz="1200" dirty="0"/>
+          </a:p>
+        </p:txBody>
+      </p:sp>
+      <p:sp>
+        <p:nvSpPr>
+          <p:cNvPr id="69" name="Rectangle à coins arrondis 68"/>
+          <p:cNvSpPr/>
+          <p:nvPr/>
+        </p:nvSpPr>
+        <p:spPr>
+          <a:xfrm>
+            <a:off x="5069431" y="5483189"/>
+            <a:ext cx="2114480" cy="781291"/>
+          </a:xfrm>
+          <a:prstGeom prst="roundRect">
+            <a:avLst/>
+          </a:prstGeom>
+        </p:spPr>
+        <p:style>
+          <a:lnRef idx="2">
+            <a:schemeClr val="accent1">
+              <a:shade val="50000"/>
+            </a:schemeClr>
+          </a:lnRef>
+          <a:fillRef idx="1">
+            <a:schemeClr val="accent1"/>
+          </a:fillRef>
+          <a:effectRef idx="0">
+            <a:schemeClr val="accent1"/>
+          </a:effectRef>
+          <a:fontRef idx="minor">
+            <a:schemeClr val="lt1"/>
+          </a:fontRef>
+        </p:style>
+        <p:txBody>
+          <a:bodyPr rtlCol="0" anchor="ctr"/>
+          <a:lstStyle/>
+          <a:p>
+            <a:pPr algn="ctr"/>
+            <a:r>
+              <a:rPr lang="fr-FR" sz="1050" dirty="0"/>
+              <a:t>Afficher les recettes correspondant au mot de l'utilisateur et aux tags</a:t>
+            </a:r>
+          </a:p>
+        </p:txBody>
+      </p:sp>
+      <p:sp>
+        <p:nvSpPr>
+          <p:cNvPr id="70" name="Losange 69"/>
+          <p:cNvSpPr/>
+          <p:nvPr/>
+        </p:nvSpPr>
+        <p:spPr>
+          <a:xfrm>
+            <a:off x="2563210" y="3485029"/>
+            <a:ext cx="2120127" cy="1440000"/>
+          </a:xfrm>
+          <a:prstGeom prst="diamond">
+            <a:avLst/>
+          </a:prstGeom>
+          <a:solidFill>
+            <a:schemeClr val="accent1"/>
+          </a:solidFill>
+        </p:spPr>
+        <p:style>
+          <a:lnRef idx="2">
+            <a:schemeClr val="accent1">
+              <a:shade val="50000"/>
+            </a:schemeClr>
+          </a:lnRef>
+          <a:fillRef idx="1">
+            <a:schemeClr val="accent1"/>
+          </a:fillRef>
+          <a:effectRef idx="0">
+            <a:schemeClr val="accent1"/>
+          </a:effectRef>
+          <a:fontRef idx="minor">
+            <a:schemeClr val="lt1"/>
+          </a:fontRef>
+        </p:style>
+        <p:txBody>
+          <a:bodyPr rtlCol="0" anchor="ctr"/>
+          <a:lstStyle/>
+          <a:p>
+            <a:pPr algn="ctr"/>
+            <a:r>
+              <a:rPr lang="fr-FR" sz="1050" dirty="0"/>
+              <a:t>Tags(s)</a:t>
+            </a:r>
+          </a:p>
+          <a:p>
+            <a:pPr algn="ctr"/>
+            <a:r>
+              <a:rPr lang="fr-FR" sz="1050" dirty="0"/>
+              <a:t>L'utilisateur </a:t>
+            </a:r>
+            <a:r>
+              <a:rPr lang="fr-FR" sz="1050" dirty="0" err="1"/>
+              <a:t>a-t-il</a:t>
+            </a:r>
+            <a:r>
+              <a:rPr lang="fr-FR" sz="1050" dirty="0"/>
+              <a:t> déjà choisi</a:t>
+            </a:r>
+          </a:p>
+          <a:p>
+            <a:pPr algn="ctr"/>
+            <a:r>
+              <a:rPr lang="fr-FR" sz="1050" dirty="0"/>
+              <a:t>Ingrédient(s), Appareil(s) ou Ustensile(s) ?</a:t>
+            </a:r>
+          </a:p>
+        </p:txBody>
+      </p:sp>
+      <p:cxnSp>
+        <p:nvCxnSpPr>
+          <p:cNvPr id="75" name="Connecteur droit avec flèche 74"/>
+          <p:cNvCxnSpPr>
+            <a:stCxn id="70" idx="2"/>
+            <a:endCxn id="61" idx="0"/>
+          </p:cNvCxnSpPr>
+          <p:nvPr/>
+        </p:nvCxnSpPr>
+        <p:spPr>
+          <a:xfrm>
+            <a:off x="3623274" y="4925029"/>
+            <a:ext cx="2823" cy="558161"/>
+          </a:xfrm>
+          <a:prstGeom prst="straightConnector1">
+            <a:avLst/>
+          </a:prstGeom>
+          <a:ln>
+            <a:solidFill>
+              <a:schemeClr val="accent1"/>
+            </a:solidFill>
+            <a:tailEnd type="triangle"/>
+          </a:ln>
+        </p:spPr>
+        <p:style>
+          <a:lnRef idx="1">
+            <a:schemeClr val="accent1"/>
+          </a:lnRef>
+          <a:fillRef idx="0">
+            <a:schemeClr val="accent1"/>
+          </a:fillRef>
+          <a:effectRef idx="0">
+            <a:schemeClr val="accent1"/>
+          </a:effectRef>
+          <a:fontRef idx="minor">
+            <a:schemeClr val="tx1"/>
+          </a:fontRef>
+        </p:style>
+      </p:cxnSp>
+      <p:sp>
+        <p:nvSpPr>
+          <p:cNvPr id="82" name="ZoneTexte 81"/>
+          <p:cNvSpPr txBox="1"/>
+          <p:nvPr/>
+        </p:nvSpPr>
+        <p:spPr>
+          <a:xfrm>
+            <a:off x="3630590" y="4884415"/>
+            <a:ext cx="518015" cy="276999"/>
+          </a:xfrm>
+          <a:prstGeom prst="rect">
+            <a:avLst/>
+          </a:prstGeom>
+          <a:noFill/>
+        </p:spPr>
+        <p:txBody>
+          <a:bodyPr wrap="square" rtlCol="0">
+            <a:spAutoFit/>
+          </a:bodyPr>
+          <a:lstStyle/>
+          <a:p>
+            <a:pPr algn="ctr"/>
+            <a:r>
+              <a:rPr lang="en-GB" sz="1200" dirty="0" smtClean="0"/>
+              <a:t>NON</a:t>
+            </a:r>
+            <a:endParaRPr lang="fr-FR" sz="1200" dirty="0"/>
+          </a:p>
+        </p:txBody>
+      </p:sp>
+      <p:cxnSp>
+        <p:nvCxnSpPr>
+          <p:cNvPr id="101" name="Connecteur droit avec flèche 100"/>
+          <p:cNvCxnSpPr>
+            <a:stCxn id="6" idx="2"/>
+            <a:endCxn id="69" idx="0"/>
+          </p:cNvCxnSpPr>
+          <p:nvPr/>
+        </p:nvCxnSpPr>
+        <p:spPr>
+          <a:xfrm>
+            <a:off x="6123847" y="4724722"/>
+            <a:ext cx="2824" cy="758467"/>
+          </a:xfrm>
+          <a:prstGeom prst="straightConnector1">
+            <a:avLst/>
+          </a:prstGeom>
+          <a:ln>
+            <a:tailEnd type="triangle"/>
+          </a:ln>
+        </p:spPr>
+        <p:style>
+          <a:lnRef idx="1">
+            <a:schemeClr val="accent1"/>
+          </a:lnRef>
+          <a:fillRef idx="0">
+            <a:schemeClr val="accent1"/>
+          </a:fillRef>
+          <a:effectRef idx="0">
+            <a:schemeClr val="accent1"/>
+          </a:effectRef>
+          <a:fontRef idx="minor">
+            <a:schemeClr val="tx1"/>
+          </a:fontRef>
+        </p:style>
+      </p:cxnSp>
+      <p:sp>
+        <p:nvSpPr>
+          <p:cNvPr id="102" name="ZoneTexte 101"/>
+          <p:cNvSpPr txBox="1"/>
+          <p:nvPr/>
+        </p:nvSpPr>
+        <p:spPr>
+          <a:xfrm>
+            <a:off x="7189354" y="1640147"/>
+            <a:ext cx="422476" cy="276999"/>
+          </a:xfrm>
+          <a:prstGeom prst="rect">
+            <a:avLst/>
+          </a:prstGeom>
+          <a:noFill/>
+        </p:spPr>
+        <p:txBody>
+          <a:bodyPr wrap="square" rtlCol="0">
+            <a:spAutoFit/>
+          </a:bodyPr>
+          <a:lstStyle/>
+          <a:p>
+            <a:pPr algn="ctr"/>
+            <a:r>
+              <a:rPr lang="en-GB" sz="1200" dirty="0" smtClean="0"/>
+              <a:t>OUI</a:t>
+            </a:r>
+            <a:endParaRPr lang="fr-FR" sz="1200" dirty="0"/>
+          </a:p>
+        </p:txBody>
+      </p:sp>
+      <p:sp>
+        <p:nvSpPr>
+          <p:cNvPr id="103" name="ZoneTexte 102"/>
+          <p:cNvSpPr txBox="1"/>
+          <p:nvPr/>
+        </p:nvSpPr>
+        <p:spPr>
+          <a:xfrm>
+            <a:off x="6118462" y="4724722"/>
+            <a:ext cx="422476" cy="276999"/>
+          </a:xfrm>
+          <a:prstGeom prst="rect">
+            <a:avLst/>
+          </a:prstGeom>
+          <a:noFill/>
+        </p:spPr>
+        <p:txBody>
+          <a:bodyPr wrap="square" rtlCol="0">
+            <a:spAutoFit/>
+          </a:bodyPr>
+          <a:lstStyle/>
+          <a:p>
+            <a:pPr algn="ctr"/>
+            <a:r>
+              <a:rPr lang="en-GB" sz="1200" dirty="0" smtClean="0"/>
+              <a:t>OUI</a:t>
+            </a:r>
+            <a:endParaRPr lang="fr-FR" sz="1200" dirty="0"/>
+          </a:p>
+        </p:txBody>
+      </p:sp>
+      <p:sp>
+        <p:nvSpPr>
+          <p:cNvPr id="119" name="Rectangle à coins arrondis 118"/>
+          <p:cNvSpPr/>
+          <p:nvPr/>
+        </p:nvSpPr>
+        <p:spPr>
+          <a:xfrm>
+            <a:off x="270902" y="3665029"/>
+            <a:ext cx="1836000" cy="1080000"/>
+          </a:xfrm>
+          <a:prstGeom prst="roundRect">
+            <a:avLst/>
+          </a:prstGeom>
+          <a:solidFill>
+            <a:schemeClr val="bg1">
+              <a:lumMod val="50000"/>
+            </a:schemeClr>
+          </a:solidFill>
+        </p:spPr>
+        <p:style>
+          <a:lnRef idx="2">
+            <a:schemeClr val="accent1">
+              <a:shade val="50000"/>
+            </a:schemeClr>
+          </a:lnRef>
+          <a:fillRef idx="1">
+            <a:schemeClr val="accent1"/>
+          </a:fillRef>
+          <a:effectRef idx="0">
+            <a:schemeClr val="accent1"/>
+          </a:effectRef>
+          <a:fontRef idx="minor">
+            <a:schemeClr val="lt1"/>
+          </a:fontRef>
+        </p:style>
+        <p:txBody>
+          <a:bodyPr rtlCol="0" anchor="ctr"/>
+          <a:lstStyle/>
+          <a:p>
+            <a:pPr lvl="0" algn="ctr"/>
+            <a:r>
+              <a:rPr lang="fr-FR" sz="1050" dirty="0">
+                <a:solidFill>
+                  <a:prstClr val="white"/>
+                </a:solidFill>
+              </a:rPr>
+              <a:t>Comparez le(s) tag(s) à TOUTES les recettes</a:t>
+            </a:r>
+          </a:p>
+          <a:p>
+            <a:pPr algn="ctr"/>
+            <a:endParaRPr lang="en-GB" sz="1200" dirty="0" smtClean="0"/>
+          </a:p>
+          <a:p>
+            <a:pPr algn="ctr"/>
+            <a:endParaRPr lang="en-GB" sz="1200" dirty="0" smtClean="0"/>
+          </a:p>
+          <a:p>
+            <a:pPr algn="ctr"/>
+            <a:endParaRPr lang="fr-FR" sz="1200" dirty="0"/>
+          </a:p>
+        </p:txBody>
+      </p:sp>
+      <p:cxnSp>
+        <p:nvCxnSpPr>
+          <p:cNvPr id="121" name="Connecteur droit avec flèche 120"/>
+          <p:cNvCxnSpPr>
+            <a:stCxn id="70" idx="1"/>
+            <a:endCxn id="119" idx="3"/>
+          </p:cNvCxnSpPr>
+          <p:nvPr/>
+        </p:nvCxnSpPr>
+        <p:spPr>
+          <a:xfrm flipH="1">
+            <a:off x="2106902" y="4205029"/>
+            <a:ext cx="456308" cy="0"/>
+          </a:xfrm>
+          <a:prstGeom prst="straightConnector1">
+            <a:avLst/>
+          </a:prstGeom>
+          <a:ln>
+            <a:tailEnd type="triangle"/>
+          </a:ln>
+        </p:spPr>
+        <p:style>
+          <a:lnRef idx="1">
+            <a:schemeClr val="accent1"/>
+          </a:lnRef>
+          <a:fillRef idx="0">
+            <a:schemeClr val="accent1"/>
+          </a:fillRef>
+          <a:effectRef idx="0">
+            <a:schemeClr val="accent1"/>
+          </a:effectRef>
+          <a:fontRef idx="minor">
+            <a:schemeClr val="tx1"/>
+          </a:fontRef>
+        </p:style>
+      </p:cxnSp>
+      <p:sp>
+        <p:nvSpPr>
+          <p:cNvPr id="122" name="Rectangle à coins arrondis 121"/>
+          <p:cNvSpPr/>
+          <p:nvPr/>
+        </p:nvSpPr>
+        <p:spPr>
+          <a:xfrm>
+            <a:off x="128970" y="5483189"/>
+            <a:ext cx="2114480" cy="781291"/>
+          </a:xfrm>
+          <a:prstGeom prst="roundRect">
+            <a:avLst/>
+          </a:prstGeom>
+          <a:solidFill>
+            <a:schemeClr val="bg1">
+              <a:lumMod val="50000"/>
+            </a:schemeClr>
+          </a:solidFill>
+        </p:spPr>
+        <p:style>
+          <a:lnRef idx="2">
+            <a:schemeClr val="accent1">
+              <a:shade val="50000"/>
+            </a:schemeClr>
+          </a:lnRef>
+          <a:fillRef idx="1">
+            <a:schemeClr val="accent1"/>
+          </a:fillRef>
+          <a:effectRef idx="0">
+            <a:schemeClr val="accent1"/>
+          </a:effectRef>
+          <a:fontRef idx="minor">
+            <a:schemeClr val="lt1"/>
+          </a:fontRef>
+        </p:style>
+        <p:txBody>
+          <a:bodyPr rtlCol="0" anchor="ctr"/>
+          <a:lstStyle/>
+          <a:p>
+            <a:pPr lvl="0" algn="ctr"/>
+            <a:r>
+              <a:rPr lang="fr-FR" sz="1050" dirty="0">
+                <a:solidFill>
+                  <a:prstClr val="white"/>
+                </a:solidFill>
+              </a:rPr>
+              <a:t>Afficher uniquement les recettes correspondant au(x) tag(s)</a:t>
+            </a:r>
+          </a:p>
+        </p:txBody>
+      </p:sp>
+      <p:cxnSp>
+        <p:nvCxnSpPr>
+          <p:cNvPr id="124" name="Connecteur droit avec flèche 123"/>
+          <p:cNvCxnSpPr>
+            <a:stCxn id="119" idx="2"/>
+            <a:endCxn id="122" idx="0"/>
+          </p:cNvCxnSpPr>
+          <p:nvPr/>
+        </p:nvCxnSpPr>
+        <p:spPr>
+          <a:xfrm flipH="1">
+            <a:off x="1186210" y="4745029"/>
+            <a:ext cx="2692" cy="738160"/>
+          </a:xfrm>
+          <a:prstGeom prst="straightConnector1">
+            <a:avLst/>
+          </a:prstGeom>
+          <a:ln>
+            <a:solidFill>
+              <a:schemeClr val="bg1">
+                <a:lumMod val="50000"/>
+              </a:schemeClr>
+            </a:solidFill>
+            <a:tailEnd type="triangle"/>
+          </a:ln>
+        </p:spPr>
+        <p:style>
+          <a:lnRef idx="1">
+            <a:schemeClr val="accent1"/>
+          </a:lnRef>
+          <a:fillRef idx="0">
+            <a:schemeClr val="accent1"/>
+          </a:fillRef>
+          <a:effectRef idx="0">
+            <a:schemeClr val="accent1"/>
+          </a:effectRef>
+          <a:fontRef idx="minor">
+            <a:schemeClr val="tx1"/>
+          </a:fontRef>
+        </p:style>
+      </p:cxnSp>
+      <p:sp>
+        <p:nvSpPr>
+          <p:cNvPr id="133" name="Rectangle à coins arrondis 132"/>
+          <p:cNvSpPr/>
+          <p:nvPr/>
+        </p:nvSpPr>
+        <p:spPr>
+          <a:xfrm>
+            <a:off x="5205846" y="4229578"/>
+            <a:ext cx="1836001" cy="504000"/>
+          </a:xfrm>
+          <a:prstGeom prst="roundRect">
+            <a:avLst/>
+          </a:prstGeom>
+          <a:solidFill>
+            <a:srgbClr val="00B050"/>
+          </a:solidFill>
+        </p:spPr>
+        <p:style>
+          <a:lnRef idx="2">
+            <a:schemeClr val="accent6">
+              <a:shade val="50000"/>
+            </a:schemeClr>
+          </a:lnRef>
+          <a:fillRef idx="1">
+            <a:schemeClr val="accent6"/>
+          </a:fillRef>
+          <a:effectRef idx="0">
+            <a:schemeClr val="accent6"/>
+          </a:effectRef>
+          <a:fontRef idx="minor">
+            <a:schemeClr val="lt1"/>
+          </a:fontRef>
+        </p:style>
+        <p:txBody>
+          <a:bodyPr rtlCol="0" anchor="ctr"/>
+          <a:lstStyle/>
+          <a:p>
+            <a:pPr lvl="0" algn="ctr"/>
+            <a:r>
+              <a:rPr lang="fr-FR" sz="1050" dirty="0">
+                <a:solidFill>
+                  <a:prstClr val="white"/>
+                </a:solidFill>
+              </a:rPr>
+              <a:t>Comparez les tableaux : sortedrecipesLeftArray &amp;</a:t>
+            </a:r>
+          </a:p>
+          <a:p>
+            <a:pPr lvl="0" algn="ctr"/>
+            <a:r>
+              <a:rPr lang="fr-FR" sz="1050" dirty="0">
+                <a:solidFill>
+                  <a:prstClr val="white"/>
+                </a:solidFill>
+              </a:rPr>
+              <a:t>tagListArray</a:t>
+            </a:r>
+          </a:p>
+        </p:txBody>
+      </p:sp>
+      <p:sp>
+        <p:nvSpPr>
+          <p:cNvPr id="134" name="Rectangle à coins arrondis 133"/>
+          <p:cNvSpPr/>
+          <p:nvPr/>
+        </p:nvSpPr>
+        <p:spPr>
+          <a:xfrm>
+            <a:off x="275959" y="4259028"/>
+            <a:ext cx="1836000" cy="504000"/>
+          </a:xfrm>
+          <a:prstGeom prst="roundRect">
+            <a:avLst/>
+          </a:prstGeom>
+          <a:solidFill>
+            <a:srgbClr val="00B050"/>
+          </a:solidFill>
+        </p:spPr>
+        <p:style>
+          <a:lnRef idx="2">
+            <a:schemeClr val="accent6">
+              <a:shade val="50000"/>
+            </a:schemeClr>
+          </a:lnRef>
+          <a:fillRef idx="1">
+            <a:schemeClr val="accent6"/>
+          </a:fillRef>
+          <a:effectRef idx="0">
+            <a:schemeClr val="accent6"/>
+          </a:effectRef>
+          <a:fontRef idx="minor">
+            <a:schemeClr val="lt1"/>
+          </a:fontRef>
+        </p:style>
+        <p:txBody>
+          <a:bodyPr rtlCol="0" anchor="ctr"/>
+          <a:lstStyle/>
+          <a:p>
+            <a:pPr lvl="0" algn="ctr"/>
+            <a:r>
+              <a:rPr lang="fr-FR" sz="1050" dirty="0">
+                <a:solidFill>
+                  <a:prstClr val="white"/>
+                </a:solidFill>
+              </a:rPr>
+              <a:t>Comparez les tableaux : recipes &amp;</a:t>
+            </a:r>
+          </a:p>
+          <a:p>
+            <a:pPr lvl="0" algn="ctr"/>
+            <a:r>
+              <a:rPr lang="fr-FR" sz="1050" dirty="0">
+                <a:solidFill>
+                  <a:prstClr val="white"/>
+                </a:solidFill>
+              </a:rPr>
+              <a:t>tagListArray</a:t>
+            </a:r>
+          </a:p>
+        </p:txBody>
+      </p:sp>
+      <p:sp>
+        <p:nvSpPr>
+          <p:cNvPr id="135" name="Rectangle à coins arrondis 134"/>
+          <p:cNvSpPr/>
+          <p:nvPr/>
+        </p:nvSpPr>
+        <p:spPr>
+          <a:xfrm>
+            <a:off x="128970" y="6264480"/>
+            <a:ext cx="2114480" cy="313138"/>
+          </a:xfrm>
+          <a:prstGeom prst="roundRect">
+            <a:avLst/>
+          </a:prstGeom>
+          <a:solidFill>
+            <a:srgbClr val="00B050"/>
+          </a:solidFill>
+        </p:spPr>
+        <p:style>
+          <a:lnRef idx="2">
+            <a:schemeClr val="accent6">
+              <a:shade val="50000"/>
+            </a:schemeClr>
+          </a:lnRef>
+          <a:fillRef idx="1">
+            <a:schemeClr val="accent6"/>
+          </a:fillRef>
+          <a:effectRef idx="0">
+            <a:schemeClr val="accent6"/>
+          </a:effectRef>
+          <a:fontRef idx="minor">
+            <a:schemeClr val="lt1"/>
+          </a:fontRef>
+        </p:style>
+        <p:txBody>
+          <a:bodyPr rtlCol="0" anchor="ctr"/>
+          <a:lstStyle/>
+          <a:p>
+            <a:pPr lvl="0" algn="ctr"/>
+            <a:r>
+              <a:rPr lang="fr-FR" sz="1050" dirty="0">
+                <a:solidFill>
+                  <a:prstClr val="white"/>
+                </a:solidFill>
+              </a:rPr>
+              <a:t>Résultat dans le tableau : RecipeArray</a:t>
+            </a:r>
+          </a:p>
+        </p:txBody>
+      </p:sp>
+      <p:sp>
+        <p:nvSpPr>
+          <p:cNvPr id="136" name="Rectangle à coins arrondis 135"/>
+          <p:cNvSpPr/>
+          <p:nvPr/>
+        </p:nvSpPr>
+        <p:spPr>
+          <a:xfrm>
+            <a:off x="5071475" y="6262044"/>
+            <a:ext cx="2117880" cy="315574"/>
+          </a:xfrm>
+          <a:prstGeom prst="roundRect">
+            <a:avLst/>
+          </a:prstGeom>
+          <a:solidFill>
+            <a:srgbClr val="00B050"/>
+          </a:solidFill>
+        </p:spPr>
+        <p:style>
+          <a:lnRef idx="2">
+            <a:schemeClr val="accent6">
+              <a:shade val="50000"/>
+            </a:schemeClr>
+          </a:lnRef>
+          <a:fillRef idx="1">
+            <a:schemeClr val="accent6"/>
+          </a:fillRef>
+          <a:effectRef idx="0">
+            <a:schemeClr val="accent6"/>
+          </a:effectRef>
+          <a:fontRef idx="minor">
+            <a:schemeClr val="lt1"/>
+          </a:fontRef>
+        </p:style>
+        <p:txBody>
+          <a:bodyPr rtlCol="0" anchor="ctr"/>
+          <a:lstStyle/>
+          <a:p>
+            <a:pPr lvl="0" algn="ctr"/>
+            <a:r>
+              <a:rPr lang="fr-FR" sz="1050" dirty="0">
+                <a:solidFill>
+                  <a:prstClr val="white"/>
+                </a:solidFill>
+              </a:rPr>
+              <a:t>Résultat dans le tableau : RecipeArray</a:t>
+            </a:r>
+          </a:p>
+        </p:txBody>
+      </p:sp>
+      <p:sp>
+        <p:nvSpPr>
+          <p:cNvPr id="137" name="Rectangle à coins arrondis 136"/>
+          <p:cNvSpPr/>
+          <p:nvPr/>
+        </p:nvSpPr>
+        <p:spPr>
+          <a:xfrm>
+            <a:off x="7564357" y="6262044"/>
+            <a:ext cx="2120126" cy="315574"/>
+          </a:xfrm>
+          <a:prstGeom prst="roundRect">
+            <a:avLst/>
+          </a:prstGeom>
+          <a:solidFill>
+            <a:srgbClr val="00B050"/>
+          </a:solidFill>
+        </p:spPr>
+        <p:style>
+          <a:lnRef idx="2">
+            <a:schemeClr val="accent6">
+              <a:shade val="50000"/>
+            </a:schemeClr>
+          </a:lnRef>
+          <a:fillRef idx="1">
+            <a:schemeClr val="accent6"/>
+          </a:fillRef>
+          <a:effectRef idx="0">
+            <a:schemeClr val="accent6"/>
+          </a:effectRef>
+          <a:fontRef idx="minor">
+            <a:schemeClr val="lt1"/>
+          </a:fontRef>
+        </p:style>
+        <p:txBody>
+          <a:bodyPr rtlCol="0" anchor="ctr"/>
+          <a:lstStyle/>
+          <a:p>
+            <a:pPr algn="ctr"/>
+            <a:r>
+              <a:rPr lang="en-GB" sz="1050" dirty="0"/>
+              <a:t>Le tableau : sortedrecipesLeftArray</a:t>
+            </a:r>
+          </a:p>
+        </p:txBody>
+      </p:sp>
+      <p:sp>
+        <p:nvSpPr>
+          <p:cNvPr id="141" name="Rectangle à coins arrondis 140"/>
+          <p:cNvSpPr/>
+          <p:nvPr/>
+        </p:nvSpPr>
+        <p:spPr>
+          <a:xfrm>
+            <a:off x="7730570" y="1193406"/>
+            <a:ext cx="1778280" cy="892186"/>
+          </a:xfrm>
+          <a:prstGeom prst="roundRect">
+            <a:avLst/>
+          </a:prstGeom>
+          <a:solidFill>
+            <a:schemeClr val="tx1"/>
+          </a:solidFill>
+        </p:spPr>
+        <p:style>
+          <a:lnRef idx="2">
+            <a:schemeClr val="accent1">
+              <a:shade val="50000"/>
+            </a:schemeClr>
+          </a:lnRef>
+          <a:fillRef idx="1">
+            <a:schemeClr val="accent1"/>
+          </a:fillRef>
+          <a:effectRef idx="0">
+            <a:schemeClr val="accent1"/>
+          </a:effectRef>
+          <a:fontRef idx="minor">
+            <a:schemeClr val="lt1"/>
+          </a:fontRef>
+        </p:style>
+        <p:txBody>
+          <a:bodyPr rtlCol="0" anchor="ctr"/>
+          <a:lstStyle/>
+          <a:p>
+            <a:pPr algn="ctr"/>
+            <a:r>
+              <a:rPr lang="fr-FR" sz="1050" dirty="0"/>
+              <a:t>« Push » la recette correspondante dans le tableau </a:t>
+            </a:r>
+            <a:r>
+              <a:rPr lang="fr-FR" sz="1050" dirty="0" err="1"/>
+              <a:t>sortedrecipesLeftArray</a:t>
+            </a:r>
+            <a:r>
+              <a:rPr lang="fr-FR" sz="1050" dirty="0"/>
+              <a:t> </a:t>
+            </a:r>
+          </a:p>
+        </p:txBody>
+      </p:sp>
+      <p:sp>
+        <p:nvSpPr>
+          <p:cNvPr id="40" name="Losange 39"/>
+          <p:cNvSpPr/>
+          <p:nvPr/>
+        </p:nvSpPr>
+        <p:spPr>
+          <a:xfrm>
+            <a:off x="128970" y="1879942"/>
+            <a:ext cx="2120127" cy="1399386"/>
+          </a:xfrm>
+          <a:prstGeom prst="diamond">
+            <a:avLst/>
+          </a:prstGeom>
+          <a:solidFill>
+            <a:schemeClr val="bg1">
+              <a:lumMod val="50000"/>
+            </a:schemeClr>
+          </a:solidFill>
+        </p:spPr>
+        <p:style>
+          <a:lnRef idx="2">
+            <a:schemeClr val="accent1">
+              <a:shade val="50000"/>
+            </a:schemeClr>
+          </a:lnRef>
+          <a:fillRef idx="1">
+            <a:schemeClr val="accent1"/>
+          </a:fillRef>
+          <a:effectRef idx="0">
+            <a:schemeClr val="accent1"/>
+          </a:effectRef>
+          <a:fontRef idx="minor">
+            <a:schemeClr val="lt1"/>
+          </a:fontRef>
+        </p:style>
+        <p:txBody>
+          <a:bodyPr rtlCol="0" anchor="ctr"/>
+          <a:lstStyle/>
+          <a:p>
+            <a:pPr algn="ctr"/>
+            <a:r>
+              <a:rPr lang="fr-FR" sz="1050" dirty="0"/>
+              <a:t>Y a-t-il des recettes dans le </a:t>
+            </a:r>
+            <a:r>
+              <a:rPr lang="fr-FR" sz="1050" dirty="0" smtClean="0"/>
+              <a:t>tableau </a:t>
+            </a:r>
+            <a:r>
+              <a:rPr lang="fr-FR" sz="1200" dirty="0"/>
+              <a:t>sortedrecipesLeftArray </a:t>
+            </a:r>
+          </a:p>
+        </p:txBody>
+      </p:sp>
+      <p:cxnSp>
+        <p:nvCxnSpPr>
+          <p:cNvPr id="13" name="Connecteur en angle 12"/>
+          <p:cNvCxnSpPr>
+            <a:stCxn id="40" idx="3"/>
+            <a:endCxn id="6" idx="0"/>
+          </p:cNvCxnSpPr>
+          <p:nvPr/>
+        </p:nvCxnSpPr>
+        <p:spPr>
+          <a:xfrm>
+            <a:off x="2249097" y="2579635"/>
+            <a:ext cx="3874750" cy="1065087"/>
+          </a:xfrm>
+          <a:prstGeom prst="bentConnector2">
+            <a:avLst/>
+          </a:prstGeom>
+          <a:ln>
+            <a:prstDash val="lgDash"/>
+            <a:tailEnd type="triangle"/>
+          </a:ln>
+        </p:spPr>
+        <p:style>
+          <a:lnRef idx="1">
+            <a:schemeClr val="accent1"/>
+          </a:lnRef>
+          <a:fillRef idx="0">
+            <a:schemeClr val="accent1"/>
+          </a:fillRef>
+          <a:effectRef idx="0">
+            <a:schemeClr val="accent1"/>
+          </a:effectRef>
+          <a:fontRef idx="minor">
+            <a:schemeClr val="tx1"/>
+          </a:fontRef>
+        </p:style>
+      </p:cxnSp>
+      <p:cxnSp>
+        <p:nvCxnSpPr>
+          <p:cNvPr id="17" name="Connecteur droit avec flèche 16"/>
+          <p:cNvCxnSpPr>
+            <a:stCxn id="40" idx="2"/>
+            <a:endCxn id="119" idx="0"/>
+          </p:cNvCxnSpPr>
+          <p:nvPr/>
+        </p:nvCxnSpPr>
+        <p:spPr>
+          <a:xfrm flipH="1">
+            <a:off x="1188902" y="3279328"/>
+            <a:ext cx="132" cy="385701"/>
+          </a:xfrm>
+          <a:prstGeom prst="straightConnector1">
+            <a:avLst/>
+          </a:prstGeom>
+          <a:ln>
+            <a:solidFill>
+              <a:schemeClr val="bg1">
+                <a:lumMod val="50000"/>
+              </a:schemeClr>
+            </a:solidFill>
+            <a:tailEnd type="triangle"/>
+          </a:ln>
+        </p:spPr>
+        <p:style>
+          <a:lnRef idx="1">
+            <a:schemeClr val="accent1"/>
+          </a:lnRef>
+          <a:fillRef idx="0">
+            <a:schemeClr val="accent1"/>
+          </a:fillRef>
+          <a:effectRef idx="0">
+            <a:schemeClr val="accent1"/>
+          </a:effectRef>
+          <a:fontRef idx="minor">
+            <a:schemeClr val="tx1"/>
+          </a:fontRef>
+        </p:style>
+      </p:cxnSp>
+      <p:sp>
+        <p:nvSpPr>
+          <p:cNvPr id="57" name="ZoneTexte 56"/>
+          <p:cNvSpPr txBox="1"/>
+          <p:nvPr/>
+        </p:nvSpPr>
+        <p:spPr>
+          <a:xfrm>
+            <a:off x="1186209" y="3276542"/>
+            <a:ext cx="514630" cy="276999"/>
+          </a:xfrm>
+          <a:prstGeom prst="rect">
+            <a:avLst/>
+          </a:prstGeom>
+          <a:noFill/>
+        </p:spPr>
+        <p:txBody>
+          <a:bodyPr wrap="square" rtlCol="0">
+            <a:spAutoFit/>
+          </a:bodyPr>
+          <a:lstStyle/>
+          <a:p>
+            <a:pPr algn="ctr"/>
+            <a:r>
+              <a:rPr lang="en-GB" sz="1200" dirty="0" smtClean="0"/>
+              <a:t>NON</a:t>
+            </a:r>
+            <a:endParaRPr lang="fr-FR" sz="1200" dirty="0"/>
+          </a:p>
+        </p:txBody>
+      </p:sp>
+      <p:sp>
+        <p:nvSpPr>
+          <p:cNvPr id="58" name="ZoneTexte 57"/>
+          <p:cNvSpPr txBox="1"/>
+          <p:nvPr/>
+        </p:nvSpPr>
+        <p:spPr>
+          <a:xfrm>
+            <a:off x="2294569" y="2580517"/>
+            <a:ext cx="422476" cy="276999"/>
+          </a:xfrm>
+          <a:prstGeom prst="rect">
+            <a:avLst/>
+          </a:prstGeom>
+          <a:noFill/>
+        </p:spPr>
+        <p:txBody>
+          <a:bodyPr wrap="square" rtlCol="0">
+            <a:spAutoFit/>
+          </a:bodyPr>
+          <a:lstStyle/>
+          <a:p>
+            <a:pPr algn="ctr"/>
+            <a:r>
+              <a:rPr lang="en-GB" sz="1200" dirty="0" smtClean="0"/>
+              <a:t>OUI</a:t>
+            </a:r>
+            <a:endParaRPr lang="fr-FR" sz="1200" dirty="0"/>
+          </a:p>
+        </p:txBody>
+      </p:sp>
+      <p:sp>
+        <p:nvSpPr>
+          <p:cNvPr id="59" name="Rectangle à coins arrondis 58"/>
+          <p:cNvSpPr/>
+          <p:nvPr/>
+        </p:nvSpPr>
+        <p:spPr>
+          <a:xfrm>
+            <a:off x="133292" y="1020638"/>
+            <a:ext cx="2121335" cy="580970"/>
+          </a:xfrm>
+          <a:prstGeom prst="roundRect">
+            <a:avLst/>
+          </a:prstGeom>
+          <a:solidFill>
+            <a:schemeClr val="bg1">
+              <a:lumMod val="50000"/>
+            </a:schemeClr>
+          </a:solidFill>
+        </p:spPr>
+        <p:style>
+          <a:lnRef idx="2">
+            <a:schemeClr val="accent1">
+              <a:shade val="50000"/>
+            </a:schemeClr>
+          </a:lnRef>
+          <a:fillRef idx="1">
+            <a:schemeClr val="accent1"/>
+          </a:fillRef>
+          <a:effectRef idx="0">
+            <a:schemeClr val="accent1"/>
+          </a:effectRef>
+          <a:fontRef idx="minor">
+            <a:schemeClr val="lt1"/>
+          </a:fontRef>
+        </p:style>
+        <p:txBody>
+          <a:bodyPr rtlCol="0" anchor="ctr"/>
+          <a:lstStyle/>
+          <a:p>
+            <a:pPr algn="ctr"/>
+            <a:r>
+              <a:rPr lang="en-GB" sz="1050" dirty="0"/>
+              <a:t>Push/splice </a:t>
+            </a:r>
+            <a:r>
+              <a:rPr lang="en-GB" sz="1050" dirty="0" smtClean="0"/>
+              <a:t>vers/depuis </a:t>
+            </a:r>
+            <a:r>
+              <a:rPr lang="en-GB" sz="1050" dirty="0"/>
+              <a:t>le </a:t>
+            </a:r>
+            <a:r>
+              <a:rPr lang="en-GB" sz="1050" dirty="0" smtClean="0"/>
+              <a:t>tableau </a:t>
+            </a:r>
+            <a:r>
+              <a:rPr lang="en-GB" sz="1050" dirty="0" err="1" smtClean="0"/>
+              <a:t>tagListArray</a:t>
+            </a:r>
+            <a:r>
+              <a:rPr lang="en-GB" sz="1050" dirty="0" smtClean="0"/>
+              <a:t> </a:t>
+            </a:r>
+            <a:endParaRPr lang="fr-FR" sz="1050" dirty="0" smtClean="0"/>
+          </a:p>
+        </p:txBody>
+      </p:sp>
+      <p:cxnSp>
+        <p:nvCxnSpPr>
+          <p:cNvPr id="21" name="Connecteur droit avec flèche 20"/>
+          <p:cNvCxnSpPr>
+            <a:stCxn id="59" idx="2"/>
+            <a:endCxn id="40" idx="0"/>
+          </p:cNvCxnSpPr>
+          <p:nvPr/>
+        </p:nvCxnSpPr>
+        <p:spPr>
+          <a:xfrm flipH="1">
+            <a:off x="1189034" y="1601608"/>
+            <a:ext cx="4926" cy="278334"/>
+          </a:xfrm>
+          <a:prstGeom prst="straightConnector1">
+            <a:avLst/>
+          </a:prstGeom>
+          <a:ln>
+            <a:solidFill>
+              <a:schemeClr val="bg1">
+                <a:lumMod val="50000"/>
+              </a:schemeClr>
+            </a:solidFill>
+            <a:tailEnd type="triangle"/>
+          </a:ln>
+        </p:spPr>
+        <p:style>
+          <a:lnRef idx="1">
+            <a:schemeClr val="accent1"/>
+          </a:lnRef>
+          <a:fillRef idx="0">
+            <a:schemeClr val="accent1"/>
+          </a:fillRef>
+          <a:effectRef idx="0">
+            <a:schemeClr val="accent1"/>
+          </a:effectRef>
+          <a:fontRef idx="minor">
+            <a:schemeClr val="tx1"/>
+          </a:fontRef>
+        </p:style>
+      </p:cxnSp>
+      <p:sp>
+        <p:nvSpPr>
+          <p:cNvPr id="62" name="Rectangle à coins arrondis 61"/>
+          <p:cNvSpPr/>
+          <p:nvPr/>
+        </p:nvSpPr>
+        <p:spPr>
+          <a:xfrm>
+            <a:off x="133292" y="210164"/>
+            <a:ext cx="2121335" cy="580970"/>
+          </a:xfrm>
+          <a:prstGeom prst="roundRect">
+            <a:avLst/>
+          </a:prstGeom>
+          <a:solidFill>
+            <a:schemeClr val="bg1">
+              <a:lumMod val="50000"/>
+            </a:schemeClr>
+          </a:solidFill>
+        </p:spPr>
+        <p:style>
+          <a:lnRef idx="2">
+            <a:schemeClr val="accent1">
+              <a:shade val="50000"/>
+            </a:schemeClr>
+          </a:lnRef>
+          <a:fillRef idx="1">
+            <a:schemeClr val="accent1"/>
+          </a:fillRef>
+          <a:effectRef idx="0">
+            <a:schemeClr val="accent1"/>
+          </a:effectRef>
+          <a:fontRef idx="minor">
+            <a:schemeClr val="lt1"/>
+          </a:fontRef>
+        </p:style>
+        <p:txBody>
+          <a:bodyPr rtlCol="0" anchor="ctr"/>
+          <a:lstStyle/>
+          <a:p>
+            <a:pPr algn="ctr"/>
+            <a:r>
+              <a:rPr lang="fr-FR" sz="1050" dirty="0"/>
+              <a:t>L'utilisateur </a:t>
+            </a:r>
+            <a:r>
+              <a:rPr lang="fr-FR" sz="1050" dirty="0" smtClean="0"/>
+              <a:t>ajoute/supprime</a:t>
+            </a:r>
+          </a:p>
+          <a:p>
+            <a:pPr algn="ctr"/>
+            <a:r>
+              <a:rPr lang="fr-FR" sz="1050" dirty="0" smtClean="0"/>
+              <a:t>un tag</a:t>
+            </a:r>
+            <a:endParaRPr lang="fr-FR" sz="1050" dirty="0"/>
+          </a:p>
+          <a:p>
+            <a:pPr algn="ctr"/>
+            <a:r>
+              <a:rPr lang="fr-FR" sz="1050" dirty="0"/>
+              <a:t>(ingrédient, appareil ou ustensile)</a:t>
+            </a:r>
+          </a:p>
+        </p:txBody>
+      </p:sp>
+      <p:cxnSp>
+        <p:nvCxnSpPr>
+          <p:cNvPr id="23" name="Connecteur droit avec flèche 22"/>
+          <p:cNvCxnSpPr>
+            <a:stCxn id="62" idx="2"/>
+            <a:endCxn id="59" idx="0"/>
+          </p:cNvCxnSpPr>
+          <p:nvPr/>
+        </p:nvCxnSpPr>
+        <p:spPr>
+          <a:xfrm>
+            <a:off x="1193960" y="791134"/>
+            <a:ext cx="0" cy="229504"/>
+          </a:xfrm>
+          <a:prstGeom prst="straightConnector1">
+            <a:avLst/>
+          </a:prstGeom>
+          <a:ln>
+            <a:solidFill>
+              <a:schemeClr val="bg1">
+                <a:lumMod val="50000"/>
+              </a:schemeClr>
+            </a:solidFill>
+            <a:tailEnd type="triangle"/>
+          </a:ln>
+        </p:spPr>
+        <p:style>
+          <a:lnRef idx="1">
+            <a:schemeClr val="accent1"/>
+          </a:lnRef>
+          <a:fillRef idx="0">
+            <a:schemeClr val="accent1"/>
+          </a:fillRef>
+          <a:effectRef idx="0">
+            <a:schemeClr val="accent1"/>
+          </a:effectRef>
+          <a:fontRef idx="minor">
+            <a:schemeClr val="tx1"/>
+          </a:fontRef>
+        </p:style>
+      </p:cxnSp>
+      <p:sp>
+        <p:nvSpPr>
+          <p:cNvPr id="64" name="Rectangle à coins arrondis 63"/>
+          <p:cNvSpPr/>
+          <p:nvPr/>
+        </p:nvSpPr>
+        <p:spPr>
+          <a:xfrm>
+            <a:off x="2737757" y="1200149"/>
+            <a:ext cx="1778280" cy="892186"/>
+          </a:xfrm>
+          <a:prstGeom prst="roundRect">
+            <a:avLst/>
+          </a:prstGeom>
+          <a:solidFill>
+            <a:schemeClr val="accent1"/>
+          </a:solidFill>
+        </p:spPr>
+        <p:style>
+          <a:lnRef idx="2">
+            <a:schemeClr val="accent1">
+              <a:shade val="50000"/>
+            </a:schemeClr>
+          </a:lnRef>
+          <a:fillRef idx="1">
+            <a:schemeClr val="accent1"/>
+          </a:fillRef>
+          <a:effectRef idx="0">
+            <a:schemeClr val="accent1"/>
+          </a:effectRef>
+          <a:fontRef idx="minor">
+            <a:schemeClr val="lt1"/>
+          </a:fontRef>
+        </p:style>
+        <p:txBody>
+          <a:bodyPr rtlCol="0" anchor="ctr"/>
+          <a:lstStyle/>
+          <a:p>
+            <a:pPr algn="ctr"/>
+            <a:r>
+              <a:rPr lang="fr-FR" sz="1050" dirty="0"/>
+              <a:t>S'il n'y a pas de recettes qui correspondent au mot d'entrée</a:t>
+            </a:r>
+          </a:p>
+        </p:txBody>
+      </p:sp>
       <p:cxnSp>
         <p:nvCxnSpPr>
           <p:cNvPr id="30" name="Connecteur en angle 29"/>
@@ -18096,6 +20846,406 @@
           </a:fontRef>
         </p:style>
       </p:cxnSp>
+      <p:sp>
+        <p:nvSpPr>
+          <p:cNvPr id="52" name="ZoneTexte 51"/>
+          <p:cNvSpPr txBox="1"/>
+          <p:nvPr/>
+        </p:nvSpPr>
+        <p:spPr>
+          <a:xfrm>
+            <a:off x="10034160" y="94586"/>
+            <a:ext cx="2157840" cy="954107"/>
+          </a:xfrm>
+          <a:prstGeom prst="rect">
+            <a:avLst/>
+          </a:prstGeom>
+          <a:noFill/>
+        </p:spPr>
+        <p:txBody>
+          <a:bodyPr wrap="square" rtlCol="0">
+            <a:spAutoFit/>
+          </a:bodyPr>
+          <a:lstStyle/>
+          <a:p>
+            <a:r>
+              <a:rPr lang="fr-FR" sz="1400" b="1" u="sng" dirty="0"/>
+              <a:t>Algorithme 2 :</a:t>
+            </a:r>
+          </a:p>
+          <a:p>
+            <a:r>
+              <a:rPr lang="fr-FR" sz="1400" dirty="0" smtClean="0"/>
+              <a:t>Des </a:t>
+            </a:r>
+            <a:r>
+              <a:rPr lang="fr-FR" sz="1400" dirty="0"/>
+              <a:t>fonctions d'ordre supérieur</a:t>
+            </a:r>
+            <a:r>
+              <a:rPr lang="fr-FR" sz="1400" dirty="0" smtClean="0"/>
+              <a:t>.</a:t>
+            </a:r>
+          </a:p>
+          <a:p>
+            <a:r>
+              <a:rPr lang="fr-FR" sz="1400" dirty="0" smtClean="0"/>
+              <a:t>(</a:t>
+            </a:r>
+            <a:r>
+              <a:rPr lang="fr-FR" sz="1400" dirty="0" err="1" smtClean="0"/>
+              <a:t>Filter</a:t>
+            </a:r>
+            <a:r>
+              <a:rPr lang="fr-FR" sz="1400" dirty="0" smtClean="0"/>
+              <a:t>, </a:t>
+            </a:r>
+            <a:r>
+              <a:rPr lang="fr-FR" sz="1400" dirty="0" err="1" smtClean="0"/>
+              <a:t>include</a:t>
+            </a:r>
+            <a:r>
+              <a:rPr lang="fr-FR" sz="1400" dirty="0" smtClean="0"/>
+              <a:t> &amp; </a:t>
+            </a:r>
+            <a:r>
+              <a:rPr lang="fr-FR" sz="1400" dirty="0" err="1" smtClean="0"/>
+              <a:t>some</a:t>
+            </a:r>
+            <a:r>
+              <a:rPr lang="fr-FR" sz="1400" dirty="0" smtClean="0"/>
+              <a:t>).</a:t>
+            </a:r>
+            <a:endParaRPr lang="fr-FR" sz="1400" dirty="0"/>
+          </a:p>
+        </p:txBody>
+      </p:sp>
+      <p:sp>
+        <p:nvSpPr>
+          <p:cNvPr id="53" name="ZoneTexte 52"/>
+          <p:cNvSpPr txBox="1"/>
+          <p:nvPr/>
+        </p:nvSpPr>
+        <p:spPr>
+          <a:xfrm>
+            <a:off x="10034160" y="1081668"/>
+            <a:ext cx="2142217" cy="3631763"/>
+          </a:xfrm>
+          <a:prstGeom prst="rect">
+            <a:avLst/>
+          </a:prstGeom>
+          <a:noFill/>
+        </p:spPr>
+        <p:txBody>
+          <a:bodyPr wrap="square" rtlCol="0">
+            <a:spAutoFit/>
+          </a:bodyPr>
+          <a:lstStyle/>
+          <a:p>
+            <a:pPr algn="just"/>
+            <a:r>
+              <a:rPr lang="fr-FR" sz="1000" b="1" u="sng" dirty="0"/>
+              <a:t>Remarque </a:t>
+            </a:r>
+            <a:r>
+              <a:rPr lang="fr-FR" sz="1000" dirty="0"/>
+              <a:t>: Pour augmenter les chances de réussite de la recherche, le ou les mots saisis par l'utilisateur et les données de la recette sont « nettoyés » avant la recherche. (c'est-à-dire que tous les accents sont supprimés et que le texte est passé en minuscule</a:t>
+            </a:r>
+            <a:r>
+              <a:rPr lang="fr-FR" sz="1000" dirty="0" smtClean="0"/>
+              <a:t>).</a:t>
+            </a:r>
+          </a:p>
+          <a:p>
+            <a:pPr algn="just"/>
+            <a:endParaRPr lang="en-GB" sz="1000" dirty="0" smtClean="0"/>
+          </a:p>
+          <a:p>
+            <a:pPr algn="just"/>
+            <a:endParaRPr lang="en-GB" sz="1000" dirty="0"/>
+          </a:p>
+          <a:p>
+            <a:pPr marL="358775" algn="just"/>
+            <a:r>
+              <a:rPr lang="fr-FR" sz="1000" dirty="0"/>
+              <a:t>L</a:t>
+            </a:r>
+            <a:r>
+              <a:rPr lang="fr-FR" sz="1000" dirty="0" smtClean="0"/>
+              <a:t>es </a:t>
+            </a:r>
+            <a:r>
+              <a:rPr lang="fr-FR" sz="1000" dirty="0"/>
+              <a:t>cases marquées en noir représentent l'algorithme de recherche </a:t>
+            </a:r>
+            <a:r>
+              <a:rPr lang="fr-FR" sz="1000" dirty="0" smtClean="0"/>
+              <a:t>principale.</a:t>
+            </a:r>
+            <a:endParaRPr lang="en-GB" sz="1000" dirty="0" smtClean="0"/>
+          </a:p>
+          <a:p>
+            <a:pPr marL="358775" algn="just"/>
+            <a:endParaRPr lang="en-GB" sz="1000" dirty="0"/>
+          </a:p>
+          <a:p>
+            <a:pPr marL="358775" algn="just"/>
+            <a:r>
+              <a:rPr lang="fr-FR" sz="1000" dirty="0"/>
+              <a:t>Les cases marquées en gris représentent l'algorithme de recherche avancée</a:t>
+            </a:r>
+            <a:r>
+              <a:rPr lang="fr-FR" sz="1000" dirty="0" smtClean="0"/>
+              <a:t>.</a:t>
+            </a:r>
+            <a:endParaRPr lang="en-GB" sz="1000" dirty="0" smtClean="0"/>
+          </a:p>
+          <a:p>
+            <a:pPr marL="358775"/>
+            <a:endParaRPr lang="en-GB" sz="1000" dirty="0" smtClean="0"/>
+          </a:p>
+          <a:p>
+            <a:pPr marL="358775"/>
+            <a:r>
+              <a:rPr lang="fr-FR" sz="1000" dirty="0" smtClean="0"/>
+              <a:t>L'intersection </a:t>
+            </a:r>
+            <a:r>
+              <a:rPr lang="fr-FR" sz="1000" dirty="0"/>
+              <a:t>entre les algorithmes</a:t>
+            </a:r>
+            <a:endParaRPr lang="en-GB" sz="1000" dirty="0" smtClean="0"/>
+          </a:p>
+          <a:p>
+            <a:pPr marL="358775" algn="just"/>
+            <a:endParaRPr lang="en-GB" sz="1000" dirty="0"/>
+          </a:p>
+          <a:p>
+            <a:pPr marL="358775" algn="just"/>
+            <a:r>
+              <a:rPr lang="fr-FR" sz="1000" dirty="0" smtClean="0"/>
+              <a:t>Les </a:t>
+            </a:r>
+            <a:r>
+              <a:rPr lang="fr-FR" sz="1000" dirty="0"/>
+              <a:t>noms des tableaux </a:t>
+            </a:r>
+            <a:r>
+              <a:rPr lang="fr-FR" sz="1000" dirty="0" smtClean="0"/>
+              <a:t>utilisés.</a:t>
+            </a:r>
+            <a:endParaRPr lang="fr-FR" sz="1000" dirty="0"/>
+          </a:p>
+          <a:p>
+            <a:pPr algn="just"/>
+            <a:endParaRPr lang="fr-FR" sz="1000" dirty="0"/>
+          </a:p>
+        </p:txBody>
+      </p:sp>
+      <p:sp>
+        <p:nvSpPr>
+          <p:cNvPr id="54" name="Rectangle 53"/>
+          <p:cNvSpPr/>
+          <p:nvPr/>
+        </p:nvSpPr>
+        <p:spPr>
+          <a:xfrm>
+            <a:off x="10222809" y="2701621"/>
+            <a:ext cx="216000" cy="216000"/>
+          </a:xfrm>
+          <a:prstGeom prst="rect">
+            <a:avLst/>
+          </a:prstGeom>
+          <a:solidFill>
+            <a:schemeClr val="tx1"/>
+          </a:solidFill>
+        </p:spPr>
+        <p:style>
+          <a:lnRef idx="2">
+            <a:schemeClr val="accent1">
+              <a:shade val="50000"/>
+            </a:schemeClr>
+          </a:lnRef>
+          <a:fillRef idx="1">
+            <a:schemeClr val="accent1"/>
+          </a:fillRef>
+          <a:effectRef idx="0">
+            <a:schemeClr val="accent1"/>
+          </a:effectRef>
+          <a:fontRef idx="minor">
+            <a:schemeClr val="lt1"/>
+          </a:fontRef>
+        </p:style>
+        <p:txBody>
+          <a:bodyPr rtlCol="0" anchor="ctr"/>
+          <a:lstStyle/>
+          <a:p>
+            <a:pPr algn="ctr"/>
+            <a:endParaRPr lang="fr-FR"/>
+          </a:p>
+        </p:txBody>
+      </p:sp>
+      <p:sp>
+        <p:nvSpPr>
+          <p:cNvPr id="55" name="Rectangle 54"/>
+          <p:cNvSpPr/>
+          <p:nvPr/>
+        </p:nvSpPr>
+        <p:spPr>
+          <a:xfrm>
+            <a:off x="10223213" y="3301684"/>
+            <a:ext cx="216000" cy="216000"/>
+          </a:xfrm>
+          <a:prstGeom prst="rect">
+            <a:avLst/>
+          </a:prstGeom>
+          <a:solidFill>
+            <a:schemeClr val="bg1">
+              <a:lumMod val="50000"/>
+            </a:schemeClr>
+          </a:solidFill>
+        </p:spPr>
+        <p:style>
+          <a:lnRef idx="2">
+            <a:schemeClr val="accent1">
+              <a:shade val="50000"/>
+            </a:schemeClr>
+          </a:lnRef>
+          <a:fillRef idx="1">
+            <a:schemeClr val="accent1"/>
+          </a:fillRef>
+          <a:effectRef idx="0">
+            <a:schemeClr val="accent1"/>
+          </a:effectRef>
+          <a:fontRef idx="minor">
+            <a:schemeClr val="lt1"/>
+          </a:fontRef>
+        </p:style>
+        <p:txBody>
+          <a:bodyPr rtlCol="0" anchor="ctr"/>
+          <a:lstStyle/>
+          <a:p>
+            <a:pPr algn="ctr"/>
+            <a:endParaRPr lang="fr-FR"/>
+          </a:p>
+        </p:txBody>
+      </p:sp>
+      <p:sp>
+        <p:nvSpPr>
+          <p:cNvPr id="56" name="Rectangle 55"/>
+          <p:cNvSpPr/>
+          <p:nvPr/>
+        </p:nvSpPr>
+        <p:spPr>
+          <a:xfrm>
+            <a:off x="10222809" y="3929717"/>
+            <a:ext cx="216000" cy="216000"/>
+          </a:xfrm>
+          <a:prstGeom prst="rect">
+            <a:avLst/>
+          </a:prstGeom>
+          <a:solidFill>
+            <a:schemeClr val="accent1"/>
+          </a:solidFill>
+        </p:spPr>
+        <p:style>
+          <a:lnRef idx="2">
+            <a:schemeClr val="accent1">
+              <a:shade val="50000"/>
+            </a:schemeClr>
+          </a:lnRef>
+          <a:fillRef idx="1">
+            <a:schemeClr val="accent1"/>
+          </a:fillRef>
+          <a:effectRef idx="0">
+            <a:schemeClr val="accent1"/>
+          </a:effectRef>
+          <a:fontRef idx="minor">
+            <a:schemeClr val="lt1"/>
+          </a:fontRef>
+        </p:style>
+        <p:txBody>
+          <a:bodyPr rtlCol="0" anchor="ctr"/>
+          <a:lstStyle/>
+          <a:p>
+            <a:pPr algn="ctr"/>
+            <a:endParaRPr lang="fr-FR"/>
+          </a:p>
+        </p:txBody>
+      </p:sp>
+      <p:sp>
+        <p:nvSpPr>
+          <p:cNvPr id="63" name="Rectangle 62"/>
+          <p:cNvSpPr/>
+          <p:nvPr/>
+        </p:nvSpPr>
+        <p:spPr>
+          <a:xfrm>
+            <a:off x="10222809" y="4321574"/>
+            <a:ext cx="216000" cy="216000"/>
+          </a:xfrm>
+          <a:prstGeom prst="rect">
+            <a:avLst/>
+          </a:prstGeom>
+          <a:solidFill>
+            <a:srgbClr val="00B050"/>
+          </a:solidFill>
+        </p:spPr>
+        <p:style>
+          <a:lnRef idx="2">
+            <a:schemeClr val="accent1">
+              <a:shade val="50000"/>
+            </a:schemeClr>
+          </a:lnRef>
+          <a:fillRef idx="1">
+            <a:schemeClr val="accent1"/>
+          </a:fillRef>
+          <a:effectRef idx="0">
+            <a:schemeClr val="accent1"/>
+          </a:effectRef>
+          <a:fontRef idx="minor">
+            <a:schemeClr val="lt1"/>
+          </a:fontRef>
+        </p:style>
+        <p:txBody>
+          <a:bodyPr rtlCol="0" anchor="ctr"/>
+          <a:lstStyle/>
+          <a:p>
+            <a:pPr algn="ctr"/>
+            <a:endParaRPr lang="fr-FR"/>
+          </a:p>
+        </p:txBody>
+      </p:sp>
+      <p:pic>
+        <p:nvPicPr>
+          <p:cNvPr id="67" name="Image 66"/>
+          <p:cNvPicPr>
+            <a:picLocks noChangeAspect="1"/>
+          </p:cNvPicPr>
+          <p:nvPr/>
+        </p:nvPicPr>
+        <p:blipFill>
+          <a:blip r:embed="rId3">
+            <a:extLst>
+              <a:ext uri="{28A0092B-C50C-407E-A947-70E740481C1C}">
+                <a14:useLocalDpi xmlns:a14="http://schemas.microsoft.com/office/drawing/2010/main" val="0"/>
+              </a:ext>
+            </a:extLst>
+          </a:blip>
+          <a:stretch>
+            <a:fillRect/>
+          </a:stretch>
+        </p:blipFill>
+        <p:spPr>
+          <a:xfrm>
+            <a:off x="10828964" y="6164996"/>
+            <a:ext cx="1146147" cy="397730"/>
+          </a:xfrm>
+          <a:prstGeom prst="rect">
+            <a:avLst/>
+          </a:prstGeom>
+        </p:spPr>
+      </p:pic>
     </p:spTree>
     <p:extLst>
       <p:ext uri="{BB962C8B-B14F-4D97-AF65-F5344CB8AC3E}">
